--- a/2017-5 - 10 gruppo 8.pptx
+++ b/2017-5 - 10 gruppo 8.pptx
@@ -5,7 +5,7 @@
     <p:sldMasterId id="2147483732" r:id="rId1"/>
   </p:sldMasterIdLst>
   <p:notesMasterIdLst>
-    <p:notesMasterId r:id="rId7"/>
+    <p:notesMasterId r:id="rId19"/>
   </p:notesMasterIdLst>
   <p:sldIdLst>
     <p:sldId id="256" r:id="rId2"/>
@@ -13,6 +13,18 @@
     <p:sldId id="258" r:id="rId4"/>
     <p:sldId id="259" r:id="rId5"/>
     <p:sldId id="260" r:id="rId6"/>
+    <p:sldId id="261" r:id="rId7"/>
+    <p:sldId id="262" r:id="rId8"/>
+    <p:sldId id="266" r:id="rId9"/>
+    <p:sldId id="267" r:id="rId10"/>
+    <p:sldId id="268" r:id="rId11"/>
+    <p:sldId id="270" r:id="rId12"/>
+    <p:sldId id="271" r:id="rId13"/>
+    <p:sldId id="275" r:id="rId14"/>
+    <p:sldId id="276" r:id="rId15"/>
+    <p:sldId id="277" r:id="rId16"/>
+    <p:sldId id="279" r:id="rId17"/>
+    <p:sldId id="280" r:id="rId18"/>
   </p:sldIdLst>
   <p:sldSz cx="12192000" cy="6858000"/>
   <p:notesSz cx="6858000" cy="9144000"/>
@@ -111,6 +123,48 @@
       </a:defRPr>
     </a:lvl9pPr>
   </p:defaultTextStyle>
+  <p:extLst>
+    <p:ext uri="{521415D9-36F7-43E2-AB2F-B90AF26B5E84}">
+      <p14:sectionLst xmlns:p14="http://schemas.microsoft.com/office/powerpoint/2010/main">
+        <p14:section name="Sezione predefinita" id="{E0F5B197-CCD8-4FE2-A7DE-E5B427B19C99}">
+          <p14:sldIdLst>
+            <p14:sldId id="256"/>
+            <p14:sldId id="257"/>
+          </p14:sldIdLst>
+        </p14:section>
+        <p14:section name="Descrittive" id="{9C3B7421-A4A7-4AAF-8D5F-80E71D83E2A4}">
+          <p14:sldIdLst>
+            <p14:sldId id="258"/>
+            <p14:sldId id="259"/>
+            <p14:sldId id="260"/>
+            <p14:sldId id="261"/>
+          </p14:sldIdLst>
+        </p14:section>
+        <p14:section name="Non parametriche" id="{54DB201B-18D2-4FD1-9CDA-3FDC68748164}">
+          <p14:sldIdLst>
+            <p14:sldId id="262"/>
+            <p14:sldId id="266"/>
+            <p14:sldId id="267"/>
+            <p14:sldId id="268"/>
+            <p14:sldId id="270"/>
+            <p14:sldId id="271"/>
+            <p14:sldId id="275"/>
+            <p14:sldId id="276"/>
+            <p14:sldId id="277"/>
+          </p14:sldIdLst>
+        </p14:section>
+        <p14:section name="Modelli di Cox" id="{35B3E83D-6F2A-4BBD-A43E-85D2D6B56862}">
+          <p14:sldIdLst>
+            <p14:sldId id="279"/>
+            <p14:sldId id="280"/>
+          </p14:sldIdLst>
+        </p14:section>
+      </p14:sectionLst>
+    </p:ext>
+    <p:ext uri="{EFAFB233-063F-42B5-8137-9DF3F51BA10A}">
+      <p15:sldGuideLst xmlns:p15="http://schemas.microsoft.com/office/powerpoint/2012/main"/>
+    </p:ext>
+  </p:extLst>
 </p:presentation>
 </file>
 
@@ -587,6 +641,479 @@
 </p:notes>
 </file>
 
+<file path=ppt/notesSlides/notesSlide10.xml><?xml version="1.0" encoding="utf-8"?>
+<p:notes xmlns:a="http://schemas.openxmlformats.org/drawingml/2006/main" xmlns:r="http://schemas.openxmlformats.org/officeDocument/2006/relationships" xmlns:p="http://schemas.openxmlformats.org/presentationml/2006/main">
+  <p:cSld>
+    <p:spTree>
+      <p:nvGrpSpPr>
+        <p:cNvPr id="1" name=""/>
+        <p:cNvGrpSpPr/>
+        <p:nvPr/>
+      </p:nvGrpSpPr>
+      <p:grpSpPr>
+        <a:xfrm>
+          <a:off x="0" y="0"/>
+          <a:ext cx="0" cy="0"/>
+          <a:chOff x="0" y="0"/>
+          <a:chExt cx="0" cy="0"/>
+        </a:xfrm>
+      </p:grpSpPr>
+      <p:sp>
+        <p:nvSpPr>
+          <p:cNvPr id="2" name="Segnaposto immagine diapositiva 1"/>
+          <p:cNvSpPr>
+            <a:spLocks noGrp="1" noRot="1" noChangeAspect="1"/>
+          </p:cNvSpPr>
+          <p:nvPr>
+            <p:ph type="sldImg"/>
+          </p:nvPr>
+        </p:nvSpPr>
+        <p:spPr/>
+      </p:sp>
+      <p:sp>
+        <p:nvSpPr>
+          <p:cNvPr id="3" name="Segnaposto note 2"/>
+          <p:cNvSpPr>
+            <a:spLocks noGrp="1"/>
+          </p:cNvSpPr>
+          <p:nvPr>
+            <p:ph type="body" idx="1"/>
+          </p:nvPr>
+        </p:nvSpPr>
+        <p:spPr/>
+        <p:txBody>
+          <a:bodyPr/>
+          <a:lstStyle/>
+          <a:p>
+            <a:pPr marL="0" marR="0" lvl="0" indent="0" algn="l" defTabSz="914400" rtl="0" eaLnBrk="1" fontAlgn="auto" latinLnBrk="0" hangingPunct="1">
+              <a:lnSpc>
+                <a:spcPct val="100000"/>
+              </a:lnSpc>
+              <a:spcBef>
+                <a:spcPts val="0"/>
+              </a:spcBef>
+              <a:spcAft>
+                <a:spcPts val="0"/>
+              </a:spcAft>
+              <a:buClrTx/>
+              <a:buSzTx/>
+              <a:buFontTx/>
+              <a:buNone/>
+              <a:tabLst/>
+              <a:defRPr/>
+            </a:pPr>
+            <a:r>
+              <a:rPr lang="nn-NO" sz="1200" b="0" i="0" u="none" strike="noStrike" kern="1200" baseline="0" dirty="0" smtClean="0">
+                <a:solidFill>
+                  <a:schemeClr val="tx1"/>
+                </a:solidFill>
+                <a:latin typeface="+mn-lt"/>
+                <a:ea typeface="+mn-ea"/>
+                <a:cs typeface="+mn-cs"/>
+              </a:rPr>
+              <a:t>Dallo studio condotto da N. C. Arslan, S. Sokmen vediamo che le curve di sopravvienza per LNR sono compatibili (le nostre a destra). </a:t>
+            </a:r>
+            <a:endParaRPr lang="it-IT" dirty="0" smtClean="0"/>
+          </a:p>
+          <a:p>
+            <a:r>
+              <a:rPr lang="it-IT" dirty="0" smtClean="0"/>
+              <a:t>Da questo</a:t>
+            </a:r>
+            <a:r>
+              <a:rPr lang="it-IT" baseline="0" dirty="0" smtClean="0"/>
+              <a:t> possiamo dire che l’analisi da noi condotta conferma lo studio precedentemente citato. </a:t>
+            </a:r>
+            <a:endParaRPr lang="it-IT" dirty="0"/>
+          </a:p>
+        </p:txBody>
+      </p:sp>
+      <p:sp>
+        <p:nvSpPr>
+          <p:cNvPr id="4" name="Segnaposto numero diapositiva 3"/>
+          <p:cNvSpPr>
+            <a:spLocks noGrp="1"/>
+          </p:cNvSpPr>
+          <p:nvPr>
+            <p:ph type="sldNum" sz="quarter" idx="10"/>
+          </p:nvPr>
+        </p:nvSpPr>
+        <p:spPr/>
+        <p:txBody>
+          <a:bodyPr/>
+          <a:lstStyle/>
+          <a:p>
+            <a:fld id="{BA521C96-A9D3-4B92-95F8-5669AF865DB6}" type="slidenum">
+              <a:rPr lang="it-IT" smtClean="0"/>
+              <a:t>14</a:t>
+            </a:fld>
+            <a:endParaRPr lang="it-IT"/>
+          </a:p>
+        </p:txBody>
+      </p:sp>
+    </p:spTree>
+    <p:extLst>
+      <p:ext uri="{BB962C8B-B14F-4D97-AF65-F5344CB8AC3E}">
+        <p14:creationId xmlns:p14="http://schemas.microsoft.com/office/powerpoint/2010/main" val="371058099"/>
+      </p:ext>
+    </p:extLst>
+  </p:cSld>
+  <p:clrMapOvr>
+    <a:masterClrMapping/>
+  </p:clrMapOvr>
+</p:notes>
+</file>
+
+<file path=ppt/notesSlides/notesSlide11.xml><?xml version="1.0" encoding="utf-8"?>
+<p:notes xmlns:a="http://schemas.openxmlformats.org/drawingml/2006/main" xmlns:r="http://schemas.openxmlformats.org/officeDocument/2006/relationships" xmlns:p="http://schemas.openxmlformats.org/presentationml/2006/main">
+  <p:cSld>
+    <p:spTree>
+      <p:nvGrpSpPr>
+        <p:cNvPr id="1" name=""/>
+        <p:cNvGrpSpPr/>
+        <p:nvPr/>
+      </p:nvGrpSpPr>
+      <p:grpSpPr>
+        <a:xfrm>
+          <a:off x="0" y="0"/>
+          <a:ext cx="0" cy="0"/>
+          <a:chOff x="0" y="0"/>
+          <a:chExt cx="0" cy="0"/>
+        </a:xfrm>
+      </p:grpSpPr>
+      <p:sp>
+        <p:nvSpPr>
+          <p:cNvPr id="2" name="Segnaposto immagine diapositiva 1"/>
+          <p:cNvSpPr>
+            <a:spLocks noGrp="1" noRot="1" noChangeAspect="1"/>
+          </p:cNvSpPr>
+          <p:nvPr>
+            <p:ph type="sldImg"/>
+          </p:nvPr>
+        </p:nvSpPr>
+        <p:spPr/>
+      </p:sp>
+      <p:sp>
+        <p:nvSpPr>
+          <p:cNvPr id="3" name="Segnaposto note 2"/>
+          <p:cNvSpPr>
+            <a:spLocks noGrp="1"/>
+          </p:cNvSpPr>
+          <p:nvPr>
+            <p:ph type="body" idx="1"/>
+          </p:nvPr>
+        </p:nvSpPr>
+        <p:spPr/>
+        <p:txBody>
+          <a:bodyPr/>
+          <a:lstStyle/>
+          <a:p>
+            <a:r>
+              <a:rPr lang="it-IT" dirty="0" smtClean="0"/>
+              <a:t>Queste sono le curve della</a:t>
+            </a:r>
+            <a:r>
+              <a:rPr lang="it-IT" baseline="0" dirty="0" smtClean="0"/>
+              <a:t> sopravvivenza per il </a:t>
+            </a:r>
+            <a:r>
+              <a:rPr lang="it-IT" baseline="0" dirty="0" err="1" smtClean="0"/>
+              <a:t>disease</a:t>
+            </a:r>
+            <a:r>
+              <a:rPr lang="it-IT" baseline="0" dirty="0" smtClean="0"/>
+              <a:t> free. Anche in questo caso notiamo che la classe LNR 2 e la classe LODDS 2 sono significativamente differenti rispetto ai restanti. </a:t>
+            </a:r>
+            <a:endParaRPr lang="it-IT" dirty="0"/>
+          </a:p>
+        </p:txBody>
+      </p:sp>
+      <p:sp>
+        <p:nvSpPr>
+          <p:cNvPr id="4" name="Segnaposto numero diapositiva 3"/>
+          <p:cNvSpPr>
+            <a:spLocks noGrp="1"/>
+          </p:cNvSpPr>
+          <p:nvPr>
+            <p:ph type="sldNum" sz="quarter" idx="10"/>
+          </p:nvPr>
+        </p:nvSpPr>
+        <p:spPr/>
+        <p:txBody>
+          <a:bodyPr/>
+          <a:lstStyle/>
+          <a:p>
+            <a:fld id="{BA521C96-A9D3-4B92-95F8-5669AF865DB6}" type="slidenum">
+              <a:rPr lang="it-IT" smtClean="0"/>
+              <a:t>15</a:t>
+            </a:fld>
+            <a:endParaRPr lang="it-IT"/>
+          </a:p>
+        </p:txBody>
+      </p:sp>
+    </p:spTree>
+    <p:extLst>
+      <p:ext uri="{BB962C8B-B14F-4D97-AF65-F5344CB8AC3E}">
+        <p14:creationId xmlns:p14="http://schemas.microsoft.com/office/powerpoint/2010/main" val="3886210708"/>
+      </p:ext>
+    </p:extLst>
+  </p:cSld>
+  <p:clrMapOvr>
+    <a:masterClrMapping/>
+  </p:clrMapOvr>
+</p:notes>
+</file>
+
+<file path=ppt/notesSlides/notesSlide12.xml><?xml version="1.0" encoding="utf-8"?>
+<p:notes xmlns:a="http://schemas.openxmlformats.org/drawingml/2006/main" xmlns:r="http://schemas.openxmlformats.org/officeDocument/2006/relationships" xmlns:p="http://schemas.openxmlformats.org/presentationml/2006/main">
+  <p:cSld>
+    <p:spTree>
+      <p:nvGrpSpPr>
+        <p:cNvPr id="1" name=""/>
+        <p:cNvGrpSpPr/>
+        <p:nvPr/>
+      </p:nvGrpSpPr>
+      <p:grpSpPr>
+        <a:xfrm>
+          <a:off x="0" y="0"/>
+          <a:ext cx="0" cy="0"/>
+          <a:chOff x="0" y="0"/>
+          <a:chExt cx="0" cy="0"/>
+        </a:xfrm>
+      </p:grpSpPr>
+      <p:sp>
+        <p:nvSpPr>
+          <p:cNvPr id="2" name="Segnaposto immagine diapositiva 1"/>
+          <p:cNvSpPr>
+            <a:spLocks noGrp="1" noRot="1" noChangeAspect="1"/>
+          </p:cNvSpPr>
+          <p:nvPr>
+            <p:ph type="sldImg"/>
+          </p:nvPr>
+        </p:nvSpPr>
+        <p:spPr/>
+      </p:sp>
+      <p:sp>
+        <p:nvSpPr>
+          <p:cNvPr id="3" name="Segnaposto note 2"/>
+          <p:cNvSpPr>
+            <a:spLocks noGrp="1"/>
+          </p:cNvSpPr>
+          <p:nvPr>
+            <p:ph type="body" idx="1"/>
+          </p:nvPr>
+        </p:nvSpPr>
+        <p:spPr/>
+        <p:txBody>
+          <a:bodyPr/>
+          <a:lstStyle/>
+          <a:p>
+            <a:r>
+              <a:rPr lang="it-IT" dirty="0" smtClean="0"/>
+              <a:t>Abbiamo</a:t>
+            </a:r>
+            <a:r>
+              <a:rPr lang="it-IT" baseline="0" dirty="0" smtClean="0"/>
+              <a:t> modo di credere che l’ipotesi dei rischi proporzionali non sia rispettata. Pertanto il modello di </a:t>
+            </a:r>
+            <a:r>
+              <a:rPr lang="it-IT" baseline="0" dirty="0" err="1" smtClean="0"/>
+              <a:t>Cox</a:t>
+            </a:r>
+            <a:r>
+              <a:rPr lang="it-IT" baseline="0" dirty="0" smtClean="0"/>
+              <a:t> che stiamo per proporre probabilmente è errato.</a:t>
+            </a:r>
+            <a:endParaRPr lang="it-IT" dirty="0"/>
+          </a:p>
+        </p:txBody>
+      </p:sp>
+      <p:sp>
+        <p:nvSpPr>
+          <p:cNvPr id="4" name="Segnaposto numero diapositiva 3"/>
+          <p:cNvSpPr>
+            <a:spLocks noGrp="1"/>
+          </p:cNvSpPr>
+          <p:nvPr>
+            <p:ph type="sldNum" sz="quarter" idx="10"/>
+          </p:nvPr>
+        </p:nvSpPr>
+        <p:spPr/>
+        <p:txBody>
+          <a:bodyPr/>
+          <a:lstStyle/>
+          <a:p>
+            <a:fld id="{BA521C96-A9D3-4B92-95F8-5669AF865DB6}" type="slidenum">
+              <a:rPr lang="it-IT" smtClean="0"/>
+              <a:t>16</a:t>
+            </a:fld>
+            <a:endParaRPr lang="it-IT"/>
+          </a:p>
+        </p:txBody>
+      </p:sp>
+    </p:spTree>
+    <p:extLst>
+      <p:ext uri="{BB962C8B-B14F-4D97-AF65-F5344CB8AC3E}">
+        <p14:creationId xmlns:p14="http://schemas.microsoft.com/office/powerpoint/2010/main" val="2604708004"/>
+      </p:ext>
+    </p:extLst>
+  </p:cSld>
+  <p:clrMapOvr>
+    <a:masterClrMapping/>
+  </p:clrMapOvr>
+</p:notes>
+</file>
+
+<file path=ppt/notesSlides/notesSlide13.xml><?xml version="1.0" encoding="utf-8"?>
+<p:notes xmlns:a="http://schemas.openxmlformats.org/drawingml/2006/main" xmlns:r="http://schemas.openxmlformats.org/officeDocument/2006/relationships" xmlns:p="http://schemas.openxmlformats.org/presentationml/2006/main">
+  <p:cSld>
+    <p:spTree>
+      <p:nvGrpSpPr>
+        <p:cNvPr id="1" name=""/>
+        <p:cNvGrpSpPr/>
+        <p:nvPr/>
+      </p:nvGrpSpPr>
+      <p:grpSpPr>
+        <a:xfrm>
+          <a:off x="0" y="0"/>
+          <a:ext cx="0" cy="0"/>
+          <a:chOff x="0" y="0"/>
+          <a:chExt cx="0" cy="0"/>
+        </a:xfrm>
+      </p:grpSpPr>
+      <p:sp>
+        <p:nvSpPr>
+          <p:cNvPr id="2" name="Segnaposto immagine diapositiva 1"/>
+          <p:cNvSpPr>
+            <a:spLocks noGrp="1" noRot="1" noChangeAspect="1"/>
+          </p:cNvSpPr>
+          <p:nvPr>
+            <p:ph type="sldImg"/>
+          </p:nvPr>
+        </p:nvSpPr>
+        <p:spPr/>
+      </p:sp>
+      <p:sp>
+        <p:nvSpPr>
+          <p:cNvPr id="3" name="Segnaposto note 2"/>
+          <p:cNvSpPr>
+            <a:spLocks noGrp="1"/>
+          </p:cNvSpPr>
+          <p:nvPr>
+            <p:ph type="body" idx="1"/>
+          </p:nvPr>
+        </p:nvSpPr>
+        <p:spPr/>
+        <p:txBody>
+          <a:bodyPr/>
+          <a:lstStyle/>
+          <a:p>
+            <a:pPr marL="171450" indent="-171450">
+              <a:buFont typeface="Arial" panose="020B0604020202020204" pitchFamily="34" charset="0"/>
+              <a:buChar char="•"/>
+            </a:pPr>
+            <a:r>
+              <a:rPr lang="it-IT" dirty="0" smtClean="0"/>
+              <a:t>Come già visto, il coefficiente riferito alla classe 1 di LNR non è significativo.</a:t>
+            </a:r>
+            <a:r>
+              <a:rPr lang="it-IT" baseline="0" dirty="0" smtClean="0"/>
+              <a:t> </a:t>
+            </a:r>
+            <a:r>
+              <a:rPr lang="it-IT" b="1" dirty="0" smtClean="0"/>
+              <a:t>Il coefficiente relativo alla classe 2, invece, risulta essere significativo. </a:t>
+            </a:r>
+            <a:r>
+              <a:rPr lang="it-IT" dirty="0" smtClean="0"/>
+              <a:t>L'</a:t>
+            </a:r>
+            <a:r>
+              <a:rPr lang="it-IT" dirty="0" err="1" smtClean="0"/>
+              <a:t>hazard</a:t>
+            </a:r>
+            <a:r>
+              <a:rPr lang="it-IT" dirty="0" smtClean="0"/>
+              <a:t> ratio risulta essere, infatti, di 3.055</a:t>
+            </a:r>
+            <a:r>
+              <a:rPr lang="it-IT" baseline="0" dirty="0" smtClean="0"/>
+              <a:t> </a:t>
+            </a:r>
+            <a:r>
+              <a:rPr lang="it-IT" dirty="0" smtClean="0"/>
+              <a:t>con valori che oscillano tra 1.89 e 4.9 con intervalli di confidenza del 95%</a:t>
+            </a:r>
+            <a:br>
+              <a:rPr lang="it-IT" dirty="0" smtClean="0"/>
+            </a:br>
+            <a:endParaRPr lang="it-IT" dirty="0" smtClean="0"/>
+          </a:p>
+          <a:p>
+            <a:pPr marL="171450" indent="-171450">
+              <a:buFont typeface="Arial" panose="020B0604020202020204" pitchFamily="34" charset="0"/>
+              <a:buChar char="•"/>
+            </a:pPr>
+            <a:r>
+              <a:rPr lang="it-IT" dirty="0" smtClean="0"/>
+              <a:t>Situazione analoga per LODDS. La prima classe non risulta significativa pe </a:t>
+            </a:r>
+            <a:r>
+              <a:rPr lang="it-IT" dirty="0" err="1" smtClean="0"/>
+              <a:t>run</a:t>
+            </a:r>
+            <a:r>
+              <a:rPr lang="it-IT" dirty="0" smtClean="0"/>
+              <a:t> intervallo di confidenza del 95%. </a:t>
+            </a:r>
+            <a:r>
+              <a:rPr lang="it-IT" b="1" dirty="0" smtClean="0"/>
+              <a:t>La classe 2, invece, è significativa,</a:t>
+            </a:r>
+            <a:r>
+              <a:rPr lang="it-IT" dirty="0" smtClean="0"/>
+              <a:t> con un HR di 3.8, con intervalli di confidenza al 95% che oscillano da 2.257 a 6.396</a:t>
+            </a:r>
+            <a:endParaRPr lang="it-IT" dirty="0"/>
+          </a:p>
+        </p:txBody>
+      </p:sp>
+      <p:sp>
+        <p:nvSpPr>
+          <p:cNvPr id="4" name="Segnaposto numero diapositiva 3"/>
+          <p:cNvSpPr>
+            <a:spLocks noGrp="1"/>
+          </p:cNvSpPr>
+          <p:nvPr>
+            <p:ph type="sldNum" sz="quarter" idx="10"/>
+          </p:nvPr>
+        </p:nvSpPr>
+        <p:spPr/>
+        <p:txBody>
+          <a:bodyPr/>
+          <a:lstStyle/>
+          <a:p>
+            <a:fld id="{BA521C96-A9D3-4B92-95F8-5669AF865DB6}" type="slidenum">
+              <a:rPr lang="it-IT" smtClean="0"/>
+              <a:t>17</a:t>
+            </a:fld>
+            <a:endParaRPr lang="it-IT"/>
+          </a:p>
+        </p:txBody>
+      </p:sp>
+    </p:spTree>
+    <p:extLst>
+      <p:ext uri="{BB962C8B-B14F-4D97-AF65-F5344CB8AC3E}">
+        <p14:creationId xmlns:p14="http://schemas.microsoft.com/office/powerpoint/2010/main" val="2655930392"/>
+      </p:ext>
+    </p:extLst>
+  </p:cSld>
+  <p:clrMapOvr>
+    <a:masterClrMapping/>
+  </p:clrMapOvr>
+</p:notes>
+</file>
+
 <file path=ppt/notesSlides/notesSlide2.xml><?xml version="1.0" encoding="utf-8"?>
 <p:notes xmlns:a="http://schemas.openxmlformats.org/drawingml/2006/main" xmlns:r="http://schemas.openxmlformats.org/officeDocument/2006/relationships" xmlns:p="http://schemas.openxmlformats.org/presentationml/2006/main">
   <p:cSld>
@@ -692,6 +1219,982 @@
     <p:extLst>
       <p:ext uri="{BB962C8B-B14F-4D97-AF65-F5344CB8AC3E}">
         <p14:creationId xmlns:p14="http://schemas.microsoft.com/office/powerpoint/2010/main" val="2243630574"/>
+      </p:ext>
+    </p:extLst>
+  </p:cSld>
+  <p:clrMapOvr>
+    <a:masterClrMapping/>
+  </p:clrMapOvr>
+</p:notes>
+</file>
+
+<file path=ppt/notesSlides/notesSlide3.xml><?xml version="1.0" encoding="utf-8"?>
+<p:notes xmlns:a="http://schemas.openxmlformats.org/drawingml/2006/main" xmlns:r="http://schemas.openxmlformats.org/officeDocument/2006/relationships" xmlns:p="http://schemas.openxmlformats.org/presentationml/2006/main">
+  <p:cSld>
+    <p:spTree>
+      <p:nvGrpSpPr>
+        <p:cNvPr id="1" name=""/>
+        <p:cNvGrpSpPr/>
+        <p:nvPr/>
+      </p:nvGrpSpPr>
+      <p:grpSpPr>
+        <a:xfrm>
+          <a:off x="0" y="0"/>
+          <a:ext cx="0" cy="0"/>
+          <a:chOff x="0" y="0"/>
+          <a:chExt cx="0" cy="0"/>
+        </a:xfrm>
+      </p:grpSpPr>
+      <p:sp>
+        <p:nvSpPr>
+          <p:cNvPr id="2" name="Segnaposto immagine diapositiva 1"/>
+          <p:cNvSpPr>
+            <a:spLocks noGrp="1" noRot="1" noChangeAspect="1"/>
+          </p:cNvSpPr>
+          <p:nvPr>
+            <p:ph type="sldImg"/>
+          </p:nvPr>
+        </p:nvSpPr>
+        <p:spPr/>
+      </p:sp>
+      <p:sp>
+        <p:nvSpPr>
+          <p:cNvPr id="3" name="Segnaposto note 2"/>
+          <p:cNvSpPr>
+            <a:spLocks noGrp="1"/>
+          </p:cNvSpPr>
+          <p:nvPr>
+            <p:ph type="body" idx="1"/>
+          </p:nvPr>
+        </p:nvSpPr>
+        <p:spPr/>
+        <p:txBody>
+          <a:bodyPr/>
+          <a:lstStyle/>
+          <a:p>
+            <a:r>
+              <a:rPr lang="it-IT" dirty="0" err="1" smtClean="0"/>
+              <a:t>Linfonode</a:t>
+            </a:r>
+            <a:r>
+              <a:rPr lang="it-IT" baseline="0" dirty="0" err="1" smtClean="0"/>
+              <a:t>s</a:t>
+            </a:r>
+            <a:r>
+              <a:rPr lang="it-IT" baseline="0" dirty="0" smtClean="0"/>
+              <a:t> Ratio e Log-</a:t>
+            </a:r>
+            <a:r>
+              <a:rPr lang="it-IT" baseline="0" dirty="0" err="1" smtClean="0"/>
+              <a:t>Odds</a:t>
+            </a:r>
+            <a:r>
+              <a:rPr lang="it-IT" baseline="0" dirty="0" smtClean="0"/>
+              <a:t> </a:t>
+            </a:r>
+            <a:r>
+              <a:rPr lang="it-IT" baseline="0" dirty="0" err="1" smtClean="0"/>
+              <a:t>Linfonodes</a:t>
+            </a:r>
+            <a:endParaRPr lang="it-IT" baseline="0" dirty="0" smtClean="0"/>
+          </a:p>
+          <a:p>
+            <a:r>
+              <a:rPr lang="it-IT" dirty="0" smtClean="0"/>
+              <a:t>Ogni </a:t>
+            </a:r>
+            <a:r>
+              <a:rPr lang="it-IT" dirty="0" err="1" smtClean="0"/>
+              <a:t>varibile</a:t>
+            </a:r>
+            <a:r>
+              <a:rPr lang="it-IT" baseline="0" dirty="0" smtClean="0"/>
+              <a:t> presentava tre modalità. La correlazione tra le due </a:t>
+            </a:r>
+            <a:r>
+              <a:rPr lang="it-IT" baseline="0" dirty="0" err="1" smtClean="0"/>
+              <a:t>varibili</a:t>
+            </a:r>
+            <a:r>
+              <a:rPr lang="it-IT" baseline="0" dirty="0" smtClean="0"/>
+              <a:t> risulta essere di 0.88</a:t>
+            </a:r>
+          </a:p>
+          <a:p>
+            <a:r>
+              <a:rPr lang="it-IT" baseline="0" dirty="0" smtClean="0"/>
+              <a:t>Questo perché LODDS è una trasformazione lineare di LNR. </a:t>
+            </a:r>
+          </a:p>
+          <a:p>
+            <a:r>
+              <a:rPr lang="it-IT" baseline="0" dirty="0" smtClean="0"/>
+              <a:t>Secondo il </a:t>
+            </a:r>
+            <a:r>
+              <a:rPr lang="it-IT" baseline="0" dirty="0" err="1" smtClean="0"/>
+              <a:t>paper</a:t>
+            </a:r>
+            <a:r>
+              <a:rPr lang="it-IT" baseline="0" dirty="0" smtClean="0"/>
+              <a:t>:</a:t>
+            </a:r>
+            <a:endParaRPr lang="it-IT" dirty="0"/>
+          </a:p>
+        </p:txBody>
+      </p:sp>
+      <p:sp>
+        <p:nvSpPr>
+          <p:cNvPr id="4" name="Segnaposto numero diapositiva 3"/>
+          <p:cNvSpPr>
+            <a:spLocks noGrp="1"/>
+          </p:cNvSpPr>
+          <p:nvPr>
+            <p:ph type="sldNum" sz="quarter" idx="10"/>
+          </p:nvPr>
+        </p:nvSpPr>
+        <p:spPr/>
+        <p:txBody>
+          <a:bodyPr/>
+          <a:lstStyle/>
+          <a:p>
+            <a:fld id="{BA521C96-A9D3-4B92-95F8-5669AF865DB6}" type="slidenum">
+              <a:rPr lang="it-IT" smtClean="0"/>
+              <a:t>6</a:t>
+            </a:fld>
+            <a:endParaRPr lang="it-IT"/>
+          </a:p>
+        </p:txBody>
+      </p:sp>
+    </p:spTree>
+    <p:extLst>
+      <p:ext uri="{BB962C8B-B14F-4D97-AF65-F5344CB8AC3E}">
+        <p14:creationId xmlns:p14="http://schemas.microsoft.com/office/powerpoint/2010/main" val="3513532468"/>
+      </p:ext>
+    </p:extLst>
+  </p:cSld>
+  <p:clrMapOvr>
+    <a:masterClrMapping/>
+  </p:clrMapOvr>
+</p:notes>
+</file>
+
+<file path=ppt/notesSlides/notesSlide4.xml><?xml version="1.0" encoding="utf-8"?>
+<p:notes xmlns:a="http://schemas.openxmlformats.org/drawingml/2006/main" xmlns:r="http://schemas.openxmlformats.org/officeDocument/2006/relationships" xmlns:p="http://schemas.openxmlformats.org/presentationml/2006/main">
+  <p:cSld>
+    <p:spTree>
+      <p:nvGrpSpPr>
+        <p:cNvPr id="1" name=""/>
+        <p:cNvGrpSpPr/>
+        <p:nvPr/>
+      </p:nvGrpSpPr>
+      <p:grpSpPr>
+        <a:xfrm>
+          <a:off x="0" y="0"/>
+          <a:ext cx="0" cy="0"/>
+          <a:chOff x="0" y="0"/>
+          <a:chExt cx="0" cy="0"/>
+        </a:xfrm>
+      </p:grpSpPr>
+      <p:sp>
+        <p:nvSpPr>
+          <p:cNvPr id="2" name="Segnaposto immagine diapositiva 1"/>
+          <p:cNvSpPr>
+            <a:spLocks noGrp="1" noRot="1" noChangeAspect="1"/>
+          </p:cNvSpPr>
+          <p:nvPr>
+            <p:ph type="sldImg"/>
+          </p:nvPr>
+        </p:nvSpPr>
+        <p:spPr/>
+      </p:sp>
+      <p:sp>
+        <p:nvSpPr>
+          <p:cNvPr id="3" name="Segnaposto note 2"/>
+          <p:cNvSpPr>
+            <a:spLocks noGrp="1"/>
+          </p:cNvSpPr>
+          <p:nvPr>
+            <p:ph type="body" idx="1"/>
+          </p:nvPr>
+        </p:nvSpPr>
+        <p:spPr/>
+        <p:txBody>
+          <a:bodyPr/>
+          <a:lstStyle/>
+          <a:p>
+            <a:r>
+              <a:rPr lang="it-IT" dirty="0" smtClean="0"/>
+              <a:t>Questa</a:t>
+            </a:r>
+            <a:r>
+              <a:rPr lang="it-IT" baseline="0" dirty="0" smtClean="0"/>
+              <a:t> è la funzione di </a:t>
+            </a:r>
+            <a:r>
+              <a:rPr lang="it-IT" baseline="0" dirty="0" err="1" smtClean="0"/>
+              <a:t>sopravvienza</a:t>
+            </a:r>
+            <a:r>
+              <a:rPr lang="it-IT" baseline="0" dirty="0" smtClean="0"/>
+              <a:t> generale.</a:t>
+            </a:r>
+            <a:endParaRPr lang="it-IT" dirty="0"/>
+          </a:p>
+        </p:txBody>
+      </p:sp>
+      <p:sp>
+        <p:nvSpPr>
+          <p:cNvPr id="4" name="Segnaposto numero diapositiva 3"/>
+          <p:cNvSpPr>
+            <a:spLocks noGrp="1"/>
+          </p:cNvSpPr>
+          <p:nvPr>
+            <p:ph type="sldNum" sz="quarter" idx="10"/>
+          </p:nvPr>
+        </p:nvSpPr>
+        <p:spPr/>
+        <p:txBody>
+          <a:bodyPr/>
+          <a:lstStyle/>
+          <a:p>
+            <a:fld id="{BA521C96-A9D3-4B92-95F8-5669AF865DB6}" type="slidenum">
+              <a:rPr lang="it-IT" smtClean="0"/>
+              <a:t>8</a:t>
+            </a:fld>
+            <a:endParaRPr lang="it-IT"/>
+          </a:p>
+        </p:txBody>
+      </p:sp>
+    </p:spTree>
+    <p:extLst>
+      <p:ext uri="{BB962C8B-B14F-4D97-AF65-F5344CB8AC3E}">
+        <p14:creationId xmlns:p14="http://schemas.microsoft.com/office/powerpoint/2010/main" val="3293549807"/>
+      </p:ext>
+    </p:extLst>
+  </p:cSld>
+  <p:clrMapOvr>
+    <a:masterClrMapping/>
+  </p:clrMapOvr>
+</p:notes>
+</file>
+
+<file path=ppt/notesSlides/notesSlide5.xml><?xml version="1.0" encoding="utf-8"?>
+<p:notes xmlns:a="http://schemas.openxmlformats.org/drawingml/2006/main" xmlns:r="http://schemas.openxmlformats.org/officeDocument/2006/relationships" xmlns:p="http://schemas.openxmlformats.org/presentationml/2006/main">
+  <p:cSld>
+    <p:spTree>
+      <p:nvGrpSpPr>
+        <p:cNvPr id="1" name=""/>
+        <p:cNvGrpSpPr/>
+        <p:nvPr/>
+      </p:nvGrpSpPr>
+      <p:grpSpPr>
+        <a:xfrm>
+          <a:off x="0" y="0"/>
+          <a:ext cx="0" cy="0"/>
+          <a:chOff x="0" y="0"/>
+          <a:chExt cx="0" cy="0"/>
+        </a:xfrm>
+      </p:grpSpPr>
+      <p:sp>
+        <p:nvSpPr>
+          <p:cNvPr id="2" name="Segnaposto immagine diapositiva 1"/>
+          <p:cNvSpPr>
+            <a:spLocks noGrp="1" noRot="1" noChangeAspect="1"/>
+          </p:cNvSpPr>
+          <p:nvPr>
+            <p:ph type="sldImg"/>
+          </p:nvPr>
+        </p:nvSpPr>
+        <p:spPr/>
+      </p:sp>
+      <p:sp>
+        <p:nvSpPr>
+          <p:cNvPr id="3" name="Segnaposto note 2"/>
+          <p:cNvSpPr>
+            <a:spLocks noGrp="1"/>
+          </p:cNvSpPr>
+          <p:nvPr>
+            <p:ph type="body" idx="1"/>
+          </p:nvPr>
+        </p:nvSpPr>
+        <p:spPr/>
+        <p:txBody>
+          <a:bodyPr/>
+          <a:lstStyle/>
+          <a:p>
+            <a:pPr marL="0" marR="0" lvl="0" indent="0" algn="l" defTabSz="914400" rtl="0" eaLnBrk="1" fontAlgn="auto" latinLnBrk="0" hangingPunct="1">
+              <a:lnSpc>
+                <a:spcPct val="100000"/>
+              </a:lnSpc>
+              <a:spcBef>
+                <a:spcPts val="0"/>
+              </a:spcBef>
+              <a:spcAft>
+                <a:spcPts val="0"/>
+              </a:spcAft>
+              <a:buClrTx/>
+              <a:buSzTx/>
+              <a:buFontTx/>
+              <a:buNone/>
+              <a:tabLst/>
+              <a:defRPr/>
+            </a:pPr>
+            <a:r>
+              <a:rPr lang="it-IT" dirty="0" smtClean="0"/>
+              <a:t>Questa</a:t>
+            </a:r>
+            <a:r>
+              <a:rPr lang="it-IT" baseline="0" dirty="0" smtClean="0"/>
+              <a:t> è la funzione di </a:t>
+            </a:r>
+            <a:r>
+              <a:rPr lang="it-IT" baseline="0" dirty="0" err="1" smtClean="0"/>
+              <a:t>sopravvienza</a:t>
+            </a:r>
+            <a:r>
+              <a:rPr lang="it-IT" baseline="0" dirty="0" smtClean="0"/>
+              <a:t> per quanto riguarda il </a:t>
+            </a:r>
+            <a:r>
+              <a:rPr lang="it-IT" baseline="0" dirty="0" err="1" smtClean="0"/>
+              <a:t>disease</a:t>
+            </a:r>
+            <a:r>
+              <a:rPr lang="it-IT" baseline="0" dirty="0" smtClean="0"/>
+              <a:t>-free. Ci accorgiamo che sul </a:t>
+            </a:r>
+            <a:r>
+              <a:rPr lang="it-IT" baseline="0" dirty="0" err="1" smtClean="0"/>
+              <a:t>disease</a:t>
+            </a:r>
+            <a:r>
+              <a:rPr lang="it-IT" baseline="0" dirty="0" smtClean="0"/>
+              <a:t> free la gran parte dei pazienti contrae una ricaduta. </a:t>
+            </a:r>
+            <a:br>
+              <a:rPr lang="it-IT" baseline="0" dirty="0" smtClean="0"/>
+            </a:br>
+            <a:r>
+              <a:rPr lang="it-IT" baseline="0" dirty="0" smtClean="0"/>
+              <a:t>Inoltre il numero dei censurati è molto minore in questo caso.</a:t>
+            </a:r>
+            <a:endParaRPr lang="it-IT" dirty="0" smtClean="0"/>
+          </a:p>
+          <a:p>
+            <a:endParaRPr lang="it-IT" dirty="0"/>
+          </a:p>
+        </p:txBody>
+      </p:sp>
+      <p:sp>
+        <p:nvSpPr>
+          <p:cNvPr id="4" name="Segnaposto numero diapositiva 3"/>
+          <p:cNvSpPr>
+            <a:spLocks noGrp="1"/>
+          </p:cNvSpPr>
+          <p:nvPr>
+            <p:ph type="sldNum" sz="quarter" idx="10"/>
+          </p:nvPr>
+        </p:nvSpPr>
+        <p:spPr/>
+        <p:txBody>
+          <a:bodyPr/>
+          <a:lstStyle/>
+          <a:p>
+            <a:fld id="{BA521C96-A9D3-4B92-95F8-5669AF865DB6}" type="slidenum">
+              <a:rPr lang="it-IT" smtClean="0"/>
+              <a:t>9</a:t>
+            </a:fld>
+            <a:endParaRPr lang="it-IT"/>
+          </a:p>
+        </p:txBody>
+      </p:sp>
+    </p:spTree>
+    <p:extLst>
+      <p:ext uri="{BB962C8B-B14F-4D97-AF65-F5344CB8AC3E}">
+        <p14:creationId xmlns:p14="http://schemas.microsoft.com/office/powerpoint/2010/main" val="446564736"/>
+      </p:ext>
+    </p:extLst>
+  </p:cSld>
+  <p:clrMapOvr>
+    <a:masterClrMapping/>
+  </p:clrMapOvr>
+</p:notes>
+</file>
+
+<file path=ppt/notesSlides/notesSlide6.xml><?xml version="1.0" encoding="utf-8"?>
+<p:notes xmlns:a="http://schemas.openxmlformats.org/drawingml/2006/main" xmlns:r="http://schemas.openxmlformats.org/officeDocument/2006/relationships" xmlns:p="http://schemas.openxmlformats.org/presentationml/2006/main">
+  <p:cSld>
+    <p:spTree>
+      <p:nvGrpSpPr>
+        <p:cNvPr id="1" name=""/>
+        <p:cNvGrpSpPr/>
+        <p:nvPr/>
+      </p:nvGrpSpPr>
+      <p:grpSpPr>
+        <a:xfrm>
+          <a:off x="0" y="0"/>
+          <a:ext cx="0" cy="0"/>
+          <a:chOff x="0" y="0"/>
+          <a:chExt cx="0" cy="0"/>
+        </a:xfrm>
+      </p:grpSpPr>
+      <p:sp>
+        <p:nvSpPr>
+          <p:cNvPr id="2" name="Segnaposto immagine diapositiva 1"/>
+          <p:cNvSpPr>
+            <a:spLocks noGrp="1" noRot="1" noChangeAspect="1"/>
+          </p:cNvSpPr>
+          <p:nvPr>
+            <p:ph type="sldImg"/>
+          </p:nvPr>
+        </p:nvSpPr>
+        <p:spPr/>
+      </p:sp>
+      <p:sp>
+        <p:nvSpPr>
+          <p:cNvPr id="3" name="Segnaposto note 2"/>
+          <p:cNvSpPr>
+            <a:spLocks noGrp="1"/>
+          </p:cNvSpPr>
+          <p:nvPr>
+            <p:ph type="body" idx="1"/>
+          </p:nvPr>
+        </p:nvSpPr>
+        <p:spPr/>
+        <p:txBody>
+          <a:bodyPr/>
+          <a:lstStyle/>
+          <a:p>
+            <a:endParaRPr lang="it-IT" dirty="0"/>
+          </a:p>
+        </p:txBody>
+      </p:sp>
+      <p:sp>
+        <p:nvSpPr>
+          <p:cNvPr id="4" name="Segnaposto numero diapositiva 3"/>
+          <p:cNvSpPr>
+            <a:spLocks noGrp="1"/>
+          </p:cNvSpPr>
+          <p:nvPr>
+            <p:ph type="sldNum" sz="quarter" idx="10"/>
+          </p:nvPr>
+        </p:nvSpPr>
+        <p:spPr/>
+        <p:txBody>
+          <a:bodyPr/>
+          <a:lstStyle/>
+          <a:p>
+            <a:fld id="{BA521C96-A9D3-4B92-95F8-5669AF865DB6}" type="slidenum">
+              <a:rPr lang="it-IT" smtClean="0"/>
+              <a:t>10</a:t>
+            </a:fld>
+            <a:endParaRPr lang="it-IT"/>
+          </a:p>
+        </p:txBody>
+      </p:sp>
+    </p:spTree>
+    <p:extLst>
+      <p:ext uri="{BB962C8B-B14F-4D97-AF65-F5344CB8AC3E}">
+        <p14:creationId xmlns:p14="http://schemas.microsoft.com/office/powerpoint/2010/main" val="3407056482"/>
+      </p:ext>
+    </p:extLst>
+  </p:cSld>
+  <p:clrMapOvr>
+    <a:masterClrMapping/>
+  </p:clrMapOvr>
+</p:notes>
+</file>
+
+<file path=ppt/notesSlides/notesSlide7.xml><?xml version="1.0" encoding="utf-8"?>
+<p:notes xmlns:a="http://schemas.openxmlformats.org/drawingml/2006/main" xmlns:r="http://schemas.openxmlformats.org/officeDocument/2006/relationships" xmlns:p="http://schemas.openxmlformats.org/presentationml/2006/main">
+  <p:cSld>
+    <p:spTree>
+      <p:nvGrpSpPr>
+        <p:cNvPr id="1" name=""/>
+        <p:cNvGrpSpPr/>
+        <p:nvPr/>
+      </p:nvGrpSpPr>
+      <p:grpSpPr>
+        <a:xfrm>
+          <a:off x="0" y="0"/>
+          <a:ext cx="0" cy="0"/>
+          <a:chOff x="0" y="0"/>
+          <a:chExt cx="0" cy="0"/>
+        </a:xfrm>
+      </p:grpSpPr>
+      <p:sp>
+        <p:nvSpPr>
+          <p:cNvPr id="2" name="Segnaposto immagine diapositiva 1"/>
+          <p:cNvSpPr>
+            <a:spLocks noGrp="1" noRot="1" noChangeAspect="1"/>
+          </p:cNvSpPr>
+          <p:nvPr>
+            <p:ph type="sldImg"/>
+          </p:nvPr>
+        </p:nvSpPr>
+        <p:spPr/>
+      </p:sp>
+      <p:sp>
+        <p:nvSpPr>
+          <p:cNvPr id="3" name="Segnaposto note 2"/>
+          <p:cNvSpPr>
+            <a:spLocks noGrp="1"/>
+          </p:cNvSpPr>
+          <p:nvPr>
+            <p:ph type="body" idx="1"/>
+          </p:nvPr>
+        </p:nvSpPr>
+        <p:spPr/>
+        <p:txBody>
+          <a:bodyPr/>
+          <a:lstStyle/>
+          <a:p>
+            <a:r>
+              <a:rPr lang="it-IT" dirty="0" smtClean="0"/>
+              <a:t>Questa è</a:t>
+            </a:r>
+            <a:r>
+              <a:rPr lang="it-IT" baseline="0" dirty="0" smtClean="0"/>
+              <a:t> la curva di </a:t>
+            </a:r>
+            <a:r>
+              <a:rPr lang="it-IT" baseline="0" dirty="0" err="1" smtClean="0"/>
+              <a:t>sopravvienza</a:t>
+            </a:r>
+            <a:r>
+              <a:rPr lang="it-IT" baseline="0" dirty="0" smtClean="0"/>
+              <a:t> per LNR come </a:t>
+            </a:r>
+            <a:r>
+              <a:rPr lang="it-IT" baseline="0" dirty="0" err="1" smtClean="0"/>
+              <a:t>covariata</a:t>
+            </a:r>
+            <a:r>
+              <a:rPr lang="it-IT" baseline="0" dirty="0" smtClean="0"/>
+              <a:t>. </a:t>
+            </a:r>
+            <a:br>
+              <a:rPr lang="it-IT" baseline="0" dirty="0" smtClean="0"/>
+            </a:br>
+            <a:r>
+              <a:rPr lang="it-IT" baseline="0" dirty="0" smtClean="0"/>
+              <a:t>Da questo è possibile notare che:</a:t>
+            </a:r>
+          </a:p>
+          <a:p>
+            <a:pPr marL="171450" indent="-171450">
+              <a:buFont typeface="Arial" panose="020B0604020202020204" pitchFamily="34" charset="0"/>
+              <a:buChar char="•"/>
+            </a:pPr>
+            <a:r>
+              <a:rPr lang="it-IT" baseline="0" dirty="0" smtClean="0"/>
+              <a:t>I soggetti allo stadio 2 rendono a morire più rapidamente rispetto a quelli dei restanti due gruppi</a:t>
+            </a:r>
+          </a:p>
+          <a:p>
+            <a:pPr marL="171450" indent="-171450">
+              <a:buFont typeface="Arial" panose="020B0604020202020204" pitchFamily="34" charset="0"/>
+              <a:buChar char="•"/>
+            </a:pPr>
+            <a:r>
+              <a:rPr lang="it-IT" baseline="0" dirty="0" smtClean="0"/>
+              <a:t>I soggetti allo stadio 0 e 1 non sono significativamente differenti. Lo si vede chiaramente dagli intervalli di confidenza. Lo si nota anche dal modello di </a:t>
+            </a:r>
+            <a:r>
+              <a:rPr lang="it-IT" baseline="0" dirty="0" err="1" smtClean="0"/>
+              <a:t>Cox</a:t>
+            </a:r>
+            <a:r>
+              <a:rPr lang="it-IT" baseline="0" dirty="0" smtClean="0"/>
+              <a:t> </a:t>
+            </a:r>
+            <a:r>
+              <a:rPr lang="it-IT" baseline="0" dirty="0" err="1" smtClean="0"/>
+              <a:t>univariato</a:t>
+            </a:r>
+            <a:r>
+              <a:rPr lang="it-IT" baseline="0" dirty="0" smtClean="0"/>
+              <a:t>, che analizzeremo successivamente. </a:t>
+            </a:r>
+          </a:p>
+          <a:p>
+            <a:pPr marL="0" indent="0">
+              <a:buFont typeface="Arial" panose="020B0604020202020204" pitchFamily="34" charset="0"/>
+              <a:buNone/>
+            </a:pPr>
+            <a:endParaRPr lang="it-IT" baseline="0" dirty="0" smtClean="0"/>
+          </a:p>
+          <a:p>
+            <a:pPr marL="0" marR="0" lvl="0" indent="0" algn="l" defTabSz="914400" rtl="0" eaLnBrk="1" fontAlgn="auto" latinLnBrk="0" hangingPunct="1">
+              <a:lnSpc>
+                <a:spcPct val="100000"/>
+              </a:lnSpc>
+              <a:spcBef>
+                <a:spcPts val="0"/>
+              </a:spcBef>
+              <a:spcAft>
+                <a:spcPts val="0"/>
+              </a:spcAft>
+              <a:buClrTx/>
+              <a:buSzTx/>
+              <a:buFont typeface="Arial" panose="020B0604020202020204" pitchFamily="34" charset="0"/>
+              <a:buNone/>
+              <a:tabLst/>
+              <a:defRPr/>
+            </a:pPr>
+            <a:r>
+              <a:rPr lang="it-IT" baseline="0" dirty="0" smtClean="0"/>
+              <a:t>Rifiutiamo l’ipotesi di uguaglianza tra le curve di sopravvivenza.</a:t>
+            </a:r>
+            <a:endParaRPr lang="it-IT" baseline="0" dirty="0" smtClean="0"/>
+          </a:p>
+          <a:p>
+            <a:pPr marL="0" indent="0">
+              <a:buFont typeface="Arial" panose="020B0604020202020204" pitchFamily="34" charset="0"/>
+              <a:buNone/>
+            </a:pPr>
+            <a:r>
+              <a:rPr lang="it-IT" dirty="0" smtClean="0"/>
+              <a:t>Log </a:t>
+            </a:r>
+            <a:r>
+              <a:rPr lang="it-IT" dirty="0" err="1" smtClean="0"/>
+              <a:t>Rank</a:t>
+            </a:r>
+            <a:r>
+              <a:rPr lang="it-IT" dirty="0" smtClean="0"/>
+              <a:t> </a:t>
+            </a:r>
+            <a:r>
+              <a:rPr lang="it-IT" dirty="0" err="1" smtClean="0"/>
+              <a:t>Tests</a:t>
+            </a:r>
+            <a:r>
+              <a:rPr lang="it-IT" dirty="0" smtClean="0"/>
+              <a:t>: </a:t>
+            </a:r>
+            <a:r>
+              <a:rPr lang="it-IT" dirty="0" err="1" smtClean="0"/>
+              <a:t>p.value</a:t>
+            </a:r>
+            <a:r>
+              <a:rPr lang="it-IT" baseline="0" dirty="0" smtClean="0"/>
+              <a:t> = </a:t>
+            </a:r>
+            <a:r>
+              <a:rPr lang="it-IT" dirty="0" smtClean="0"/>
+              <a:t>6.48e-06</a:t>
+            </a:r>
+            <a:endParaRPr lang="it-IT" baseline="0" dirty="0" smtClean="0"/>
+          </a:p>
+          <a:p>
+            <a:pPr marL="0" indent="0">
+              <a:buFont typeface="Arial" panose="020B0604020202020204" pitchFamily="34" charset="0"/>
+              <a:buNone/>
+            </a:pPr>
+            <a:endParaRPr lang="it-IT" dirty="0"/>
+          </a:p>
+        </p:txBody>
+      </p:sp>
+      <p:sp>
+        <p:nvSpPr>
+          <p:cNvPr id="4" name="Segnaposto numero diapositiva 3"/>
+          <p:cNvSpPr>
+            <a:spLocks noGrp="1"/>
+          </p:cNvSpPr>
+          <p:nvPr>
+            <p:ph type="sldNum" sz="quarter" idx="10"/>
+          </p:nvPr>
+        </p:nvSpPr>
+        <p:spPr/>
+        <p:txBody>
+          <a:bodyPr/>
+          <a:lstStyle/>
+          <a:p>
+            <a:fld id="{BA521C96-A9D3-4B92-95F8-5669AF865DB6}" type="slidenum">
+              <a:rPr lang="it-IT" smtClean="0"/>
+              <a:t>11</a:t>
+            </a:fld>
+            <a:endParaRPr lang="it-IT"/>
+          </a:p>
+        </p:txBody>
+      </p:sp>
+    </p:spTree>
+    <p:extLst>
+      <p:ext uri="{BB962C8B-B14F-4D97-AF65-F5344CB8AC3E}">
+        <p14:creationId xmlns:p14="http://schemas.microsoft.com/office/powerpoint/2010/main" val="2304519608"/>
+      </p:ext>
+    </p:extLst>
+  </p:cSld>
+  <p:clrMapOvr>
+    <a:masterClrMapping/>
+  </p:clrMapOvr>
+</p:notes>
+</file>
+
+<file path=ppt/notesSlides/notesSlide8.xml><?xml version="1.0" encoding="utf-8"?>
+<p:notes xmlns:a="http://schemas.openxmlformats.org/drawingml/2006/main" xmlns:r="http://schemas.openxmlformats.org/officeDocument/2006/relationships" xmlns:p="http://schemas.openxmlformats.org/presentationml/2006/main">
+  <p:cSld>
+    <p:spTree>
+      <p:nvGrpSpPr>
+        <p:cNvPr id="1" name=""/>
+        <p:cNvGrpSpPr/>
+        <p:nvPr/>
+      </p:nvGrpSpPr>
+      <p:grpSpPr>
+        <a:xfrm>
+          <a:off x="0" y="0"/>
+          <a:ext cx="0" cy="0"/>
+          <a:chOff x="0" y="0"/>
+          <a:chExt cx="0" cy="0"/>
+        </a:xfrm>
+      </p:grpSpPr>
+      <p:sp>
+        <p:nvSpPr>
+          <p:cNvPr id="2" name="Segnaposto immagine diapositiva 1"/>
+          <p:cNvSpPr>
+            <a:spLocks noGrp="1" noRot="1" noChangeAspect="1"/>
+          </p:cNvSpPr>
+          <p:nvPr>
+            <p:ph type="sldImg"/>
+          </p:nvPr>
+        </p:nvSpPr>
+        <p:spPr/>
+      </p:sp>
+      <p:sp>
+        <p:nvSpPr>
+          <p:cNvPr id="3" name="Segnaposto note 2"/>
+          <p:cNvSpPr>
+            <a:spLocks noGrp="1"/>
+          </p:cNvSpPr>
+          <p:nvPr>
+            <p:ph type="body" idx="1"/>
+          </p:nvPr>
+        </p:nvSpPr>
+        <p:spPr/>
+        <p:txBody>
+          <a:bodyPr/>
+          <a:lstStyle/>
+          <a:p>
+            <a:r>
+              <a:rPr lang="it-IT" dirty="0" smtClean="0"/>
+              <a:t>Analogamente</a:t>
+            </a:r>
+            <a:r>
+              <a:rPr lang="it-IT" baseline="0" dirty="0" smtClean="0"/>
+              <a:t> a quella per LNR anche in quella di LODDS troviamo che:</a:t>
+            </a:r>
+          </a:p>
+          <a:p>
+            <a:pPr marL="171450" indent="-171450">
+              <a:buFont typeface="Arial" panose="020B0604020202020204" pitchFamily="34" charset="0"/>
+              <a:buChar char="•"/>
+            </a:pPr>
+            <a:r>
+              <a:rPr lang="it-IT" baseline="0" dirty="0" smtClean="0"/>
+              <a:t>I soggetti allo stadio 2 rendono a morire più rapidamente rispetto a quelli dei restanti due gruppi</a:t>
+            </a:r>
+          </a:p>
+          <a:p>
+            <a:pPr marL="171450" indent="-171450">
+              <a:buFont typeface="Arial" panose="020B0604020202020204" pitchFamily="34" charset="0"/>
+              <a:buChar char="•"/>
+            </a:pPr>
+            <a:r>
+              <a:rPr lang="it-IT" baseline="0" dirty="0" smtClean="0"/>
+              <a:t>I soggetti allo stadio 0 e 1 non sono significativamente differenti. Questo non lo si nota bene negli intervalli di confidenza. Nel modello di </a:t>
+            </a:r>
+            <a:r>
+              <a:rPr lang="it-IT" baseline="0" dirty="0" err="1" smtClean="0"/>
+              <a:t>Cox</a:t>
+            </a:r>
+            <a:r>
+              <a:rPr lang="it-IT" baseline="0" dirty="0" smtClean="0"/>
+              <a:t> </a:t>
+            </a:r>
+            <a:r>
+              <a:rPr lang="it-IT" baseline="0" dirty="0" err="1" smtClean="0"/>
+              <a:t>univariato</a:t>
+            </a:r>
+            <a:r>
+              <a:rPr lang="it-IT" baseline="0" dirty="0" smtClean="0"/>
+              <a:t>, però, il coefficiente relativo alla classe 1 risulta non significativo.</a:t>
+            </a:r>
+          </a:p>
+          <a:p>
+            <a:pPr marL="171450" indent="-171450">
+              <a:buFont typeface="Arial" panose="020B0604020202020204" pitchFamily="34" charset="0"/>
+              <a:buChar char="•"/>
+            </a:pPr>
+            <a:endParaRPr lang="it-IT" baseline="0" dirty="0"/>
+          </a:p>
+          <a:p>
+            <a:pPr marL="0" indent="0">
+              <a:buFont typeface="Arial" panose="020B0604020202020204" pitchFamily="34" charset="0"/>
+              <a:buNone/>
+            </a:pPr>
+            <a:r>
+              <a:rPr lang="it-IT" baseline="0" dirty="0" smtClean="0"/>
+              <a:t>Rifiutiamo l’ipotesi di uguaglianza tra le curve di sopravvivenza.</a:t>
+            </a:r>
+            <a:endParaRPr lang="it-IT" baseline="0" dirty="0"/>
+          </a:p>
+          <a:p>
+            <a:pPr marL="0" indent="0">
+              <a:buFont typeface="Arial" panose="020B0604020202020204" pitchFamily="34" charset="0"/>
+              <a:buNone/>
+            </a:pPr>
+            <a:r>
+              <a:rPr lang="it-IT" baseline="0" dirty="0" smtClean="0"/>
+              <a:t>Log </a:t>
+            </a:r>
+            <a:r>
+              <a:rPr lang="it-IT" baseline="0" dirty="0" err="1" smtClean="0"/>
+              <a:t>Rank</a:t>
+            </a:r>
+            <a:r>
+              <a:rPr lang="it-IT" baseline="0" dirty="0" smtClean="0"/>
+              <a:t> Test: </a:t>
+            </a:r>
+            <a:r>
+              <a:rPr lang="it-IT" baseline="0" dirty="0" err="1" smtClean="0"/>
+              <a:t>p.value</a:t>
+            </a:r>
+            <a:r>
+              <a:rPr lang="it-IT" baseline="0" dirty="0" smtClean="0"/>
+              <a:t> = </a:t>
+            </a:r>
+            <a:r>
+              <a:rPr lang="it-IT" dirty="0" smtClean="0"/>
+              <a:t>8.75e-07 </a:t>
+            </a:r>
+            <a:endParaRPr lang="it-IT" baseline="0" dirty="0" smtClean="0"/>
+          </a:p>
+        </p:txBody>
+      </p:sp>
+      <p:sp>
+        <p:nvSpPr>
+          <p:cNvPr id="4" name="Segnaposto numero diapositiva 3"/>
+          <p:cNvSpPr>
+            <a:spLocks noGrp="1"/>
+          </p:cNvSpPr>
+          <p:nvPr>
+            <p:ph type="sldNum" sz="quarter" idx="10"/>
+          </p:nvPr>
+        </p:nvSpPr>
+        <p:spPr/>
+        <p:txBody>
+          <a:bodyPr/>
+          <a:lstStyle/>
+          <a:p>
+            <a:fld id="{BA521C96-A9D3-4B92-95F8-5669AF865DB6}" type="slidenum">
+              <a:rPr lang="it-IT" smtClean="0"/>
+              <a:t>12</a:t>
+            </a:fld>
+            <a:endParaRPr lang="it-IT"/>
+          </a:p>
+        </p:txBody>
+      </p:sp>
+    </p:spTree>
+    <p:extLst>
+      <p:ext uri="{BB962C8B-B14F-4D97-AF65-F5344CB8AC3E}">
+        <p14:creationId xmlns:p14="http://schemas.microsoft.com/office/powerpoint/2010/main" val="3075789732"/>
+      </p:ext>
+    </p:extLst>
+  </p:cSld>
+  <p:clrMapOvr>
+    <a:masterClrMapping/>
+  </p:clrMapOvr>
+</p:notes>
+</file>
+
+<file path=ppt/notesSlides/notesSlide9.xml><?xml version="1.0" encoding="utf-8"?>
+<p:notes xmlns:a="http://schemas.openxmlformats.org/drawingml/2006/main" xmlns:r="http://schemas.openxmlformats.org/officeDocument/2006/relationships" xmlns:p="http://schemas.openxmlformats.org/presentationml/2006/main">
+  <p:cSld>
+    <p:spTree>
+      <p:nvGrpSpPr>
+        <p:cNvPr id="1" name=""/>
+        <p:cNvGrpSpPr/>
+        <p:nvPr/>
+      </p:nvGrpSpPr>
+      <p:grpSpPr>
+        <a:xfrm>
+          <a:off x="0" y="0"/>
+          <a:ext cx="0" cy="0"/>
+          <a:chOff x="0" y="0"/>
+          <a:chExt cx="0" cy="0"/>
+        </a:xfrm>
+      </p:grpSpPr>
+      <p:sp>
+        <p:nvSpPr>
+          <p:cNvPr id="2" name="Segnaposto immagine diapositiva 1"/>
+          <p:cNvSpPr>
+            <a:spLocks noGrp="1" noRot="1" noChangeAspect="1"/>
+          </p:cNvSpPr>
+          <p:nvPr>
+            <p:ph type="sldImg"/>
+          </p:nvPr>
+        </p:nvSpPr>
+        <p:spPr/>
+      </p:sp>
+      <p:sp>
+        <p:nvSpPr>
+          <p:cNvPr id="3" name="Segnaposto note 2"/>
+          <p:cNvSpPr>
+            <a:spLocks noGrp="1"/>
+          </p:cNvSpPr>
+          <p:nvPr>
+            <p:ph type="body" idx="1"/>
+          </p:nvPr>
+        </p:nvSpPr>
+        <p:spPr/>
+        <p:txBody>
+          <a:bodyPr/>
+          <a:lstStyle/>
+          <a:p>
+            <a:r>
+              <a:rPr lang="nn-NO" sz="1200" b="0" i="0" u="none" strike="noStrike" kern="1200" baseline="0" dirty="0" smtClean="0">
+                <a:solidFill>
+                  <a:schemeClr val="tx1"/>
+                </a:solidFill>
+                <a:latin typeface="+mn-lt"/>
+                <a:ea typeface="+mn-ea"/>
+                <a:cs typeface="+mn-cs"/>
+              </a:rPr>
+              <a:t>Dallo studio condotto da N. C. Arslan, S. Sokmen vediamo che le curve di sopravvienza per LODDS sono compatibili (le nostre a destra).</a:t>
+            </a:r>
+            <a:endParaRPr lang="it-IT" dirty="0"/>
+          </a:p>
+        </p:txBody>
+      </p:sp>
+      <p:sp>
+        <p:nvSpPr>
+          <p:cNvPr id="4" name="Segnaposto numero diapositiva 3"/>
+          <p:cNvSpPr>
+            <a:spLocks noGrp="1"/>
+          </p:cNvSpPr>
+          <p:nvPr>
+            <p:ph type="sldNum" sz="quarter" idx="10"/>
+          </p:nvPr>
+        </p:nvSpPr>
+        <p:spPr/>
+        <p:txBody>
+          <a:bodyPr/>
+          <a:lstStyle/>
+          <a:p>
+            <a:fld id="{BA521C96-A9D3-4B92-95F8-5669AF865DB6}" type="slidenum">
+              <a:rPr lang="it-IT" smtClean="0"/>
+              <a:t>13</a:t>
+            </a:fld>
+            <a:endParaRPr lang="it-IT"/>
+          </a:p>
+        </p:txBody>
+      </p:sp>
+    </p:spTree>
+    <p:extLst>
+      <p:ext uri="{BB962C8B-B14F-4D97-AF65-F5344CB8AC3E}">
+        <p14:creationId xmlns:p14="http://schemas.microsoft.com/office/powerpoint/2010/main" val="95015995"/>
       </p:ext>
     </p:extLst>
   </p:cSld>
@@ -4473,8 +5976,227 @@
         </p:blipFill>
         <p:spPr>
           <a:xfrm>
-            <a:off x="5275556" y="236679"/>
+            <a:off x="3936949" y="166890"/>
             <a:ext cx="1707389" cy="1698852"/>
+          </a:xfrm>
+          <a:prstGeom prst="rect">
+            <a:avLst/>
+          </a:prstGeom>
+        </p:spPr>
+      </p:pic>
+      <p:sp>
+        <p:nvSpPr>
+          <p:cNvPr id="4" name="CasellaDiTesto 3"/>
+          <p:cNvSpPr txBox="1"/>
+          <p:nvPr/>
+        </p:nvSpPr>
+        <p:spPr>
+          <a:xfrm>
+            <a:off x="5901180" y="323818"/>
+            <a:ext cx="4114172" cy="1815882"/>
+          </a:xfrm>
+          <a:prstGeom prst="rect">
+            <a:avLst/>
+          </a:prstGeom>
+          <a:noFill/>
+        </p:spPr>
+        <p:txBody>
+          <a:bodyPr wrap="square" rtlCol="0">
+            <a:spAutoFit/>
+          </a:bodyPr>
+          <a:lstStyle/>
+          <a:p>
+            <a:r>
+              <a:rPr lang="it-IT" sz="2800" dirty="0" smtClean="0">
+                <a:solidFill>
+                  <a:srgbClr val="FF0000"/>
+                </a:solidFill>
+                <a:latin typeface="Comic Sans MS" panose="030F0702030302020204" pitchFamily="66" charset="0"/>
+              </a:rPr>
+              <a:t>Alma Mater </a:t>
+            </a:r>
+          </a:p>
+          <a:p>
+            <a:r>
+              <a:rPr lang="it-IT" sz="2800" dirty="0" err="1" smtClean="0">
+                <a:solidFill>
+                  <a:srgbClr val="FF0000"/>
+                </a:solidFill>
+                <a:latin typeface="Comic Sans MS" panose="030F0702030302020204" pitchFamily="66" charset="0"/>
+              </a:rPr>
+              <a:t>Studiorum</a:t>
+            </a:r>
+            <a:r>
+              <a:rPr lang="it-IT" sz="2800" dirty="0" smtClean="0">
+                <a:solidFill>
+                  <a:srgbClr val="FF0000"/>
+                </a:solidFill>
+                <a:latin typeface="Comic Sans MS" panose="030F0702030302020204" pitchFamily="66" charset="0"/>
+              </a:rPr>
+              <a:t> </a:t>
+            </a:r>
+            <a:r>
+              <a:rPr lang="it-IT" sz="2800" dirty="0" err="1" smtClean="0">
+                <a:solidFill>
+                  <a:srgbClr val="FF0000"/>
+                </a:solidFill>
+                <a:latin typeface="Comic Sans MS" panose="030F0702030302020204" pitchFamily="66" charset="0"/>
+              </a:rPr>
+              <a:t>Universitàdi</a:t>
+            </a:r>
+            <a:r>
+              <a:rPr lang="it-IT" sz="2800" dirty="0" smtClean="0">
+                <a:solidFill>
+                  <a:srgbClr val="FF0000"/>
+                </a:solidFill>
+                <a:latin typeface="Comic Sans MS" panose="030F0702030302020204" pitchFamily="66" charset="0"/>
+              </a:rPr>
+              <a:t> </a:t>
+            </a:r>
+            <a:r>
+              <a:rPr lang="it-IT" sz="2800" dirty="0" err="1" smtClean="0">
+                <a:solidFill>
+                  <a:srgbClr val="FF0000"/>
+                </a:solidFill>
+                <a:latin typeface="Comic Sans MS" panose="030F0702030302020204" pitchFamily="66" charset="0"/>
+              </a:rPr>
+              <a:t>Bologa</a:t>
+            </a:r>
+            <a:r>
+              <a:rPr lang="it-IT" sz="2800" dirty="0" smtClean="0">
+                <a:solidFill>
+                  <a:srgbClr val="FF0000"/>
+                </a:solidFill>
+                <a:latin typeface="Comic Sans MS" panose="030F0702030302020204" pitchFamily="66" charset="0"/>
+              </a:rPr>
+              <a:t> AD </a:t>
+            </a:r>
+          </a:p>
+          <a:p>
+            <a:r>
+              <a:rPr lang="it-IT" sz="2800" dirty="0" smtClean="0">
+                <a:solidFill>
+                  <a:srgbClr val="FF0000"/>
+                </a:solidFill>
+                <a:latin typeface="Comic Sans MS" panose="030F0702030302020204" pitchFamily="66" charset="0"/>
+              </a:rPr>
+              <a:t>10888</a:t>
+            </a:r>
+            <a:endParaRPr lang="it-IT" sz="2800" dirty="0">
+              <a:solidFill>
+                <a:srgbClr val="FF0000"/>
+              </a:solidFill>
+              <a:latin typeface="Comic Sans MS" panose="030F0702030302020204" pitchFamily="66" charset="0"/>
+            </a:endParaRPr>
+          </a:p>
+        </p:txBody>
+      </p:sp>
+    </p:spTree>
+    <p:extLst>
+      <p:ext uri="{BB962C8B-B14F-4D97-AF65-F5344CB8AC3E}">
+        <p14:creationId xmlns:p14="http://schemas.microsoft.com/office/powerpoint/2010/main" val="3348442330"/>
+      </p:ext>
+    </p:extLst>
+  </p:cSld>
+  <p:clrMapOvr>
+    <a:masterClrMapping/>
+  </p:clrMapOvr>
+  <p:timing>
+    <p:tnLst>
+      <p:par>
+        <p:cTn id="1" dur="indefinite" restart="never" nodeType="tmRoot"/>
+      </p:par>
+    </p:tnLst>
+  </p:timing>
+</p:sld>
+</file>
+
+<file path=ppt/slides/slide10.xml><?xml version="1.0" encoding="utf-8"?>
+<p:sld xmlns:a="http://schemas.openxmlformats.org/drawingml/2006/main" xmlns:r="http://schemas.openxmlformats.org/officeDocument/2006/relationships" xmlns:p="http://schemas.openxmlformats.org/presentationml/2006/main">
+  <p:cSld>
+    <p:spTree>
+      <p:nvGrpSpPr>
+        <p:cNvPr id="1" name=""/>
+        <p:cNvGrpSpPr/>
+        <p:nvPr/>
+      </p:nvGrpSpPr>
+      <p:grpSpPr>
+        <a:xfrm>
+          <a:off x="0" y="0"/>
+          <a:ext cx="0" cy="0"/>
+          <a:chOff x="0" y="0"/>
+          <a:chExt cx="0" cy="0"/>
+        </a:xfrm>
+      </p:grpSpPr>
+      <p:sp>
+        <p:nvSpPr>
+          <p:cNvPr id="2" name="Titolo 1"/>
+          <p:cNvSpPr>
+            <a:spLocks noGrp="1"/>
+          </p:cNvSpPr>
+          <p:nvPr>
+            <p:ph type="title"/>
+          </p:nvPr>
+        </p:nvSpPr>
+        <p:spPr/>
+        <p:txBody>
+          <a:bodyPr/>
+          <a:lstStyle/>
+          <a:p>
+            <a:r>
+              <a:rPr lang="it-IT" dirty="0" smtClean="0"/>
+              <a:t>Confronto funzioni cumulative di rischio</a:t>
+            </a:r>
+            <a:endParaRPr lang="it-IT" dirty="0"/>
+          </a:p>
+        </p:txBody>
+      </p:sp>
+      <p:pic>
+        <p:nvPicPr>
+          <p:cNvPr id="5" name="Segnaposto contenuto 4"/>
+          <p:cNvPicPr>
+            <a:picLocks noGrp="1" noChangeAspect="1"/>
+          </p:cNvPicPr>
+          <p:nvPr>
+            <p:ph sz="half" idx="1"/>
+          </p:nvPr>
+        </p:nvPicPr>
+        <p:blipFill>
+          <a:blip r:embed="rId3"/>
+          <a:stretch>
+            <a:fillRect/>
+          </a:stretch>
+        </p:blipFill>
+        <p:spPr>
+          <a:xfrm>
+            <a:off x="1097280" y="1846262"/>
+            <a:ext cx="4900671" cy="4450365"/>
+          </a:xfrm>
+          <a:prstGeom prst="rect">
+            <a:avLst/>
+          </a:prstGeom>
+        </p:spPr>
+      </p:pic>
+      <p:pic>
+        <p:nvPicPr>
+          <p:cNvPr id="6" name="Segnaposto contenuto 5"/>
+          <p:cNvPicPr>
+            <a:picLocks noGrp="1" noChangeAspect="1"/>
+          </p:cNvPicPr>
+          <p:nvPr>
+            <p:ph sz="half" idx="2"/>
+          </p:nvPr>
+        </p:nvPicPr>
+        <p:blipFill>
+          <a:blip r:embed="rId4"/>
+          <a:stretch>
+            <a:fillRect/>
+          </a:stretch>
+        </p:blipFill>
+        <p:spPr>
+          <a:xfrm>
+            <a:off x="6255009" y="1846263"/>
+            <a:ext cx="4900671" cy="4450365"/>
           </a:xfrm>
           <a:prstGeom prst="rect">
             <a:avLst/>
@@ -4484,7 +6206,589 @@
     </p:spTree>
     <p:extLst>
       <p:ext uri="{BB962C8B-B14F-4D97-AF65-F5344CB8AC3E}">
-        <p14:creationId xmlns:p14="http://schemas.microsoft.com/office/powerpoint/2010/main" val="3348442330"/>
+        <p14:creationId xmlns:p14="http://schemas.microsoft.com/office/powerpoint/2010/main" val="239332255"/>
+      </p:ext>
+    </p:extLst>
+  </p:cSld>
+  <p:clrMapOvr>
+    <a:masterClrMapping/>
+  </p:clrMapOvr>
+</p:sld>
+</file>
+
+<file path=ppt/slides/slide11.xml><?xml version="1.0" encoding="utf-8"?>
+<p:sld xmlns:a="http://schemas.openxmlformats.org/drawingml/2006/main" xmlns:r="http://schemas.openxmlformats.org/officeDocument/2006/relationships" xmlns:p="http://schemas.openxmlformats.org/presentationml/2006/main">
+  <p:cSld>
+    <p:spTree>
+      <p:nvGrpSpPr>
+        <p:cNvPr id="1" name=""/>
+        <p:cNvGrpSpPr/>
+        <p:nvPr/>
+      </p:nvGrpSpPr>
+      <p:grpSpPr>
+        <a:xfrm>
+          <a:off x="0" y="0"/>
+          <a:ext cx="0" cy="0"/>
+          <a:chOff x="0" y="0"/>
+          <a:chExt cx="0" cy="0"/>
+        </a:xfrm>
+      </p:grpSpPr>
+      <p:pic>
+        <p:nvPicPr>
+          <p:cNvPr id="4" name="Immagine 3"/>
+          <p:cNvPicPr>
+            <a:picLocks noChangeAspect="1"/>
+          </p:cNvPicPr>
+          <p:nvPr/>
+        </p:nvPicPr>
+        <p:blipFill>
+          <a:blip r:embed="rId3"/>
+          <a:stretch>
+            <a:fillRect/>
+          </a:stretch>
+        </p:blipFill>
+        <p:spPr>
+          <a:xfrm>
+            <a:off x="498216" y="0"/>
+            <a:ext cx="11354260" cy="6215275"/>
+          </a:xfrm>
+          <a:prstGeom prst="rect">
+            <a:avLst/>
+          </a:prstGeom>
+        </p:spPr>
+      </p:pic>
+    </p:spTree>
+    <p:extLst>
+      <p:ext uri="{BB962C8B-B14F-4D97-AF65-F5344CB8AC3E}">
+        <p14:creationId xmlns:p14="http://schemas.microsoft.com/office/powerpoint/2010/main" val="81786864"/>
+      </p:ext>
+    </p:extLst>
+  </p:cSld>
+  <p:clrMapOvr>
+    <a:masterClrMapping/>
+  </p:clrMapOvr>
+</p:sld>
+</file>
+
+<file path=ppt/slides/slide12.xml><?xml version="1.0" encoding="utf-8"?>
+<p:sld xmlns:a="http://schemas.openxmlformats.org/drawingml/2006/main" xmlns:r="http://schemas.openxmlformats.org/officeDocument/2006/relationships" xmlns:p="http://schemas.openxmlformats.org/presentationml/2006/main">
+  <p:cSld>
+    <p:spTree>
+      <p:nvGrpSpPr>
+        <p:cNvPr id="1" name=""/>
+        <p:cNvGrpSpPr/>
+        <p:nvPr/>
+      </p:nvGrpSpPr>
+      <p:grpSpPr>
+        <a:xfrm>
+          <a:off x="0" y="0"/>
+          <a:ext cx="0" cy="0"/>
+          <a:chOff x="0" y="0"/>
+          <a:chExt cx="0" cy="0"/>
+        </a:xfrm>
+      </p:grpSpPr>
+      <p:pic>
+        <p:nvPicPr>
+          <p:cNvPr id="3" name="Immagine 2"/>
+          <p:cNvPicPr>
+            <a:picLocks noChangeAspect="1"/>
+          </p:cNvPicPr>
+          <p:nvPr/>
+        </p:nvPicPr>
+        <p:blipFill>
+          <a:blip r:embed="rId3"/>
+          <a:stretch>
+            <a:fillRect/>
+          </a:stretch>
+        </p:blipFill>
+        <p:spPr>
+          <a:xfrm>
+            <a:off x="346388" y="0"/>
+            <a:ext cx="11526138" cy="6309360"/>
+          </a:xfrm>
+          <a:prstGeom prst="rect">
+            <a:avLst/>
+          </a:prstGeom>
+        </p:spPr>
+      </p:pic>
+    </p:spTree>
+    <p:extLst>
+      <p:ext uri="{BB962C8B-B14F-4D97-AF65-F5344CB8AC3E}">
+        <p14:creationId xmlns:p14="http://schemas.microsoft.com/office/powerpoint/2010/main" val="3598981869"/>
+      </p:ext>
+    </p:extLst>
+  </p:cSld>
+  <p:clrMapOvr>
+    <a:masterClrMapping/>
+  </p:clrMapOvr>
+</p:sld>
+</file>
+
+<file path=ppt/slides/slide13.xml><?xml version="1.0" encoding="utf-8"?>
+<p:sld xmlns:a="http://schemas.openxmlformats.org/drawingml/2006/main" xmlns:r="http://schemas.openxmlformats.org/officeDocument/2006/relationships" xmlns:p="http://schemas.openxmlformats.org/presentationml/2006/main">
+  <p:cSld>
+    <p:spTree>
+      <p:nvGrpSpPr>
+        <p:cNvPr id="1" name=""/>
+        <p:cNvGrpSpPr/>
+        <p:nvPr/>
+      </p:nvGrpSpPr>
+      <p:grpSpPr>
+        <a:xfrm>
+          <a:off x="0" y="0"/>
+          <a:ext cx="0" cy="0"/>
+          <a:chOff x="0" y="0"/>
+          <a:chExt cx="0" cy="0"/>
+        </a:xfrm>
+      </p:grpSpPr>
+      <p:pic>
+        <p:nvPicPr>
+          <p:cNvPr id="9" name="Immagine 8"/>
+          <p:cNvPicPr>
+            <a:picLocks noChangeAspect="1"/>
+          </p:cNvPicPr>
+          <p:nvPr/>
+        </p:nvPicPr>
+        <p:blipFill>
+          <a:blip r:embed="rId3"/>
+          <a:stretch>
+            <a:fillRect/>
+          </a:stretch>
+        </p:blipFill>
+        <p:spPr>
+          <a:xfrm>
+            <a:off x="307411" y="349324"/>
+            <a:ext cx="6056776" cy="5727385"/>
+          </a:xfrm>
+          <a:prstGeom prst="rect">
+            <a:avLst/>
+          </a:prstGeom>
+        </p:spPr>
+      </p:pic>
+      <p:pic>
+        <p:nvPicPr>
+          <p:cNvPr id="16" name="Immagine 15"/>
+          <p:cNvPicPr>
+            <a:picLocks noChangeAspect="1"/>
+          </p:cNvPicPr>
+          <p:nvPr/>
+        </p:nvPicPr>
+        <p:blipFill>
+          <a:blip r:embed="rId4"/>
+          <a:stretch>
+            <a:fillRect/>
+          </a:stretch>
+        </p:blipFill>
+        <p:spPr>
+          <a:xfrm>
+            <a:off x="6410943" y="452382"/>
+            <a:ext cx="5465499" cy="5389019"/>
+          </a:xfrm>
+          <a:prstGeom prst="rect">
+            <a:avLst/>
+          </a:prstGeom>
+        </p:spPr>
+      </p:pic>
+    </p:spTree>
+    <p:extLst>
+      <p:ext uri="{BB962C8B-B14F-4D97-AF65-F5344CB8AC3E}">
+        <p14:creationId xmlns:p14="http://schemas.microsoft.com/office/powerpoint/2010/main" val="4203211960"/>
+      </p:ext>
+    </p:extLst>
+  </p:cSld>
+  <p:clrMapOvr>
+    <a:masterClrMapping/>
+  </p:clrMapOvr>
+</p:sld>
+</file>
+
+<file path=ppt/slides/slide14.xml><?xml version="1.0" encoding="utf-8"?>
+<p:sld xmlns:a="http://schemas.openxmlformats.org/drawingml/2006/main" xmlns:r="http://schemas.openxmlformats.org/officeDocument/2006/relationships" xmlns:p="http://schemas.openxmlformats.org/presentationml/2006/main">
+  <p:cSld>
+    <p:spTree>
+      <p:nvGrpSpPr>
+        <p:cNvPr id="1" name=""/>
+        <p:cNvGrpSpPr/>
+        <p:nvPr/>
+      </p:nvGrpSpPr>
+      <p:grpSpPr>
+        <a:xfrm>
+          <a:off x="0" y="0"/>
+          <a:ext cx="0" cy="0"/>
+          <a:chOff x="0" y="0"/>
+          <a:chExt cx="0" cy="0"/>
+        </a:xfrm>
+      </p:grpSpPr>
+      <p:pic>
+        <p:nvPicPr>
+          <p:cNvPr id="2" name="Immagine 1"/>
+          <p:cNvPicPr>
+            <a:picLocks noChangeAspect="1"/>
+          </p:cNvPicPr>
+          <p:nvPr/>
+        </p:nvPicPr>
+        <p:blipFill>
+          <a:blip r:embed="rId3"/>
+          <a:stretch>
+            <a:fillRect/>
+          </a:stretch>
+        </p:blipFill>
+        <p:spPr>
+          <a:xfrm>
+            <a:off x="279924" y="501340"/>
+            <a:ext cx="5701329" cy="5512185"/>
+          </a:xfrm>
+          <a:prstGeom prst="rect">
+            <a:avLst/>
+          </a:prstGeom>
+        </p:spPr>
+      </p:pic>
+      <p:pic>
+        <p:nvPicPr>
+          <p:cNvPr id="3" name="Immagine 2"/>
+          <p:cNvPicPr>
+            <a:picLocks noChangeAspect="1"/>
+          </p:cNvPicPr>
+          <p:nvPr/>
+        </p:nvPicPr>
+        <p:blipFill>
+          <a:blip r:embed="rId4"/>
+          <a:stretch>
+            <a:fillRect/>
+          </a:stretch>
+        </p:blipFill>
+        <p:spPr>
+          <a:xfrm>
+            <a:off x="6435730" y="501340"/>
+            <a:ext cx="5481310" cy="5404608"/>
+          </a:xfrm>
+          <a:prstGeom prst="rect">
+            <a:avLst/>
+          </a:prstGeom>
+        </p:spPr>
+      </p:pic>
+    </p:spTree>
+    <p:extLst>
+      <p:ext uri="{BB962C8B-B14F-4D97-AF65-F5344CB8AC3E}">
+        <p14:creationId xmlns:p14="http://schemas.microsoft.com/office/powerpoint/2010/main" val="2042401429"/>
+      </p:ext>
+    </p:extLst>
+  </p:cSld>
+  <p:clrMapOvr>
+    <a:masterClrMapping/>
+  </p:clrMapOvr>
+</p:sld>
+</file>
+
+<file path=ppt/slides/slide15.xml><?xml version="1.0" encoding="utf-8"?>
+<p:sld xmlns:a="http://schemas.openxmlformats.org/drawingml/2006/main" xmlns:r="http://schemas.openxmlformats.org/officeDocument/2006/relationships" xmlns:p="http://schemas.openxmlformats.org/presentationml/2006/main">
+  <p:cSld>
+    <p:spTree>
+      <p:nvGrpSpPr>
+        <p:cNvPr id="1" name=""/>
+        <p:cNvGrpSpPr/>
+        <p:nvPr/>
+      </p:nvGrpSpPr>
+      <p:grpSpPr>
+        <a:xfrm>
+          <a:off x="0" y="0"/>
+          <a:ext cx="0" cy="0"/>
+          <a:chOff x="0" y="0"/>
+          <a:chExt cx="0" cy="0"/>
+        </a:xfrm>
+      </p:grpSpPr>
+      <p:pic>
+        <p:nvPicPr>
+          <p:cNvPr id="2" name="Immagine 1"/>
+          <p:cNvPicPr>
+            <a:picLocks noChangeAspect="1"/>
+          </p:cNvPicPr>
+          <p:nvPr/>
+        </p:nvPicPr>
+        <p:blipFill>
+          <a:blip r:embed="rId3"/>
+          <a:stretch>
+            <a:fillRect/>
+          </a:stretch>
+        </p:blipFill>
+        <p:spPr>
+          <a:xfrm>
+            <a:off x="0" y="124233"/>
+            <a:ext cx="6156103" cy="6069958"/>
+          </a:xfrm>
+          <a:prstGeom prst="rect">
+            <a:avLst/>
+          </a:prstGeom>
+        </p:spPr>
+      </p:pic>
+      <p:pic>
+        <p:nvPicPr>
+          <p:cNvPr id="3" name="Immagine 2"/>
+          <p:cNvPicPr>
+            <a:picLocks noChangeAspect="1"/>
+          </p:cNvPicPr>
+          <p:nvPr/>
+        </p:nvPicPr>
+        <p:blipFill>
+          <a:blip r:embed="rId4"/>
+          <a:stretch>
+            <a:fillRect/>
+          </a:stretch>
+        </p:blipFill>
+        <p:spPr>
+          <a:xfrm>
+            <a:off x="6070862" y="180397"/>
+            <a:ext cx="6121138" cy="6035482"/>
+          </a:xfrm>
+          <a:prstGeom prst="rect">
+            <a:avLst/>
+          </a:prstGeom>
+        </p:spPr>
+      </p:pic>
+    </p:spTree>
+    <p:extLst>
+      <p:ext uri="{BB962C8B-B14F-4D97-AF65-F5344CB8AC3E}">
+        <p14:creationId xmlns:p14="http://schemas.microsoft.com/office/powerpoint/2010/main" val="3185911874"/>
+      </p:ext>
+    </p:extLst>
+  </p:cSld>
+  <p:clrMapOvr>
+    <a:masterClrMapping/>
+  </p:clrMapOvr>
+  <p:timing>
+    <p:tnLst>
+      <p:par>
+        <p:cTn id="1" dur="indefinite" restart="never" nodeType="tmRoot"/>
+      </p:par>
+    </p:tnLst>
+  </p:timing>
+</p:sld>
+</file>
+
+<file path=ppt/slides/slide16.xml><?xml version="1.0" encoding="utf-8"?>
+<p:sld xmlns:a="http://schemas.openxmlformats.org/drawingml/2006/main" xmlns:r="http://schemas.openxmlformats.org/officeDocument/2006/relationships" xmlns:p="http://schemas.openxmlformats.org/presentationml/2006/main">
+  <p:cSld>
+    <p:spTree>
+      <p:nvGrpSpPr>
+        <p:cNvPr id="1" name=""/>
+        <p:cNvGrpSpPr/>
+        <p:nvPr/>
+      </p:nvGrpSpPr>
+      <p:grpSpPr>
+        <a:xfrm>
+          <a:off x="0" y="0"/>
+          <a:ext cx="0" cy="0"/>
+          <a:chOff x="0" y="0"/>
+          <a:chExt cx="0" cy="0"/>
+        </a:xfrm>
+      </p:grpSpPr>
+      <p:sp>
+        <p:nvSpPr>
+          <p:cNvPr id="2" name="Titolo 1"/>
+          <p:cNvSpPr>
+            <a:spLocks noGrp="1"/>
+          </p:cNvSpPr>
+          <p:nvPr>
+            <p:ph type="title"/>
+          </p:nvPr>
+        </p:nvSpPr>
+        <p:spPr/>
+        <p:txBody>
+          <a:bodyPr/>
+          <a:lstStyle/>
+          <a:p>
+            <a:r>
+              <a:rPr lang="it-IT" dirty="0" smtClean="0"/>
+              <a:t>Ipotesi di rischi proporzionali</a:t>
+            </a:r>
+            <a:endParaRPr lang="it-IT" dirty="0"/>
+          </a:p>
+        </p:txBody>
+      </p:sp>
+      <p:pic>
+        <p:nvPicPr>
+          <p:cNvPr id="4" name="Segnaposto contenuto 3"/>
+          <p:cNvPicPr>
+            <a:picLocks noGrp="1" noChangeAspect="1"/>
+          </p:cNvPicPr>
+          <p:nvPr>
+            <p:ph idx="1"/>
+          </p:nvPr>
+        </p:nvPicPr>
+        <p:blipFill>
+          <a:blip r:embed="rId3"/>
+          <a:stretch>
+            <a:fillRect/>
+          </a:stretch>
+        </p:blipFill>
+        <p:spPr>
+          <a:xfrm>
+            <a:off x="2074601" y="1865117"/>
+            <a:ext cx="8103758" cy="4435963"/>
+          </a:xfrm>
+          <a:prstGeom prst="rect">
+            <a:avLst/>
+          </a:prstGeom>
+        </p:spPr>
+      </p:pic>
+    </p:spTree>
+    <p:extLst>
+      <p:ext uri="{BB962C8B-B14F-4D97-AF65-F5344CB8AC3E}">
+        <p14:creationId xmlns:p14="http://schemas.microsoft.com/office/powerpoint/2010/main" val="220282012"/>
+      </p:ext>
+    </p:extLst>
+  </p:cSld>
+  <p:clrMapOvr>
+    <a:masterClrMapping/>
+  </p:clrMapOvr>
+  <p:timing>
+    <p:tnLst>
+      <p:par>
+        <p:cTn id="1" dur="indefinite" restart="never" nodeType="tmRoot"/>
+      </p:par>
+    </p:tnLst>
+  </p:timing>
+</p:sld>
+</file>
+
+<file path=ppt/slides/slide17.xml><?xml version="1.0" encoding="utf-8"?>
+<p:sld xmlns:a="http://schemas.openxmlformats.org/drawingml/2006/main" xmlns:r="http://schemas.openxmlformats.org/officeDocument/2006/relationships" xmlns:p="http://schemas.openxmlformats.org/presentationml/2006/main">
+  <p:cSld>
+    <p:spTree>
+      <p:nvGrpSpPr>
+        <p:cNvPr id="1" name=""/>
+        <p:cNvGrpSpPr/>
+        <p:nvPr/>
+      </p:nvGrpSpPr>
+      <p:grpSpPr>
+        <a:xfrm>
+          <a:off x="0" y="0"/>
+          <a:ext cx="0" cy="0"/>
+          <a:chOff x="0" y="0"/>
+          <a:chExt cx="0" cy="0"/>
+        </a:xfrm>
+      </p:grpSpPr>
+      <p:sp>
+        <p:nvSpPr>
+          <p:cNvPr id="2" name="Titolo 1"/>
+          <p:cNvSpPr>
+            <a:spLocks noGrp="1"/>
+          </p:cNvSpPr>
+          <p:nvPr>
+            <p:ph type="title"/>
+          </p:nvPr>
+        </p:nvSpPr>
+        <p:spPr/>
+        <p:txBody>
+          <a:bodyPr/>
+          <a:lstStyle/>
+          <a:p>
+            <a:r>
+              <a:rPr lang="it-IT" dirty="0" smtClean="0"/>
+              <a:t>Modelli di </a:t>
+            </a:r>
+            <a:r>
+              <a:rPr lang="it-IT" dirty="0" err="1" smtClean="0"/>
+              <a:t>Cox</a:t>
+            </a:r>
+            <a:r>
+              <a:rPr lang="it-IT" dirty="0"/>
+              <a:t> </a:t>
+            </a:r>
+            <a:r>
+              <a:rPr lang="it-IT" dirty="0" err="1" smtClean="0"/>
+              <a:t>univariati</a:t>
+            </a:r>
+            <a:endParaRPr lang="it-IT" dirty="0"/>
+          </a:p>
+        </p:txBody>
+      </p:sp>
+      <p:cxnSp>
+        <p:nvCxnSpPr>
+          <p:cNvPr id="11" name="Connettore diritto 10"/>
+          <p:cNvCxnSpPr/>
+          <p:nvPr/>
+        </p:nvCxnSpPr>
+        <p:spPr>
+          <a:xfrm>
+            <a:off x="6038540" y="2185295"/>
+            <a:ext cx="0" cy="3242820"/>
+          </a:xfrm>
+          <a:prstGeom prst="line">
+            <a:avLst/>
+          </a:prstGeom>
+        </p:spPr>
+        <p:style>
+          <a:lnRef idx="1">
+            <a:schemeClr val="accent1"/>
+          </a:lnRef>
+          <a:fillRef idx="0">
+            <a:schemeClr val="accent1"/>
+          </a:fillRef>
+          <a:effectRef idx="0">
+            <a:schemeClr val="accent1"/>
+          </a:effectRef>
+          <a:fontRef idx="minor">
+            <a:schemeClr val="tx1"/>
+          </a:fontRef>
+        </p:style>
+      </p:cxnSp>
+      <p:pic>
+        <p:nvPicPr>
+          <p:cNvPr id="14" name="Segnaposto contenuto 13"/>
+          <p:cNvPicPr>
+            <a:picLocks noGrp="1" noChangeAspect="1"/>
+          </p:cNvPicPr>
+          <p:nvPr>
+            <p:ph sz="half" idx="1"/>
+          </p:nvPr>
+        </p:nvPicPr>
+        <p:blipFill>
+          <a:blip r:embed="rId3"/>
+          <a:stretch>
+            <a:fillRect/>
+          </a:stretch>
+        </p:blipFill>
+        <p:spPr>
+          <a:xfrm>
+            <a:off x="1096963" y="2397178"/>
+            <a:ext cx="4938712" cy="2920895"/>
+          </a:xfrm>
+          <a:prstGeom prst="rect">
+            <a:avLst/>
+          </a:prstGeom>
+        </p:spPr>
+      </p:pic>
+      <p:pic>
+        <p:nvPicPr>
+          <p:cNvPr id="15" name="Segnaposto contenuto 14"/>
+          <p:cNvPicPr>
+            <a:picLocks noGrp="1" noChangeAspect="1"/>
+          </p:cNvPicPr>
+          <p:nvPr>
+            <p:ph sz="half" idx="2"/>
+          </p:nvPr>
+        </p:nvPicPr>
+        <p:blipFill>
+          <a:blip r:embed="rId4"/>
+          <a:stretch>
+            <a:fillRect/>
+          </a:stretch>
+        </p:blipFill>
+        <p:spPr>
+          <a:xfrm>
+            <a:off x="6218238" y="2423811"/>
+            <a:ext cx="4937125" cy="2867629"/>
+          </a:xfrm>
+          <a:prstGeom prst="rect">
+            <a:avLst/>
+          </a:prstGeom>
+        </p:spPr>
+      </p:pic>
+    </p:spTree>
+    <p:extLst>
+      <p:ext uri="{BB962C8B-B14F-4D97-AF65-F5344CB8AC3E}">
+        <p14:creationId xmlns:p14="http://schemas.microsoft.com/office/powerpoint/2010/main" val="2859867437"/>
       </p:ext>
     </p:extLst>
   </p:cSld>
@@ -4870,7 +7174,11 @@
           <a:p>
             <a:r>
               <a:rPr lang="it-IT" dirty="0" smtClean="0"/>
-              <a:t>Variabile oggetto di studio: morti</a:t>
+              <a:t>Variabile oggetto di studio: </a:t>
+            </a:r>
+            <a:r>
+              <a:rPr lang="it-IT" dirty="0" smtClean="0"/>
+              <a:t>morte</a:t>
             </a:r>
             <a:endParaRPr lang="it-IT" dirty="0"/>
           </a:p>
@@ -4954,7 +7262,15 @@
           <a:bodyPr/>
           <a:lstStyle/>
           <a:p>
-            <a:endParaRPr lang="it-IT"/>
+            <a:r>
+              <a:rPr lang="it-IT" dirty="0"/>
+              <a:t>Variabile oggetto di studio: </a:t>
+            </a:r>
+            <a:r>
+              <a:rPr lang="it-IT" dirty="0" smtClean="0"/>
+              <a:t>ricaduta</a:t>
+            </a:r>
+            <a:endParaRPr lang="it-IT" dirty="0"/>
           </a:p>
         </p:txBody>
       </p:sp>
@@ -4968,7 +7284,12 @@
             <p:ph sz="half" idx="1"/>
           </p:nvPr>
         </p:nvSpPr>
-        <p:spPr/>
+        <p:spPr>
+          <a:xfrm>
+            <a:off x="1097279" y="2097740"/>
+            <a:ext cx="4937760" cy="3771353"/>
+          </a:xfrm>
+        </p:spPr>
         <p:txBody>
           <a:bodyPr/>
           <a:lstStyle/>
@@ -5076,6 +7397,879 @@
       </p:par>
     </p:tnLst>
   </p:timing>
+</p:sld>
+</file>
+
+<file path=ppt/slides/slide6.xml><?xml version="1.0" encoding="utf-8"?>
+<p:sld xmlns:a="http://schemas.openxmlformats.org/drawingml/2006/main" xmlns:r="http://schemas.openxmlformats.org/officeDocument/2006/relationships" xmlns:p="http://schemas.openxmlformats.org/presentationml/2006/main">
+  <p:cSld>
+    <p:spTree>
+      <p:nvGrpSpPr>
+        <p:cNvPr id="1" name=""/>
+        <p:cNvGrpSpPr/>
+        <p:nvPr/>
+      </p:nvGrpSpPr>
+      <p:grpSpPr>
+        <a:xfrm>
+          <a:off x="0" y="0"/>
+          <a:ext cx="0" cy="0"/>
+          <a:chOff x="0" y="0"/>
+          <a:chExt cx="0" cy="0"/>
+        </a:xfrm>
+      </p:grpSpPr>
+      <p:sp>
+        <p:nvSpPr>
+          <p:cNvPr id="2" name="Titolo 1"/>
+          <p:cNvSpPr>
+            <a:spLocks noGrp="1"/>
+          </p:cNvSpPr>
+          <p:nvPr>
+            <p:ph type="title"/>
+          </p:nvPr>
+        </p:nvSpPr>
+        <p:spPr/>
+        <p:txBody>
+          <a:bodyPr/>
+          <a:lstStyle/>
+          <a:p>
+            <a:r>
+              <a:rPr lang="it-IT" dirty="0" err="1" smtClean="0"/>
+              <a:t>Covariate</a:t>
+            </a:r>
+            <a:r>
+              <a:rPr lang="it-IT" dirty="0" smtClean="0"/>
+              <a:t>: LNR e LODDS</a:t>
+            </a:r>
+            <a:endParaRPr lang="it-IT" dirty="0"/>
+          </a:p>
+        </p:txBody>
+      </p:sp>
+      <p:pic>
+        <p:nvPicPr>
+          <p:cNvPr id="5" name="Segnaposto contenuto 4"/>
+          <p:cNvPicPr>
+            <a:picLocks noGrp="1" noChangeAspect="1"/>
+          </p:cNvPicPr>
+          <p:nvPr>
+            <p:ph sz="half" idx="1"/>
+          </p:nvPr>
+        </p:nvPicPr>
+        <p:blipFill>
+          <a:blip r:embed="rId3"/>
+          <a:stretch>
+            <a:fillRect/>
+          </a:stretch>
+        </p:blipFill>
+        <p:spPr>
+          <a:xfrm>
+            <a:off x="1379585" y="1846263"/>
+            <a:ext cx="4373468" cy="4022725"/>
+          </a:xfrm>
+          <a:prstGeom prst="rect">
+            <a:avLst/>
+          </a:prstGeom>
+        </p:spPr>
+      </p:pic>
+      <p:pic>
+        <p:nvPicPr>
+          <p:cNvPr id="6" name="Segnaposto contenuto 5"/>
+          <p:cNvPicPr>
+            <a:picLocks noGrp="1" noChangeAspect="1"/>
+          </p:cNvPicPr>
+          <p:nvPr>
+            <p:ph sz="half" idx="2"/>
+          </p:nvPr>
+        </p:nvPicPr>
+        <p:blipFill>
+          <a:blip r:embed="rId4"/>
+          <a:stretch>
+            <a:fillRect/>
+          </a:stretch>
+        </p:blipFill>
+        <p:spPr>
+          <a:xfrm>
+            <a:off x="6500066" y="1846263"/>
+            <a:ext cx="4373468" cy="4022725"/>
+          </a:xfrm>
+          <a:prstGeom prst="rect">
+            <a:avLst/>
+          </a:prstGeom>
+        </p:spPr>
+      </p:pic>
+    </p:spTree>
+    <p:extLst>
+      <p:ext uri="{BB962C8B-B14F-4D97-AF65-F5344CB8AC3E}">
+        <p14:creationId xmlns:p14="http://schemas.microsoft.com/office/powerpoint/2010/main" val="1739474644"/>
+      </p:ext>
+    </p:extLst>
+  </p:cSld>
+  <p:clrMapOvr>
+    <a:masterClrMapping/>
+  </p:clrMapOvr>
+</p:sld>
+</file>
+
+<file path=ppt/slides/slide7.xml><?xml version="1.0" encoding="utf-8"?>
+<p:sld xmlns:a="http://schemas.openxmlformats.org/drawingml/2006/main" xmlns:r="http://schemas.openxmlformats.org/officeDocument/2006/relationships" xmlns:p="http://schemas.openxmlformats.org/presentationml/2006/main">
+  <p:cSld>
+    <p:spTree>
+      <p:nvGrpSpPr>
+        <p:cNvPr id="1" name=""/>
+        <p:cNvGrpSpPr/>
+        <p:nvPr/>
+      </p:nvGrpSpPr>
+      <p:grpSpPr>
+        <a:xfrm>
+          <a:off x="0" y="0"/>
+          <a:ext cx="0" cy="0"/>
+          <a:chOff x="0" y="0"/>
+          <a:chExt cx="0" cy="0"/>
+        </a:xfrm>
+      </p:grpSpPr>
+      <p:sp>
+        <p:nvSpPr>
+          <p:cNvPr id="2" name="Titolo 1"/>
+          <p:cNvSpPr>
+            <a:spLocks noGrp="1"/>
+          </p:cNvSpPr>
+          <p:nvPr>
+            <p:ph type="title"/>
+          </p:nvPr>
+        </p:nvSpPr>
+        <p:spPr/>
+        <p:txBody>
+          <a:bodyPr/>
+          <a:lstStyle/>
+          <a:p>
+            <a:r>
+              <a:rPr lang="it-IT" dirty="0" smtClean="0"/>
+              <a:t>Stima della curva di sopravvivenza</a:t>
+            </a:r>
+            <a:endParaRPr lang="it-IT" dirty="0"/>
+          </a:p>
+        </p:txBody>
+      </p:sp>
+      <p:sp>
+        <p:nvSpPr>
+          <p:cNvPr id="5" name="Segnaposto contenuto 4"/>
+          <p:cNvSpPr>
+            <a:spLocks noGrp="1"/>
+          </p:cNvSpPr>
+          <p:nvPr>
+            <p:ph idx="1"/>
+          </p:nvPr>
+        </p:nvSpPr>
+        <p:spPr>
+          <a:xfrm>
+            <a:off x="1097280" y="1845734"/>
+            <a:ext cx="10058400" cy="886708"/>
+          </a:xfrm>
+        </p:spPr>
+        <p:txBody>
+          <a:bodyPr/>
+          <a:lstStyle/>
+          <a:p>
+            <a:r>
+              <a:rPr lang="it-IT" dirty="0" smtClean="0"/>
+              <a:t>Per la stima di entrambe le curve della sopravvivenza totale e </a:t>
+            </a:r>
+            <a:r>
+              <a:rPr lang="it-IT" dirty="0" err="1" smtClean="0"/>
+              <a:t>Disease</a:t>
+            </a:r>
+            <a:r>
+              <a:rPr lang="it-IT" dirty="0" smtClean="0"/>
+              <a:t>-Free è stato adoperato lo stimatore di </a:t>
+            </a:r>
+            <a:r>
+              <a:rPr lang="it-IT" dirty="0" err="1" smtClean="0"/>
+              <a:t>Kaplan</a:t>
+            </a:r>
+            <a:r>
+              <a:rPr lang="it-IT" dirty="0" smtClean="0"/>
+              <a:t>-Meier (1959):</a:t>
+            </a:r>
+          </a:p>
+        </p:txBody>
+      </p:sp>
+      <mc:AlternateContent xmlns:mc="http://schemas.openxmlformats.org/markup-compatibility/2006">
+        <mc:Choice xmlns:a14="http://schemas.microsoft.com/office/drawing/2010/main" Requires="a14">
+          <p:sp>
+            <p:nvSpPr>
+              <p:cNvPr id="6" name="Segnaposto contenuto 5"/>
+              <p:cNvSpPr>
+                <a:spLocks noGrp="1"/>
+              </p:cNvSpPr>
+              <p:nvPr>
+                <p:ph sz="half" idx="4294967295"/>
+              </p:nvPr>
+            </p:nvSpPr>
+            <p:spPr>
+              <a:xfrm>
+                <a:off x="4690334" y="2732442"/>
+                <a:ext cx="2614613" cy="731520"/>
+              </a:xfrm>
+            </p:spPr>
+            <p:txBody>
+              <a:bodyPr/>
+              <a:lstStyle/>
+              <a:p>
+                <a14:m>
+                  <m:oMath xmlns:m="http://schemas.openxmlformats.org/officeDocument/2006/math">
+                    <m:acc>
+                      <m:accPr>
+                        <m:chr m:val="̂"/>
+                        <m:ctrlPr>
+                          <a:rPr lang="it-IT" i="1" smtClean="0">
+                            <a:latin typeface="Cambria Math" panose="02040503050406030204" pitchFamily="18" charset="0"/>
+                          </a:rPr>
+                        </m:ctrlPr>
+                      </m:accPr>
+                      <m:e>
+                        <m:r>
+                          <a:rPr lang="it-IT" b="0" i="1" smtClean="0">
+                            <a:latin typeface="Cambria Math" panose="02040503050406030204" pitchFamily="18" charset="0"/>
+                          </a:rPr>
+                          <m:t>𝑆</m:t>
+                        </m:r>
+                      </m:e>
+                    </m:acc>
+                    <m:d>
+                      <m:dPr>
+                        <m:ctrlPr>
+                          <a:rPr lang="it-IT" b="0" i="1" smtClean="0">
+                            <a:latin typeface="Cambria Math" panose="02040503050406030204" pitchFamily="18" charset="0"/>
+                          </a:rPr>
+                        </m:ctrlPr>
+                      </m:dPr>
+                      <m:e>
+                        <m:r>
+                          <a:rPr lang="it-IT" b="0" i="1" smtClean="0">
+                            <a:latin typeface="Cambria Math" panose="02040503050406030204" pitchFamily="18" charset="0"/>
+                          </a:rPr>
+                          <m:t>𝑡</m:t>
+                        </m:r>
+                      </m:e>
+                    </m:d>
+                    <m:r>
+                      <a:rPr lang="it-IT" b="0" i="1" smtClean="0">
+                        <a:latin typeface="Cambria Math" panose="02040503050406030204" pitchFamily="18" charset="0"/>
+                      </a:rPr>
+                      <m:t>=</m:t>
+                    </m:r>
+                    <m:nary>
+                      <m:naryPr>
+                        <m:chr m:val="∏"/>
+                        <m:supHide m:val="on"/>
+                        <m:ctrlPr>
+                          <a:rPr lang="it-IT" b="0" i="1" smtClean="0">
+                            <a:latin typeface="Cambria Math" panose="02040503050406030204" pitchFamily="18" charset="0"/>
+                          </a:rPr>
+                        </m:ctrlPr>
+                      </m:naryPr>
+                      <m:sub>
+                        <m:r>
+                          <m:rPr>
+                            <m:brk m:alnAt="7"/>
+                          </m:rPr>
+                          <a:rPr lang="it-IT" b="0" i="1" smtClean="0">
+                            <a:latin typeface="Cambria Math" panose="02040503050406030204" pitchFamily="18" charset="0"/>
+                          </a:rPr>
+                          <m:t>𝑆</m:t>
+                        </m:r>
+                        <m:sSub>
+                          <m:sSubPr>
+                            <m:ctrlPr>
+                              <a:rPr lang="it-IT" b="0" i="1" smtClean="0">
+                                <a:latin typeface="Cambria Math" panose="02040503050406030204" pitchFamily="18" charset="0"/>
+                              </a:rPr>
+                            </m:ctrlPr>
+                          </m:sSubPr>
+                          <m:e>
+                            <m:r>
+                              <a:rPr lang="it-IT" b="0" i="1" smtClean="0">
+                                <a:latin typeface="Cambria Math" panose="02040503050406030204" pitchFamily="18" charset="0"/>
+                              </a:rPr>
+                              <m:t>𝑡</m:t>
+                            </m:r>
+                          </m:e>
+                          <m:sub>
+                            <m:r>
+                              <a:rPr lang="it-IT" b="0" i="1" smtClean="0">
+                                <a:latin typeface="Cambria Math" panose="02040503050406030204" pitchFamily="18" charset="0"/>
+                              </a:rPr>
+                              <m:t>𝑗</m:t>
+                            </m:r>
+                          </m:sub>
+                        </m:sSub>
+                        <m:r>
+                          <m:rPr>
+                            <m:brk m:alnAt="7"/>
+                          </m:rPr>
+                          <a:rPr lang="it-IT" b="0" i="1" smtClean="0">
+                            <a:latin typeface="Cambria Math" panose="02040503050406030204" pitchFamily="18" charset="0"/>
+                          </a:rPr>
+                          <m:t>&lt;</m:t>
+                        </m:r>
+                        <m:r>
+                          <a:rPr lang="it-IT" b="0" i="1" smtClean="0">
+                            <a:latin typeface="Cambria Math" panose="02040503050406030204" pitchFamily="18" charset="0"/>
+                          </a:rPr>
+                          <m:t>𝑡</m:t>
+                        </m:r>
+                      </m:sub>
+                      <m:sup/>
+                      <m:e>
+                        <m:r>
+                          <a:rPr lang="it-IT" b="0" i="1" smtClean="0">
+                            <a:latin typeface="Cambria Math" panose="02040503050406030204" pitchFamily="18" charset="0"/>
+                          </a:rPr>
+                          <m:t>(1−</m:t>
+                        </m:r>
+                        <m:f>
+                          <m:fPr>
+                            <m:ctrlPr>
+                              <a:rPr lang="it-IT" b="0" i="1" smtClean="0">
+                                <a:latin typeface="Cambria Math" panose="02040503050406030204" pitchFamily="18" charset="0"/>
+                              </a:rPr>
+                            </m:ctrlPr>
+                          </m:fPr>
+                          <m:num>
+                            <m:sSub>
+                              <m:sSubPr>
+                                <m:ctrlPr>
+                                  <a:rPr lang="it-IT" b="0" i="1" smtClean="0">
+                                    <a:latin typeface="Cambria Math" panose="02040503050406030204" pitchFamily="18" charset="0"/>
+                                  </a:rPr>
+                                </m:ctrlPr>
+                              </m:sSubPr>
+                              <m:e>
+                                <m:r>
+                                  <a:rPr lang="it-IT" b="0" i="1" smtClean="0">
+                                    <a:latin typeface="Cambria Math" panose="02040503050406030204" pitchFamily="18" charset="0"/>
+                                  </a:rPr>
+                                  <m:t>𝑑</m:t>
+                                </m:r>
+                              </m:e>
+                              <m:sub>
+                                <m:r>
+                                  <a:rPr lang="it-IT" b="0" i="1" smtClean="0">
+                                    <a:latin typeface="Cambria Math" panose="02040503050406030204" pitchFamily="18" charset="0"/>
+                                  </a:rPr>
+                                  <m:t>𝑗</m:t>
+                                </m:r>
+                              </m:sub>
+                            </m:sSub>
+                          </m:num>
+                          <m:den>
+                            <m:sSub>
+                              <m:sSubPr>
+                                <m:ctrlPr>
+                                  <a:rPr lang="it-IT" b="0" i="1" smtClean="0">
+                                    <a:latin typeface="Cambria Math" panose="02040503050406030204" pitchFamily="18" charset="0"/>
+                                  </a:rPr>
+                                </m:ctrlPr>
+                              </m:sSubPr>
+                              <m:e>
+                                <m:r>
+                                  <a:rPr lang="it-IT" b="0" i="1" smtClean="0">
+                                    <a:latin typeface="Cambria Math" panose="02040503050406030204" pitchFamily="18" charset="0"/>
+                                  </a:rPr>
+                                  <m:t>𝑛</m:t>
+                                </m:r>
+                              </m:e>
+                              <m:sub>
+                                <m:r>
+                                  <a:rPr lang="it-IT" b="0" i="1" smtClean="0">
+                                    <a:latin typeface="Cambria Math" panose="02040503050406030204" pitchFamily="18" charset="0"/>
+                                  </a:rPr>
+                                  <m:t>𝑗</m:t>
+                                </m:r>
+                              </m:sub>
+                            </m:sSub>
+                          </m:den>
+                        </m:f>
+                      </m:e>
+                    </m:nary>
+                  </m:oMath>
+                </a14:m>
+                <a:r>
+                  <a:rPr lang="it-IT" dirty="0" smtClean="0"/>
+                  <a:t>)</a:t>
+                </a:r>
+                <a:endParaRPr lang="it-IT" dirty="0"/>
+              </a:p>
+            </p:txBody>
+          </p:sp>
+        </mc:Choice>
+        <mc:Fallback>
+          <p:sp>
+            <p:nvSpPr>
+              <p:cNvPr id="6" name="Segnaposto contenuto 5"/>
+              <p:cNvSpPr>
+                <a:spLocks noGrp="1" noRot="1" noChangeAspect="1" noMove="1" noResize="1" noEditPoints="1" noAdjustHandles="1" noChangeArrowheads="1" noChangeShapeType="1" noTextEdit="1"/>
+              </p:cNvSpPr>
+              <p:nvPr>
+                <p:ph sz="half" idx="4294967295"/>
+              </p:nvPr>
+            </p:nvSpPr>
+            <p:spPr>
+              <a:xfrm>
+                <a:off x="4690334" y="2732442"/>
+                <a:ext cx="2614613" cy="731520"/>
+              </a:xfrm>
+              <a:blipFill>
+                <a:blip r:embed="rId2"/>
+                <a:stretch>
+                  <a:fillRect/>
+                </a:stretch>
+              </a:blipFill>
+            </p:spPr>
+            <p:txBody>
+              <a:bodyPr/>
+              <a:lstStyle/>
+              <a:p>
+                <a:r>
+                  <a:rPr lang="it-IT">
+                    <a:noFill/>
+                  </a:rPr>
+                  <a:t> </a:t>
+                </a:r>
+              </a:p>
+            </p:txBody>
+          </p:sp>
+        </mc:Fallback>
+      </mc:AlternateContent>
+      <p:sp>
+        <p:nvSpPr>
+          <p:cNvPr id="7" name="Segnaposto contenuto 4"/>
+          <p:cNvSpPr txBox="1">
+            <a:spLocks/>
+          </p:cNvSpPr>
+          <p:nvPr/>
+        </p:nvSpPr>
+        <p:spPr>
+          <a:xfrm>
+            <a:off x="1097280" y="3773146"/>
+            <a:ext cx="10058400" cy="2509320"/>
+          </a:xfrm>
+          <a:prstGeom prst="rect">
+            <a:avLst/>
+          </a:prstGeom>
+        </p:spPr>
+        <p:txBody>
+          <a:bodyPr vert="horz" lIns="0" tIns="45720" rIns="0" bIns="45720" rtlCol="0">
+            <a:normAutofit/>
+          </a:bodyPr>
+          <a:lstStyle>
+            <a:lvl1pPr marL="91440" indent="-91440" algn="l" defTabSz="914400" rtl="0" eaLnBrk="1" latinLnBrk="0" hangingPunct="1">
+              <a:lnSpc>
+                <a:spcPct val="90000"/>
+              </a:lnSpc>
+              <a:spcBef>
+                <a:spcPts val="1200"/>
+              </a:spcBef>
+              <a:spcAft>
+                <a:spcPts val="200"/>
+              </a:spcAft>
+              <a:buClr>
+                <a:schemeClr val="accent1"/>
+              </a:buClr>
+              <a:buSzPct val="100000"/>
+              <a:buFont typeface="Calibri" panose="020F0502020204030204" pitchFamily="34" charset="0"/>
+              <a:buChar char=" "/>
+              <a:defRPr sz="2000" kern="1200">
+                <a:solidFill>
+                  <a:schemeClr val="tx1">
+                    <a:lumMod val="75000"/>
+                    <a:lumOff val="25000"/>
+                  </a:schemeClr>
+                </a:solidFill>
+                <a:latin typeface="+mn-lt"/>
+                <a:ea typeface="+mn-ea"/>
+                <a:cs typeface="+mn-cs"/>
+              </a:defRPr>
+            </a:lvl1pPr>
+            <a:lvl2pPr marL="384048" indent="-182880" algn="l" defTabSz="914400" rtl="0" eaLnBrk="1" latinLnBrk="0" hangingPunct="1">
+              <a:lnSpc>
+                <a:spcPct val="90000"/>
+              </a:lnSpc>
+              <a:spcBef>
+                <a:spcPts val="200"/>
+              </a:spcBef>
+              <a:spcAft>
+                <a:spcPts val="400"/>
+              </a:spcAft>
+              <a:buClr>
+                <a:schemeClr val="accent1"/>
+              </a:buClr>
+              <a:buFont typeface="Calibri" pitchFamily="34" charset="0"/>
+              <a:buChar char="◦"/>
+              <a:defRPr sz="1800" kern="1200">
+                <a:solidFill>
+                  <a:schemeClr val="tx1">
+                    <a:lumMod val="75000"/>
+                    <a:lumOff val="25000"/>
+                  </a:schemeClr>
+                </a:solidFill>
+                <a:latin typeface="+mn-lt"/>
+                <a:ea typeface="+mn-ea"/>
+                <a:cs typeface="+mn-cs"/>
+              </a:defRPr>
+            </a:lvl2pPr>
+            <a:lvl3pPr marL="566928" indent="-182880" algn="l" defTabSz="914400" rtl="0" eaLnBrk="1" latinLnBrk="0" hangingPunct="1">
+              <a:lnSpc>
+                <a:spcPct val="90000"/>
+              </a:lnSpc>
+              <a:spcBef>
+                <a:spcPts val="200"/>
+              </a:spcBef>
+              <a:spcAft>
+                <a:spcPts val="400"/>
+              </a:spcAft>
+              <a:buClr>
+                <a:schemeClr val="accent1"/>
+              </a:buClr>
+              <a:buFont typeface="Calibri" pitchFamily="34" charset="0"/>
+              <a:buChar char="◦"/>
+              <a:defRPr sz="1400" kern="1200">
+                <a:solidFill>
+                  <a:schemeClr val="tx1">
+                    <a:lumMod val="75000"/>
+                    <a:lumOff val="25000"/>
+                  </a:schemeClr>
+                </a:solidFill>
+                <a:latin typeface="+mn-lt"/>
+                <a:ea typeface="+mn-ea"/>
+                <a:cs typeface="+mn-cs"/>
+              </a:defRPr>
+            </a:lvl3pPr>
+            <a:lvl4pPr marL="749808" indent="-182880" algn="l" defTabSz="914400" rtl="0" eaLnBrk="1" latinLnBrk="0" hangingPunct="1">
+              <a:lnSpc>
+                <a:spcPct val="90000"/>
+              </a:lnSpc>
+              <a:spcBef>
+                <a:spcPts val="200"/>
+              </a:spcBef>
+              <a:spcAft>
+                <a:spcPts val="400"/>
+              </a:spcAft>
+              <a:buClr>
+                <a:schemeClr val="accent1"/>
+              </a:buClr>
+              <a:buFont typeface="Calibri" pitchFamily="34" charset="0"/>
+              <a:buChar char="◦"/>
+              <a:defRPr sz="1400" kern="1200">
+                <a:solidFill>
+                  <a:schemeClr val="tx1">
+                    <a:lumMod val="75000"/>
+                    <a:lumOff val="25000"/>
+                  </a:schemeClr>
+                </a:solidFill>
+                <a:latin typeface="+mn-lt"/>
+                <a:ea typeface="+mn-ea"/>
+                <a:cs typeface="+mn-cs"/>
+              </a:defRPr>
+            </a:lvl4pPr>
+            <a:lvl5pPr marL="932688" indent="-182880" algn="l" defTabSz="914400" rtl="0" eaLnBrk="1" latinLnBrk="0" hangingPunct="1">
+              <a:lnSpc>
+                <a:spcPct val="90000"/>
+              </a:lnSpc>
+              <a:spcBef>
+                <a:spcPts val="200"/>
+              </a:spcBef>
+              <a:spcAft>
+                <a:spcPts val="400"/>
+              </a:spcAft>
+              <a:buClr>
+                <a:schemeClr val="accent1"/>
+              </a:buClr>
+              <a:buFont typeface="Calibri" pitchFamily="34" charset="0"/>
+              <a:buChar char="◦"/>
+              <a:defRPr sz="1400" kern="1200">
+                <a:solidFill>
+                  <a:schemeClr val="tx1">
+                    <a:lumMod val="75000"/>
+                    <a:lumOff val="25000"/>
+                  </a:schemeClr>
+                </a:solidFill>
+                <a:latin typeface="+mn-lt"/>
+                <a:ea typeface="+mn-ea"/>
+                <a:cs typeface="+mn-cs"/>
+              </a:defRPr>
+            </a:lvl5pPr>
+            <a:lvl6pPr marL="1100000" indent="-228600" algn="l" defTabSz="914400" rtl="0" eaLnBrk="1" latinLnBrk="0" hangingPunct="1">
+              <a:lnSpc>
+                <a:spcPct val="90000"/>
+              </a:lnSpc>
+              <a:spcBef>
+                <a:spcPts val="200"/>
+              </a:spcBef>
+              <a:spcAft>
+                <a:spcPts val="400"/>
+              </a:spcAft>
+              <a:buClr>
+                <a:schemeClr val="accent1"/>
+              </a:buClr>
+              <a:buFont typeface="Calibri" pitchFamily="34" charset="0"/>
+              <a:buChar char="◦"/>
+              <a:defRPr sz="1400" kern="1200">
+                <a:solidFill>
+                  <a:schemeClr val="tx1">
+                    <a:lumMod val="75000"/>
+                    <a:lumOff val="25000"/>
+                  </a:schemeClr>
+                </a:solidFill>
+                <a:latin typeface="+mn-lt"/>
+                <a:ea typeface="+mn-ea"/>
+                <a:cs typeface="+mn-cs"/>
+              </a:defRPr>
+            </a:lvl6pPr>
+            <a:lvl7pPr marL="1300000" indent="-228600" algn="l" defTabSz="914400" rtl="0" eaLnBrk="1" latinLnBrk="0" hangingPunct="1">
+              <a:lnSpc>
+                <a:spcPct val="90000"/>
+              </a:lnSpc>
+              <a:spcBef>
+                <a:spcPts val="200"/>
+              </a:spcBef>
+              <a:spcAft>
+                <a:spcPts val="400"/>
+              </a:spcAft>
+              <a:buClr>
+                <a:schemeClr val="accent1"/>
+              </a:buClr>
+              <a:buFont typeface="Calibri" pitchFamily="34" charset="0"/>
+              <a:buChar char="◦"/>
+              <a:defRPr sz="1400" kern="1200">
+                <a:solidFill>
+                  <a:schemeClr val="tx1">
+                    <a:lumMod val="75000"/>
+                    <a:lumOff val="25000"/>
+                  </a:schemeClr>
+                </a:solidFill>
+                <a:latin typeface="+mn-lt"/>
+                <a:ea typeface="+mn-ea"/>
+                <a:cs typeface="+mn-cs"/>
+              </a:defRPr>
+            </a:lvl7pPr>
+            <a:lvl8pPr marL="1500000" indent="-228600" algn="l" defTabSz="914400" rtl="0" eaLnBrk="1" latinLnBrk="0" hangingPunct="1">
+              <a:lnSpc>
+                <a:spcPct val="90000"/>
+              </a:lnSpc>
+              <a:spcBef>
+                <a:spcPts val="200"/>
+              </a:spcBef>
+              <a:spcAft>
+                <a:spcPts val="400"/>
+              </a:spcAft>
+              <a:buClr>
+                <a:schemeClr val="accent1"/>
+              </a:buClr>
+              <a:buFont typeface="Calibri" pitchFamily="34" charset="0"/>
+              <a:buChar char="◦"/>
+              <a:defRPr sz="1400" kern="1200">
+                <a:solidFill>
+                  <a:schemeClr val="tx1">
+                    <a:lumMod val="75000"/>
+                    <a:lumOff val="25000"/>
+                  </a:schemeClr>
+                </a:solidFill>
+                <a:latin typeface="+mn-lt"/>
+                <a:ea typeface="+mn-ea"/>
+                <a:cs typeface="+mn-cs"/>
+              </a:defRPr>
+            </a:lvl8pPr>
+            <a:lvl9pPr marL="1700000" indent="-228600" algn="l" defTabSz="914400" rtl="0" eaLnBrk="1" latinLnBrk="0" hangingPunct="1">
+              <a:lnSpc>
+                <a:spcPct val="90000"/>
+              </a:lnSpc>
+              <a:spcBef>
+                <a:spcPts val="200"/>
+              </a:spcBef>
+              <a:spcAft>
+                <a:spcPts val="400"/>
+              </a:spcAft>
+              <a:buClr>
+                <a:schemeClr val="accent1"/>
+              </a:buClr>
+              <a:buFont typeface="Calibri" pitchFamily="34" charset="0"/>
+              <a:buChar char="◦"/>
+              <a:defRPr sz="1400" kern="1200">
+                <a:solidFill>
+                  <a:schemeClr val="tx1">
+                    <a:lumMod val="75000"/>
+                    <a:lumOff val="25000"/>
+                  </a:schemeClr>
+                </a:solidFill>
+                <a:latin typeface="+mn-lt"/>
+                <a:ea typeface="+mn-ea"/>
+                <a:cs typeface="+mn-cs"/>
+              </a:defRPr>
+            </a:lvl9pPr>
+          </a:lstStyle>
+          <a:p>
+            <a:r>
+              <a:rPr lang="it-IT" dirty="0" smtClean="0"/>
+              <a:t>Le analisi sono state condotte tramite il linguaggio di programmazione per l’analisi statistica R versione 3.3.3, per Windows.</a:t>
+            </a:r>
+          </a:p>
+          <a:p>
+            <a:r>
+              <a:rPr lang="it-IT" dirty="0" smtClean="0"/>
+              <a:t>Per l’analisi della sopravvivenza sono stati adoperati i </a:t>
+            </a:r>
+            <a:r>
+              <a:rPr lang="it-IT" dirty="0" err="1" smtClean="0"/>
+              <a:t>pachetti</a:t>
+            </a:r>
+            <a:r>
+              <a:rPr lang="it-IT" dirty="0" smtClean="0"/>
+              <a:t> ‘</a:t>
+            </a:r>
+            <a:r>
+              <a:rPr lang="it-IT" dirty="0" err="1" smtClean="0"/>
+              <a:t>Epicalc</a:t>
+            </a:r>
+            <a:r>
+              <a:rPr lang="it-IT" dirty="0" smtClean="0"/>
+              <a:t>’ e ‘</a:t>
+            </a:r>
+            <a:r>
+              <a:rPr lang="it-IT" dirty="0" err="1" smtClean="0"/>
+              <a:t>Survival</a:t>
+            </a:r>
+            <a:r>
+              <a:rPr lang="it-IT" dirty="0" smtClean="0"/>
+              <a:t>’.</a:t>
+            </a:r>
+          </a:p>
+          <a:p>
+            <a:r>
+              <a:rPr lang="it-IT" dirty="0" smtClean="0"/>
+              <a:t>I grafici sono stati realizzati con il pacchetto ‘ggplot2’. </a:t>
+            </a:r>
+            <a:endParaRPr lang="it-IT" dirty="0" smtClean="0"/>
+          </a:p>
+        </p:txBody>
+      </p:sp>
+    </p:spTree>
+    <p:extLst>
+      <p:ext uri="{BB962C8B-B14F-4D97-AF65-F5344CB8AC3E}">
+        <p14:creationId xmlns:p14="http://schemas.microsoft.com/office/powerpoint/2010/main" val="322613582"/>
+      </p:ext>
+    </p:extLst>
+  </p:cSld>
+  <p:clrMapOvr>
+    <a:masterClrMapping/>
+  </p:clrMapOvr>
+</p:sld>
+</file>
+
+<file path=ppt/slides/slide8.xml><?xml version="1.0" encoding="utf-8"?>
+<p:sld xmlns:a="http://schemas.openxmlformats.org/drawingml/2006/main" xmlns:r="http://schemas.openxmlformats.org/officeDocument/2006/relationships" xmlns:p="http://schemas.openxmlformats.org/presentationml/2006/main">
+  <p:cSld>
+    <p:spTree>
+      <p:nvGrpSpPr>
+        <p:cNvPr id="1" name=""/>
+        <p:cNvGrpSpPr/>
+        <p:nvPr/>
+      </p:nvGrpSpPr>
+      <p:grpSpPr>
+        <a:xfrm>
+          <a:off x="0" y="0"/>
+          <a:ext cx="0" cy="0"/>
+          <a:chOff x="0" y="0"/>
+          <a:chExt cx="0" cy="0"/>
+        </a:xfrm>
+      </p:grpSpPr>
+      <p:pic>
+        <p:nvPicPr>
+          <p:cNvPr id="3" name="Immagine 2"/>
+          <p:cNvPicPr>
+            <a:picLocks noChangeAspect="1"/>
+          </p:cNvPicPr>
+          <p:nvPr/>
+        </p:nvPicPr>
+        <p:blipFill>
+          <a:blip r:embed="rId3"/>
+          <a:stretch>
+            <a:fillRect/>
+          </a:stretch>
+        </p:blipFill>
+        <p:spPr>
+          <a:xfrm>
+            <a:off x="347240" y="112930"/>
+            <a:ext cx="11320041" cy="6196544"/>
+          </a:xfrm>
+          <a:prstGeom prst="rect">
+            <a:avLst/>
+          </a:prstGeom>
+        </p:spPr>
+      </p:pic>
+    </p:spTree>
+    <p:extLst>
+      <p:ext uri="{BB962C8B-B14F-4D97-AF65-F5344CB8AC3E}">
+        <p14:creationId xmlns:p14="http://schemas.microsoft.com/office/powerpoint/2010/main" val="3898262473"/>
+      </p:ext>
+    </p:extLst>
+  </p:cSld>
+  <p:clrMapOvr>
+    <a:masterClrMapping/>
+  </p:clrMapOvr>
+</p:sld>
+</file>
+
+<file path=ppt/slides/slide9.xml><?xml version="1.0" encoding="utf-8"?>
+<p:sld xmlns:a="http://schemas.openxmlformats.org/drawingml/2006/main" xmlns:r="http://schemas.openxmlformats.org/officeDocument/2006/relationships" xmlns:p="http://schemas.openxmlformats.org/presentationml/2006/main">
+  <p:cSld>
+    <p:spTree>
+      <p:nvGrpSpPr>
+        <p:cNvPr id="1" name=""/>
+        <p:cNvGrpSpPr/>
+        <p:nvPr/>
+      </p:nvGrpSpPr>
+      <p:grpSpPr>
+        <a:xfrm>
+          <a:off x="0" y="0"/>
+          <a:ext cx="0" cy="0"/>
+          <a:chOff x="0" y="0"/>
+          <a:chExt cx="0" cy="0"/>
+        </a:xfrm>
+      </p:grpSpPr>
+      <p:pic>
+        <p:nvPicPr>
+          <p:cNvPr id="2" name="Immagine 1"/>
+          <p:cNvPicPr>
+            <a:picLocks noChangeAspect="1"/>
+          </p:cNvPicPr>
+          <p:nvPr/>
+        </p:nvPicPr>
+        <p:blipFill>
+          <a:blip r:embed="rId3"/>
+          <a:stretch>
+            <a:fillRect/>
+          </a:stretch>
+        </p:blipFill>
+        <p:spPr>
+          <a:xfrm>
+            <a:off x="423255" y="196771"/>
+            <a:ext cx="11058831" cy="6053558"/>
+          </a:xfrm>
+          <a:prstGeom prst="rect">
+            <a:avLst/>
+          </a:prstGeom>
+        </p:spPr>
+      </p:pic>
+    </p:spTree>
+    <p:extLst>
+      <p:ext uri="{BB962C8B-B14F-4D97-AF65-F5344CB8AC3E}">
+        <p14:creationId xmlns:p14="http://schemas.microsoft.com/office/powerpoint/2010/main" val="4050836725"/>
+      </p:ext>
+    </p:extLst>
+  </p:cSld>
+  <p:clrMapOvr>
+    <a:masterClrMapping/>
+  </p:clrMapOvr>
 </p:sld>
 </file>
 

--- a/2017-5 - 10 gruppo 8.pptx
+++ b/2017-5 - 10 gruppo 8.pptx
@@ -5,7 +5,7 @@
     <p:sldMasterId id="2147483732" r:id="rId1"/>
   </p:sldMasterIdLst>
   <p:notesMasterIdLst>
-    <p:notesMasterId r:id="rId19"/>
+    <p:notesMasterId r:id="rId21"/>
   </p:notesMasterIdLst>
   <p:sldIdLst>
     <p:sldId id="256" r:id="rId2"/>
@@ -25,6 +25,8 @@
     <p:sldId id="277" r:id="rId16"/>
     <p:sldId id="279" r:id="rId17"/>
     <p:sldId id="280" r:id="rId18"/>
+    <p:sldId id="282" r:id="rId19"/>
+    <p:sldId id="283" r:id="rId20"/>
   </p:sldIdLst>
   <p:sldSz cx="12192000" cy="6858000"/>
   <p:notesSz cx="6858000" cy="9144000"/>
@@ -157,6 +159,8 @@
           <p14:sldIdLst>
             <p14:sldId id="279"/>
             <p14:sldId id="280"/>
+            <p14:sldId id="282"/>
+            <p14:sldId id="283"/>
           </p14:sldIdLst>
         </p14:section>
       </p14:sectionLst>
@@ -166,6 +170,10 @@
     </p:ext>
   </p:extLst>
 </p:presentation>
+</file>
+
+<file path=ppt/revisionInfo.xml><?xml version="1.0" encoding="utf-8"?>
+<p1510:revInfo xmlns:a="http://schemas.openxmlformats.org/drawingml/2006/main" xmlns:r="http://schemas.openxmlformats.org/officeDocument/2006/relationships" xmlns:p1510="http://schemas.microsoft.com/office/powerpoint/2015/10/main"/>
 </file>
 
 <file path=ppt/notesMasters/notesMaster1.xml><?xml version="1.0" encoding="utf-8"?>
@@ -250,7 +258,7 @@
           <a:p>
             <a:fld id="{0679B769-5A28-446B-BCC4-FA0AD2C4FFEB}" type="datetimeFigureOut">
               <a:rPr lang="it-IT" smtClean="0"/>
-              <a:t>05/05/2017</a:t>
+              <a:t>08/05/2017</a:t>
             </a:fld>
             <a:endParaRPr lang="it-IT"/>
           </a:p>
@@ -314,38 +322,37 @@
           <a:p>
             <a:pPr lvl="0"/>
             <a:r>
-              <a:rPr lang="it-IT" smtClean="0"/>
+              <a:rPr lang="it-IT"/>
               <a:t>Modifica gli stili del testo dello schema</a:t>
             </a:r>
           </a:p>
           <a:p>
             <a:pPr lvl="1"/>
             <a:r>
-              <a:rPr lang="it-IT" smtClean="0"/>
+              <a:rPr lang="it-IT"/>
               <a:t>Secondo livello</a:t>
             </a:r>
           </a:p>
           <a:p>
             <a:pPr lvl="2"/>
             <a:r>
-              <a:rPr lang="it-IT" smtClean="0"/>
+              <a:rPr lang="it-IT"/>
               <a:t>Terzo livello</a:t>
             </a:r>
           </a:p>
           <a:p>
             <a:pPr lvl="3"/>
             <a:r>
-              <a:rPr lang="it-IT" smtClean="0"/>
+              <a:rPr lang="it-IT"/>
               <a:t>Quarto livello</a:t>
             </a:r>
           </a:p>
           <a:p>
             <a:pPr lvl="4"/>
             <a:r>
-              <a:rPr lang="it-IT" smtClean="0"/>
+              <a:rPr lang="it-IT"/>
               <a:t>Quinto livello</a:t>
             </a:r>
-            <a:endParaRPr lang="it-IT"/>
           </a:p>
         </p:txBody>
       </p:sp>
@@ -563,43 +570,43 @@
           <a:lstStyle/>
           <a:p>
             <a:r>
-              <a:rPr lang="it-IT" dirty="0" smtClean="0"/>
+              <a:rPr lang="it-IT" dirty="0"/>
               <a:t>I</a:t>
             </a:r>
             <a:r>
-              <a:rPr lang="it-IT" baseline="0" dirty="0" smtClean="0"/>
+              <a:rPr lang="it-IT" baseline="0" dirty="0"/>
               <a:t> sessi sono ben ripartiti. Con 1 abbiamo gli uomini, con 2 le donne.</a:t>
             </a:r>
           </a:p>
           <a:p>
             <a:r>
-              <a:rPr lang="it-IT" u="none" dirty="0" smtClean="0"/>
+              <a:rPr lang="it-IT" u="none" dirty="0"/>
               <a:t>Come vediamo</a:t>
             </a:r>
             <a:r>
-              <a:rPr lang="it-IT" u="none" baseline="0" dirty="0" smtClean="0"/>
+              <a:rPr lang="it-IT" u="none" baseline="0" dirty="0"/>
               <a:t> dall’istogramma le età si distribuiscono tendendo alle classi più anziane. </a:t>
             </a:r>
           </a:p>
           <a:p>
             <a:r>
-              <a:rPr lang="it-IT" u="none" baseline="0" dirty="0" smtClean="0"/>
+              <a:rPr lang="it-IT" u="none" baseline="0" dirty="0"/>
               <a:t>La media delle età è di 73 anni, mentre la mediana di 76.  Tramite il test di </a:t>
             </a:r>
             <a:r>
-              <a:rPr lang="it-IT" u="none" baseline="0" dirty="0" err="1" smtClean="0"/>
+              <a:rPr lang="it-IT" u="none" baseline="0" dirty="0" err="1"/>
               <a:t>Shapiro</a:t>
             </a:r>
             <a:r>
-              <a:rPr lang="it-IT" u="none" baseline="0" dirty="0" smtClean="0"/>
+              <a:rPr lang="it-IT" u="none" baseline="0" dirty="0"/>
               <a:t> </a:t>
             </a:r>
             <a:r>
-              <a:rPr lang="it-IT" u="none" baseline="0" dirty="0" err="1" smtClean="0"/>
+              <a:rPr lang="it-IT" u="none" baseline="0" dirty="0" err="1"/>
               <a:t>Willks</a:t>
             </a:r>
             <a:r>
-              <a:rPr lang="it-IT" u="none" baseline="0" dirty="0" smtClean="0"/>
+              <a:rPr lang="it-IT" u="none" baseline="0" dirty="0"/>
               <a:t> viene rifiutata l’ipotesi di normalità con intervalli di confidenza del 99%.</a:t>
             </a:r>
           </a:p>
@@ -703,7 +710,7 @@
               <a:defRPr/>
             </a:pPr>
             <a:r>
-              <a:rPr lang="nn-NO" sz="1200" b="0" i="0" u="none" strike="noStrike" kern="1200" baseline="0" dirty="0" smtClean="0">
+              <a:rPr lang="nn-NO" sz="1200" b="0" i="0" u="none" strike="noStrike" kern="1200" baseline="0" dirty="0">
                 <a:solidFill>
                   <a:schemeClr val="tx1"/>
                 </a:solidFill>
@@ -713,15 +720,15 @@
               </a:rPr>
               <a:t>Dallo studio condotto da N. C. Arslan, S. Sokmen vediamo che le curve di sopravvienza per LNR sono compatibili (le nostre a destra). </a:t>
             </a:r>
-            <a:endParaRPr lang="it-IT" dirty="0" smtClean="0"/>
-          </a:p>
-          <a:p>
-            <a:r>
-              <a:rPr lang="it-IT" dirty="0" smtClean="0"/>
+            <a:endParaRPr lang="it-IT" dirty="0"/>
+          </a:p>
+          <a:p>
+            <a:r>
+              <a:rPr lang="it-IT" dirty="0"/>
               <a:t>Da questo</a:t>
             </a:r>
             <a:r>
-              <a:rPr lang="it-IT" baseline="0" dirty="0" smtClean="0"/>
+              <a:rPr lang="it-IT" baseline="0" dirty="0"/>
               <a:t> possiamo dire che l’analisi da noi condotta conferma lo studio precedentemente citato. </a:t>
             </a:r>
             <a:endParaRPr lang="it-IT" dirty="0"/>
@@ -809,19 +816,19 @@
           <a:lstStyle/>
           <a:p>
             <a:r>
-              <a:rPr lang="it-IT" dirty="0" smtClean="0"/>
+              <a:rPr lang="it-IT" dirty="0"/>
               <a:t>Queste sono le curve della</a:t>
             </a:r>
             <a:r>
-              <a:rPr lang="it-IT" baseline="0" dirty="0" smtClean="0"/>
+              <a:rPr lang="it-IT" baseline="0" dirty="0"/>
               <a:t> sopravvivenza per il </a:t>
             </a:r>
             <a:r>
-              <a:rPr lang="it-IT" baseline="0" dirty="0" err="1" smtClean="0"/>
+              <a:rPr lang="it-IT" baseline="0" dirty="0" err="1"/>
               <a:t>disease</a:t>
             </a:r>
             <a:r>
-              <a:rPr lang="it-IT" baseline="0" dirty="0" smtClean="0"/>
+              <a:rPr lang="it-IT" baseline="0" dirty="0"/>
               <a:t> free. Anche in questo caso notiamo che la classe LNR 2 e la classe LODDS 2 sono significativamente differenti rispetto ai restanti. </a:t>
             </a:r>
             <a:endParaRPr lang="it-IT" dirty="0"/>
@@ -909,19 +916,19 @@
           <a:lstStyle/>
           <a:p>
             <a:r>
-              <a:rPr lang="it-IT" dirty="0" smtClean="0"/>
+              <a:rPr lang="it-IT" dirty="0"/>
               <a:t>Abbiamo</a:t>
             </a:r>
             <a:r>
-              <a:rPr lang="it-IT" baseline="0" dirty="0" smtClean="0"/>
+              <a:rPr lang="it-IT" baseline="0" dirty="0"/>
               <a:t> modo di credere che l’ipotesi dei rischi proporzionali non sia rispettata. Pertanto il modello di </a:t>
             </a:r>
             <a:r>
-              <a:rPr lang="it-IT" baseline="0" dirty="0" err="1" smtClean="0"/>
+              <a:rPr lang="it-IT" baseline="0" dirty="0" err="1"/>
               <a:t>Cox</a:t>
             </a:r>
             <a:r>
-              <a:rPr lang="it-IT" baseline="0" dirty="0" smtClean="0"/>
+              <a:rPr lang="it-IT" baseline="0" dirty="0"/>
               <a:t> che stiamo per proporre probabilmente è errato.</a:t>
             </a:r>
             <a:endParaRPr lang="it-IT" dirty="0"/>
@@ -1013,41 +1020,41 @@
               <a:buChar char="•"/>
             </a:pPr>
             <a:r>
-              <a:rPr lang="it-IT" dirty="0" smtClean="0"/>
+              <a:rPr lang="it-IT" dirty="0"/>
               <a:t>Come già visto, il coefficiente riferito alla classe 1 di LNR non è significativo.</a:t>
             </a:r>
             <a:r>
-              <a:rPr lang="it-IT" baseline="0" dirty="0" smtClean="0"/>
+              <a:rPr lang="it-IT" baseline="0" dirty="0"/>
               <a:t> </a:t>
             </a:r>
             <a:r>
-              <a:rPr lang="it-IT" b="1" dirty="0" smtClean="0"/>
+              <a:rPr lang="it-IT" b="1" dirty="0"/>
               <a:t>Il coefficiente relativo alla classe 2, invece, risulta essere significativo. </a:t>
             </a:r>
             <a:r>
-              <a:rPr lang="it-IT" dirty="0" smtClean="0"/>
+              <a:rPr lang="it-IT" dirty="0"/>
               <a:t>L'</a:t>
             </a:r>
             <a:r>
-              <a:rPr lang="it-IT" dirty="0" err="1" smtClean="0"/>
+              <a:rPr lang="it-IT" dirty="0" err="1"/>
               <a:t>hazard</a:t>
             </a:r>
             <a:r>
-              <a:rPr lang="it-IT" dirty="0" smtClean="0"/>
+              <a:rPr lang="it-IT" dirty="0"/>
               <a:t> ratio risulta essere, infatti, di 3.055</a:t>
             </a:r>
             <a:r>
-              <a:rPr lang="it-IT" baseline="0" dirty="0" smtClean="0"/>
+              <a:rPr lang="it-IT" baseline="0" dirty="0"/>
               <a:t> </a:t>
             </a:r>
             <a:r>
-              <a:rPr lang="it-IT" dirty="0" smtClean="0"/>
+              <a:rPr lang="it-IT" dirty="0"/>
               <a:t>con valori che oscillano tra 1.89 e 4.9 con intervalli di confidenza del 95%</a:t>
             </a:r>
             <a:br>
-              <a:rPr lang="it-IT" dirty="0" smtClean="0"/>
+              <a:rPr lang="it-IT" dirty="0"/>
             </a:br>
-            <a:endParaRPr lang="it-IT" dirty="0" smtClean="0"/>
+            <a:endParaRPr lang="it-IT" dirty="0"/>
           </a:p>
           <a:p>
             <a:pPr marL="171450" indent="-171450">
@@ -1055,26 +1062,25 @@
               <a:buChar char="•"/>
             </a:pPr>
             <a:r>
-              <a:rPr lang="it-IT" dirty="0" smtClean="0"/>
+              <a:rPr lang="it-IT" dirty="0"/>
               <a:t>Situazione analoga per LODDS. La prima classe non risulta significativa pe </a:t>
             </a:r>
             <a:r>
-              <a:rPr lang="it-IT" dirty="0" err="1" smtClean="0"/>
+              <a:rPr lang="it-IT" dirty="0" err="1"/>
               <a:t>run</a:t>
             </a:r>
             <a:r>
-              <a:rPr lang="it-IT" dirty="0" smtClean="0"/>
+              <a:rPr lang="it-IT" dirty="0"/>
               <a:t> intervallo di confidenza del 95%. </a:t>
             </a:r>
             <a:r>
-              <a:rPr lang="it-IT" b="1" dirty="0" smtClean="0"/>
+              <a:rPr lang="it-IT" b="1" dirty="0"/>
               <a:t>La classe 2, invece, è significativa,</a:t>
             </a:r>
             <a:r>
-              <a:rPr lang="it-IT" dirty="0" smtClean="0"/>
+              <a:rPr lang="it-IT" dirty="0"/>
               <a:t> con un HR di 3.8, con intervalli di confidenza al 95% che oscillano da 2.257 a 6.396</a:t>
             </a:r>
-            <a:endParaRPr lang="it-IT" dirty="0"/>
           </a:p>
         </p:txBody>
       </p:sp>
@@ -1105,6 +1111,188 @@
     <p:extLst>
       <p:ext uri="{BB962C8B-B14F-4D97-AF65-F5344CB8AC3E}">
         <p14:creationId xmlns:p14="http://schemas.microsoft.com/office/powerpoint/2010/main" val="2655930392"/>
+      </p:ext>
+    </p:extLst>
+  </p:cSld>
+  <p:clrMapOvr>
+    <a:masterClrMapping/>
+  </p:clrMapOvr>
+</p:notes>
+</file>
+
+<file path=ppt/notesSlides/notesSlide14.xml><?xml version="1.0" encoding="utf-8"?>
+<p:notes xmlns:a="http://schemas.openxmlformats.org/drawingml/2006/main" xmlns:r="http://schemas.openxmlformats.org/officeDocument/2006/relationships" xmlns:p="http://schemas.openxmlformats.org/presentationml/2006/main">
+  <p:cSld>
+    <p:spTree>
+      <p:nvGrpSpPr>
+        <p:cNvPr id="1" name=""/>
+        <p:cNvGrpSpPr/>
+        <p:nvPr/>
+      </p:nvGrpSpPr>
+      <p:grpSpPr>
+        <a:xfrm>
+          <a:off x="0" y="0"/>
+          <a:ext cx="0" cy="0"/>
+          <a:chOff x="0" y="0"/>
+          <a:chExt cx="0" cy="0"/>
+        </a:xfrm>
+      </p:grpSpPr>
+      <p:sp>
+        <p:nvSpPr>
+          <p:cNvPr id="2" name="Segnaposto immagine diapositiva 1"/>
+          <p:cNvSpPr>
+            <a:spLocks noGrp="1" noRot="1" noChangeAspect="1"/>
+          </p:cNvSpPr>
+          <p:nvPr>
+            <p:ph type="sldImg"/>
+          </p:nvPr>
+        </p:nvSpPr>
+        <p:spPr/>
+      </p:sp>
+      <p:sp>
+        <p:nvSpPr>
+          <p:cNvPr id="3" name="Segnaposto note 2"/>
+          <p:cNvSpPr>
+            <a:spLocks noGrp="1"/>
+          </p:cNvSpPr>
+          <p:nvPr>
+            <p:ph type="body" idx="1"/>
+          </p:nvPr>
+        </p:nvSpPr>
+        <p:spPr/>
+        <p:txBody>
+          <a:bodyPr/>
+          <a:lstStyle/>
+          <a:p>
+            <a:r>
+              <a:rPr lang="it-IT" dirty="0"/>
+              <a:t>Il modello soffre chiaramente di </a:t>
+            </a:r>
+            <a:r>
+              <a:rPr lang="it-IT" dirty="0" err="1"/>
+              <a:t>overfitting</a:t>
+            </a:r>
+            <a:r>
+              <a:rPr lang="it-IT" dirty="0"/>
+              <a:t>.</a:t>
+            </a:r>
+          </a:p>
+          <a:p>
+            <a:endParaRPr lang="it-IT" dirty="0"/>
+          </a:p>
+        </p:txBody>
+      </p:sp>
+      <p:sp>
+        <p:nvSpPr>
+          <p:cNvPr id="4" name="Segnaposto numero diapositiva 3"/>
+          <p:cNvSpPr>
+            <a:spLocks noGrp="1"/>
+          </p:cNvSpPr>
+          <p:nvPr>
+            <p:ph type="sldNum" sz="quarter" idx="10"/>
+          </p:nvPr>
+        </p:nvSpPr>
+        <p:spPr/>
+        <p:txBody>
+          <a:bodyPr/>
+          <a:lstStyle/>
+          <a:p>
+            <a:fld id="{BA521C96-A9D3-4B92-95F8-5669AF865DB6}" type="slidenum">
+              <a:rPr lang="it-IT" smtClean="0"/>
+              <a:t>18</a:t>
+            </a:fld>
+            <a:endParaRPr lang="it-IT"/>
+          </a:p>
+        </p:txBody>
+      </p:sp>
+    </p:spTree>
+    <p:extLst>
+      <p:ext uri="{BB962C8B-B14F-4D97-AF65-F5344CB8AC3E}">
+        <p14:creationId xmlns:p14="http://schemas.microsoft.com/office/powerpoint/2010/main" val="4111585556"/>
+      </p:ext>
+    </p:extLst>
+  </p:cSld>
+  <p:clrMapOvr>
+    <a:masterClrMapping/>
+  </p:clrMapOvr>
+</p:notes>
+</file>
+
+<file path=ppt/notesSlides/notesSlide15.xml><?xml version="1.0" encoding="utf-8"?>
+<p:notes xmlns:a="http://schemas.openxmlformats.org/drawingml/2006/main" xmlns:r="http://schemas.openxmlformats.org/officeDocument/2006/relationships" xmlns:p="http://schemas.openxmlformats.org/presentationml/2006/main">
+  <p:cSld>
+    <p:spTree>
+      <p:nvGrpSpPr>
+        <p:cNvPr id="1" name=""/>
+        <p:cNvGrpSpPr/>
+        <p:nvPr/>
+      </p:nvGrpSpPr>
+      <p:grpSpPr>
+        <a:xfrm>
+          <a:off x="0" y="0"/>
+          <a:ext cx="0" cy="0"/>
+          <a:chOff x="0" y="0"/>
+          <a:chExt cx="0" cy="0"/>
+        </a:xfrm>
+      </p:grpSpPr>
+      <p:sp>
+        <p:nvSpPr>
+          <p:cNvPr id="2" name="Segnaposto immagine diapositiva 1"/>
+          <p:cNvSpPr>
+            <a:spLocks noGrp="1" noRot="1" noChangeAspect="1"/>
+          </p:cNvSpPr>
+          <p:nvPr>
+            <p:ph type="sldImg"/>
+          </p:nvPr>
+        </p:nvSpPr>
+        <p:spPr/>
+      </p:sp>
+      <p:sp>
+        <p:nvSpPr>
+          <p:cNvPr id="3" name="Segnaposto note 2"/>
+          <p:cNvSpPr>
+            <a:spLocks noGrp="1"/>
+          </p:cNvSpPr>
+          <p:nvPr>
+            <p:ph type="body" idx="1"/>
+          </p:nvPr>
+        </p:nvSpPr>
+        <p:spPr/>
+        <p:txBody>
+          <a:bodyPr/>
+          <a:lstStyle/>
+          <a:p>
+            <a:endParaRPr lang="it-IT" dirty="0"/>
+          </a:p>
+        </p:txBody>
+      </p:sp>
+      <p:sp>
+        <p:nvSpPr>
+          <p:cNvPr id="4" name="Segnaposto numero diapositiva 3"/>
+          <p:cNvSpPr>
+            <a:spLocks noGrp="1"/>
+          </p:cNvSpPr>
+          <p:nvPr>
+            <p:ph type="sldNum" sz="quarter" idx="10"/>
+          </p:nvPr>
+        </p:nvSpPr>
+        <p:spPr/>
+        <p:txBody>
+          <a:bodyPr/>
+          <a:lstStyle/>
+          <a:p>
+            <a:fld id="{BA521C96-A9D3-4B92-95F8-5669AF865DB6}" type="slidenum">
+              <a:rPr lang="it-IT" smtClean="0"/>
+              <a:t>19</a:t>
+            </a:fld>
+            <a:endParaRPr lang="it-IT"/>
+          </a:p>
+        </p:txBody>
+      </p:sp>
+    </p:spTree>
+    <p:extLst>
+      <p:ext uri="{BB962C8B-B14F-4D97-AF65-F5344CB8AC3E}">
+        <p14:creationId xmlns:p14="http://schemas.microsoft.com/office/powerpoint/2010/main" val="4182354152"/>
       </p:ext>
     </p:extLst>
   </p:cSld>
@@ -1159,11 +1347,11 @@
           <a:lstStyle/>
           <a:p>
             <a:r>
-              <a:rPr lang="it-IT" dirty="0" smtClean="0"/>
+              <a:rPr lang="it-IT" dirty="0"/>
               <a:t>Più</a:t>
             </a:r>
             <a:r>
-              <a:rPr lang="it-IT" baseline="0" dirty="0" smtClean="0"/>
+              <a:rPr lang="it-IT" baseline="0" dirty="0"/>
               <a:t> della metà della popolazione oggetto di studio è deceduta prima della fine dello studio. </a:t>
             </a:r>
           </a:p>
@@ -1186,7 +1374,7 @@
               <a:defRPr/>
             </a:pPr>
             <a:r>
-              <a:rPr lang="it-IT" sz="1200" dirty="0" smtClean="0"/>
+              <a:rPr lang="it-IT" sz="1200" dirty="0"/>
               <a:t>Sono definiti come deceduti tutti coloro che presentavano una data di morte.</a:t>
             </a:r>
           </a:p>
@@ -1273,70 +1461,70 @@
           <a:lstStyle/>
           <a:p>
             <a:r>
-              <a:rPr lang="it-IT" dirty="0" err="1" smtClean="0"/>
+              <a:rPr lang="it-IT" dirty="0" err="1"/>
               <a:t>Linfonode</a:t>
             </a:r>
             <a:r>
-              <a:rPr lang="it-IT" baseline="0" dirty="0" err="1" smtClean="0"/>
+              <a:rPr lang="it-IT" baseline="0" dirty="0" err="1"/>
               <a:t>s</a:t>
             </a:r>
             <a:r>
-              <a:rPr lang="it-IT" baseline="0" dirty="0" smtClean="0"/>
+              <a:rPr lang="it-IT" baseline="0" dirty="0"/>
               <a:t> Ratio e Log-</a:t>
             </a:r>
             <a:r>
-              <a:rPr lang="it-IT" baseline="0" dirty="0" err="1" smtClean="0"/>
+              <a:rPr lang="it-IT" baseline="0" dirty="0" err="1"/>
               <a:t>Odds</a:t>
             </a:r>
             <a:r>
-              <a:rPr lang="it-IT" baseline="0" dirty="0" smtClean="0"/>
+              <a:rPr lang="it-IT" baseline="0" dirty="0"/>
               <a:t> </a:t>
             </a:r>
             <a:r>
-              <a:rPr lang="it-IT" baseline="0" dirty="0" err="1" smtClean="0"/>
+              <a:rPr lang="it-IT" baseline="0" dirty="0" err="1"/>
               <a:t>Linfonodes</a:t>
             </a:r>
-            <a:endParaRPr lang="it-IT" baseline="0" dirty="0" smtClean="0"/>
-          </a:p>
-          <a:p>
-            <a:r>
-              <a:rPr lang="it-IT" dirty="0" smtClean="0"/>
+            <a:endParaRPr lang="it-IT" baseline="0" dirty="0"/>
+          </a:p>
+          <a:p>
+            <a:r>
+              <a:rPr lang="it-IT" dirty="0"/>
               <a:t>Ogni </a:t>
             </a:r>
             <a:r>
-              <a:rPr lang="it-IT" dirty="0" err="1" smtClean="0"/>
+              <a:rPr lang="it-IT" dirty="0" err="1"/>
               <a:t>varibile</a:t>
             </a:r>
             <a:r>
-              <a:rPr lang="it-IT" baseline="0" dirty="0" smtClean="0"/>
+              <a:rPr lang="it-IT" baseline="0" dirty="0"/>
               <a:t> presentava tre modalità. La correlazione tra le due </a:t>
             </a:r>
             <a:r>
-              <a:rPr lang="it-IT" baseline="0" dirty="0" err="1" smtClean="0"/>
+              <a:rPr lang="it-IT" baseline="0" dirty="0" err="1"/>
               <a:t>varibili</a:t>
             </a:r>
             <a:r>
-              <a:rPr lang="it-IT" baseline="0" dirty="0" smtClean="0"/>
+              <a:rPr lang="it-IT" baseline="0" dirty="0"/>
               <a:t> risulta essere di 0.88</a:t>
             </a:r>
           </a:p>
           <a:p>
             <a:r>
-              <a:rPr lang="it-IT" baseline="0" dirty="0" smtClean="0"/>
+              <a:rPr lang="it-IT" baseline="0" dirty="0"/>
               <a:t>Questo perché LODDS è una trasformazione lineare di LNR. </a:t>
             </a:r>
           </a:p>
           <a:p>
             <a:r>
-              <a:rPr lang="it-IT" baseline="0" dirty="0" smtClean="0"/>
+              <a:rPr lang="it-IT" baseline="0" dirty="0"/>
               <a:t>Secondo il </a:t>
             </a:r>
             <a:r>
-              <a:rPr lang="it-IT" baseline="0" dirty="0" err="1" smtClean="0"/>
+              <a:rPr lang="it-IT" baseline="0" dirty="0" err="1"/>
               <a:t>paper</a:t>
             </a:r>
             <a:r>
-              <a:rPr lang="it-IT" baseline="0" dirty="0" smtClean="0"/>
+              <a:rPr lang="it-IT" baseline="0" dirty="0"/>
               <a:t>:</a:t>
             </a:r>
             <a:endParaRPr lang="it-IT" dirty="0"/>
@@ -1424,19 +1612,19 @@
           <a:lstStyle/>
           <a:p>
             <a:r>
-              <a:rPr lang="it-IT" dirty="0" smtClean="0"/>
+              <a:rPr lang="it-IT" dirty="0"/>
               <a:t>Questa</a:t>
             </a:r>
             <a:r>
-              <a:rPr lang="it-IT" baseline="0" dirty="0" smtClean="0"/>
+              <a:rPr lang="it-IT" baseline="0" dirty="0"/>
               <a:t> è la funzione di </a:t>
             </a:r>
             <a:r>
-              <a:rPr lang="it-IT" baseline="0" dirty="0" err="1" smtClean="0"/>
+              <a:rPr lang="it-IT" baseline="0" dirty="0" err="1"/>
               <a:t>sopravvienza</a:t>
             </a:r>
             <a:r>
-              <a:rPr lang="it-IT" baseline="0" dirty="0" smtClean="0"/>
+              <a:rPr lang="it-IT" baseline="0" dirty="0"/>
               <a:t> generale.</a:t>
             </a:r>
             <a:endParaRPr lang="it-IT" dirty="0"/>
@@ -1541,45 +1729,45 @@
               <a:defRPr/>
             </a:pPr>
             <a:r>
-              <a:rPr lang="it-IT" dirty="0" smtClean="0"/>
+              <a:rPr lang="it-IT" dirty="0"/>
               <a:t>Questa</a:t>
             </a:r>
             <a:r>
-              <a:rPr lang="it-IT" baseline="0" dirty="0" smtClean="0"/>
+              <a:rPr lang="it-IT" baseline="0" dirty="0"/>
               <a:t> è la funzione di </a:t>
             </a:r>
             <a:r>
-              <a:rPr lang="it-IT" baseline="0" dirty="0" err="1" smtClean="0"/>
+              <a:rPr lang="it-IT" baseline="0" dirty="0" err="1"/>
               <a:t>sopravvienza</a:t>
             </a:r>
             <a:r>
-              <a:rPr lang="it-IT" baseline="0" dirty="0" smtClean="0"/>
+              <a:rPr lang="it-IT" baseline="0" dirty="0"/>
               <a:t> per quanto riguarda il </a:t>
             </a:r>
             <a:r>
-              <a:rPr lang="it-IT" baseline="0" dirty="0" err="1" smtClean="0"/>
+              <a:rPr lang="it-IT" baseline="0" dirty="0" err="1"/>
               <a:t>disease</a:t>
             </a:r>
             <a:r>
-              <a:rPr lang="it-IT" baseline="0" dirty="0" smtClean="0"/>
+              <a:rPr lang="it-IT" baseline="0" dirty="0"/>
               <a:t>-free. Ci accorgiamo che sul </a:t>
             </a:r>
             <a:r>
-              <a:rPr lang="it-IT" baseline="0" dirty="0" err="1" smtClean="0"/>
+              <a:rPr lang="it-IT" baseline="0" dirty="0" err="1"/>
               <a:t>disease</a:t>
             </a:r>
             <a:r>
-              <a:rPr lang="it-IT" baseline="0" dirty="0" smtClean="0"/>
+              <a:rPr lang="it-IT" baseline="0" dirty="0"/>
               <a:t> free la gran parte dei pazienti contrae una ricaduta. </a:t>
             </a:r>
             <a:br>
-              <a:rPr lang="it-IT" baseline="0" dirty="0" smtClean="0"/>
+              <a:rPr lang="it-IT" baseline="0" dirty="0"/>
             </a:br>
             <a:r>
-              <a:rPr lang="it-IT" baseline="0" dirty="0" smtClean="0"/>
+              <a:rPr lang="it-IT" baseline="0" dirty="0"/>
               <a:t>Inoltre il numero dei censurati è molto minore in questo caso.</a:t>
             </a:r>
-            <a:endParaRPr lang="it-IT" dirty="0" smtClean="0"/>
+            <a:endParaRPr lang="it-IT" dirty="0"/>
           </a:p>
           <a:p>
             <a:endParaRPr lang="it-IT" dirty="0"/>
@@ -1751,34 +1939,34 @@
           <a:lstStyle/>
           <a:p>
             <a:r>
-              <a:rPr lang="it-IT" dirty="0" smtClean="0"/>
+              <a:rPr lang="it-IT" dirty="0"/>
               <a:t>Questa è</a:t>
             </a:r>
             <a:r>
-              <a:rPr lang="it-IT" baseline="0" dirty="0" smtClean="0"/>
+              <a:rPr lang="it-IT" baseline="0" dirty="0"/>
               <a:t> la curva di </a:t>
             </a:r>
             <a:r>
-              <a:rPr lang="it-IT" baseline="0" dirty="0" err="1" smtClean="0"/>
+              <a:rPr lang="it-IT" baseline="0" dirty="0" err="1"/>
               <a:t>sopravvienza</a:t>
             </a:r>
             <a:r>
-              <a:rPr lang="it-IT" baseline="0" dirty="0" smtClean="0"/>
+              <a:rPr lang="it-IT" baseline="0" dirty="0"/>
               <a:t> per LNR come </a:t>
             </a:r>
             <a:r>
-              <a:rPr lang="it-IT" baseline="0" dirty="0" err="1" smtClean="0"/>
+              <a:rPr lang="it-IT" baseline="0" dirty="0" err="1"/>
               <a:t>covariata</a:t>
             </a:r>
             <a:r>
-              <a:rPr lang="it-IT" baseline="0" dirty="0" smtClean="0"/>
+              <a:rPr lang="it-IT" baseline="0" dirty="0"/>
               <a:t>. </a:t>
             </a:r>
             <a:br>
-              <a:rPr lang="it-IT" baseline="0" dirty="0" smtClean="0"/>
+              <a:rPr lang="it-IT" baseline="0" dirty="0"/>
             </a:br>
             <a:r>
-              <a:rPr lang="it-IT" baseline="0" dirty="0" smtClean="0"/>
+              <a:rPr lang="it-IT" baseline="0" dirty="0"/>
               <a:t>Da questo è possibile notare che:</a:t>
             </a:r>
           </a:p>
@@ -1788,7 +1976,7 @@
               <a:buChar char="•"/>
             </a:pPr>
             <a:r>
-              <a:rPr lang="it-IT" baseline="0" dirty="0" smtClean="0"/>
+              <a:rPr lang="it-IT" baseline="0" dirty="0"/>
               <a:t>I soggetti allo stadio 2 rendono a morire più rapidamente rispetto a quelli dei restanti due gruppi</a:t>
             </a:r>
           </a:p>
@@ -1798,23 +1986,23 @@
               <a:buChar char="•"/>
             </a:pPr>
             <a:r>
-              <a:rPr lang="it-IT" baseline="0" dirty="0" smtClean="0"/>
+              <a:rPr lang="it-IT" baseline="0" dirty="0"/>
               <a:t>I soggetti allo stadio 0 e 1 non sono significativamente differenti. Lo si vede chiaramente dagli intervalli di confidenza. Lo si nota anche dal modello di </a:t>
             </a:r>
             <a:r>
-              <a:rPr lang="it-IT" baseline="0" dirty="0" err="1" smtClean="0"/>
+              <a:rPr lang="it-IT" baseline="0" dirty="0" err="1"/>
               <a:t>Cox</a:t>
             </a:r>
             <a:r>
-              <a:rPr lang="it-IT" baseline="0" dirty="0" smtClean="0"/>
+              <a:rPr lang="it-IT" baseline="0" dirty="0"/>
               <a:t> </a:t>
             </a:r>
             <a:r>
-              <a:rPr lang="it-IT" baseline="0" dirty="0" err="1" smtClean="0"/>
+              <a:rPr lang="it-IT" baseline="0" dirty="0" err="1"/>
               <a:t>univariato</a:t>
             </a:r>
             <a:r>
-              <a:rPr lang="it-IT" baseline="0" dirty="0" smtClean="0"/>
+              <a:rPr lang="it-IT" baseline="0" dirty="0"/>
               <a:t>, che analizzeremo successivamente. </a:t>
             </a:r>
           </a:p>
@@ -1823,7 +2011,7 @@
               <a:buFont typeface="Arial" panose="020B0604020202020204" pitchFamily="34" charset="0"/>
               <a:buNone/>
             </a:pPr>
-            <a:endParaRPr lang="it-IT" baseline="0" dirty="0" smtClean="0"/>
+            <a:endParaRPr lang="it-IT" baseline="0" dirty="0"/>
           </a:p>
           <a:p>
             <a:pPr marL="0" marR="0" lvl="0" indent="0" algn="l" defTabSz="914400" rtl="0" eaLnBrk="1" fontAlgn="auto" latinLnBrk="0" hangingPunct="1">
@@ -1844,10 +2032,9 @@
               <a:defRPr/>
             </a:pPr>
             <a:r>
-              <a:rPr lang="it-IT" baseline="0" dirty="0" smtClean="0"/>
+              <a:rPr lang="it-IT" baseline="0" dirty="0"/>
               <a:t>Rifiutiamo l’ipotesi di uguaglianza tra le curve di sopravvivenza.</a:t>
             </a:r>
-            <a:endParaRPr lang="it-IT" baseline="0" dirty="0" smtClean="0"/>
           </a:p>
           <a:p>
             <a:pPr marL="0" indent="0">
@@ -1855,38 +2042,38 @@
               <a:buNone/>
             </a:pPr>
             <a:r>
-              <a:rPr lang="it-IT" dirty="0" smtClean="0"/>
+              <a:rPr lang="it-IT" dirty="0"/>
               <a:t>Log </a:t>
             </a:r>
             <a:r>
-              <a:rPr lang="it-IT" dirty="0" err="1" smtClean="0"/>
+              <a:rPr lang="it-IT" dirty="0" err="1"/>
               <a:t>Rank</a:t>
             </a:r>
             <a:r>
-              <a:rPr lang="it-IT" dirty="0" smtClean="0"/>
+              <a:rPr lang="it-IT" dirty="0"/>
               <a:t> </a:t>
             </a:r>
             <a:r>
-              <a:rPr lang="it-IT" dirty="0" err="1" smtClean="0"/>
+              <a:rPr lang="it-IT" dirty="0" err="1"/>
               <a:t>Tests</a:t>
             </a:r>
             <a:r>
-              <a:rPr lang="it-IT" dirty="0" smtClean="0"/>
+              <a:rPr lang="it-IT" dirty="0"/>
               <a:t>: </a:t>
             </a:r>
             <a:r>
-              <a:rPr lang="it-IT" dirty="0" err="1" smtClean="0"/>
+              <a:rPr lang="it-IT" dirty="0" err="1"/>
               <a:t>p.value</a:t>
             </a:r>
             <a:r>
-              <a:rPr lang="it-IT" baseline="0" dirty="0" smtClean="0"/>
+              <a:rPr lang="it-IT" baseline="0" dirty="0"/>
               <a:t> = </a:t>
             </a:r>
             <a:r>
-              <a:rPr lang="it-IT" dirty="0" smtClean="0"/>
+              <a:rPr lang="it-IT" dirty="0"/>
               <a:t>6.48e-06</a:t>
             </a:r>
-            <a:endParaRPr lang="it-IT" baseline="0" dirty="0" smtClean="0"/>
+            <a:endParaRPr lang="it-IT" baseline="0" dirty="0"/>
           </a:p>
           <a:p>
             <a:pPr marL="0" indent="0">
@@ -1978,11 +2165,11 @@
           <a:lstStyle/>
           <a:p>
             <a:r>
-              <a:rPr lang="it-IT" dirty="0" smtClean="0"/>
+              <a:rPr lang="it-IT" dirty="0"/>
               <a:t>Analogamente</a:t>
             </a:r>
             <a:r>
-              <a:rPr lang="it-IT" baseline="0" dirty="0" smtClean="0"/>
+              <a:rPr lang="it-IT" baseline="0" dirty="0"/>
               <a:t> a quella per LNR anche in quella di LODDS troviamo che:</a:t>
             </a:r>
           </a:p>
@@ -1992,7 +2179,7 @@
               <a:buChar char="•"/>
             </a:pPr>
             <a:r>
-              <a:rPr lang="it-IT" baseline="0" dirty="0" smtClean="0"/>
+              <a:rPr lang="it-IT" baseline="0" dirty="0"/>
               <a:t>I soggetti allo stadio 2 rendono a morire più rapidamente rispetto a quelli dei restanti due gruppi</a:t>
             </a:r>
           </a:p>
@@ -2002,23 +2189,23 @@
               <a:buChar char="•"/>
             </a:pPr>
             <a:r>
-              <a:rPr lang="it-IT" baseline="0" dirty="0" smtClean="0"/>
+              <a:rPr lang="it-IT" baseline="0" dirty="0"/>
               <a:t>I soggetti allo stadio 0 e 1 non sono significativamente differenti. Questo non lo si nota bene negli intervalli di confidenza. Nel modello di </a:t>
             </a:r>
             <a:r>
-              <a:rPr lang="it-IT" baseline="0" dirty="0" err="1" smtClean="0"/>
+              <a:rPr lang="it-IT" baseline="0" dirty="0" err="1"/>
               <a:t>Cox</a:t>
             </a:r>
             <a:r>
-              <a:rPr lang="it-IT" baseline="0" dirty="0" smtClean="0"/>
+              <a:rPr lang="it-IT" baseline="0" dirty="0"/>
               <a:t> </a:t>
             </a:r>
             <a:r>
-              <a:rPr lang="it-IT" baseline="0" dirty="0" err="1" smtClean="0"/>
+              <a:rPr lang="it-IT" baseline="0" dirty="0" err="1"/>
               <a:t>univariato</a:t>
             </a:r>
             <a:r>
-              <a:rPr lang="it-IT" baseline="0" dirty="0" smtClean="0"/>
+              <a:rPr lang="it-IT" baseline="0" dirty="0"/>
               <a:t>, però, il coefficiente relativo alla classe 1 risulta non significativo.</a:t>
             </a:r>
           </a:p>
@@ -2035,10 +2222,9 @@
               <a:buNone/>
             </a:pPr>
             <a:r>
-              <a:rPr lang="it-IT" baseline="0" dirty="0" smtClean="0"/>
+              <a:rPr lang="it-IT" baseline="0" dirty="0"/>
               <a:t>Rifiutiamo l’ipotesi di uguaglianza tra le curve di sopravvivenza.</a:t>
             </a:r>
-            <a:endParaRPr lang="it-IT" baseline="0" dirty="0"/>
           </a:p>
           <a:p>
             <a:pPr marL="0" indent="0">
@@ -2046,30 +2232,30 @@
               <a:buNone/>
             </a:pPr>
             <a:r>
-              <a:rPr lang="it-IT" baseline="0" dirty="0" smtClean="0"/>
+              <a:rPr lang="it-IT" baseline="0" dirty="0"/>
               <a:t>Log </a:t>
             </a:r>
             <a:r>
-              <a:rPr lang="it-IT" baseline="0" dirty="0" err="1" smtClean="0"/>
+              <a:rPr lang="it-IT" baseline="0" dirty="0" err="1"/>
               <a:t>Rank</a:t>
             </a:r>
             <a:r>
-              <a:rPr lang="it-IT" baseline="0" dirty="0" smtClean="0"/>
+              <a:rPr lang="it-IT" baseline="0" dirty="0"/>
               <a:t> Test: </a:t>
             </a:r>
             <a:r>
-              <a:rPr lang="it-IT" baseline="0" dirty="0" err="1" smtClean="0"/>
+              <a:rPr lang="it-IT" baseline="0" dirty="0" err="1"/>
               <a:t>p.value</a:t>
             </a:r>
             <a:r>
-              <a:rPr lang="it-IT" baseline="0" dirty="0" smtClean="0"/>
+              <a:rPr lang="it-IT" baseline="0" dirty="0"/>
               <a:t> = </a:t>
             </a:r>
             <a:r>
-              <a:rPr lang="it-IT" dirty="0" smtClean="0"/>
+              <a:rPr lang="it-IT" dirty="0"/>
               <a:t>8.75e-07 </a:t>
             </a:r>
-            <a:endParaRPr lang="it-IT" baseline="0" dirty="0" smtClean="0"/>
+            <a:endParaRPr lang="it-IT" baseline="0" dirty="0"/>
           </a:p>
         </p:txBody>
       </p:sp>
@@ -2154,7 +2340,7 @@
           <a:lstStyle/>
           <a:p>
             <a:r>
-              <a:rPr lang="nn-NO" sz="1200" b="0" i="0" u="none" strike="noStrike" kern="1200" baseline="0" dirty="0" smtClean="0">
+              <a:rPr lang="nn-NO" sz="1200" b="0" i="0" u="none" strike="noStrike" kern="1200" baseline="0" dirty="0">
                 <a:solidFill>
                   <a:schemeClr val="tx1"/>
                 </a:solidFill>
@@ -2334,7 +2520,7 @@
           </a:lstStyle>
           <a:p>
             <a:r>
-              <a:rPr lang="it-IT" smtClean="0"/>
+              <a:rPr lang="it-IT"/>
               <a:t>Fare clic per modificare lo stile del titolo</a:t>
             </a:r>
             <a:endParaRPr lang="en-US" dirty="0"/>
@@ -2406,7 +2592,7 @@
           </a:lstStyle>
           <a:p>
             <a:r>
-              <a:rPr lang="it-IT" smtClean="0"/>
+              <a:rPr lang="it-IT"/>
               <a:t>Fare clic per modificare lo stile del sottotitolo dello schema</a:t>
             </a:r>
             <a:endParaRPr lang="en-US" dirty="0"/>
@@ -2430,7 +2616,7 @@
           <a:p>
             <a:fld id="{A2A5EAEC-CBB0-449A-A9CE-5377B44B413C}" type="datetimeFigureOut">
               <a:rPr lang="it-IT" smtClean="0"/>
-              <a:t>05/05/2017</a:t>
+              <a:t>08/05/2017</a:t>
             </a:fld>
             <a:endParaRPr lang="it-IT"/>
           </a:p>
@@ -2562,7 +2748,7 @@
           <a:lstStyle/>
           <a:p>
             <a:r>
-              <a:rPr lang="it-IT" smtClean="0"/>
+              <a:rPr lang="it-IT"/>
               <a:t>Fare clic per modificare lo stile del titolo</a:t>
             </a:r>
             <a:endParaRPr lang="en-US" dirty="0"/>
@@ -2586,35 +2772,35 @@
           <a:p>
             <a:pPr lvl="0"/>
             <a:r>
-              <a:rPr lang="it-IT" smtClean="0"/>
+              <a:rPr lang="it-IT"/>
               <a:t>Modifica gli stili del testo dello schema</a:t>
             </a:r>
           </a:p>
           <a:p>
             <a:pPr lvl="1"/>
             <a:r>
-              <a:rPr lang="it-IT" smtClean="0"/>
+              <a:rPr lang="it-IT"/>
               <a:t>Secondo livello</a:t>
             </a:r>
           </a:p>
           <a:p>
             <a:pPr lvl="2"/>
             <a:r>
-              <a:rPr lang="it-IT" smtClean="0"/>
+              <a:rPr lang="it-IT"/>
               <a:t>Terzo livello</a:t>
             </a:r>
           </a:p>
           <a:p>
             <a:pPr lvl="3"/>
             <a:r>
-              <a:rPr lang="it-IT" smtClean="0"/>
+              <a:rPr lang="it-IT"/>
               <a:t>Quarto livello</a:t>
             </a:r>
           </a:p>
           <a:p>
             <a:pPr lvl="4"/>
             <a:r>
-              <a:rPr lang="it-IT" smtClean="0"/>
+              <a:rPr lang="it-IT"/>
               <a:t>Quinto livello</a:t>
             </a:r>
             <a:endParaRPr lang="en-US" dirty="0"/>
@@ -2638,7 +2824,7 @@
           <a:p>
             <a:fld id="{A2A5EAEC-CBB0-449A-A9CE-5377B44B413C}" type="datetimeFigureOut">
               <a:rPr lang="it-IT" smtClean="0"/>
-              <a:t>05/05/2017</a:t>
+              <a:t>08/05/2017</a:t>
             </a:fld>
             <a:endParaRPr lang="it-IT"/>
           </a:p>
@@ -2813,7 +2999,7 @@
           <a:lstStyle/>
           <a:p>
             <a:r>
-              <a:rPr lang="it-IT" smtClean="0"/>
+              <a:rPr lang="it-IT"/>
               <a:t>Fare clic per modificare lo stile del titolo</a:t>
             </a:r>
             <a:endParaRPr lang="en-US" dirty="0"/>
@@ -2842,35 +3028,35 @@
           <a:p>
             <a:pPr lvl="0"/>
             <a:r>
-              <a:rPr lang="it-IT" smtClean="0"/>
+              <a:rPr lang="it-IT"/>
               <a:t>Modifica gli stili del testo dello schema</a:t>
             </a:r>
           </a:p>
           <a:p>
             <a:pPr lvl="1"/>
             <a:r>
-              <a:rPr lang="it-IT" smtClean="0"/>
+              <a:rPr lang="it-IT"/>
               <a:t>Secondo livello</a:t>
             </a:r>
           </a:p>
           <a:p>
             <a:pPr lvl="2"/>
             <a:r>
-              <a:rPr lang="it-IT" smtClean="0"/>
+              <a:rPr lang="it-IT"/>
               <a:t>Terzo livello</a:t>
             </a:r>
           </a:p>
           <a:p>
             <a:pPr lvl="3"/>
             <a:r>
-              <a:rPr lang="it-IT" smtClean="0"/>
+              <a:rPr lang="it-IT"/>
               <a:t>Quarto livello</a:t>
             </a:r>
           </a:p>
           <a:p>
             <a:pPr lvl="4"/>
             <a:r>
-              <a:rPr lang="it-IT" smtClean="0"/>
+              <a:rPr lang="it-IT"/>
               <a:t>Quinto livello</a:t>
             </a:r>
             <a:endParaRPr lang="en-US" dirty="0"/>
@@ -2894,7 +3080,7 @@
           <a:p>
             <a:fld id="{A2A5EAEC-CBB0-449A-A9CE-5377B44B413C}" type="datetimeFigureOut">
               <a:rPr lang="it-IT" smtClean="0"/>
-              <a:t>05/05/2017</a:t>
+              <a:t>08/05/2017</a:t>
             </a:fld>
             <a:endParaRPr lang="it-IT"/>
           </a:p>
@@ -2992,7 +3178,7 @@
           </a:lstStyle>
           <a:p>
             <a:r>
-              <a:rPr lang="it-IT" smtClean="0"/>
+              <a:rPr lang="it-IT"/>
               <a:t>Fare clic per modificare lo stile del titolo</a:t>
             </a:r>
             <a:endParaRPr lang="en-US" dirty="0"/>
@@ -3016,35 +3202,35 @@
           <a:p>
             <a:pPr lvl="0"/>
             <a:r>
-              <a:rPr lang="it-IT" smtClean="0"/>
+              <a:rPr lang="it-IT"/>
               <a:t>Modifica gli stili del testo dello schema</a:t>
             </a:r>
           </a:p>
           <a:p>
             <a:pPr lvl="1"/>
             <a:r>
-              <a:rPr lang="it-IT" smtClean="0"/>
+              <a:rPr lang="it-IT"/>
               <a:t>Secondo livello</a:t>
             </a:r>
           </a:p>
           <a:p>
             <a:pPr lvl="2"/>
             <a:r>
-              <a:rPr lang="it-IT" smtClean="0"/>
+              <a:rPr lang="it-IT"/>
               <a:t>Terzo livello</a:t>
             </a:r>
           </a:p>
           <a:p>
             <a:pPr lvl="3"/>
             <a:r>
-              <a:rPr lang="it-IT" smtClean="0"/>
+              <a:rPr lang="it-IT"/>
               <a:t>Quarto livello</a:t>
             </a:r>
           </a:p>
           <a:p>
             <a:pPr lvl="4"/>
             <a:r>
-              <a:rPr lang="it-IT" smtClean="0"/>
+              <a:rPr lang="it-IT"/>
               <a:t>Quinto livello</a:t>
             </a:r>
             <a:endParaRPr lang="en-US" dirty="0"/>
@@ -3068,7 +3254,7 @@
           <a:p>
             <a:fld id="{A2A5EAEC-CBB0-449A-A9CE-5377B44B413C}" type="datetimeFigureOut">
               <a:rPr lang="it-IT" smtClean="0"/>
-              <a:t>05/05/2017</a:t>
+              <a:t>08/05/2017</a:t>
             </a:fld>
             <a:endParaRPr lang="it-IT"/>
           </a:p>
@@ -3267,7 +3453,7 @@
           </a:lstStyle>
           <a:p>
             <a:r>
-              <a:rPr lang="it-IT" smtClean="0"/>
+              <a:rPr lang="it-IT"/>
               <a:t>Fare clic per modificare lo stile del titolo</a:t>
             </a:r>
             <a:endParaRPr lang="en-US" dirty="0"/>
@@ -3388,7 +3574,7 @@
           <a:p>
             <a:pPr lvl="0"/>
             <a:r>
-              <a:rPr lang="it-IT" smtClean="0"/>
+              <a:rPr lang="it-IT"/>
               <a:t>Modifica gli stili del testo dello schema</a:t>
             </a:r>
           </a:p>
@@ -3411,7 +3597,7 @@
           <a:p>
             <a:fld id="{A2A5EAEC-CBB0-449A-A9CE-5377B44B413C}" type="datetimeFigureOut">
               <a:rPr lang="it-IT" smtClean="0"/>
-              <a:t>05/05/2017</a:t>
+              <a:t>08/05/2017</a:t>
             </a:fld>
             <a:endParaRPr lang="it-IT"/>
           </a:p>
@@ -3548,7 +3734,7 @@
           <a:lstStyle/>
           <a:p>
             <a:r>
-              <a:rPr lang="it-IT" smtClean="0"/>
+              <a:rPr lang="it-IT"/>
               <a:t>Fare clic per modificare lo stile del titolo</a:t>
             </a:r>
             <a:endParaRPr lang="en-US" dirty="0"/>
@@ -3577,35 +3763,35 @@
           <a:p>
             <a:pPr lvl="0"/>
             <a:r>
-              <a:rPr lang="it-IT" smtClean="0"/>
+              <a:rPr lang="it-IT"/>
               <a:t>Modifica gli stili del testo dello schema</a:t>
             </a:r>
           </a:p>
           <a:p>
             <a:pPr lvl="1"/>
             <a:r>
-              <a:rPr lang="it-IT" smtClean="0"/>
+              <a:rPr lang="it-IT"/>
               <a:t>Secondo livello</a:t>
             </a:r>
           </a:p>
           <a:p>
             <a:pPr lvl="2"/>
             <a:r>
-              <a:rPr lang="it-IT" smtClean="0"/>
+              <a:rPr lang="it-IT"/>
               <a:t>Terzo livello</a:t>
             </a:r>
           </a:p>
           <a:p>
             <a:pPr lvl="3"/>
             <a:r>
-              <a:rPr lang="it-IT" smtClean="0"/>
+              <a:rPr lang="it-IT"/>
               <a:t>Quarto livello</a:t>
             </a:r>
           </a:p>
           <a:p>
             <a:pPr lvl="4"/>
             <a:r>
-              <a:rPr lang="it-IT" smtClean="0"/>
+              <a:rPr lang="it-IT"/>
               <a:t>Quinto livello</a:t>
             </a:r>
             <a:endParaRPr lang="en-US" dirty="0"/>
@@ -3634,35 +3820,35 @@
           <a:p>
             <a:pPr lvl="0"/>
             <a:r>
-              <a:rPr lang="it-IT" smtClean="0"/>
+              <a:rPr lang="it-IT"/>
               <a:t>Modifica gli stili del testo dello schema</a:t>
             </a:r>
           </a:p>
           <a:p>
             <a:pPr lvl="1"/>
             <a:r>
-              <a:rPr lang="it-IT" smtClean="0"/>
+              <a:rPr lang="it-IT"/>
               <a:t>Secondo livello</a:t>
             </a:r>
           </a:p>
           <a:p>
             <a:pPr lvl="2"/>
             <a:r>
-              <a:rPr lang="it-IT" smtClean="0"/>
+              <a:rPr lang="it-IT"/>
               <a:t>Terzo livello</a:t>
             </a:r>
           </a:p>
           <a:p>
             <a:pPr lvl="3"/>
             <a:r>
-              <a:rPr lang="it-IT" smtClean="0"/>
+              <a:rPr lang="it-IT"/>
               <a:t>Quarto livello</a:t>
             </a:r>
           </a:p>
           <a:p>
             <a:pPr lvl="4"/>
             <a:r>
-              <a:rPr lang="it-IT" smtClean="0"/>
+              <a:rPr lang="it-IT"/>
               <a:t>Quinto livello</a:t>
             </a:r>
             <a:endParaRPr lang="en-US" dirty="0"/>
@@ -3686,7 +3872,7 @@
           <a:p>
             <a:fld id="{A2A5EAEC-CBB0-449A-A9CE-5377B44B413C}" type="datetimeFigureOut">
               <a:rPr lang="it-IT" smtClean="0"/>
-              <a:t>05/05/2017</a:t>
+              <a:t>08/05/2017</a:t>
             </a:fld>
             <a:endParaRPr lang="it-IT"/>
           </a:p>
@@ -3785,7 +3971,7 @@
           <a:lstStyle/>
           <a:p>
             <a:r>
-              <a:rPr lang="it-IT" smtClean="0"/>
+              <a:rPr lang="it-IT"/>
               <a:t>Fare clic per modificare lo stile del titolo</a:t>
             </a:r>
             <a:endParaRPr lang="en-US" dirty="0"/>
@@ -3857,7 +4043,7 @@
           <a:p>
             <a:pPr lvl="0"/>
             <a:r>
-              <a:rPr lang="it-IT" smtClean="0"/>
+              <a:rPr lang="it-IT"/>
               <a:t>Modifica gli stili del testo dello schema</a:t>
             </a:r>
           </a:p>
@@ -3885,35 +4071,35 @@
           <a:p>
             <a:pPr lvl="0"/>
             <a:r>
-              <a:rPr lang="it-IT" smtClean="0"/>
+              <a:rPr lang="it-IT"/>
               <a:t>Modifica gli stili del testo dello schema</a:t>
             </a:r>
           </a:p>
           <a:p>
             <a:pPr lvl="1"/>
             <a:r>
-              <a:rPr lang="it-IT" smtClean="0"/>
+              <a:rPr lang="it-IT"/>
               <a:t>Secondo livello</a:t>
             </a:r>
           </a:p>
           <a:p>
             <a:pPr lvl="2"/>
             <a:r>
-              <a:rPr lang="it-IT" smtClean="0"/>
+              <a:rPr lang="it-IT"/>
               <a:t>Terzo livello</a:t>
             </a:r>
           </a:p>
           <a:p>
             <a:pPr lvl="3"/>
             <a:r>
-              <a:rPr lang="it-IT" smtClean="0"/>
+              <a:rPr lang="it-IT"/>
               <a:t>Quarto livello</a:t>
             </a:r>
           </a:p>
           <a:p>
             <a:pPr lvl="4"/>
             <a:r>
-              <a:rPr lang="it-IT" smtClean="0"/>
+              <a:rPr lang="it-IT"/>
               <a:t>Quinto livello</a:t>
             </a:r>
             <a:endParaRPr lang="en-US" dirty="0"/>
@@ -3985,7 +4171,7 @@
           <a:p>
             <a:pPr lvl="0"/>
             <a:r>
-              <a:rPr lang="it-IT" smtClean="0"/>
+              <a:rPr lang="it-IT"/>
               <a:t>Modifica gli stili del testo dello schema</a:t>
             </a:r>
           </a:p>
@@ -4013,35 +4199,35 @@
           <a:p>
             <a:pPr lvl="0"/>
             <a:r>
-              <a:rPr lang="it-IT" smtClean="0"/>
+              <a:rPr lang="it-IT"/>
               <a:t>Modifica gli stili del testo dello schema</a:t>
             </a:r>
           </a:p>
           <a:p>
             <a:pPr lvl="1"/>
             <a:r>
-              <a:rPr lang="it-IT" smtClean="0"/>
+              <a:rPr lang="it-IT"/>
               <a:t>Secondo livello</a:t>
             </a:r>
           </a:p>
           <a:p>
             <a:pPr lvl="2"/>
             <a:r>
-              <a:rPr lang="it-IT" smtClean="0"/>
+              <a:rPr lang="it-IT"/>
               <a:t>Terzo livello</a:t>
             </a:r>
           </a:p>
           <a:p>
             <a:pPr lvl="3"/>
             <a:r>
-              <a:rPr lang="it-IT" smtClean="0"/>
+              <a:rPr lang="it-IT"/>
               <a:t>Quarto livello</a:t>
             </a:r>
           </a:p>
           <a:p>
             <a:pPr lvl="4"/>
             <a:r>
-              <a:rPr lang="it-IT" smtClean="0"/>
+              <a:rPr lang="it-IT"/>
               <a:t>Quinto livello</a:t>
             </a:r>
             <a:endParaRPr lang="en-US" dirty="0"/>
@@ -4065,7 +4251,7 @@
           <a:p>
             <a:fld id="{A2A5EAEC-CBB0-449A-A9CE-5377B44B413C}" type="datetimeFigureOut">
               <a:rPr lang="it-IT" smtClean="0"/>
-              <a:t>05/05/2017</a:t>
+              <a:t>08/05/2017</a:t>
             </a:fld>
             <a:endParaRPr lang="it-IT"/>
           </a:p>
@@ -4159,7 +4345,7 @@
           <a:lstStyle/>
           <a:p>
             <a:r>
-              <a:rPr lang="it-IT" smtClean="0"/>
+              <a:rPr lang="it-IT"/>
               <a:t>Fare clic per modificare lo stile del titolo</a:t>
             </a:r>
             <a:endParaRPr lang="en-US" dirty="0"/>
@@ -4183,7 +4369,7 @@
           <a:p>
             <a:fld id="{A2A5EAEC-CBB0-449A-A9CE-5377B44B413C}" type="datetimeFigureOut">
               <a:rPr lang="it-IT" smtClean="0"/>
-              <a:t>05/05/2017</a:t>
+              <a:t>08/05/2017</a:t>
             </a:fld>
             <a:endParaRPr lang="it-IT"/>
           </a:p>
@@ -4354,7 +4540,7 @@
           <a:p>
             <a:fld id="{A2A5EAEC-CBB0-449A-A9CE-5377B44B413C}" type="datetimeFigureOut">
               <a:rPr lang="it-IT" smtClean="0"/>
-              <a:t>05/05/2017</a:t>
+              <a:t>08/05/2017</a:t>
             </a:fld>
             <a:endParaRPr lang="it-IT"/>
           </a:p>
@@ -4547,7 +4733,7 @@
           </a:lstStyle>
           <a:p>
             <a:r>
-              <a:rPr lang="it-IT" smtClean="0"/>
+              <a:rPr lang="it-IT"/>
               <a:t>Fare clic per modificare lo stile del titolo</a:t>
             </a:r>
             <a:endParaRPr lang="en-US" dirty="0"/>
@@ -4576,35 +4762,35 @@
           <a:p>
             <a:pPr lvl="0"/>
             <a:r>
-              <a:rPr lang="it-IT" smtClean="0"/>
+              <a:rPr lang="it-IT"/>
               <a:t>Modifica gli stili del testo dello schema</a:t>
             </a:r>
           </a:p>
           <a:p>
             <a:pPr lvl="1"/>
             <a:r>
-              <a:rPr lang="it-IT" smtClean="0"/>
+              <a:rPr lang="it-IT"/>
               <a:t>Secondo livello</a:t>
             </a:r>
           </a:p>
           <a:p>
             <a:pPr lvl="2"/>
             <a:r>
-              <a:rPr lang="it-IT" smtClean="0"/>
+              <a:rPr lang="it-IT"/>
               <a:t>Terzo livello</a:t>
             </a:r>
           </a:p>
           <a:p>
             <a:pPr lvl="3"/>
             <a:r>
-              <a:rPr lang="it-IT" smtClean="0"/>
+              <a:rPr lang="it-IT"/>
               <a:t>Quarto livello</a:t>
             </a:r>
           </a:p>
           <a:p>
             <a:pPr lvl="4"/>
             <a:r>
-              <a:rPr lang="it-IT" smtClean="0"/>
+              <a:rPr lang="it-IT"/>
               <a:t>Quinto livello</a:t>
             </a:r>
             <a:endParaRPr lang="en-US" dirty="0"/>
@@ -4676,7 +4862,7 @@
           <a:p>
             <a:pPr lvl="0"/>
             <a:r>
-              <a:rPr lang="it-IT" smtClean="0"/>
+              <a:rPr lang="it-IT"/>
               <a:t>Modifica gli stili del testo dello schema</a:t>
             </a:r>
           </a:p>
@@ -4708,7 +4894,7 @@
           <a:p>
             <a:fld id="{A2A5EAEC-CBB0-449A-A9CE-5377B44B413C}" type="datetimeFigureOut">
               <a:rPr lang="it-IT" smtClean="0"/>
-              <a:t>05/05/2017</a:t>
+              <a:t>08/05/2017</a:t>
             </a:fld>
             <a:endParaRPr lang="it-IT"/>
           </a:p>
@@ -4914,7 +5100,7 @@
           </a:lstStyle>
           <a:p>
             <a:r>
-              <a:rPr lang="it-IT" smtClean="0"/>
+              <a:rPr lang="it-IT"/>
               <a:t>Fare clic per modificare lo stile del titolo</a:t>
             </a:r>
             <a:endParaRPr lang="en-US" dirty="0"/>
@@ -4989,7 +5175,7 @@
           </a:lstStyle>
           <a:p>
             <a:r>
-              <a:rPr lang="it-IT" smtClean="0"/>
+              <a:rPr lang="it-IT"/>
               <a:t>Fare clic sull'icona per inserire un'immagine</a:t>
             </a:r>
             <a:endParaRPr lang="en-US" dirty="0"/>
@@ -5067,7 +5253,7 @@
           <a:p>
             <a:pPr lvl="0"/>
             <a:r>
-              <a:rPr lang="it-IT" smtClean="0"/>
+              <a:rPr lang="it-IT"/>
               <a:t>Modifica gli stili del testo dello schema</a:t>
             </a:r>
           </a:p>
@@ -5090,7 +5276,7 @@
           <a:p>
             <a:fld id="{A2A5EAEC-CBB0-449A-A9CE-5377B44B413C}" type="datetimeFigureOut">
               <a:rPr lang="it-IT" smtClean="0"/>
-              <a:t>05/05/2017</a:t>
+              <a:t>08/05/2017</a:t>
             </a:fld>
             <a:endParaRPr lang="it-IT"/>
           </a:p>
@@ -5275,7 +5461,7 @@
           <a:lstStyle/>
           <a:p>
             <a:r>
-              <a:rPr lang="it-IT" smtClean="0"/>
+              <a:rPr lang="it-IT"/>
               <a:t>Fare clic per modificare lo stile del titolo</a:t>
             </a:r>
             <a:endParaRPr lang="en-US" dirty="0"/>
@@ -5309,35 +5495,35 @@
           <a:p>
             <a:pPr lvl="0"/>
             <a:r>
-              <a:rPr lang="it-IT" smtClean="0"/>
+              <a:rPr lang="it-IT"/>
               <a:t>Modifica gli stili del testo dello schema</a:t>
             </a:r>
           </a:p>
           <a:p>
             <a:pPr lvl="1"/>
             <a:r>
-              <a:rPr lang="it-IT" smtClean="0"/>
+              <a:rPr lang="it-IT"/>
               <a:t>Secondo livello</a:t>
             </a:r>
           </a:p>
           <a:p>
             <a:pPr lvl="2"/>
             <a:r>
-              <a:rPr lang="it-IT" smtClean="0"/>
+              <a:rPr lang="it-IT"/>
               <a:t>Terzo livello</a:t>
             </a:r>
           </a:p>
           <a:p>
             <a:pPr lvl="3"/>
             <a:r>
-              <a:rPr lang="it-IT" smtClean="0"/>
+              <a:rPr lang="it-IT"/>
               <a:t>Quarto livello</a:t>
             </a:r>
           </a:p>
           <a:p>
             <a:pPr lvl="4"/>
             <a:r>
-              <a:rPr lang="it-IT" smtClean="0"/>
+              <a:rPr lang="it-IT"/>
               <a:t>Quinto livello</a:t>
             </a:r>
             <a:endParaRPr lang="en-US" dirty="0"/>
@@ -5377,7 +5563,7 @@
           <a:p>
             <a:fld id="{A2A5EAEC-CBB0-449A-A9CE-5377B44B413C}" type="datetimeFigureOut">
               <a:rPr lang="it-IT" smtClean="0"/>
-              <a:t>05/05/2017</a:t>
+              <a:t>08/05/2017</a:t>
             </a:fld>
             <a:endParaRPr lang="it-IT"/>
           </a:p>
@@ -5924,10 +6110,9 @@
           <a:lstStyle/>
           <a:p>
             <a:r>
-              <a:rPr lang="it-IT" dirty="0" smtClean="0"/>
+              <a:rPr lang="it-IT" dirty="0"/>
               <a:t>Analisi della sopravvivenza per il cancro al colon</a:t>
             </a:r>
-            <a:endParaRPr lang="it-IT" dirty="0"/>
           </a:p>
         </p:txBody>
       </p:sp>
@@ -5947,10 +6132,9 @@
           <a:lstStyle/>
           <a:p>
             <a:r>
-              <a:rPr lang="it-IT" dirty="0" smtClean="0"/>
+              <a:rPr lang="it-IT" dirty="0"/>
               <a:t>A cura di Carlo cavalieri, Marco Morigi e Gaetano romano</a:t>
             </a:r>
-            <a:endParaRPr lang="it-IT" dirty="0"/>
           </a:p>
         </p:txBody>
       </p:sp>
@@ -5976,7 +6160,7 @@
         </p:blipFill>
         <p:spPr>
           <a:xfrm>
-            <a:off x="3936949" y="166890"/>
+            <a:off x="3423993" y="169931"/>
             <a:ext cx="1707389" cy="1698852"/>
           </a:xfrm>
           <a:prstGeom prst="rect">
@@ -5992,8 +6176,8 @@
         </p:nvSpPr>
         <p:spPr>
           <a:xfrm>
-            <a:off x="5901180" y="323818"/>
-            <a:ext cx="4114172" cy="1815882"/>
+            <a:off x="5389114" y="172971"/>
+            <a:ext cx="4114172" cy="1692771"/>
           </a:xfrm>
           <a:prstGeom prst="rect">
             <a:avLst/>
@@ -6007,7 +6191,7 @@
           <a:lstStyle/>
           <a:p>
             <a:r>
-              <a:rPr lang="it-IT" sz="2800" dirty="0" smtClean="0">
+              <a:rPr lang="it-IT" sz="2600" dirty="0">
                 <a:solidFill>
                   <a:srgbClr val="FF0000"/>
                 </a:solidFill>
@@ -6018,7 +6202,7 @@
           </a:p>
           <a:p>
             <a:r>
-              <a:rPr lang="it-IT" sz="2800" dirty="0" err="1" smtClean="0">
+              <a:rPr lang="it-IT" sz="2600" dirty="0" err="1">
                 <a:solidFill>
                   <a:srgbClr val="FF0000"/>
                 </a:solidFill>
@@ -6027,67 +6211,25 @@
               <a:t>Studiorum</a:t>
             </a:r>
             <a:r>
-              <a:rPr lang="it-IT" sz="2800" dirty="0" smtClean="0">
+              <a:rPr lang="it-IT" sz="2600" dirty="0">
                 <a:solidFill>
                   <a:srgbClr val="FF0000"/>
                 </a:solidFill>
                 <a:latin typeface="Comic Sans MS" panose="030F0702030302020204" pitchFamily="66" charset="0"/>
               </a:rPr>
-              <a:t> </a:t>
-            </a:r>
-            <a:r>
-              <a:rPr lang="it-IT" sz="2800" dirty="0" err="1" smtClean="0">
+              <a:t> Università di Bologna AD </a:t>
+            </a:r>
+          </a:p>
+          <a:p>
+            <a:r>
+              <a:rPr lang="it-IT" sz="2600" dirty="0">
                 <a:solidFill>
                   <a:srgbClr val="FF0000"/>
                 </a:solidFill>
                 <a:latin typeface="Comic Sans MS" panose="030F0702030302020204" pitchFamily="66" charset="0"/>
               </a:rPr>
-              <a:t>Universitàdi</a:t>
-            </a:r>
-            <a:r>
-              <a:rPr lang="it-IT" sz="2800" dirty="0" smtClean="0">
-                <a:solidFill>
-                  <a:srgbClr val="FF0000"/>
-                </a:solidFill>
-                <a:latin typeface="Comic Sans MS" panose="030F0702030302020204" pitchFamily="66" charset="0"/>
-              </a:rPr>
-              <a:t> </a:t>
-            </a:r>
-            <a:r>
-              <a:rPr lang="it-IT" sz="2800" dirty="0" err="1" smtClean="0">
-                <a:solidFill>
-                  <a:srgbClr val="FF0000"/>
-                </a:solidFill>
-                <a:latin typeface="Comic Sans MS" panose="030F0702030302020204" pitchFamily="66" charset="0"/>
-              </a:rPr>
-              <a:t>Bologa</a:t>
-            </a:r>
-            <a:r>
-              <a:rPr lang="it-IT" sz="2800" dirty="0" smtClean="0">
-                <a:solidFill>
-                  <a:srgbClr val="FF0000"/>
-                </a:solidFill>
-                <a:latin typeface="Comic Sans MS" panose="030F0702030302020204" pitchFamily="66" charset="0"/>
-              </a:rPr>
-              <a:t> AD </a:t>
-            </a:r>
-          </a:p>
-          <a:p>
-            <a:r>
-              <a:rPr lang="it-IT" sz="2800" dirty="0" smtClean="0">
-                <a:solidFill>
-                  <a:srgbClr val="FF0000"/>
-                </a:solidFill>
-                <a:latin typeface="Comic Sans MS" panose="030F0702030302020204" pitchFamily="66" charset="0"/>
-              </a:rPr>
-              <a:t>10888</a:t>
-            </a:r>
-            <a:endParaRPr lang="it-IT" sz="2800" dirty="0">
-              <a:solidFill>
-                <a:srgbClr val="FF0000"/>
-              </a:solidFill>
-              <a:latin typeface="Comic Sans MS" panose="030F0702030302020204" pitchFamily="66" charset="0"/>
-            </a:endParaRPr>
+              <a:t>1088</a:t>
+            </a:r>
           </a:p>
         </p:txBody>
       </p:sp>
@@ -6101,13 +6243,6 @@
   <p:clrMapOvr>
     <a:masterClrMapping/>
   </p:clrMapOvr>
-  <p:timing>
-    <p:tnLst>
-      <p:par>
-        <p:cTn id="1" dur="indefinite" restart="never" nodeType="tmRoot"/>
-      </p:par>
-    </p:tnLst>
-  </p:timing>
 </p:sld>
 </file>
 
@@ -6144,10 +6279,9 @@
           <a:lstStyle/>
           <a:p>
             <a:r>
-              <a:rPr lang="it-IT" dirty="0" smtClean="0"/>
+              <a:rPr lang="it-IT" dirty="0"/>
               <a:t>Confronto funzioni cumulative di rischio</a:t>
             </a:r>
-            <a:endParaRPr lang="it-IT" dirty="0"/>
           </a:p>
         </p:txBody>
       </p:sp>
@@ -6555,13 +6689,6 @@
   <p:clrMapOvr>
     <a:masterClrMapping/>
   </p:clrMapOvr>
-  <p:timing>
-    <p:tnLst>
-      <p:par>
-        <p:cTn id="1" dur="indefinite" restart="never" nodeType="tmRoot"/>
-      </p:par>
-    </p:tnLst>
-  </p:timing>
 </p:sld>
 </file>
 
@@ -6598,10 +6725,9 @@
           <a:lstStyle/>
           <a:p>
             <a:r>
-              <a:rPr lang="it-IT" dirty="0" smtClean="0"/>
+              <a:rPr lang="it-IT" dirty="0"/>
               <a:t>Ipotesi di rischi proporzionali</a:t>
             </a:r>
-            <a:endParaRPr lang="it-IT" dirty="0"/>
           </a:p>
         </p:txBody>
       </p:sp>
@@ -6641,13 +6767,6 @@
   <p:clrMapOvr>
     <a:masterClrMapping/>
   </p:clrMapOvr>
-  <p:timing>
-    <p:tnLst>
-      <p:par>
-        <p:cTn id="1" dur="indefinite" restart="never" nodeType="tmRoot"/>
-      </p:par>
-    </p:tnLst>
-  </p:timing>
 </p:sld>
 </file>
 
@@ -6684,11 +6803,11 @@
           <a:lstStyle/>
           <a:p>
             <a:r>
-              <a:rPr lang="it-IT" dirty="0" smtClean="0"/>
+              <a:rPr lang="it-IT" dirty="0"/>
               <a:t>Modelli di </a:t>
             </a:r>
             <a:r>
-              <a:rPr lang="it-IT" dirty="0" err="1" smtClean="0"/>
+              <a:rPr lang="it-IT" dirty="0" err="1"/>
               <a:t>Cox</a:t>
             </a:r>
             <a:r>
@@ -6696,7 +6815,7 @@
               <a:t> </a:t>
             </a:r>
             <a:r>
-              <a:rPr lang="it-IT" dirty="0" err="1" smtClean="0"/>
+              <a:rPr lang="it-IT" dirty="0" err="1"/>
               <a:t>univariati</a:t>
             </a:r>
             <a:endParaRPr lang="it-IT" dirty="0"/>
@@ -6785,6 +6904,96 @@
           </a:prstGeom>
         </p:spPr>
       </p:pic>
+      <p:sp>
+        <p:nvSpPr>
+          <p:cNvPr id="3" name="Rettangolo 2"/>
+          <p:cNvSpPr/>
+          <p:nvPr/>
+        </p:nvSpPr>
+        <p:spPr>
+          <a:xfrm>
+            <a:off x="3962400" y="3261360"/>
+            <a:ext cx="1021080" cy="205740"/>
+          </a:xfrm>
+          <a:prstGeom prst="rect">
+            <a:avLst/>
+          </a:prstGeom>
+          <a:solidFill>
+            <a:srgbClr val="FFFF00">
+              <a:alpha val="33000"/>
+            </a:srgbClr>
+          </a:solidFill>
+        </p:spPr>
+        <p:style>
+          <a:lnRef idx="2">
+            <a:schemeClr val="accent1">
+              <a:shade val="50000"/>
+            </a:schemeClr>
+          </a:lnRef>
+          <a:fillRef idx="1">
+            <a:schemeClr val="accent1"/>
+          </a:fillRef>
+          <a:effectRef idx="0">
+            <a:schemeClr val="accent1"/>
+          </a:effectRef>
+          <a:fontRef idx="minor">
+            <a:schemeClr val="lt1"/>
+          </a:fontRef>
+        </p:style>
+        <p:txBody>
+          <a:bodyPr rtlCol="0" anchor="ctr"/>
+          <a:lstStyle/>
+          <a:p>
+            <a:pPr algn="ctr"/>
+            <a:endParaRPr lang="it-IT"/>
+          </a:p>
+        </p:txBody>
+      </p:sp>
+      <p:sp>
+        <p:nvSpPr>
+          <p:cNvPr id="7" name="Rettangolo 6"/>
+          <p:cNvSpPr/>
+          <p:nvPr/>
+        </p:nvSpPr>
+        <p:spPr>
+          <a:xfrm>
+            <a:off x="9235440" y="3261360"/>
+            <a:ext cx="1021080" cy="205740"/>
+          </a:xfrm>
+          <a:prstGeom prst="rect">
+            <a:avLst/>
+          </a:prstGeom>
+          <a:solidFill>
+            <a:srgbClr val="FFFF00">
+              <a:alpha val="33000"/>
+            </a:srgbClr>
+          </a:solidFill>
+        </p:spPr>
+        <p:style>
+          <a:lnRef idx="2">
+            <a:schemeClr val="accent1">
+              <a:shade val="50000"/>
+            </a:schemeClr>
+          </a:lnRef>
+          <a:fillRef idx="1">
+            <a:schemeClr val="accent1"/>
+          </a:fillRef>
+          <a:effectRef idx="0">
+            <a:schemeClr val="accent1"/>
+          </a:effectRef>
+          <a:fontRef idx="minor">
+            <a:schemeClr val="lt1"/>
+          </a:fontRef>
+        </p:style>
+        <p:txBody>
+          <a:bodyPr rtlCol="0" anchor="ctr"/>
+          <a:lstStyle/>
+          <a:p>
+            <a:pPr algn="ctr"/>
+            <a:endParaRPr lang="it-IT"/>
+          </a:p>
+        </p:txBody>
+      </p:sp>
     </p:spTree>
     <p:extLst>
       <p:ext uri="{BB962C8B-B14F-4D97-AF65-F5344CB8AC3E}">
@@ -6795,13 +7004,345 @@
   <p:clrMapOvr>
     <a:masterClrMapping/>
   </p:clrMapOvr>
-  <p:timing>
-    <p:tnLst>
-      <p:par>
-        <p:cTn id="1" dur="indefinite" restart="never" nodeType="tmRoot"/>
-      </p:par>
-    </p:tnLst>
-  </p:timing>
+</p:sld>
+</file>
+
+<file path=ppt/slides/slide18.xml><?xml version="1.0" encoding="utf-8"?>
+<p:sld xmlns:a="http://schemas.openxmlformats.org/drawingml/2006/main" xmlns:r="http://schemas.openxmlformats.org/officeDocument/2006/relationships" xmlns:p="http://schemas.openxmlformats.org/presentationml/2006/main">
+  <p:cSld>
+    <p:spTree>
+      <p:nvGrpSpPr>
+        <p:cNvPr id="1" name=""/>
+        <p:cNvGrpSpPr/>
+        <p:nvPr/>
+      </p:nvGrpSpPr>
+      <p:grpSpPr>
+        <a:xfrm>
+          <a:off x="0" y="0"/>
+          <a:ext cx="0" cy="0"/>
+          <a:chOff x="0" y="0"/>
+          <a:chExt cx="0" cy="0"/>
+        </a:xfrm>
+      </p:grpSpPr>
+      <p:sp>
+        <p:nvSpPr>
+          <p:cNvPr id="2" name="Titolo 1"/>
+          <p:cNvSpPr>
+            <a:spLocks noGrp="1"/>
+          </p:cNvSpPr>
+          <p:nvPr>
+            <p:ph type="title"/>
+          </p:nvPr>
+        </p:nvSpPr>
+        <p:spPr>
+          <a:xfrm>
+            <a:off x="1097280" y="286603"/>
+            <a:ext cx="10058400" cy="1450757"/>
+          </a:xfrm>
+        </p:spPr>
+        <p:txBody>
+          <a:bodyPr/>
+          <a:lstStyle/>
+          <a:p>
+            <a:r>
+              <a:rPr lang="it-IT" dirty="0"/>
+              <a:t>Modello Multivariato</a:t>
+            </a:r>
+          </a:p>
+        </p:txBody>
+      </p:sp>
+      <p:pic>
+        <p:nvPicPr>
+          <p:cNvPr id="3" name="Immagine 2"/>
+          <p:cNvPicPr>
+            <a:picLocks noChangeAspect="1"/>
+          </p:cNvPicPr>
+          <p:nvPr/>
+        </p:nvPicPr>
+        <p:blipFill>
+          <a:blip r:embed="rId3"/>
+          <a:stretch>
+            <a:fillRect/>
+          </a:stretch>
+        </p:blipFill>
+        <p:spPr>
+          <a:xfrm>
+            <a:off x="3614901" y="1979298"/>
+            <a:ext cx="4592398" cy="4201147"/>
+          </a:xfrm>
+          <a:prstGeom prst="rect">
+            <a:avLst/>
+          </a:prstGeom>
+        </p:spPr>
+      </p:pic>
+      <p:sp>
+        <p:nvSpPr>
+          <p:cNvPr id="4" name="Rettangolo 3"/>
+          <p:cNvSpPr/>
+          <p:nvPr/>
+        </p:nvSpPr>
+        <p:spPr>
+          <a:xfrm>
+            <a:off x="6812280" y="2575560"/>
+            <a:ext cx="541020" cy="1097280"/>
+          </a:xfrm>
+          <a:prstGeom prst="rect">
+            <a:avLst/>
+          </a:prstGeom>
+          <a:solidFill>
+            <a:srgbClr val="FFFF00">
+              <a:alpha val="33000"/>
+            </a:srgbClr>
+          </a:solidFill>
+        </p:spPr>
+        <p:style>
+          <a:lnRef idx="2">
+            <a:schemeClr val="accent1">
+              <a:shade val="50000"/>
+            </a:schemeClr>
+          </a:lnRef>
+          <a:fillRef idx="1">
+            <a:schemeClr val="accent1"/>
+          </a:fillRef>
+          <a:effectRef idx="0">
+            <a:schemeClr val="accent1"/>
+          </a:effectRef>
+          <a:fontRef idx="minor">
+            <a:schemeClr val="lt1"/>
+          </a:fontRef>
+        </p:style>
+        <p:txBody>
+          <a:bodyPr rtlCol="0" anchor="ctr"/>
+          <a:lstStyle/>
+          <a:p>
+            <a:pPr algn="ctr"/>
+            <a:endParaRPr lang="it-IT"/>
+          </a:p>
+        </p:txBody>
+      </p:sp>
+    </p:spTree>
+    <p:extLst>
+      <p:ext uri="{BB962C8B-B14F-4D97-AF65-F5344CB8AC3E}">
+        <p14:creationId xmlns:p14="http://schemas.microsoft.com/office/powerpoint/2010/main" val="3747607319"/>
+      </p:ext>
+    </p:extLst>
+  </p:cSld>
+  <p:clrMapOvr>
+    <a:masterClrMapping/>
+  </p:clrMapOvr>
+</p:sld>
+</file>
+
+<file path=ppt/slides/slide19.xml><?xml version="1.0" encoding="utf-8"?>
+<p:sld xmlns:a="http://schemas.openxmlformats.org/drawingml/2006/main" xmlns:r="http://schemas.openxmlformats.org/officeDocument/2006/relationships" xmlns:p="http://schemas.openxmlformats.org/presentationml/2006/main">
+  <p:cSld>
+    <p:spTree>
+      <p:nvGrpSpPr>
+        <p:cNvPr id="1" name=""/>
+        <p:cNvGrpSpPr/>
+        <p:nvPr/>
+      </p:nvGrpSpPr>
+      <p:grpSpPr>
+        <a:xfrm>
+          <a:off x="0" y="0"/>
+          <a:ext cx="0" cy="0"/>
+          <a:chOff x="0" y="0"/>
+          <a:chExt cx="0" cy="0"/>
+        </a:xfrm>
+      </p:grpSpPr>
+      <p:sp>
+        <p:nvSpPr>
+          <p:cNvPr id="2" name="Titolo 1"/>
+          <p:cNvSpPr>
+            <a:spLocks noGrp="1"/>
+          </p:cNvSpPr>
+          <p:nvPr>
+            <p:ph type="title"/>
+          </p:nvPr>
+        </p:nvSpPr>
+        <p:spPr/>
+        <p:txBody>
+          <a:bodyPr>
+            <a:normAutofit/>
+          </a:bodyPr>
+          <a:lstStyle/>
+          <a:p>
+            <a:r>
+              <a:rPr lang="it-IT" dirty="0"/>
+              <a:t>Modello migliorato</a:t>
+            </a:r>
+          </a:p>
+        </p:txBody>
+      </p:sp>
+      <p:pic>
+        <p:nvPicPr>
+          <p:cNvPr id="3" name="Immagine 2"/>
+          <p:cNvPicPr>
+            <a:picLocks noChangeAspect="1"/>
+          </p:cNvPicPr>
+          <p:nvPr/>
+        </p:nvPicPr>
+        <p:blipFill>
+          <a:blip r:embed="rId3"/>
+          <a:stretch>
+            <a:fillRect/>
+          </a:stretch>
+        </p:blipFill>
+        <p:spPr>
+          <a:xfrm>
+            <a:off x="3145971" y="1895671"/>
+            <a:ext cx="5944280" cy="4308914"/>
+          </a:xfrm>
+          <a:prstGeom prst="rect">
+            <a:avLst/>
+          </a:prstGeom>
+        </p:spPr>
+      </p:pic>
+      <p:sp>
+        <p:nvSpPr>
+          <p:cNvPr id="4" name="Rettangolo 3"/>
+          <p:cNvSpPr/>
+          <p:nvPr/>
+        </p:nvSpPr>
+        <p:spPr>
+          <a:xfrm>
+            <a:off x="7215051" y="2939143"/>
+            <a:ext cx="1188720" cy="185057"/>
+          </a:xfrm>
+          <a:prstGeom prst="rect">
+            <a:avLst/>
+          </a:prstGeom>
+          <a:solidFill>
+            <a:srgbClr val="FFFF00">
+              <a:alpha val="33000"/>
+            </a:srgbClr>
+          </a:solidFill>
+        </p:spPr>
+        <p:style>
+          <a:lnRef idx="2">
+            <a:schemeClr val="accent1">
+              <a:shade val="50000"/>
+            </a:schemeClr>
+          </a:lnRef>
+          <a:fillRef idx="1">
+            <a:schemeClr val="accent1"/>
+          </a:fillRef>
+          <a:effectRef idx="0">
+            <a:schemeClr val="accent1"/>
+          </a:effectRef>
+          <a:fontRef idx="minor">
+            <a:schemeClr val="lt1"/>
+          </a:fontRef>
+        </p:style>
+        <p:txBody>
+          <a:bodyPr rtlCol="0" anchor="ctr"/>
+          <a:lstStyle/>
+          <a:p>
+            <a:pPr algn="ctr"/>
+            <a:endParaRPr lang="it-IT"/>
+          </a:p>
+        </p:txBody>
+      </p:sp>
+      <p:sp>
+        <p:nvSpPr>
+          <p:cNvPr id="5" name="Rettangolo 4"/>
+          <p:cNvSpPr/>
+          <p:nvPr/>
+        </p:nvSpPr>
+        <p:spPr>
+          <a:xfrm>
+            <a:off x="7215051" y="3472543"/>
+            <a:ext cx="1188720" cy="185057"/>
+          </a:xfrm>
+          <a:prstGeom prst="rect">
+            <a:avLst/>
+          </a:prstGeom>
+          <a:solidFill>
+            <a:srgbClr val="FFFF00">
+              <a:alpha val="33000"/>
+            </a:srgbClr>
+          </a:solidFill>
+        </p:spPr>
+        <p:style>
+          <a:lnRef idx="2">
+            <a:schemeClr val="accent1">
+              <a:shade val="50000"/>
+            </a:schemeClr>
+          </a:lnRef>
+          <a:fillRef idx="1">
+            <a:schemeClr val="accent1"/>
+          </a:fillRef>
+          <a:effectRef idx="0">
+            <a:schemeClr val="accent1"/>
+          </a:effectRef>
+          <a:fontRef idx="minor">
+            <a:schemeClr val="lt1"/>
+          </a:fontRef>
+        </p:style>
+        <p:txBody>
+          <a:bodyPr rtlCol="0" anchor="ctr"/>
+          <a:lstStyle/>
+          <a:p>
+            <a:pPr algn="ctr"/>
+            <a:endParaRPr lang="it-IT"/>
+          </a:p>
+        </p:txBody>
+      </p:sp>
+      <p:sp>
+        <p:nvSpPr>
+          <p:cNvPr id="6" name="Rettangolo 5"/>
+          <p:cNvSpPr/>
+          <p:nvPr/>
+        </p:nvSpPr>
+        <p:spPr>
+          <a:xfrm>
+            <a:off x="3905794" y="5410200"/>
+            <a:ext cx="742406" cy="163285"/>
+          </a:xfrm>
+          <a:prstGeom prst="rect">
+            <a:avLst/>
+          </a:prstGeom>
+          <a:solidFill>
+            <a:srgbClr val="FFFF00">
+              <a:alpha val="33000"/>
+            </a:srgbClr>
+          </a:solidFill>
+        </p:spPr>
+        <p:style>
+          <a:lnRef idx="2">
+            <a:schemeClr val="accent1">
+              <a:shade val="50000"/>
+            </a:schemeClr>
+          </a:lnRef>
+          <a:fillRef idx="1">
+            <a:schemeClr val="accent1"/>
+          </a:fillRef>
+          <a:effectRef idx="0">
+            <a:schemeClr val="accent1"/>
+          </a:effectRef>
+          <a:fontRef idx="minor">
+            <a:schemeClr val="lt1"/>
+          </a:fontRef>
+        </p:style>
+        <p:txBody>
+          <a:bodyPr rtlCol="0" anchor="ctr"/>
+          <a:lstStyle/>
+          <a:p>
+            <a:pPr algn="ctr"/>
+            <a:endParaRPr lang="it-IT"/>
+          </a:p>
+        </p:txBody>
+      </p:sp>
+    </p:spTree>
+    <p:extLst>
+      <p:ext uri="{BB962C8B-B14F-4D97-AF65-F5344CB8AC3E}">
+        <p14:creationId xmlns:p14="http://schemas.microsoft.com/office/powerpoint/2010/main" val="2805806638"/>
+      </p:ext>
+    </p:extLst>
+  </p:cSld>
+  <p:clrMapOvr>
+    <a:masterClrMapping/>
+  </p:clrMapOvr>
 </p:sld>
 </file>
 
@@ -6838,10 +7379,9 @@
           <a:lstStyle/>
           <a:p>
             <a:r>
-              <a:rPr lang="it-IT" dirty="0" smtClean="0"/>
+              <a:rPr lang="it-IT" dirty="0"/>
               <a:t>Descrizione del caso di studio</a:t>
             </a:r>
-            <a:endParaRPr lang="it-IT" dirty="0"/>
           </a:p>
         </p:txBody>
       </p:sp>
@@ -6870,7 +7410,7 @@
               <a:buAutoNum type="arabicPeriod"/>
             </a:pPr>
             <a:r>
-              <a:rPr lang="it-IT" dirty="0" smtClean="0"/>
+              <a:rPr lang="it-IT" dirty="0"/>
               <a:t>Analisi descrittive del campione</a:t>
             </a:r>
           </a:p>
@@ -6880,7 +7420,7 @@
               <a:buAutoNum type="arabicPeriod"/>
             </a:pPr>
             <a:r>
-              <a:rPr lang="it-IT" dirty="0" smtClean="0"/>
+              <a:rPr lang="it-IT" dirty="0"/>
               <a:t>Sesso ed età</a:t>
             </a:r>
           </a:p>
@@ -6890,7 +7430,7 @@
               <a:buAutoNum type="arabicPeriod"/>
             </a:pPr>
             <a:r>
-              <a:rPr lang="it-IT" dirty="0" smtClean="0"/>
+              <a:rPr lang="it-IT" dirty="0"/>
               <a:t>Variabili oggetto di studio</a:t>
             </a:r>
           </a:p>
@@ -6900,15 +7440,15 @@
               <a:buAutoNum type="arabicPeriod"/>
             </a:pPr>
             <a:r>
-              <a:rPr lang="it-IT" dirty="0" smtClean="0"/>
+              <a:rPr lang="it-IT" dirty="0"/>
               <a:t>Analisi non parametrica basata su metodi di stima di </a:t>
             </a:r>
             <a:r>
-              <a:rPr lang="it-IT" dirty="0" err="1" smtClean="0"/>
+              <a:rPr lang="it-IT" dirty="0" err="1"/>
               <a:t>Kaplan</a:t>
             </a:r>
             <a:r>
-              <a:rPr lang="it-IT" dirty="0" smtClean="0"/>
+              <a:rPr lang="it-IT" dirty="0"/>
               <a:t>-Meier </a:t>
             </a:r>
           </a:p>
@@ -6918,7 +7458,7 @@
               <a:buAutoNum type="arabicPeriod"/>
             </a:pPr>
             <a:r>
-              <a:rPr lang="it-IT" dirty="0" smtClean="0"/>
+              <a:rPr lang="it-IT" dirty="0"/>
               <a:t>Curva della sopravvivenza totale</a:t>
             </a:r>
           </a:p>
@@ -6928,7 +7468,7 @@
               <a:buAutoNum type="arabicPeriod"/>
             </a:pPr>
             <a:r>
-              <a:rPr lang="it-IT" dirty="0" smtClean="0"/>
+              <a:rPr lang="it-IT" dirty="0"/>
               <a:t>Curva della sopravvivenza alla prima ricaduta</a:t>
             </a:r>
           </a:p>
@@ -6938,14 +7478,14 @@
               <a:buAutoNum type="arabicPeriod"/>
             </a:pPr>
             <a:r>
-              <a:rPr lang="it-IT" dirty="0" smtClean="0"/>
+              <a:rPr lang="it-IT" dirty="0"/>
               <a:t>Analisi tramite modelli di </a:t>
             </a:r>
             <a:r>
-              <a:rPr lang="it-IT" dirty="0" err="1" smtClean="0"/>
+              <a:rPr lang="it-IT" dirty="0" err="1"/>
               <a:t>Cox</a:t>
             </a:r>
-            <a:endParaRPr lang="it-IT" dirty="0" smtClean="0"/>
+            <a:endParaRPr lang="it-IT" dirty="0"/>
           </a:p>
           <a:p>
             <a:pPr marL="749808" lvl="1" indent="-457200">
@@ -6953,7 +7493,7 @@
               <a:buAutoNum type="arabicPeriod"/>
             </a:pPr>
             <a:r>
-              <a:rPr lang="it-IT" dirty="0" smtClean="0"/>
+              <a:rPr lang="it-IT" dirty="0"/>
               <a:t>Ipotesi di rischi proporzionali</a:t>
             </a:r>
           </a:p>
@@ -6963,14 +7503,14 @@
               <a:buAutoNum type="arabicPeriod"/>
             </a:pPr>
             <a:r>
-              <a:rPr lang="it-IT" dirty="0" smtClean="0"/>
+              <a:rPr lang="it-IT" dirty="0"/>
               <a:t>Modelli </a:t>
             </a:r>
             <a:r>
-              <a:rPr lang="it-IT" dirty="0" err="1" smtClean="0"/>
+              <a:rPr lang="it-IT" dirty="0" err="1"/>
               <a:t>univariati</a:t>
             </a:r>
-            <a:endParaRPr lang="it-IT" dirty="0" smtClean="0"/>
+            <a:endParaRPr lang="it-IT" dirty="0"/>
           </a:p>
         </p:txBody>
       </p:sp>
@@ -6997,14 +7537,13 @@
           <a:lstStyle/>
           <a:p>
             <a:r>
-              <a:rPr lang="it-IT" sz="1200" dirty="0" err="1" smtClean="0"/>
+              <a:rPr lang="it-IT" sz="1200" dirty="0" err="1"/>
               <a:t>N.b.</a:t>
             </a:r>
             <a:r>
-              <a:rPr lang="it-IT" sz="1200" dirty="0" smtClean="0"/>
+              <a:rPr lang="it-IT" sz="1200" dirty="0"/>
               <a:t>: I tratti salienti dell’analisi sono riportati nelle note per il relatore.</a:t>
             </a:r>
-            <a:endParaRPr lang="it-IT" sz="1200" dirty="0"/>
           </a:p>
         </p:txBody>
       </p:sp>
@@ -7018,13 +7557,6 @@
   <p:clrMapOvr>
     <a:masterClrMapping/>
   </p:clrMapOvr>
-  <p:timing>
-    <p:tnLst>
-      <p:par>
-        <p:cTn id="1" dur="indefinite" restart="never" nodeType="tmRoot"/>
-      </p:par>
-    </p:tnLst>
-  </p:timing>
 </p:sld>
 </file>
 
@@ -7061,10 +7593,9 @@
           <a:lstStyle/>
           <a:p>
             <a:r>
-              <a:rPr lang="it-IT" dirty="0" smtClean="0"/>
+              <a:rPr lang="it-IT" dirty="0"/>
               <a:t>Sesso ed Età</a:t>
             </a:r>
-            <a:endParaRPr lang="it-IT" dirty="0"/>
           </a:p>
         </p:txBody>
       </p:sp>
@@ -7130,13 +7661,6 @@
   <p:clrMapOvr>
     <a:masterClrMapping/>
   </p:clrMapOvr>
-  <p:timing>
-    <p:tnLst>
-      <p:par>
-        <p:cTn id="1" dur="indefinite" restart="never" nodeType="tmRoot"/>
-      </p:par>
-    </p:tnLst>
-  </p:timing>
 </p:sld>
 </file>
 
@@ -7173,14 +7697,9 @@
           <a:lstStyle/>
           <a:p>
             <a:r>
-              <a:rPr lang="it-IT" dirty="0" smtClean="0"/>
-              <a:t>Variabile oggetto di studio: </a:t>
-            </a:r>
-            <a:r>
-              <a:rPr lang="it-IT" dirty="0" smtClean="0"/>
-              <a:t>morte</a:t>
-            </a:r>
-            <a:endParaRPr lang="it-IT" dirty="0"/>
+              <a:rPr lang="it-IT" dirty="0"/>
+              <a:t>Variabile oggetto di studio: morte</a:t>
+            </a:r>
           </a:p>
         </p:txBody>
       </p:sp>
@@ -7210,6 +7729,139 @@
           </a:prstGeom>
         </p:spPr>
       </p:pic>
+      <p:cxnSp>
+        <p:nvCxnSpPr>
+          <p:cNvPr id="4" name="Connettore 2 3"/>
+          <p:cNvCxnSpPr>
+            <a:cxnSpLocks/>
+          </p:cNvCxnSpPr>
+          <p:nvPr/>
+        </p:nvCxnSpPr>
+        <p:spPr>
+          <a:xfrm flipH="1" flipV="1">
+            <a:off x="3352800" y="2910840"/>
+            <a:ext cx="1168400" cy="340360"/>
+          </a:xfrm>
+          <a:prstGeom prst="straightConnector1">
+            <a:avLst/>
+          </a:prstGeom>
+          <a:ln>
+            <a:solidFill>
+              <a:srgbClr val="F8766D"/>
+            </a:solidFill>
+            <a:tailEnd type="triangle"/>
+          </a:ln>
+        </p:spPr>
+        <p:style>
+          <a:lnRef idx="1">
+            <a:schemeClr val="accent1"/>
+          </a:lnRef>
+          <a:fillRef idx="0">
+            <a:schemeClr val="accent1"/>
+          </a:fillRef>
+          <a:effectRef idx="0">
+            <a:schemeClr val="accent1"/>
+          </a:effectRef>
+          <a:fontRef idx="minor">
+            <a:schemeClr val="tx1"/>
+          </a:fontRef>
+        </p:style>
+      </p:cxnSp>
+      <p:cxnSp>
+        <p:nvCxnSpPr>
+          <p:cNvPr id="6" name="Connettore 2 5"/>
+          <p:cNvCxnSpPr>
+            <a:cxnSpLocks/>
+          </p:cNvCxnSpPr>
+          <p:nvPr/>
+        </p:nvCxnSpPr>
+        <p:spPr>
+          <a:xfrm flipV="1">
+            <a:off x="7569200" y="2910840"/>
+            <a:ext cx="1198880" cy="284480"/>
+          </a:xfrm>
+          <a:prstGeom prst="straightConnector1">
+            <a:avLst/>
+          </a:prstGeom>
+          <a:ln>
+            <a:solidFill>
+              <a:srgbClr val="00BFC4"/>
+            </a:solidFill>
+            <a:tailEnd type="triangle"/>
+          </a:ln>
+        </p:spPr>
+        <p:style>
+          <a:lnRef idx="1">
+            <a:schemeClr val="accent1"/>
+          </a:lnRef>
+          <a:fillRef idx="0">
+            <a:schemeClr val="accent1"/>
+          </a:fillRef>
+          <a:effectRef idx="0">
+            <a:schemeClr val="accent1"/>
+          </a:effectRef>
+          <a:fontRef idx="minor">
+            <a:schemeClr val="tx1"/>
+          </a:fontRef>
+        </p:style>
+      </p:cxnSp>
+      <p:sp>
+        <p:nvSpPr>
+          <p:cNvPr id="8" name="CasellaDiTesto 7"/>
+          <p:cNvSpPr txBox="1"/>
+          <p:nvPr/>
+        </p:nvSpPr>
+        <p:spPr>
+          <a:xfrm>
+            <a:off x="2465022" y="2650728"/>
+            <a:ext cx="841897" cy="369332"/>
+          </a:xfrm>
+          <a:prstGeom prst="rect">
+            <a:avLst/>
+          </a:prstGeom>
+          <a:noFill/>
+        </p:spPr>
+        <p:txBody>
+          <a:bodyPr wrap="none" rtlCol="0">
+            <a:spAutoFit/>
+          </a:bodyPr>
+          <a:lstStyle/>
+          <a:p>
+            <a:r>
+              <a:rPr lang="it-IT" dirty="0"/>
+              <a:t>maschi</a:t>
+            </a:r>
+          </a:p>
+        </p:txBody>
+      </p:sp>
+      <p:sp>
+        <p:nvSpPr>
+          <p:cNvPr id="9" name="Rettangolo 8"/>
+          <p:cNvSpPr/>
+          <p:nvPr/>
+        </p:nvSpPr>
+        <p:spPr>
+          <a:xfrm>
+            <a:off x="8899526" y="2650728"/>
+            <a:ext cx="1023678" cy="369332"/>
+          </a:xfrm>
+          <a:prstGeom prst="rect">
+            <a:avLst/>
+          </a:prstGeom>
+        </p:spPr>
+        <p:txBody>
+          <a:bodyPr wrap="none">
+            <a:spAutoFit/>
+          </a:bodyPr>
+          <a:lstStyle/>
+          <a:p>
+            <a:r>
+              <a:rPr lang="it-IT" dirty="0"/>
+              <a:t>femmine</a:t>
+            </a:r>
+          </a:p>
+        </p:txBody>
+      </p:sp>
     </p:spTree>
     <p:extLst>
       <p:ext uri="{BB962C8B-B14F-4D97-AF65-F5344CB8AC3E}">
@@ -7220,13 +7872,6 @@
   <p:clrMapOvr>
     <a:masterClrMapping/>
   </p:clrMapOvr>
-  <p:timing>
-    <p:tnLst>
-      <p:par>
-        <p:cTn id="1" dur="indefinite" restart="never" nodeType="tmRoot"/>
-      </p:par>
-    </p:tnLst>
-  </p:timing>
 </p:sld>
 </file>
 
@@ -7264,13 +7909,8 @@
           <a:p>
             <a:r>
               <a:rPr lang="it-IT" dirty="0"/>
-              <a:t>Variabile oggetto di studio: </a:t>
-            </a:r>
-            <a:r>
-              <a:rPr lang="it-IT" dirty="0" smtClean="0"/>
-              <a:t>ricaduta</a:t>
-            </a:r>
-            <a:endParaRPr lang="it-IT" dirty="0"/>
+              <a:t>Variabile oggetto di studio: ricaduta</a:t>
+            </a:r>
           </a:p>
         </p:txBody>
       </p:sp>
@@ -7299,10 +7939,9 @@
               <a:buChar char="•"/>
             </a:pPr>
             <a:r>
-              <a:rPr lang="it-IT" sz="1600" dirty="0" smtClean="0"/>
+              <a:rPr lang="it-IT" sz="1600" dirty="0"/>
               <a:t>Abbiamo considerato tra coloro che hanno avuto una ricaduta quelli che: </a:t>
             </a:r>
-            <a:endParaRPr lang="it-IT" sz="1600" dirty="0"/>
           </a:p>
           <a:p>
             <a:pPr marL="742950" lvl="1" indent="-285750">
@@ -7311,13 +7950,8 @@
             </a:pPr>
             <a:r>
               <a:rPr lang="it-IT" sz="1600" dirty="0"/>
-              <a:t>Sono morti subito dopo la data della prima </a:t>
-            </a:r>
-            <a:r>
-              <a:rPr lang="it-IT" sz="1600" dirty="0" smtClean="0"/>
-              <a:t>ricaduta;</a:t>
-            </a:r>
-            <a:endParaRPr lang="it-IT" sz="1600" dirty="0"/>
+              <a:t>Sono morti subito dopo la data della prima ricaduta;</a:t>
+            </a:r>
           </a:p>
           <a:p>
             <a:pPr marL="742950" lvl="1" indent="-285750">
@@ -7326,13 +7960,8 @@
             </a:pPr>
             <a:r>
               <a:rPr lang="it-IT" sz="1600" dirty="0"/>
-              <a:t>Sono morti tempo dopo la data della prima </a:t>
-            </a:r>
-            <a:r>
-              <a:rPr lang="it-IT" sz="1600" dirty="0" smtClean="0"/>
-              <a:t>ricaduta (almeno un mese di differenza);</a:t>
-            </a:r>
-            <a:endParaRPr lang="it-IT" sz="1600" dirty="0"/>
+              <a:t>Sono morti tempo dopo la data della prima ricaduta (almeno un mese di differenza);</a:t>
+            </a:r>
           </a:p>
           <a:p>
             <a:pPr marL="742950" lvl="1" indent="-285750">
@@ -7341,13 +7970,8 @@
             </a:pPr>
             <a:r>
               <a:rPr lang="it-IT" sz="1600" dirty="0"/>
-              <a:t>Sono ancora vivi, ma hanno avuto una </a:t>
-            </a:r>
-            <a:r>
-              <a:rPr lang="it-IT" sz="1600" dirty="0" smtClean="0"/>
-              <a:t>ricaduta.</a:t>
-            </a:r>
-            <a:endParaRPr lang="it-IT" sz="1600" dirty="0"/>
+              <a:t>Sono ancora vivi, ma hanno avuto una ricaduta.</a:t>
+            </a:r>
           </a:p>
           <a:p>
             <a:endParaRPr lang="it-IT" dirty="0"/>
@@ -7390,13 +8014,6 @@
   <p:clrMapOvr>
     <a:masterClrMapping/>
   </p:clrMapOvr>
-  <p:timing>
-    <p:tnLst>
-      <p:par>
-        <p:cTn id="1" dur="indefinite" restart="never" nodeType="tmRoot"/>
-      </p:par>
-    </p:tnLst>
-  </p:timing>
 </p:sld>
 </file>
 
@@ -7433,14 +8050,13 @@
           <a:lstStyle/>
           <a:p>
             <a:r>
-              <a:rPr lang="it-IT" dirty="0" err="1" smtClean="0"/>
+              <a:rPr lang="it-IT" dirty="0" err="1"/>
               <a:t>Covariate</a:t>
             </a:r>
             <a:r>
-              <a:rPr lang="it-IT" dirty="0" smtClean="0"/>
+              <a:rPr lang="it-IT" dirty="0"/>
               <a:t>: LNR e LODDS</a:t>
             </a:r>
-            <a:endParaRPr lang="it-IT" dirty="0"/>
           </a:p>
         </p:txBody>
       </p:sp>
@@ -7542,10 +8158,9 @@
           <a:lstStyle/>
           <a:p>
             <a:r>
-              <a:rPr lang="it-IT" dirty="0" smtClean="0"/>
+              <a:rPr lang="it-IT" dirty="0"/>
               <a:t>Stima della curva di sopravvivenza</a:t>
             </a:r>
-            <a:endParaRPr lang="it-IT" dirty="0"/>
           </a:p>
         </p:txBody>
       </p:sp>
@@ -7570,30 +8185,30 @@
           <a:lstStyle/>
           <a:p>
             <a:r>
-              <a:rPr lang="it-IT" dirty="0" smtClean="0"/>
+              <a:rPr lang="it-IT" dirty="0"/>
               <a:t>Per la stima di entrambe le curve della sopravvivenza totale e </a:t>
             </a:r>
             <a:r>
-              <a:rPr lang="it-IT" dirty="0" err="1" smtClean="0"/>
+              <a:rPr lang="it-IT" dirty="0" err="1"/>
               <a:t>Disease</a:t>
             </a:r>
             <a:r>
-              <a:rPr lang="it-IT" dirty="0" smtClean="0"/>
+              <a:rPr lang="it-IT" dirty="0"/>
               <a:t>-Free è stato adoperato lo stimatore di </a:t>
             </a:r>
             <a:r>
-              <a:rPr lang="it-IT" dirty="0" err="1" smtClean="0"/>
+              <a:rPr lang="it-IT" dirty="0" err="1"/>
               <a:t>Kaplan</a:t>
             </a:r>
             <a:r>
-              <a:rPr lang="it-IT" dirty="0" smtClean="0"/>
+              <a:rPr lang="it-IT" dirty="0"/>
               <a:t>-Meier (1959):</a:t>
             </a:r>
           </a:p>
         </p:txBody>
       </p:sp>
-      <mc:AlternateContent xmlns:mc="http://schemas.openxmlformats.org/markup-compatibility/2006">
-        <mc:Choice xmlns:a14="http://schemas.microsoft.com/office/drawing/2010/main" Requires="a14">
+      <mc:AlternateContent xmlns:mc="http://schemas.openxmlformats.org/markup-compatibility/2006" xmlns:a14="http://schemas.microsoft.com/office/drawing/2010/main">
+        <mc:Choice Requires="a14">
           <p:sp>
             <p:nvSpPr>
               <p:cNvPr id="6" name="Segnaposto contenuto 5"/>
@@ -7794,15 +8409,14 @@
                   </m:oMath>
                 </a14:m>
                 <a:r>
-                  <a:rPr lang="it-IT" dirty="0" smtClean="0"/>
+                  <a:rPr lang="it-IT" dirty="0"/>
                   <a:t>)</a:t>
                 </a:r>
-                <a:endParaRPr lang="it-IT" dirty="0"/>
               </a:p>
             </p:txBody>
           </p:sp>
         </mc:Choice>
-        <mc:Fallback>
+        <mc:Fallback xmlns="">
           <p:sp>
             <p:nvSpPr>
               <p:cNvPr id="6" name="Segnaposto contenuto 5"/>
@@ -8109,46 +8723,45 @@
           </a:lstStyle>
           <a:p>
             <a:r>
-              <a:rPr lang="it-IT" dirty="0" smtClean="0"/>
+              <a:rPr lang="it-IT" dirty="0"/>
               <a:t>Le analisi sono state condotte tramite il linguaggio di programmazione per l’analisi statistica R versione 3.3.3, per Windows.</a:t>
             </a:r>
           </a:p>
           <a:p>
             <a:r>
-              <a:rPr lang="it-IT" dirty="0" smtClean="0"/>
+              <a:rPr lang="it-IT" dirty="0"/>
               <a:t>Per l’analisi della sopravvivenza sono stati adoperati i </a:t>
             </a:r>
             <a:r>
-              <a:rPr lang="it-IT" dirty="0" err="1" smtClean="0"/>
+              <a:rPr lang="it-IT" dirty="0" err="1"/>
               <a:t>pachetti</a:t>
             </a:r>
             <a:r>
-              <a:rPr lang="it-IT" dirty="0" smtClean="0"/>
+              <a:rPr lang="it-IT" dirty="0"/>
               <a:t> ‘</a:t>
             </a:r>
             <a:r>
-              <a:rPr lang="it-IT" dirty="0" err="1" smtClean="0"/>
+              <a:rPr lang="it-IT" dirty="0" err="1"/>
               <a:t>Epicalc</a:t>
             </a:r>
             <a:r>
-              <a:rPr lang="it-IT" dirty="0" smtClean="0"/>
+              <a:rPr lang="it-IT" dirty="0"/>
               <a:t>’ e ‘</a:t>
             </a:r>
             <a:r>
-              <a:rPr lang="it-IT" dirty="0" err="1" smtClean="0"/>
+              <a:rPr lang="it-IT" dirty="0" err="1"/>
               <a:t>Survival</a:t>
             </a:r>
             <a:r>
-              <a:rPr lang="it-IT" dirty="0" smtClean="0"/>
+              <a:rPr lang="it-IT" dirty="0"/>
               <a:t>’.</a:t>
             </a:r>
           </a:p>
           <a:p>
             <a:r>
-              <a:rPr lang="it-IT" dirty="0" smtClean="0"/>
+              <a:rPr lang="it-IT" dirty="0"/>
               <a:t>I grafici sono stati realizzati con il pacchetto ‘ggplot2’. </a:t>
             </a:r>
-            <a:endParaRPr lang="it-IT" dirty="0" smtClean="0"/>
           </a:p>
         </p:txBody>
       </p:sp>

--- a/2017-5 - 10 gruppo 8.pptx
+++ b/2017-5 - 10 gruppo 8.pptx
@@ -258,7 +258,7 @@
           <a:p>
             <a:fld id="{0679B769-5A28-446B-BCC4-FA0AD2C4FFEB}" type="datetimeFigureOut">
               <a:rPr lang="it-IT" smtClean="0"/>
-              <a:t>08/05/2017</a:t>
+              <a:t>09/05/2017</a:t>
             </a:fld>
             <a:endParaRPr lang="it-IT"/>
           </a:p>
@@ -1262,7 +1262,90 @@
           <a:bodyPr/>
           <a:lstStyle/>
           <a:p>
-            <a:endParaRPr lang="it-IT" dirty="0"/>
+            <a:r>
+              <a:rPr lang="it-IT" dirty="0"/>
+              <a:t>Tenendo conto anche dell’età il modello è notevolmente migliorato. </a:t>
+            </a:r>
+            <a:br>
+              <a:rPr lang="it-IT" dirty="0"/>
+            </a:br>
+            <a:r>
+              <a:rPr lang="it-IT" dirty="0"/>
+              <a:t>Adesso LNR risulta significativo. </a:t>
+            </a:r>
+            <a:br>
+              <a:rPr lang="it-IT" dirty="0"/>
+            </a:br>
+            <a:r>
+              <a:rPr lang="it-IT" dirty="0"/>
+              <a:t>Inoltre, tramite </a:t>
+            </a:r>
+            <a:r>
+              <a:rPr lang="it-IT" dirty="0" err="1"/>
+              <a:t>stepward</a:t>
+            </a:r>
+            <a:r>
+              <a:rPr lang="it-IT" dirty="0"/>
+              <a:t> procedure, siamo riusciti a trovare un ulteriore fattore protettivo: ASA 2. </a:t>
+            </a:r>
+            <a:br>
+              <a:rPr lang="it-IT" dirty="0"/>
+            </a:br>
+            <a:r>
+              <a:rPr lang="it-IT" dirty="0"/>
+              <a:t>Di fatto, facendo una breve ricerca online, siamo riusciti a trovare un </a:t>
+            </a:r>
+            <a:r>
+              <a:rPr lang="it-IT" dirty="0" err="1"/>
+              <a:t>paper</a:t>
+            </a:r>
+            <a:r>
+              <a:rPr lang="it-IT" dirty="0"/>
+              <a:t> che dovrebbe trattare dello stesso argomento. In esso, è descritto che l’acido amino </a:t>
+            </a:r>
+            <a:r>
+              <a:rPr lang="it-IT" dirty="0" err="1"/>
+              <a:t>salicitico</a:t>
+            </a:r>
+            <a:r>
+              <a:rPr lang="it-IT" dirty="0"/>
+              <a:t> è un fattore </a:t>
+            </a:r>
+            <a:r>
+              <a:rPr lang="it-IT" dirty="0" err="1"/>
+              <a:t>chemioprotettivo</a:t>
+            </a:r>
+            <a:r>
+              <a:rPr lang="it-IT" dirty="0"/>
+              <a:t>. </a:t>
+            </a:r>
+          </a:p>
+          <a:p>
+            <a:r>
+              <a:rPr lang="it-IT" dirty="0"/>
+              <a:t>http://www.dldjournalonline.com/article/S1590-8658(05)00230-6/fulltext?cc=y=</a:t>
+            </a:r>
+          </a:p>
+          <a:p>
+            <a:r>
+              <a:rPr lang="it-IT" dirty="0"/>
+              <a:t>Tuttavia, nell’abstract è riportato: </a:t>
+            </a:r>
+          </a:p>
+          <a:p>
+            <a:r>
+              <a:rPr lang="en-US" sz="1200" b="0" i="1" kern="1200" dirty="0">
+                <a:solidFill>
+                  <a:schemeClr val="tx1"/>
+                </a:solidFill>
+                <a:effectLst/>
+                <a:latin typeface="+mn-lt"/>
+                <a:ea typeface="+mn-ea"/>
+                <a:cs typeface="+mn-cs"/>
+              </a:rPr>
+              <a:t>The evidence for this effect is provided by retrospective and case-control studies whose results, however, do not reach the highest grades for evidence-based recommendations.</a:t>
+            </a:r>
+            <a:endParaRPr lang="it-IT" i="1" dirty="0"/>
           </a:p>
         </p:txBody>
       </p:sp>
@@ -2616,7 +2699,7 @@
           <a:p>
             <a:fld id="{A2A5EAEC-CBB0-449A-A9CE-5377B44B413C}" type="datetimeFigureOut">
               <a:rPr lang="it-IT" smtClean="0"/>
-              <a:t>08/05/2017</a:t>
+              <a:t>09/05/2017</a:t>
             </a:fld>
             <a:endParaRPr lang="it-IT"/>
           </a:p>
@@ -2824,7 +2907,7 @@
           <a:p>
             <a:fld id="{A2A5EAEC-CBB0-449A-A9CE-5377B44B413C}" type="datetimeFigureOut">
               <a:rPr lang="it-IT" smtClean="0"/>
-              <a:t>08/05/2017</a:t>
+              <a:t>09/05/2017</a:t>
             </a:fld>
             <a:endParaRPr lang="it-IT"/>
           </a:p>
@@ -3080,7 +3163,7 @@
           <a:p>
             <a:fld id="{A2A5EAEC-CBB0-449A-A9CE-5377B44B413C}" type="datetimeFigureOut">
               <a:rPr lang="it-IT" smtClean="0"/>
-              <a:t>08/05/2017</a:t>
+              <a:t>09/05/2017</a:t>
             </a:fld>
             <a:endParaRPr lang="it-IT"/>
           </a:p>
@@ -3254,7 +3337,7 @@
           <a:p>
             <a:fld id="{A2A5EAEC-CBB0-449A-A9CE-5377B44B413C}" type="datetimeFigureOut">
               <a:rPr lang="it-IT" smtClean="0"/>
-              <a:t>08/05/2017</a:t>
+              <a:t>09/05/2017</a:t>
             </a:fld>
             <a:endParaRPr lang="it-IT"/>
           </a:p>
@@ -3597,7 +3680,7 @@
           <a:p>
             <a:fld id="{A2A5EAEC-CBB0-449A-A9CE-5377B44B413C}" type="datetimeFigureOut">
               <a:rPr lang="it-IT" smtClean="0"/>
-              <a:t>08/05/2017</a:t>
+              <a:t>09/05/2017</a:t>
             </a:fld>
             <a:endParaRPr lang="it-IT"/>
           </a:p>
@@ -3872,7 +3955,7 @@
           <a:p>
             <a:fld id="{A2A5EAEC-CBB0-449A-A9CE-5377B44B413C}" type="datetimeFigureOut">
               <a:rPr lang="it-IT" smtClean="0"/>
-              <a:t>08/05/2017</a:t>
+              <a:t>09/05/2017</a:t>
             </a:fld>
             <a:endParaRPr lang="it-IT"/>
           </a:p>
@@ -4251,7 +4334,7 @@
           <a:p>
             <a:fld id="{A2A5EAEC-CBB0-449A-A9CE-5377B44B413C}" type="datetimeFigureOut">
               <a:rPr lang="it-IT" smtClean="0"/>
-              <a:t>08/05/2017</a:t>
+              <a:t>09/05/2017</a:t>
             </a:fld>
             <a:endParaRPr lang="it-IT"/>
           </a:p>
@@ -4369,7 +4452,7 @@
           <a:p>
             <a:fld id="{A2A5EAEC-CBB0-449A-A9CE-5377B44B413C}" type="datetimeFigureOut">
               <a:rPr lang="it-IT" smtClean="0"/>
-              <a:t>08/05/2017</a:t>
+              <a:t>09/05/2017</a:t>
             </a:fld>
             <a:endParaRPr lang="it-IT"/>
           </a:p>
@@ -4540,7 +4623,7 @@
           <a:p>
             <a:fld id="{A2A5EAEC-CBB0-449A-A9CE-5377B44B413C}" type="datetimeFigureOut">
               <a:rPr lang="it-IT" smtClean="0"/>
-              <a:t>08/05/2017</a:t>
+              <a:t>09/05/2017</a:t>
             </a:fld>
             <a:endParaRPr lang="it-IT"/>
           </a:p>
@@ -4894,7 +4977,7 @@
           <a:p>
             <a:fld id="{A2A5EAEC-CBB0-449A-A9CE-5377B44B413C}" type="datetimeFigureOut">
               <a:rPr lang="it-IT" smtClean="0"/>
-              <a:t>08/05/2017</a:t>
+              <a:t>09/05/2017</a:t>
             </a:fld>
             <a:endParaRPr lang="it-IT"/>
           </a:p>
@@ -5276,7 +5359,7 @@
           <a:p>
             <a:fld id="{A2A5EAEC-CBB0-449A-A9CE-5377B44B413C}" type="datetimeFigureOut">
               <a:rPr lang="it-IT" smtClean="0"/>
-              <a:t>08/05/2017</a:t>
+              <a:t>09/05/2017</a:t>
             </a:fld>
             <a:endParaRPr lang="it-IT"/>
           </a:p>
@@ -5563,7 +5646,7 @@
           <a:p>
             <a:fld id="{A2A5EAEC-CBB0-449A-A9CE-5377B44B413C}" type="datetimeFigureOut">
               <a:rPr lang="it-IT" smtClean="0"/>
-              <a:t>08/05/2017</a:t>
+              <a:t>09/05/2017</a:t>
             </a:fld>
             <a:endParaRPr lang="it-IT"/>
           </a:p>
@@ -7150,33 +7233,9 @@
           <a:chExt cx="0" cy="0"/>
         </a:xfrm>
       </p:grpSpPr>
-      <p:sp>
-        <p:nvSpPr>
-          <p:cNvPr id="2" name="Titolo 1"/>
-          <p:cNvSpPr>
-            <a:spLocks noGrp="1"/>
-          </p:cNvSpPr>
-          <p:nvPr>
-            <p:ph type="title"/>
-          </p:nvPr>
-        </p:nvSpPr>
-        <p:spPr/>
-        <p:txBody>
-          <a:bodyPr>
-            <a:normAutofit/>
-          </a:bodyPr>
-          <a:lstStyle/>
-          <a:p>
-            <a:r>
-              <a:rPr lang="it-IT" dirty="0"/>
-              <a:t>Modello migliorato</a:t>
-            </a:r>
-          </a:p>
-        </p:txBody>
-      </p:sp>
       <p:pic>
         <p:nvPicPr>
-          <p:cNvPr id="3" name="Immagine 2"/>
+          <p:cNvPr id="7" name="Immagine 6"/>
           <p:cNvPicPr>
             <a:picLocks noChangeAspect="1"/>
           </p:cNvPicPr>
@@ -7190,8 +7249,8 @@
         </p:blipFill>
         <p:spPr>
           <a:xfrm>
-            <a:off x="3145971" y="1895671"/>
-            <a:ext cx="5944280" cy="4308914"/>
+            <a:off x="3760198" y="2145516"/>
+            <a:ext cx="4732564" cy="4049135"/>
           </a:xfrm>
           <a:prstGeom prst="rect">
             <a:avLst/>
@@ -7200,14 +7259,38 @@
       </p:pic>
       <p:sp>
         <p:nvSpPr>
+          <p:cNvPr id="2" name="Titolo 1"/>
+          <p:cNvSpPr>
+            <a:spLocks noGrp="1"/>
+          </p:cNvSpPr>
+          <p:nvPr>
+            <p:ph type="title"/>
+          </p:nvPr>
+        </p:nvSpPr>
+        <p:spPr/>
+        <p:txBody>
+          <a:bodyPr>
+            <a:normAutofit/>
+          </a:bodyPr>
+          <a:lstStyle/>
+          <a:p>
+            <a:r>
+              <a:rPr lang="it-IT" dirty="0"/>
+              <a:t>Modello migliorato</a:t>
+            </a:r>
+          </a:p>
+        </p:txBody>
+      </p:sp>
+      <p:sp>
+        <p:nvSpPr>
           <p:cNvPr id="4" name="Rettangolo 3"/>
           <p:cNvSpPr/>
           <p:nvPr/>
         </p:nvSpPr>
         <p:spPr>
           <a:xfrm>
-            <a:off x="7215051" y="2939143"/>
-            <a:ext cx="1188720" cy="185057"/>
+            <a:off x="6668588" y="2971859"/>
+            <a:ext cx="981892" cy="163772"/>
           </a:xfrm>
           <a:prstGeom prst="rect">
             <a:avLst/>
@@ -7251,8 +7334,8 @@
         </p:nvSpPr>
         <p:spPr>
           <a:xfrm>
-            <a:off x="7215051" y="3472543"/>
-            <a:ext cx="1188720" cy="185057"/>
+            <a:off x="6668588" y="3261360"/>
+            <a:ext cx="981892" cy="143457"/>
           </a:xfrm>
           <a:prstGeom prst="rect">
             <a:avLst/>
@@ -7296,8 +7379,8 @@
         </p:nvSpPr>
         <p:spPr>
           <a:xfrm>
-            <a:off x="3905794" y="5410200"/>
-            <a:ext cx="742406" cy="163285"/>
+            <a:off x="6668588" y="3404817"/>
+            <a:ext cx="981892" cy="138970"/>
           </a:xfrm>
           <a:prstGeom prst="rect">
             <a:avLst/>
@@ -7330,6 +7413,116 @@
           <a:p>
             <a:pPr algn="ctr"/>
             <a:endParaRPr lang="it-IT"/>
+          </a:p>
+        </p:txBody>
+      </p:sp>
+      <p:sp>
+        <p:nvSpPr>
+          <p:cNvPr id="8" name="Rettangolo 7"/>
+          <p:cNvSpPr/>
+          <p:nvPr/>
+        </p:nvSpPr>
+        <p:spPr>
+          <a:xfrm>
+            <a:off x="4161608" y="4792980"/>
+            <a:ext cx="760912" cy="152887"/>
+          </a:xfrm>
+          <a:prstGeom prst="rect">
+            <a:avLst/>
+          </a:prstGeom>
+          <a:solidFill>
+            <a:srgbClr val="FFFF00">
+              <a:alpha val="33000"/>
+            </a:srgbClr>
+          </a:solidFill>
+        </p:spPr>
+        <p:style>
+          <a:lnRef idx="2">
+            <a:schemeClr val="accent1">
+              <a:shade val="50000"/>
+            </a:schemeClr>
+          </a:lnRef>
+          <a:fillRef idx="1">
+            <a:schemeClr val="accent1"/>
+          </a:fillRef>
+          <a:effectRef idx="0">
+            <a:schemeClr val="accent1"/>
+          </a:effectRef>
+          <a:fontRef idx="minor">
+            <a:schemeClr val="lt1"/>
+          </a:fontRef>
+        </p:style>
+        <p:txBody>
+          <a:bodyPr rtlCol="0" anchor="ctr"/>
+          <a:lstStyle/>
+          <a:p>
+            <a:pPr algn="ctr"/>
+            <a:endParaRPr lang="it-IT"/>
+          </a:p>
+        </p:txBody>
+      </p:sp>
+      <p:cxnSp>
+        <p:nvCxnSpPr>
+          <p:cNvPr id="11" name="Connettore 2 10"/>
+          <p:cNvCxnSpPr/>
+          <p:nvPr/>
+        </p:nvCxnSpPr>
+        <p:spPr>
+          <a:xfrm flipH="1">
+            <a:off x="3116580" y="4869180"/>
+            <a:ext cx="518160" cy="0"/>
+          </a:xfrm>
+          <a:prstGeom prst="straightConnector1">
+            <a:avLst/>
+          </a:prstGeom>
+          <a:ln>
+            <a:tailEnd type="triangle"/>
+          </a:ln>
+        </p:spPr>
+        <p:style>
+          <a:lnRef idx="1">
+            <a:schemeClr val="accent1"/>
+          </a:lnRef>
+          <a:fillRef idx="0">
+            <a:schemeClr val="accent1"/>
+          </a:fillRef>
+          <a:effectRef idx="0">
+            <a:schemeClr val="accent1"/>
+          </a:effectRef>
+          <a:fontRef idx="minor">
+            <a:schemeClr val="tx1"/>
+          </a:fontRef>
+        </p:style>
+      </p:cxnSp>
+      <p:sp>
+        <p:nvSpPr>
+          <p:cNvPr id="12" name="CasellaDiTesto 11">
+            <a:hlinkClick r:id="rId4"/>
+          </p:cNvPr>
+          <p:cNvSpPr txBox="1"/>
+          <p:nvPr/>
+        </p:nvSpPr>
+        <p:spPr>
+          <a:xfrm>
+            <a:off x="1714500" y="4655820"/>
+            <a:ext cx="1196340" cy="369332"/>
+          </a:xfrm>
+          <a:prstGeom prst="rect">
+            <a:avLst/>
+          </a:prstGeom>
+          <a:noFill/>
+        </p:spPr>
+        <p:txBody>
+          <a:bodyPr wrap="square" rtlCol="0">
+            <a:spAutoFit/>
+          </a:bodyPr>
+          <a:lstStyle/>
+          <a:p>
+            <a:r>
+              <a:rPr lang="it-IT" dirty="0" err="1"/>
+              <a:t>Dldjournal</a:t>
+            </a:r>
+            <a:endParaRPr lang="it-IT" dirty="0"/>
           </a:p>
         </p:txBody>
       </p:sp>

--- a/2017-5 - 10 gruppo 8.pptx
+++ b/2017-5 - 10 gruppo 8.pptx
@@ -1021,7 +1021,7 @@
             </a:pPr>
             <a:r>
               <a:rPr lang="it-IT" dirty="0"/>
-              <a:t>Come già visto, il coefficiente riferito alla classe 1 di LNR non è significativo.</a:t>
+              <a:t>Come già visto, il coefficiente riferito alla classe 1 di LNR non è significativo al 99%.</a:t>
             </a:r>
             <a:r>
               <a:rPr lang="it-IT" baseline="0" dirty="0"/>
@@ -1029,7 +1029,7 @@
             </a:r>
             <a:r>
               <a:rPr lang="it-IT" b="1" dirty="0"/>
-              <a:t>Il coefficiente relativo alla classe 2, invece, risulta essere significativo. </a:t>
+              <a:t>Il coefficiente relativo alla classe 2, invece, risulta essere significativo oltre il 99%. </a:t>
             </a:r>
             <a:r>
               <a:rPr lang="it-IT" dirty="0"/>
@@ -1273,9 +1273,53 @@
               <a:rPr lang="it-IT" dirty="0"/>
               <a:t>Adesso LNR risulta significativo. </a:t>
             </a:r>
-            <a:br>
+          </a:p>
+          <a:p>
+            <a:pPr marL="171450" indent="-171450">
+              <a:buFont typeface="Arial" panose="020B0604020202020204" pitchFamily="34" charset="0"/>
+              <a:buChar char="•"/>
+            </a:pPr>
+            <a:r>
               <a:rPr lang="it-IT" dirty="0"/>
-            </a:br>
+              <a:t>il coefficiente riferito alla classe 1 di LNR è significativo al 99%</a:t>
+            </a:r>
+          </a:p>
+          <a:p>
+            <a:pPr marL="171450" marR="0" lvl="0" indent="-171450" algn="l" defTabSz="914400" rtl="0" eaLnBrk="1" fontAlgn="auto" latinLnBrk="0" hangingPunct="1">
+              <a:lnSpc>
+                <a:spcPct val="100000"/>
+              </a:lnSpc>
+              <a:spcBef>
+                <a:spcPts val="0"/>
+              </a:spcBef>
+              <a:spcAft>
+                <a:spcPts val="0"/>
+              </a:spcAft>
+              <a:buClrTx/>
+              <a:buSzTx/>
+              <a:buFont typeface="Arial" panose="020B0604020202020204" pitchFamily="34" charset="0"/>
+              <a:buChar char="•"/>
+              <a:tabLst/>
+              <a:defRPr/>
+            </a:pPr>
+            <a:r>
+              <a:rPr lang="it-IT" dirty="0"/>
+              <a:t>il coefficiente riferito alla classe 2 di LNR è significativo per oltre il 99%</a:t>
+            </a:r>
+            <a:endParaRPr lang="it-IT" baseline="0" dirty="0"/>
+          </a:p>
+          <a:p>
+            <a:pPr marL="171450" indent="-171450">
+              <a:buFont typeface="Arial" panose="020B0604020202020204" pitchFamily="34" charset="0"/>
+              <a:buChar char="•"/>
+            </a:pPr>
+            <a:endParaRPr lang="it-IT" baseline="0" dirty="0"/>
+          </a:p>
+          <a:p>
+            <a:pPr marL="0" indent="0">
+              <a:buFont typeface="Arial" panose="020B0604020202020204" pitchFamily="34" charset="0"/>
+              <a:buNone/>
+            </a:pPr>
             <a:r>
               <a:rPr lang="it-IT" dirty="0"/>
               <a:t>Inoltre, tramite </a:t>
@@ -7334,14 +7378,14 @@
         </p:nvSpPr>
         <p:spPr>
           <a:xfrm>
-            <a:off x="6668588" y="3261360"/>
-            <a:ext cx="981892" cy="143457"/>
+            <a:off x="6668588" y="3135632"/>
+            <a:ext cx="981892" cy="269186"/>
           </a:xfrm>
           <a:prstGeom prst="rect">
             <a:avLst/>
           </a:prstGeom>
           <a:solidFill>
-            <a:srgbClr val="FFFF00">
+            <a:srgbClr val="FF0000">
               <a:alpha val="33000"/>
             </a:srgbClr>
           </a:solidFill>
@@ -7386,7 +7430,7 @@
             <a:avLst/>
           </a:prstGeom>
           <a:solidFill>
-            <a:srgbClr val="FFFF00">
+            <a:srgbClr val="00B050">
               <a:alpha val="33000"/>
             </a:srgbClr>
           </a:solidFill>
@@ -7424,8 +7468,8 @@
         </p:nvSpPr>
         <p:spPr>
           <a:xfrm>
-            <a:off x="4161608" y="4792980"/>
-            <a:ext cx="760912" cy="152887"/>
+            <a:off x="4161608" y="4517572"/>
+            <a:ext cx="760912" cy="428296"/>
           </a:xfrm>
           <a:prstGeom prst="rect">
             <a:avLst/>

--- a/2017-5 - 10 gruppo 8.pptx
+++ b/2017-5 - 10 gruppo 8.pptx
@@ -2,33 +2,35 @@
 <file path=ppt/presentation.xml><?xml version="1.0" encoding="utf-8"?>
 <p:presentation xmlns:a="http://schemas.openxmlformats.org/drawingml/2006/main" xmlns:r="http://schemas.openxmlformats.org/officeDocument/2006/relationships" xmlns:p="http://schemas.openxmlformats.org/presentationml/2006/main" saveSubsetFonts="1">
   <p:sldMasterIdLst>
-    <p:sldMasterId id="2147483732" r:id="rId1"/>
+    <p:sldMasterId id="2147483744" r:id="rId1"/>
   </p:sldMasterIdLst>
   <p:notesMasterIdLst>
-    <p:notesMasterId r:id="rId21"/>
+    <p:notesMasterId r:id="rId23"/>
   </p:notesMasterIdLst>
   <p:sldIdLst>
     <p:sldId id="256" r:id="rId2"/>
-    <p:sldId id="257" r:id="rId3"/>
-    <p:sldId id="258" r:id="rId4"/>
-    <p:sldId id="259" r:id="rId5"/>
-    <p:sldId id="260" r:id="rId6"/>
-    <p:sldId id="261" r:id="rId7"/>
-    <p:sldId id="262" r:id="rId8"/>
-    <p:sldId id="266" r:id="rId9"/>
-    <p:sldId id="267" r:id="rId10"/>
-    <p:sldId id="268" r:id="rId11"/>
-    <p:sldId id="270" r:id="rId12"/>
-    <p:sldId id="271" r:id="rId13"/>
-    <p:sldId id="275" r:id="rId14"/>
-    <p:sldId id="276" r:id="rId15"/>
-    <p:sldId id="277" r:id="rId16"/>
-    <p:sldId id="279" r:id="rId17"/>
-    <p:sldId id="280" r:id="rId18"/>
-    <p:sldId id="282" r:id="rId19"/>
-    <p:sldId id="283" r:id="rId20"/>
+    <p:sldId id="284" r:id="rId3"/>
+    <p:sldId id="257" r:id="rId4"/>
+    <p:sldId id="258" r:id="rId5"/>
+    <p:sldId id="259" r:id="rId6"/>
+    <p:sldId id="260" r:id="rId7"/>
+    <p:sldId id="261" r:id="rId8"/>
+    <p:sldId id="262" r:id="rId9"/>
+    <p:sldId id="266" r:id="rId10"/>
+    <p:sldId id="267" r:id="rId11"/>
+    <p:sldId id="268" r:id="rId12"/>
+    <p:sldId id="270" r:id="rId13"/>
+    <p:sldId id="271" r:id="rId14"/>
+    <p:sldId id="275" r:id="rId15"/>
+    <p:sldId id="276" r:id="rId16"/>
+    <p:sldId id="277" r:id="rId17"/>
+    <p:sldId id="279" r:id="rId18"/>
+    <p:sldId id="280" r:id="rId19"/>
+    <p:sldId id="282" r:id="rId20"/>
+    <p:sldId id="283" r:id="rId21"/>
+    <p:sldId id="285" r:id="rId22"/>
   </p:sldIdLst>
-  <p:sldSz cx="12192000" cy="6858000"/>
+  <p:sldSz cx="9144000" cy="6858000" type="screen4x3"/>
   <p:notesSz cx="6858000" cy="9144000"/>
   <p:defaultTextStyle>
     <a:defPPr>
@@ -131,6 +133,7 @@
         <p14:section name="Sezione predefinita" id="{E0F5B197-CCD8-4FE2-A7DE-E5B427B19C99}">
           <p14:sldIdLst>
             <p14:sldId id="256"/>
+            <p14:sldId id="284"/>
             <p14:sldId id="257"/>
           </p14:sldIdLst>
         </p14:section>
@@ -161,12 +164,24 @@
             <p14:sldId id="280"/>
             <p14:sldId id="282"/>
             <p14:sldId id="283"/>
+            <p14:sldId id="285"/>
           </p14:sldIdLst>
         </p14:section>
       </p14:sectionLst>
     </p:ext>
     <p:ext uri="{EFAFB233-063F-42B5-8137-9DF3F51BA10A}">
-      <p15:sldGuideLst xmlns:p15="http://schemas.microsoft.com/office/powerpoint/2012/main"/>
+      <p15:sldGuideLst xmlns:p15="http://schemas.microsoft.com/office/powerpoint/2012/main">
+        <p15:guide id="1" orient="horz" pos="2160">
+          <p15:clr>
+            <a:srgbClr val="A4A3A4"/>
+          </p15:clr>
+        </p15:guide>
+        <p15:guide id="2" pos="2880">
+          <p15:clr>
+            <a:srgbClr val="A4A3A4"/>
+          </p15:clr>
+        </p15:guide>
+      </p15:sldGuideLst>
     </p:ext>
   </p:extLst>
 </p:presentation>
@@ -258,7 +273,8 @@
           <a:p>
             <a:fld id="{0679B769-5A28-446B-BCC4-FA0AD2C4FFEB}" type="datetimeFigureOut">
               <a:rPr lang="it-IT" smtClean="0"/>
-              <a:t>09/05/2017</a:t>
+              <a:pPr/>
+              <a:t>18/05/2017</a:t>
             </a:fld>
             <a:endParaRPr lang="it-IT"/>
           </a:p>
@@ -276,8 +292,8 @@
         </p:nvSpPr>
         <p:spPr>
           <a:xfrm>
-            <a:off x="685800" y="1143000"/>
-            <a:ext cx="5486400" cy="3086100"/>
+            <a:off x="1371600" y="1143000"/>
+            <a:ext cx="4114800" cy="3086100"/>
           </a:xfrm>
           <a:prstGeom prst="rect">
             <a:avLst/>
@@ -416,6 +432,7 @@
           <a:p>
             <a:fld id="{BA521C96-A9D3-4B92-95F8-5669AF865DB6}" type="slidenum">
               <a:rPr lang="it-IT" smtClean="0"/>
+              <a:pPr/>
               <a:t>‹N›</a:t>
             </a:fld>
             <a:endParaRPr lang="it-IT"/>
@@ -569,46 +586,35 @@
           <a:bodyPr/>
           <a:lstStyle/>
           <a:p>
+            <a:pPr marL="0" marR="0" indent="0" algn="l" defTabSz="914400" rtl="0" eaLnBrk="1" fontAlgn="auto" latinLnBrk="0" hangingPunct="1">
+              <a:lnSpc>
+                <a:spcPct val="100000"/>
+              </a:lnSpc>
+              <a:spcBef>
+                <a:spcPts val="0"/>
+              </a:spcBef>
+              <a:spcAft>
+                <a:spcPts val="0"/>
+              </a:spcAft>
+              <a:buClrTx/>
+              <a:buSzTx/>
+              <a:buFontTx/>
+              <a:buNone/>
+              <a:tabLst/>
+              <a:defRPr/>
+            </a:pPr>
             <a:r>
               <a:rPr lang="it-IT" dirty="0"/>
-              <a:t>I</a:t>
+              <a:t>203 casi considerati,</a:t>
             </a:r>
             <a:r>
               <a:rPr lang="it-IT" baseline="0" dirty="0"/>
-              <a:t> sessi sono ben ripartiti. Con 1 abbiamo gli uomini, con 2 le donne.</a:t>
-            </a:r>
-          </a:p>
-          <a:p>
-            <a:r>
-              <a:rPr lang="it-IT" u="none" dirty="0"/>
-              <a:t>Come vediamo</a:t>
-            </a:r>
-            <a:r>
-              <a:rPr lang="it-IT" u="none" baseline="0" dirty="0"/>
-              <a:t> dall’istogramma le età si distribuiscono tendendo alle classi più anziane. </a:t>
-            </a:r>
-          </a:p>
-          <a:p>
-            <a:r>
-              <a:rPr lang="it-IT" u="none" baseline="0" dirty="0"/>
-              <a:t>La media delle età è di 73 anni, mentre la mediana di 76.  Tramite il test di </a:t>
-            </a:r>
-            <a:r>
-              <a:rPr lang="it-IT" u="none" baseline="0" dirty="0" err="1"/>
-              <a:t>Shapiro</a:t>
-            </a:r>
-            <a:r>
-              <a:rPr lang="it-IT" u="none" baseline="0" dirty="0"/>
-              <a:t> </a:t>
-            </a:r>
-            <a:r>
-              <a:rPr lang="it-IT" u="none" baseline="0" dirty="0" err="1"/>
-              <a:t>Willks</a:t>
-            </a:r>
-            <a:r>
-              <a:rPr lang="it-IT" u="none" baseline="0" dirty="0"/>
-              <a:t> viene rifiutata l’ipotesi di normalità con intervalli di confidenza del 99%.</a:t>
-            </a:r>
+              <a:t> per 154 mesi (circa 13 anni). </a:t>
+            </a:r>
+            <a:endParaRPr lang="it-IT" dirty="0"/>
+          </a:p>
+          <a:p>
+            <a:endParaRPr lang="it-IT" dirty="0"/>
           </a:p>
         </p:txBody>
       </p:sp>
@@ -629,7 +635,8 @@
           <a:p>
             <a:fld id="{BA521C96-A9D3-4B92-95F8-5669AF865DB6}" type="slidenum">
               <a:rPr lang="it-IT" smtClean="0"/>
-              <a:t>3</a:t>
+              <a:pPr/>
+              <a:t>2</a:t>
             </a:fld>
             <a:endParaRPr lang="it-IT"/>
           </a:p>
@@ -638,7 +645,7 @@
     </p:spTree>
     <p:extLst>
       <p:ext uri="{BB962C8B-B14F-4D97-AF65-F5344CB8AC3E}">
-        <p14:creationId xmlns:p14="http://schemas.microsoft.com/office/powerpoint/2010/main" val="678922612"/>
+        <p14:creationId xmlns:p14="http://schemas.microsoft.com/office/powerpoint/2010/main" val="1767920169"/>
       </p:ext>
     </p:extLst>
   </p:cSld>
@@ -675,40 +682,28 @@
             <p:ph type="sldImg"/>
           </p:nvPr>
         </p:nvSpPr>
+        <p:spPr>
+          <a:xfrm>
+            <a:off x="1371600" y="1143000"/>
+            <a:ext cx="4114800" cy="3086100"/>
+          </a:xfrm>
+        </p:spPr>
+      </p:sp>
+      <p:sp>
+        <p:nvSpPr>
+          <p:cNvPr id="3" name="Segnaposto note 2"/>
+          <p:cNvSpPr>
+            <a:spLocks noGrp="1"/>
+          </p:cNvSpPr>
+          <p:nvPr>
+            <p:ph type="body" idx="1"/>
+          </p:nvPr>
+        </p:nvSpPr>
         <p:spPr/>
-      </p:sp>
-      <p:sp>
-        <p:nvSpPr>
-          <p:cNvPr id="3" name="Segnaposto note 2"/>
-          <p:cNvSpPr>
-            <a:spLocks noGrp="1"/>
-          </p:cNvSpPr>
-          <p:nvPr>
-            <p:ph type="body" idx="1"/>
-          </p:nvPr>
-        </p:nvSpPr>
-        <p:spPr/>
         <p:txBody>
           <a:bodyPr/>
           <a:lstStyle/>
           <a:p>
-            <a:pPr marL="0" marR="0" lvl="0" indent="0" algn="l" defTabSz="914400" rtl="0" eaLnBrk="1" fontAlgn="auto" latinLnBrk="0" hangingPunct="1">
-              <a:lnSpc>
-                <a:spcPct val="100000"/>
-              </a:lnSpc>
-              <a:spcBef>
-                <a:spcPts val="0"/>
-              </a:spcBef>
-              <a:spcAft>
-                <a:spcPts val="0"/>
-              </a:spcAft>
-              <a:buClrTx/>
-              <a:buSzTx/>
-              <a:buFontTx/>
-              <a:buNone/>
-              <a:tabLst/>
-              <a:defRPr/>
-            </a:pPr>
             <a:r>
               <a:rPr lang="nn-NO" sz="1200" b="0" i="0" u="none" strike="noStrike" kern="1200" baseline="0" dirty="0">
                 <a:solidFill>
@@ -718,18 +713,7 @@
                 <a:ea typeface="+mn-ea"/>
                 <a:cs typeface="+mn-cs"/>
               </a:rPr>
-              <a:t>Dallo studio condotto da N. C. Arslan, S. Sokmen vediamo che le curve di sopravvienza per LNR sono compatibili (le nostre a destra). </a:t>
-            </a:r>
-            <a:endParaRPr lang="it-IT" dirty="0"/>
-          </a:p>
-          <a:p>
-            <a:r>
-              <a:rPr lang="it-IT" dirty="0"/>
-              <a:t>Da questo</a:t>
-            </a:r>
-            <a:r>
-              <a:rPr lang="it-IT" baseline="0" dirty="0"/>
-              <a:t> possiamo dire che l’analisi da noi condotta conferma lo studio precedentemente citato. </a:t>
+              <a:t>Dallo studio condotto da N. C. Arslan, S. Sokmen vediamo che le curve di sopravvienza per LODDS sono compatibili (le nostre a destra).</a:t>
             </a:r>
             <a:endParaRPr lang="it-IT" dirty="0"/>
           </a:p>
@@ -752,6 +736,7 @@
           <a:p>
             <a:fld id="{BA521C96-A9D3-4B92-95F8-5669AF865DB6}" type="slidenum">
               <a:rPr lang="it-IT" smtClean="0"/>
+              <a:pPr/>
               <a:t>14</a:t>
             </a:fld>
             <a:endParaRPr lang="it-IT"/>
@@ -761,7 +746,7 @@
     </p:spTree>
     <p:extLst>
       <p:ext uri="{BB962C8B-B14F-4D97-AF65-F5344CB8AC3E}">
-        <p14:creationId xmlns:p14="http://schemas.microsoft.com/office/powerpoint/2010/main" val="371058099"/>
+        <p14:creationId xmlns:p14="http://schemas.microsoft.com/office/powerpoint/2010/main" val="95015995"/>
       </p:ext>
     </p:extLst>
   </p:cSld>
@@ -798,38 +783,66 @@
             <p:ph type="sldImg"/>
           </p:nvPr>
         </p:nvSpPr>
+        <p:spPr>
+          <a:xfrm>
+            <a:off x="1371600" y="1143000"/>
+            <a:ext cx="4114800" cy="3086100"/>
+          </a:xfrm>
+        </p:spPr>
+      </p:sp>
+      <p:sp>
+        <p:nvSpPr>
+          <p:cNvPr id="3" name="Segnaposto note 2"/>
+          <p:cNvSpPr>
+            <a:spLocks noGrp="1"/>
+          </p:cNvSpPr>
+          <p:nvPr>
+            <p:ph type="body" idx="1"/>
+          </p:nvPr>
+        </p:nvSpPr>
         <p:spPr/>
-      </p:sp>
-      <p:sp>
-        <p:nvSpPr>
-          <p:cNvPr id="3" name="Segnaposto note 2"/>
-          <p:cNvSpPr>
-            <a:spLocks noGrp="1"/>
-          </p:cNvSpPr>
-          <p:nvPr>
-            <p:ph type="body" idx="1"/>
-          </p:nvPr>
-        </p:nvSpPr>
-        <p:spPr/>
         <p:txBody>
           <a:bodyPr/>
           <a:lstStyle/>
           <a:p>
+            <a:pPr marL="0" marR="0" lvl="0" indent="0" algn="l" defTabSz="914400" rtl="0" eaLnBrk="1" fontAlgn="auto" latinLnBrk="0" hangingPunct="1">
+              <a:lnSpc>
+                <a:spcPct val="100000"/>
+              </a:lnSpc>
+              <a:spcBef>
+                <a:spcPts val="0"/>
+              </a:spcBef>
+              <a:spcAft>
+                <a:spcPts val="0"/>
+              </a:spcAft>
+              <a:buClrTx/>
+              <a:buSzTx/>
+              <a:buFontTx/>
+              <a:buNone/>
+              <a:tabLst/>
+              <a:defRPr/>
+            </a:pPr>
+            <a:r>
+              <a:rPr lang="nn-NO" sz="1200" b="0" i="0" u="none" strike="noStrike" kern="1200" baseline="0" dirty="0">
+                <a:solidFill>
+                  <a:schemeClr val="tx1"/>
+                </a:solidFill>
+                <a:latin typeface="+mn-lt"/>
+                <a:ea typeface="+mn-ea"/>
+                <a:cs typeface="+mn-cs"/>
+              </a:rPr>
+              <a:t>Dallo studio condotto da N. C. Arslan, S. Sokmen vediamo che le curve di sopravvienza per LNR sono compatibili (le nostre a destra). </a:t>
+            </a:r>
+            <a:endParaRPr lang="it-IT" dirty="0"/>
+          </a:p>
+          <a:p>
             <a:r>
               <a:rPr lang="it-IT" dirty="0"/>
-              <a:t>Queste sono le curve della</a:t>
+              <a:t>Da questo</a:t>
             </a:r>
             <a:r>
               <a:rPr lang="it-IT" baseline="0" dirty="0"/>
-              <a:t> sopravvivenza per il </a:t>
-            </a:r>
-            <a:r>
-              <a:rPr lang="it-IT" baseline="0" dirty="0" err="1"/>
-              <a:t>disease</a:t>
-            </a:r>
-            <a:r>
-              <a:rPr lang="it-IT" baseline="0" dirty="0"/>
-              <a:t> free. Anche in questo caso notiamo che la classe LNR 2 e la classe LODDS 2 sono significativamente differenti rispetto ai restanti. </a:t>
+              <a:t> possiamo dire che l’analisi da noi condotta conferma lo studio precedentemente citato. </a:t>
             </a:r>
             <a:endParaRPr lang="it-IT" dirty="0"/>
           </a:p>
@@ -852,6 +865,7 @@
           <a:p>
             <a:fld id="{BA521C96-A9D3-4B92-95F8-5669AF865DB6}" type="slidenum">
               <a:rPr lang="it-IT" smtClean="0"/>
+              <a:pPr/>
               <a:t>15</a:t>
             </a:fld>
             <a:endParaRPr lang="it-IT"/>
@@ -861,7 +875,7 @@
     </p:spTree>
     <p:extLst>
       <p:ext uri="{BB962C8B-B14F-4D97-AF65-F5344CB8AC3E}">
-        <p14:creationId xmlns:p14="http://schemas.microsoft.com/office/powerpoint/2010/main" val="3886210708"/>
+        <p14:creationId xmlns:p14="http://schemas.microsoft.com/office/powerpoint/2010/main" val="371058099"/>
       </p:ext>
     </p:extLst>
   </p:cSld>
@@ -898,38 +912,43 @@
             <p:ph type="sldImg"/>
           </p:nvPr>
         </p:nvSpPr>
+        <p:spPr>
+          <a:xfrm>
+            <a:off x="1371600" y="1143000"/>
+            <a:ext cx="4114800" cy="3086100"/>
+          </a:xfrm>
+        </p:spPr>
+      </p:sp>
+      <p:sp>
+        <p:nvSpPr>
+          <p:cNvPr id="3" name="Segnaposto note 2"/>
+          <p:cNvSpPr>
+            <a:spLocks noGrp="1"/>
+          </p:cNvSpPr>
+          <p:nvPr>
+            <p:ph type="body" idx="1"/>
+          </p:nvPr>
+        </p:nvSpPr>
         <p:spPr/>
-      </p:sp>
-      <p:sp>
-        <p:nvSpPr>
-          <p:cNvPr id="3" name="Segnaposto note 2"/>
-          <p:cNvSpPr>
-            <a:spLocks noGrp="1"/>
-          </p:cNvSpPr>
-          <p:nvPr>
-            <p:ph type="body" idx="1"/>
-          </p:nvPr>
-        </p:nvSpPr>
-        <p:spPr/>
         <p:txBody>
           <a:bodyPr/>
           <a:lstStyle/>
           <a:p>
             <a:r>
               <a:rPr lang="it-IT" dirty="0"/>
-              <a:t>Abbiamo</a:t>
+              <a:t>Queste sono le curve della</a:t>
             </a:r>
             <a:r>
               <a:rPr lang="it-IT" baseline="0" dirty="0"/>
-              <a:t> modo di credere che l’ipotesi dei rischi proporzionali non sia rispettata. Pertanto il modello di </a:t>
+              <a:t> sopravvivenza per il </a:t>
             </a:r>
             <a:r>
               <a:rPr lang="it-IT" baseline="0" dirty="0" err="1"/>
-              <a:t>Cox</a:t>
+              <a:t>disease</a:t>
             </a:r>
             <a:r>
               <a:rPr lang="it-IT" baseline="0" dirty="0"/>
-              <a:t> che stiamo per proporre probabilmente è errato.</a:t>
+              <a:t> free. Anche in questo caso notiamo che la classe LNR 2 e la classe LODDS 2 sono significativamente differenti rispetto ai restanti. </a:t>
             </a:r>
             <a:endParaRPr lang="it-IT" dirty="0"/>
           </a:p>
@@ -952,6 +971,7 @@
           <a:p>
             <a:fld id="{BA521C96-A9D3-4B92-95F8-5669AF865DB6}" type="slidenum">
               <a:rPr lang="it-IT" smtClean="0"/>
+              <a:pPr/>
               <a:t>16</a:t>
             </a:fld>
             <a:endParaRPr lang="it-IT"/>
@@ -961,7 +981,7 @@
     </p:spTree>
     <p:extLst>
       <p:ext uri="{BB962C8B-B14F-4D97-AF65-F5344CB8AC3E}">
-        <p14:creationId xmlns:p14="http://schemas.microsoft.com/office/powerpoint/2010/main" val="2604708004"/>
+        <p14:creationId xmlns:p14="http://schemas.microsoft.com/office/powerpoint/2010/main" val="3886210708"/>
       </p:ext>
     </p:extLst>
   </p:cSld>
@@ -998,89 +1018,45 @@
             <p:ph type="sldImg"/>
           </p:nvPr>
         </p:nvSpPr>
+        <p:spPr>
+          <a:xfrm>
+            <a:off x="1371600" y="1143000"/>
+            <a:ext cx="4114800" cy="3086100"/>
+          </a:xfrm>
+        </p:spPr>
+      </p:sp>
+      <p:sp>
+        <p:nvSpPr>
+          <p:cNvPr id="3" name="Segnaposto note 2"/>
+          <p:cNvSpPr>
+            <a:spLocks noGrp="1"/>
+          </p:cNvSpPr>
+          <p:nvPr>
+            <p:ph type="body" idx="1"/>
+          </p:nvPr>
+        </p:nvSpPr>
         <p:spPr/>
-      </p:sp>
-      <p:sp>
-        <p:nvSpPr>
-          <p:cNvPr id="3" name="Segnaposto note 2"/>
-          <p:cNvSpPr>
-            <a:spLocks noGrp="1"/>
-          </p:cNvSpPr>
-          <p:nvPr>
-            <p:ph type="body" idx="1"/>
-          </p:nvPr>
-        </p:nvSpPr>
-        <p:spPr/>
         <p:txBody>
           <a:bodyPr/>
           <a:lstStyle/>
           <a:p>
-            <a:pPr marL="171450" indent="-171450">
-              <a:buFont typeface="Arial" panose="020B0604020202020204" pitchFamily="34" charset="0"/>
-              <a:buChar char="•"/>
-            </a:pPr>
             <a:r>
               <a:rPr lang="it-IT" dirty="0"/>
-              <a:t>Come già visto, il coefficiente riferito alla classe 1 di LNR non è significativo al 99%.</a:t>
+              <a:t>Abbiamo</a:t>
             </a:r>
             <a:r>
               <a:rPr lang="it-IT" baseline="0" dirty="0"/>
-              <a:t> </a:t>
-            </a:r>
-            <a:r>
-              <a:rPr lang="it-IT" b="1" dirty="0"/>
-              <a:t>Il coefficiente relativo alla classe 2, invece, risulta essere significativo oltre il 99%. </a:t>
-            </a:r>
-            <a:r>
-              <a:rPr lang="it-IT" dirty="0"/>
-              <a:t>L'</a:t>
-            </a:r>
-            <a:r>
-              <a:rPr lang="it-IT" dirty="0" err="1"/>
-              <a:t>hazard</a:t>
-            </a:r>
-            <a:r>
-              <a:rPr lang="it-IT" dirty="0"/>
-              <a:t> ratio risulta essere, infatti, di 3.055</a:t>
+              <a:t> modo di credere che l’ipotesi dei rischi proporzionali non sia rispettata. Pertanto il modello di </a:t>
+            </a:r>
+            <a:r>
+              <a:rPr lang="it-IT" baseline="0" dirty="0" err="1"/>
+              <a:t>Cox</a:t>
             </a:r>
             <a:r>
               <a:rPr lang="it-IT" baseline="0" dirty="0"/>
-              <a:t> </a:t>
-            </a:r>
-            <a:r>
-              <a:rPr lang="it-IT" dirty="0"/>
-              <a:t>con valori che oscillano tra 1.89 e 4.9 con intervalli di confidenza del 95%</a:t>
-            </a:r>
-            <a:br>
-              <a:rPr lang="it-IT" dirty="0"/>
-            </a:br>
+              <a:t> che stiamo per proporre probabilmente è errato.</a:t>
+            </a:r>
             <a:endParaRPr lang="it-IT" dirty="0"/>
-          </a:p>
-          <a:p>
-            <a:pPr marL="171450" indent="-171450">
-              <a:buFont typeface="Arial" panose="020B0604020202020204" pitchFamily="34" charset="0"/>
-              <a:buChar char="•"/>
-            </a:pPr>
-            <a:r>
-              <a:rPr lang="it-IT" dirty="0"/>
-              <a:t>Situazione analoga per LODDS. La prima classe non risulta significativa pe </a:t>
-            </a:r>
-            <a:r>
-              <a:rPr lang="it-IT" dirty="0" err="1"/>
-              <a:t>run</a:t>
-            </a:r>
-            <a:r>
-              <a:rPr lang="it-IT" dirty="0"/>
-              <a:t> intervallo di confidenza del 95%. </a:t>
-            </a:r>
-            <a:r>
-              <a:rPr lang="it-IT" b="1" dirty="0"/>
-              <a:t>La classe 2, invece, è significativa,</a:t>
-            </a:r>
-            <a:r>
-              <a:rPr lang="it-IT" dirty="0"/>
-              <a:t> con un HR di 3.8, con intervalli di confidenza al 95% che oscillano da 2.257 a 6.396</a:t>
-            </a:r>
           </a:p>
         </p:txBody>
       </p:sp>
@@ -1101,6 +1077,7 @@
           <a:p>
             <a:fld id="{BA521C96-A9D3-4B92-95F8-5669AF865DB6}" type="slidenum">
               <a:rPr lang="it-IT" smtClean="0"/>
+              <a:pPr/>
               <a:t>17</a:t>
             </a:fld>
             <a:endParaRPr lang="it-IT"/>
@@ -1110,7 +1087,7 @@
     </p:spTree>
     <p:extLst>
       <p:ext uri="{BB962C8B-B14F-4D97-AF65-F5344CB8AC3E}">
-        <p14:creationId xmlns:p14="http://schemas.microsoft.com/office/powerpoint/2010/main" val="2655930392"/>
+        <p14:creationId xmlns:p14="http://schemas.microsoft.com/office/powerpoint/2010/main" val="2604708004"/>
       </p:ext>
     </p:extLst>
   </p:cSld>
@@ -1147,38 +1124,94 @@
             <p:ph type="sldImg"/>
           </p:nvPr>
         </p:nvSpPr>
+        <p:spPr>
+          <a:xfrm>
+            <a:off x="1371600" y="1143000"/>
+            <a:ext cx="4114800" cy="3086100"/>
+          </a:xfrm>
+        </p:spPr>
+      </p:sp>
+      <p:sp>
+        <p:nvSpPr>
+          <p:cNvPr id="3" name="Segnaposto note 2"/>
+          <p:cNvSpPr>
+            <a:spLocks noGrp="1"/>
+          </p:cNvSpPr>
+          <p:nvPr>
+            <p:ph type="body" idx="1"/>
+          </p:nvPr>
+        </p:nvSpPr>
         <p:spPr/>
-      </p:sp>
-      <p:sp>
-        <p:nvSpPr>
-          <p:cNvPr id="3" name="Segnaposto note 2"/>
-          <p:cNvSpPr>
-            <a:spLocks noGrp="1"/>
-          </p:cNvSpPr>
-          <p:nvPr>
-            <p:ph type="body" idx="1"/>
-          </p:nvPr>
-        </p:nvSpPr>
-        <p:spPr/>
         <p:txBody>
           <a:bodyPr/>
           <a:lstStyle/>
           <a:p>
+            <a:pPr marL="171450" indent="-171450">
+              <a:buFont typeface="Arial" panose="020B0604020202020204" pitchFamily="34" charset="0"/>
+              <a:buChar char="•"/>
+            </a:pPr>
             <a:r>
               <a:rPr lang="it-IT" dirty="0"/>
-              <a:t>Il modello soffre chiaramente di </a:t>
+              <a:t>Come già visto, il coefficiente riferito alla classe 1 di LNR non è significativo al 99%.</a:t>
+            </a:r>
+            <a:r>
+              <a:rPr lang="it-IT" baseline="0" dirty="0"/>
+              <a:t> </a:t>
+            </a:r>
+            <a:r>
+              <a:rPr lang="it-IT" b="1" dirty="0"/>
+              <a:t>Il coefficiente relativo alla classe 2, invece, risulta essere significativo oltre il 99%. </a:t>
+            </a:r>
+            <a:r>
+              <a:rPr lang="it-IT" dirty="0"/>
+              <a:t>L'</a:t>
             </a:r>
             <a:r>
               <a:rPr lang="it-IT" dirty="0" err="1"/>
-              <a:t>overfitting</a:t>
+              <a:t>hazard</a:t>
             </a:r>
             <a:r>
               <a:rPr lang="it-IT" dirty="0"/>
-              <a:t>.</a:t>
-            </a:r>
-          </a:p>
-          <a:p>
+              <a:t> ratio risulta essere, infatti, di 3.055</a:t>
+            </a:r>
+            <a:r>
+              <a:rPr lang="it-IT" baseline="0" dirty="0"/>
+              <a:t> </a:t>
+            </a:r>
+            <a:r>
+              <a:rPr lang="it-IT" dirty="0"/>
+              <a:t>con valori che oscillano tra 1.89 e 4.9 con intervalli di confidenza del 95%</a:t>
+            </a:r>
+            <a:br>
+              <a:rPr lang="it-IT" dirty="0"/>
+            </a:br>
             <a:endParaRPr lang="it-IT" dirty="0"/>
+          </a:p>
+          <a:p>
+            <a:pPr marL="171450" indent="-171450">
+              <a:buFont typeface="Arial" panose="020B0604020202020204" pitchFamily="34" charset="0"/>
+              <a:buChar char="•"/>
+            </a:pPr>
+            <a:r>
+              <a:rPr lang="it-IT" dirty="0"/>
+              <a:t>Situazione analoga per LODDS. La prima classe non risulta significativa pe </a:t>
+            </a:r>
+            <a:r>
+              <a:rPr lang="it-IT" dirty="0" err="1"/>
+              <a:t>run</a:t>
+            </a:r>
+            <a:r>
+              <a:rPr lang="it-IT" dirty="0"/>
+              <a:t> intervallo di confidenza del 95%. </a:t>
+            </a:r>
+            <a:r>
+              <a:rPr lang="it-IT" b="1" dirty="0"/>
+              <a:t>La classe 2, invece, è significativa,</a:t>
+            </a:r>
+            <a:r>
+              <a:rPr lang="it-IT" dirty="0"/>
+              <a:t> con un HR di 3.8, con intervalli di confidenza al 95% che oscillano da 2.257 a 6.396</a:t>
+            </a:r>
           </a:p>
         </p:txBody>
       </p:sp>
@@ -1199,6 +1232,7 @@
           <a:p>
             <a:fld id="{BA521C96-A9D3-4B92-95F8-5669AF865DB6}" type="slidenum">
               <a:rPr lang="it-IT" smtClean="0"/>
+              <a:pPr/>
               <a:t>18</a:t>
             </a:fld>
             <a:endParaRPr lang="it-IT"/>
@@ -1208,7 +1242,7 @@
     </p:spTree>
     <p:extLst>
       <p:ext uri="{BB962C8B-B14F-4D97-AF65-F5344CB8AC3E}">
-        <p14:creationId xmlns:p14="http://schemas.microsoft.com/office/powerpoint/2010/main" val="4111585556"/>
+        <p14:creationId xmlns:p14="http://schemas.microsoft.com/office/powerpoint/2010/main" val="2655930392"/>
       </p:ext>
     </p:extLst>
   </p:cSld>
@@ -1245,7 +1279,116 @@
             <p:ph type="sldImg"/>
           </p:nvPr>
         </p:nvSpPr>
+        <p:spPr>
+          <a:xfrm>
+            <a:off x="1371600" y="1143000"/>
+            <a:ext cx="4114800" cy="3086100"/>
+          </a:xfrm>
+        </p:spPr>
+      </p:sp>
+      <p:sp>
+        <p:nvSpPr>
+          <p:cNvPr id="3" name="Segnaposto note 2"/>
+          <p:cNvSpPr>
+            <a:spLocks noGrp="1"/>
+          </p:cNvSpPr>
+          <p:nvPr>
+            <p:ph type="body" idx="1"/>
+          </p:nvPr>
+        </p:nvSpPr>
         <p:spPr/>
+        <p:txBody>
+          <a:bodyPr/>
+          <a:lstStyle/>
+          <a:p>
+            <a:r>
+              <a:rPr lang="it-IT" dirty="0"/>
+              <a:t>Il modello soffre chiaramente di </a:t>
+            </a:r>
+            <a:r>
+              <a:rPr lang="it-IT" dirty="0" err="1"/>
+              <a:t>overfitting</a:t>
+            </a:r>
+            <a:r>
+              <a:rPr lang="it-IT" dirty="0"/>
+              <a:t>.</a:t>
+            </a:r>
+          </a:p>
+          <a:p>
+            <a:endParaRPr lang="it-IT" dirty="0"/>
+          </a:p>
+        </p:txBody>
+      </p:sp>
+      <p:sp>
+        <p:nvSpPr>
+          <p:cNvPr id="4" name="Segnaposto numero diapositiva 3"/>
+          <p:cNvSpPr>
+            <a:spLocks noGrp="1"/>
+          </p:cNvSpPr>
+          <p:nvPr>
+            <p:ph type="sldNum" sz="quarter" idx="10"/>
+          </p:nvPr>
+        </p:nvSpPr>
+        <p:spPr/>
+        <p:txBody>
+          <a:bodyPr/>
+          <a:lstStyle/>
+          <a:p>
+            <a:fld id="{BA521C96-A9D3-4B92-95F8-5669AF865DB6}" type="slidenum">
+              <a:rPr lang="it-IT" smtClean="0"/>
+              <a:pPr/>
+              <a:t>19</a:t>
+            </a:fld>
+            <a:endParaRPr lang="it-IT"/>
+          </a:p>
+        </p:txBody>
+      </p:sp>
+    </p:spTree>
+    <p:extLst>
+      <p:ext uri="{BB962C8B-B14F-4D97-AF65-F5344CB8AC3E}">
+        <p14:creationId xmlns:p14="http://schemas.microsoft.com/office/powerpoint/2010/main" val="4111585556"/>
+      </p:ext>
+    </p:extLst>
+  </p:cSld>
+  <p:clrMapOvr>
+    <a:masterClrMapping/>
+  </p:clrMapOvr>
+</p:notes>
+</file>
+
+<file path=ppt/notesSlides/notesSlide16.xml><?xml version="1.0" encoding="utf-8"?>
+<p:notes xmlns:a="http://schemas.openxmlformats.org/drawingml/2006/main" xmlns:r="http://schemas.openxmlformats.org/officeDocument/2006/relationships" xmlns:p="http://schemas.openxmlformats.org/presentationml/2006/main">
+  <p:cSld>
+    <p:spTree>
+      <p:nvGrpSpPr>
+        <p:cNvPr id="1" name=""/>
+        <p:cNvGrpSpPr/>
+        <p:nvPr/>
+      </p:nvGrpSpPr>
+      <p:grpSpPr>
+        <a:xfrm>
+          <a:off x="0" y="0"/>
+          <a:ext cx="0" cy="0"/>
+          <a:chOff x="0" y="0"/>
+          <a:chExt cx="0" cy="0"/>
+        </a:xfrm>
+      </p:grpSpPr>
+      <p:sp>
+        <p:nvSpPr>
+          <p:cNvPr id="2" name="Segnaposto immagine diapositiva 1"/>
+          <p:cNvSpPr>
+            <a:spLocks noGrp="1" noRot="1" noChangeAspect="1"/>
+          </p:cNvSpPr>
+          <p:nvPr>
+            <p:ph type="sldImg"/>
+          </p:nvPr>
+        </p:nvSpPr>
+        <p:spPr>
+          <a:xfrm>
+            <a:off x="1371600" y="1143000"/>
+            <a:ext cx="4114800" cy="3086100"/>
+          </a:xfrm>
+        </p:spPr>
       </p:sp>
       <p:sp>
         <p:nvSpPr>
@@ -1304,9 +1447,16 @@
             </a:pPr>
             <a:r>
               <a:rPr lang="it-IT" dirty="0"/>
-              <a:t>il coefficiente riferito alla classe 2 di LNR è significativo per oltre il 99%</a:t>
-            </a:r>
-            <a:endParaRPr lang="it-IT" baseline="0" dirty="0"/>
+              <a:t>il coefficiente riferito alla classe 2 di LNR è significativo per oltre il 99% </a:t>
+            </a:r>
+            <a:r>
+              <a:rPr lang="it-IT" b="1" dirty="0"/>
+              <a:t>Tuttavia</a:t>
+            </a:r>
+            <a:r>
+              <a:rPr lang="it-IT" b="1" baseline="0" dirty="0"/>
+              <a:t> si guardi agli intervalli di confidenza. </a:t>
+            </a:r>
           </a:p>
           <a:p>
             <a:pPr marL="171450" indent="-171450">
@@ -1330,66 +1480,28 @@
             </a:r>
             <a:r>
               <a:rPr lang="it-IT" dirty="0"/>
-              <a:t> procedure, siamo riusciti a trovare un ulteriore fattore protettivo: ASA 2. </a:t>
-            </a:r>
-            <a:br>
-              <a:rPr lang="it-IT" dirty="0"/>
-            </a:br>
-            <a:r>
-              <a:rPr lang="it-IT" dirty="0"/>
-              <a:t>Di fatto, facendo una breve ricerca online, siamo riusciti a trovare un </a:t>
-            </a:r>
-            <a:r>
-              <a:rPr lang="it-IT" dirty="0" err="1"/>
-              <a:t>paper</a:t>
-            </a:r>
-            <a:r>
-              <a:rPr lang="it-IT" dirty="0"/>
-              <a:t> che dovrebbe trattare dello stesso argomento. In esso, è descritto che l’acido amino </a:t>
-            </a:r>
-            <a:r>
-              <a:rPr lang="it-IT" dirty="0" err="1"/>
-              <a:t>salicitico</a:t>
-            </a:r>
-            <a:r>
-              <a:rPr lang="it-IT" dirty="0"/>
-              <a:t> è un fattore </a:t>
-            </a:r>
-            <a:r>
-              <a:rPr lang="it-IT" dirty="0" err="1"/>
-              <a:t>chemioprotettivo</a:t>
-            </a:r>
-            <a:r>
-              <a:rPr lang="it-IT" dirty="0"/>
-              <a:t>. </a:t>
-            </a:r>
-          </a:p>
-          <a:p>
-            <a:r>
-              <a:rPr lang="it-IT" dirty="0"/>
-              <a:t>http://www.dldjournalonline.com/article/S1590-8658(05)00230-6/fulltext?cc=y=</a:t>
-            </a:r>
-          </a:p>
-          <a:p>
-            <a:r>
-              <a:rPr lang="it-IT" dirty="0"/>
-              <a:t>Tuttavia, nell’abstract è riportato: </a:t>
-            </a:r>
-          </a:p>
-          <a:p>
-            <a:r>
-              <a:rPr lang="en-US" sz="1200" b="0" i="1" kern="1200" dirty="0">
-                <a:solidFill>
-                  <a:schemeClr val="tx1"/>
-                </a:solidFill>
-                <a:effectLst/>
-                <a:latin typeface="+mn-lt"/>
-                <a:ea typeface="+mn-ea"/>
-                <a:cs typeface="+mn-cs"/>
-              </a:rPr>
-              <a:t>The evidence for this effect is provided by retrospective and case-control studies whose results, however, do not reach the highest grades for evidence-based recommendations.</a:t>
-            </a:r>
-            <a:endParaRPr lang="it-IT" i="1" dirty="0"/>
+              <a:t> procedure, siamo riusciti a trovare un ulteriore fattore di rischio: ASA 4.</a:t>
+            </a:r>
+          </a:p>
+          <a:p>
+            <a:pPr marL="171450" indent="-171450">
+              <a:buFont typeface="Arial" panose="020B0604020202020204" pitchFamily="34" charset="0"/>
+              <a:buChar char="•"/>
+            </a:pPr>
+            <a:r>
+              <a:rPr lang="it-IT" i="0" dirty="0"/>
+              <a:t>Si noti che per ASA, la variabile base è ASA 2. Di fatto è stato riscontrato un errore di inserimento sugli ASA. </a:t>
+            </a:r>
+          </a:p>
+          <a:p>
+            <a:pPr marL="171450" indent="-171450">
+              <a:buFont typeface="Arial" panose="020B0604020202020204" pitchFamily="34" charset="0"/>
+              <a:buChar char="•"/>
+            </a:pPr>
+            <a:r>
+              <a:rPr lang="it-IT" i="0" dirty="0"/>
+              <a:t>Le persone in classe ASA 4, pertanto, tendono a morire 9.6 volte più velocemente rispetto a quelli in classe ASA 2.</a:t>
+            </a:r>
           </a:p>
         </p:txBody>
       </p:sp>
@@ -1410,7 +1522,8 @@
           <a:p>
             <a:fld id="{BA521C96-A9D3-4B92-95F8-5669AF865DB6}" type="slidenum">
               <a:rPr lang="it-IT" smtClean="0"/>
-              <a:t>19</a:t>
+              <a:pPr/>
+              <a:t>20</a:t>
             </a:fld>
             <a:endParaRPr lang="it-IT"/>
           </a:p>
@@ -1456,53 +1569,67 @@
             <p:ph type="sldImg"/>
           </p:nvPr>
         </p:nvSpPr>
+        <p:spPr>
+          <a:xfrm>
+            <a:off x="1371600" y="1143000"/>
+            <a:ext cx="4114800" cy="3086100"/>
+          </a:xfrm>
+        </p:spPr>
+      </p:sp>
+      <p:sp>
+        <p:nvSpPr>
+          <p:cNvPr id="3" name="Segnaposto note 2"/>
+          <p:cNvSpPr>
+            <a:spLocks noGrp="1"/>
+          </p:cNvSpPr>
+          <p:nvPr>
+            <p:ph type="body" idx="1"/>
+          </p:nvPr>
+        </p:nvSpPr>
         <p:spPr/>
-      </p:sp>
-      <p:sp>
-        <p:nvSpPr>
-          <p:cNvPr id="3" name="Segnaposto note 2"/>
-          <p:cNvSpPr>
-            <a:spLocks noGrp="1"/>
-          </p:cNvSpPr>
-          <p:nvPr>
-            <p:ph type="body" idx="1"/>
-          </p:nvPr>
-        </p:nvSpPr>
-        <p:spPr/>
         <p:txBody>
           <a:bodyPr/>
           <a:lstStyle/>
           <a:p>
             <a:r>
               <a:rPr lang="it-IT" dirty="0"/>
-              <a:t>Più</a:t>
+              <a:t>I</a:t>
             </a:r>
             <a:r>
               <a:rPr lang="it-IT" baseline="0" dirty="0"/>
-              <a:t> della metà della popolazione oggetto di studio è deceduta prima della fine dello studio. </a:t>
-            </a:r>
-          </a:p>
-          <a:p>
-            <a:pPr marL="0" marR="0" lvl="0" indent="0" algn="l" defTabSz="914400" rtl="0" eaLnBrk="1" fontAlgn="auto" latinLnBrk="0" hangingPunct="1">
-              <a:lnSpc>
-                <a:spcPct val="100000"/>
-              </a:lnSpc>
-              <a:spcBef>
-                <a:spcPts val="0"/>
-              </a:spcBef>
-              <a:spcAft>
-                <a:spcPts val="0"/>
-              </a:spcAft>
-              <a:buClrTx/>
-              <a:buSzTx/>
-              <a:buFontTx/>
-              <a:buNone/>
-              <a:tabLst/>
-              <a:defRPr/>
-            </a:pPr>
-            <a:r>
-              <a:rPr lang="it-IT" sz="1200" dirty="0"/>
-              <a:t>Sono definiti come deceduti tutti coloro che presentavano una data di morte.</a:t>
+              <a:t> sessi sono ben ripartiti. Con 1 abbiamo gli uomini, con 2 le donne.</a:t>
+            </a:r>
+          </a:p>
+          <a:p>
+            <a:r>
+              <a:rPr lang="it-IT" u="none" dirty="0"/>
+              <a:t>Come vediamo</a:t>
+            </a:r>
+            <a:r>
+              <a:rPr lang="it-IT" u="none" baseline="0" dirty="0"/>
+              <a:t> dall’istogramma le età si distribuiscono tendendo alle classi più anziane. </a:t>
+            </a:r>
+          </a:p>
+          <a:p>
+            <a:r>
+              <a:rPr lang="it-IT" u="none" baseline="0" dirty="0"/>
+              <a:t>La media delle età è di 73 anni, mentre la mediana di 76.  Tramite il test di </a:t>
+            </a:r>
+            <a:r>
+              <a:rPr lang="it-IT" u="none" baseline="0" dirty="0" err="1"/>
+              <a:t>Shapiro</a:t>
+            </a:r>
+            <a:r>
+              <a:rPr lang="it-IT" u="none" baseline="0" dirty="0"/>
+              <a:t> </a:t>
+            </a:r>
+            <a:r>
+              <a:rPr lang="it-IT" u="none" baseline="0" dirty="0" err="1"/>
+              <a:t>Willks</a:t>
+            </a:r>
+            <a:r>
+              <a:rPr lang="it-IT" u="none" baseline="0" dirty="0"/>
+              <a:t> viene rifiutata l’ipotesi di normalità con intervalli di confidenza del 99%.</a:t>
             </a:r>
           </a:p>
         </p:txBody>
@@ -1524,6 +1651,7 @@
           <a:p>
             <a:fld id="{BA521C96-A9D3-4B92-95F8-5669AF865DB6}" type="slidenum">
               <a:rPr lang="it-IT" smtClean="0"/>
+              <a:pPr/>
               <a:t>4</a:t>
             </a:fld>
             <a:endParaRPr lang="it-IT"/>
@@ -1533,7 +1661,7 @@
     </p:spTree>
     <p:extLst>
       <p:ext uri="{BB962C8B-B14F-4D97-AF65-F5344CB8AC3E}">
-        <p14:creationId xmlns:p14="http://schemas.microsoft.com/office/powerpoint/2010/main" val="2243630574"/>
+        <p14:creationId xmlns:p14="http://schemas.microsoft.com/office/powerpoint/2010/main" val="678922612"/>
       </p:ext>
     </p:extLst>
   </p:cSld>
@@ -1570,91 +1698,59 @@
             <p:ph type="sldImg"/>
           </p:nvPr>
         </p:nvSpPr>
+        <p:spPr>
+          <a:xfrm>
+            <a:off x="1371600" y="1143000"/>
+            <a:ext cx="4114800" cy="3086100"/>
+          </a:xfrm>
+        </p:spPr>
+      </p:sp>
+      <p:sp>
+        <p:nvSpPr>
+          <p:cNvPr id="3" name="Segnaposto note 2"/>
+          <p:cNvSpPr>
+            <a:spLocks noGrp="1"/>
+          </p:cNvSpPr>
+          <p:nvPr>
+            <p:ph type="body" idx="1"/>
+          </p:nvPr>
+        </p:nvSpPr>
         <p:spPr/>
-      </p:sp>
-      <p:sp>
-        <p:nvSpPr>
-          <p:cNvPr id="3" name="Segnaposto note 2"/>
-          <p:cNvSpPr>
-            <a:spLocks noGrp="1"/>
-          </p:cNvSpPr>
-          <p:nvPr>
-            <p:ph type="body" idx="1"/>
-          </p:nvPr>
-        </p:nvSpPr>
-        <p:spPr/>
         <p:txBody>
           <a:bodyPr/>
           <a:lstStyle/>
           <a:p>
             <a:r>
-              <a:rPr lang="it-IT" dirty="0" err="1"/>
-              <a:t>Linfonode</a:t>
-            </a:r>
-            <a:r>
-              <a:rPr lang="it-IT" baseline="0" dirty="0" err="1"/>
-              <a:t>s</a:t>
+              <a:rPr lang="it-IT" dirty="0"/>
+              <a:t>Più</a:t>
             </a:r>
             <a:r>
               <a:rPr lang="it-IT" baseline="0" dirty="0"/>
-              <a:t> Ratio e Log-</a:t>
-            </a:r>
-            <a:r>
-              <a:rPr lang="it-IT" baseline="0" dirty="0" err="1"/>
-              <a:t>Odds</a:t>
-            </a:r>
-            <a:r>
-              <a:rPr lang="it-IT" baseline="0" dirty="0"/>
-              <a:t> </a:t>
-            </a:r>
-            <a:r>
-              <a:rPr lang="it-IT" baseline="0" dirty="0" err="1"/>
-              <a:t>Linfonodes</a:t>
-            </a:r>
-            <a:endParaRPr lang="it-IT" baseline="0" dirty="0"/>
-          </a:p>
-          <a:p>
-            <a:r>
-              <a:rPr lang="it-IT" dirty="0"/>
-              <a:t>Ogni </a:t>
-            </a:r>
-            <a:r>
-              <a:rPr lang="it-IT" dirty="0" err="1"/>
-              <a:t>varibile</a:t>
-            </a:r>
-            <a:r>
-              <a:rPr lang="it-IT" baseline="0" dirty="0"/>
-              <a:t> presentava tre modalità. La correlazione tra le due </a:t>
-            </a:r>
-            <a:r>
-              <a:rPr lang="it-IT" baseline="0" dirty="0" err="1"/>
-              <a:t>varibili</a:t>
-            </a:r>
-            <a:r>
-              <a:rPr lang="it-IT" baseline="0" dirty="0"/>
-              <a:t> risulta essere di 0.88</a:t>
-            </a:r>
-          </a:p>
-          <a:p>
-            <a:r>
-              <a:rPr lang="it-IT" baseline="0" dirty="0"/>
-              <a:t>Questo perché LODDS è una trasformazione lineare di LNR. </a:t>
-            </a:r>
-          </a:p>
-          <a:p>
-            <a:r>
-              <a:rPr lang="it-IT" baseline="0" dirty="0"/>
-              <a:t>Secondo il </a:t>
-            </a:r>
-            <a:r>
-              <a:rPr lang="it-IT" baseline="0" dirty="0" err="1"/>
-              <a:t>paper</a:t>
-            </a:r>
-            <a:r>
-              <a:rPr lang="it-IT" baseline="0" dirty="0"/>
-              <a:t>:</a:t>
-            </a:r>
-            <a:endParaRPr lang="it-IT" dirty="0"/>
+              <a:t> della metà della popolazione oggetto di studio è deceduta prima della fine dello studio. </a:t>
+            </a:r>
+          </a:p>
+          <a:p>
+            <a:pPr marL="0" marR="0" lvl="0" indent="0" algn="l" defTabSz="914400" rtl="0" eaLnBrk="1" fontAlgn="auto" latinLnBrk="0" hangingPunct="1">
+              <a:lnSpc>
+                <a:spcPct val="100000"/>
+              </a:lnSpc>
+              <a:spcBef>
+                <a:spcPts val="0"/>
+              </a:spcBef>
+              <a:spcAft>
+                <a:spcPts val="0"/>
+              </a:spcAft>
+              <a:buClrTx/>
+              <a:buSzTx/>
+              <a:buFontTx/>
+              <a:buNone/>
+              <a:tabLst/>
+              <a:defRPr/>
+            </a:pPr>
+            <a:r>
+              <a:rPr lang="it-IT" sz="1200" dirty="0"/>
+              <a:t>Sono definiti come deceduti tutti coloro che presentavano una data di morte.</a:t>
+            </a:r>
           </a:p>
         </p:txBody>
       </p:sp>
@@ -1675,7 +1771,8 @@
           <a:p>
             <a:fld id="{BA521C96-A9D3-4B92-95F8-5669AF865DB6}" type="slidenum">
               <a:rPr lang="it-IT" smtClean="0"/>
-              <a:t>6</a:t>
+              <a:pPr/>
+              <a:t>5</a:t>
             </a:fld>
             <a:endParaRPr lang="it-IT"/>
           </a:p>
@@ -1684,7 +1781,7 @@
     </p:spTree>
     <p:extLst>
       <p:ext uri="{BB962C8B-B14F-4D97-AF65-F5344CB8AC3E}">
-        <p14:creationId xmlns:p14="http://schemas.microsoft.com/office/powerpoint/2010/main" val="3513532468"/>
+        <p14:creationId xmlns:p14="http://schemas.microsoft.com/office/powerpoint/2010/main" val="2243630574"/>
       </p:ext>
     </p:extLst>
   </p:cSld>
@@ -1721,38 +1818,94 @@
             <p:ph type="sldImg"/>
           </p:nvPr>
         </p:nvSpPr>
+        <p:spPr>
+          <a:xfrm>
+            <a:off x="1371600" y="1143000"/>
+            <a:ext cx="4114800" cy="3086100"/>
+          </a:xfrm>
+        </p:spPr>
+      </p:sp>
+      <p:sp>
+        <p:nvSpPr>
+          <p:cNvPr id="3" name="Segnaposto note 2"/>
+          <p:cNvSpPr>
+            <a:spLocks noGrp="1"/>
+          </p:cNvSpPr>
+          <p:nvPr>
+            <p:ph type="body" idx="1"/>
+          </p:nvPr>
+        </p:nvSpPr>
         <p:spPr/>
-      </p:sp>
-      <p:sp>
-        <p:nvSpPr>
-          <p:cNvPr id="3" name="Segnaposto note 2"/>
-          <p:cNvSpPr>
-            <a:spLocks noGrp="1"/>
-          </p:cNvSpPr>
-          <p:nvPr>
-            <p:ph type="body" idx="1"/>
-          </p:nvPr>
-        </p:nvSpPr>
-        <p:spPr/>
         <p:txBody>
           <a:bodyPr/>
           <a:lstStyle/>
           <a:p>
             <a:r>
+              <a:rPr lang="it-IT" dirty="0" err="1"/>
+              <a:t>Linfonode</a:t>
+            </a:r>
+            <a:r>
+              <a:rPr lang="it-IT" baseline="0" dirty="0" err="1"/>
+              <a:t>s</a:t>
+            </a:r>
+            <a:r>
+              <a:rPr lang="it-IT" baseline="0" dirty="0"/>
+              <a:t> Ratio e Log-</a:t>
+            </a:r>
+            <a:r>
+              <a:rPr lang="it-IT" baseline="0" dirty="0" err="1"/>
+              <a:t>Odds</a:t>
+            </a:r>
+            <a:r>
+              <a:rPr lang="it-IT" baseline="0" dirty="0"/>
+              <a:t> </a:t>
+            </a:r>
+            <a:r>
+              <a:rPr lang="it-IT" baseline="0" dirty="0" err="1"/>
+              <a:t>Linfonodes</a:t>
+            </a:r>
+            <a:endParaRPr lang="it-IT" baseline="0" dirty="0"/>
+          </a:p>
+          <a:p>
+            <a:r>
               <a:rPr lang="it-IT" dirty="0"/>
-              <a:t>Questa</a:t>
+              <a:t>Ogni </a:t>
+            </a:r>
+            <a:r>
+              <a:rPr lang="it-IT" dirty="0" err="1"/>
+              <a:t>varibile</a:t>
             </a:r>
             <a:r>
               <a:rPr lang="it-IT" baseline="0" dirty="0"/>
-              <a:t> è la funzione di </a:t>
+              <a:t> presentava tre modalità. La correlazione tra le due </a:t>
             </a:r>
             <a:r>
               <a:rPr lang="it-IT" baseline="0" dirty="0" err="1"/>
-              <a:t>sopravvienza</a:t>
+              <a:t>varibili</a:t>
             </a:r>
             <a:r>
               <a:rPr lang="it-IT" baseline="0" dirty="0"/>
-              <a:t> generale.</a:t>
+              <a:t> risulta essere di 0.88</a:t>
+            </a:r>
+          </a:p>
+          <a:p>
+            <a:r>
+              <a:rPr lang="it-IT" baseline="0" dirty="0"/>
+              <a:t>Questo perché LODDS è una trasformazione lineare di LNR. </a:t>
+            </a:r>
+          </a:p>
+          <a:p>
+            <a:r>
+              <a:rPr lang="it-IT" baseline="0" dirty="0"/>
+              <a:t>Secondo il </a:t>
+            </a:r>
+            <a:r>
+              <a:rPr lang="it-IT" baseline="0" dirty="0" err="1"/>
+              <a:t>paper</a:t>
+            </a:r>
+            <a:r>
+              <a:rPr lang="it-IT" baseline="0" dirty="0"/>
+              <a:t>:</a:t>
             </a:r>
             <a:endParaRPr lang="it-IT" dirty="0"/>
           </a:p>
@@ -1775,7 +1928,8 @@
           <a:p>
             <a:fld id="{BA521C96-A9D3-4B92-95F8-5669AF865DB6}" type="slidenum">
               <a:rPr lang="it-IT" smtClean="0"/>
-              <a:t>8</a:t>
+              <a:pPr/>
+              <a:t>7</a:t>
             </a:fld>
             <a:endParaRPr lang="it-IT"/>
           </a:p>
@@ -1784,7 +1938,7 @@
     </p:spTree>
     <p:extLst>
       <p:ext uri="{BB962C8B-B14F-4D97-AF65-F5344CB8AC3E}">
-        <p14:creationId xmlns:p14="http://schemas.microsoft.com/office/powerpoint/2010/main" val="3293549807"/>
+        <p14:creationId xmlns:p14="http://schemas.microsoft.com/office/powerpoint/2010/main" val="3513532468"/>
       </p:ext>
     </p:extLst>
   </p:cSld>
@@ -1821,40 +1975,28 @@
             <p:ph type="sldImg"/>
           </p:nvPr>
         </p:nvSpPr>
+        <p:spPr>
+          <a:xfrm>
+            <a:off x="1371600" y="1143000"/>
+            <a:ext cx="4114800" cy="3086100"/>
+          </a:xfrm>
+        </p:spPr>
+      </p:sp>
+      <p:sp>
+        <p:nvSpPr>
+          <p:cNvPr id="3" name="Segnaposto note 2"/>
+          <p:cNvSpPr>
+            <a:spLocks noGrp="1"/>
+          </p:cNvSpPr>
+          <p:nvPr>
+            <p:ph type="body" idx="1"/>
+          </p:nvPr>
+        </p:nvSpPr>
         <p:spPr/>
-      </p:sp>
-      <p:sp>
-        <p:nvSpPr>
-          <p:cNvPr id="3" name="Segnaposto note 2"/>
-          <p:cNvSpPr>
-            <a:spLocks noGrp="1"/>
-          </p:cNvSpPr>
-          <p:nvPr>
-            <p:ph type="body" idx="1"/>
-          </p:nvPr>
-        </p:nvSpPr>
-        <p:spPr/>
         <p:txBody>
           <a:bodyPr/>
           <a:lstStyle/>
           <a:p>
-            <a:pPr marL="0" marR="0" lvl="0" indent="0" algn="l" defTabSz="914400" rtl="0" eaLnBrk="1" fontAlgn="auto" latinLnBrk="0" hangingPunct="1">
-              <a:lnSpc>
-                <a:spcPct val="100000"/>
-              </a:lnSpc>
-              <a:spcBef>
-                <a:spcPts val="0"/>
-              </a:spcBef>
-              <a:spcAft>
-                <a:spcPts val="0"/>
-              </a:spcAft>
-              <a:buClrTx/>
-              <a:buSzTx/>
-              <a:buFontTx/>
-              <a:buNone/>
-              <a:tabLst/>
-              <a:defRPr/>
-            </a:pPr>
             <a:r>
               <a:rPr lang="it-IT" dirty="0"/>
               <a:t>Questa</a:t>
@@ -1869,34 +2011,8 @@
             </a:r>
             <a:r>
               <a:rPr lang="it-IT" baseline="0" dirty="0"/>
-              <a:t> per quanto riguarda il </a:t>
-            </a:r>
-            <a:r>
-              <a:rPr lang="it-IT" baseline="0" dirty="0" err="1"/>
-              <a:t>disease</a:t>
-            </a:r>
-            <a:r>
-              <a:rPr lang="it-IT" baseline="0" dirty="0"/>
-              <a:t>-free. Ci accorgiamo che sul </a:t>
-            </a:r>
-            <a:r>
-              <a:rPr lang="it-IT" baseline="0" dirty="0" err="1"/>
-              <a:t>disease</a:t>
-            </a:r>
-            <a:r>
-              <a:rPr lang="it-IT" baseline="0" dirty="0"/>
-              <a:t> free la gran parte dei pazienti contrae una ricaduta. </a:t>
-            </a:r>
-            <a:br>
-              <a:rPr lang="it-IT" baseline="0" dirty="0"/>
-            </a:br>
-            <a:r>
-              <a:rPr lang="it-IT" baseline="0" dirty="0"/>
-              <a:t>Inoltre il numero dei censurati è molto minore in questo caso.</a:t>
-            </a:r>
-            <a:endParaRPr lang="it-IT" dirty="0"/>
-          </a:p>
-          <a:p>
+              <a:t> generale.</a:t>
+            </a:r>
             <a:endParaRPr lang="it-IT" dirty="0"/>
           </a:p>
         </p:txBody>
@@ -1918,6 +2034,7 @@
           <a:p>
             <a:fld id="{BA521C96-A9D3-4B92-95F8-5669AF865DB6}" type="slidenum">
               <a:rPr lang="it-IT" smtClean="0"/>
+              <a:pPr/>
               <a:t>9</a:t>
             </a:fld>
             <a:endParaRPr lang="it-IT"/>
@@ -1927,7 +2044,7 @@
     </p:spTree>
     <p:extLst>
       <p:ext uri="{BB962C8B-B14F-4D97-AF65-F5344CB8AC3E}">
-        <p14:creationId xmlns:p14="http://schemas.microsoft.com/office/powerpoint/2010/main" val="446564736"/>
+        <p14:creationId xmlns:p14="http://schemas.microsoft.com/office/powerpoint/2010/main" val="3293549807"/>
       </p:ext>
     </p:extLst>
   </p:cSld>
@@ -1964,22 +2081,86 @@
             <p:ph type="sldImg"/>
           </p:nvPr>
         </p:nvSpPr>
+        <p:spPr>
+          <a:xfrm>
+            <a:off x="1371600" y="1143000"/>
+            <a:ext cx="4114800" cy="3086100"/>
+          </a:xfrm>
+        </p:spPr>
+      </p:sp>
+      <p:sp>
+        <p:nvSpPr>
+          <p:cNvPr id="3" name="Segnaposto note 2"/>
+          <p:cNvSpPr>
+            <a:spLocks noGrp="1"/>
+          </p:cNvSpPr>
+          <p:nvPr>
+            <p:ph type="body" idx="1"/>
+          </p:nvPr>
+        </p:nvSpPr>
         <p:spPr/>
-      </p:sp>
-      <p:sp>
-        <p:nvSpPr>
-          <p:cNvPr id="3" name="Segnaposto note 2"/>
-          <p:cNvSpPr>
-            <a:spLocks noGrp="1"/>
-          </p:cNvSpPr>
-          <p:nvPr>
-            <p:ph type="body" idx="1"/>
-          </p:nvPr>
-        </p:nvSpPr>
-        <p:spPr/>
         <p:txBody>
           <a:bodyPr/>
           <a:lstStyle/>
+          <a:p>
+            <a:pPr marL="0" marR="0" lvl="0" indent="0" algn="l" defTabSz="914400" rtl="0" eaLnBrk="1" fontAlgn="auto" latinLnBrk="0" hangingPunct="1">
+              <a:lnSpc>
+                <a:spcPct val="100000"/>
+              </a:lnSpc>
+              <a:spcBef>
+                <a:spcPts val="0"/>
+              </a:spcBef>
+              <a:spcAft>
+                <a:spcPts val="0"/>
+              </a:spcAft>
+              <a:buClrTx/>
+              <a:buSzTx/>
+              <a:buFontTx/>
+              <a:buNone/>
+              <a:tabLst/>
+              <a:defRPr/>
+            </a:pPr>
+            <a:r>
+              <a:rPr lang="it-IT" dirty="0"/>
+              <a:t>Questa</a:t>
+            </a:r>
+            <a:r>
+              <a:rPr lang="it-IT" baseline="0" dirty="0"/>
+              <a:t> è la funzione di </a:t>
+            </a:r>
+            <a:r>
+              <a:rPr lang="it-IT" baseline="0" dirty="0" err="1"/>
+              <a:t>sopravvienza</a:t>
+            </a:r>
+            <a:r>
+              <a:rPr lang="it-IT" baseline="0" dirty="0"/>
+              <a:t> per quanto riguarda il </a:t>
+            </a:r>
+            <a:r>
+              <a:rPr lang="it-IT" baseline="0" dirty="0" err="1"/>
+              <a:t>disease</a:t>
+            </a:r>
+            <a:r>
+              <a:rPr lang="it-IT" baseline="0" dirty="0"/>
+              <a:t>-free. Ci accorgiamo che sul </a:t>
+            </a:r>
+            <a:r>
+              <a:rPr lang="it-IT" baseline="0" dirty="0" err="1"/>
+              <a:t>disease</a:t>
+            </a:r>
+            <a:r>
+              <a:rPr lang="it-IT" baseline="0" dirty="0"/>
+              <a:t> free la gran parte dei pazienti contrae una ricaduta. </a:t>
+            </a:r>
+            <a:br>
+              <a:rPr lang="it-IT" baseline="0" dirty="0"/>
+            </a:br>
+            <a:r>
+              <a:rPr lang="it-IT" baseline="0" dirty="0"/>
+              <a:t>Inoltre il numero dei censurati è molto minore in questo caso.</a:t>
+            </a:r>
+            <a:endParaRPr lang="it-IT" dirty="0"/>
+          </a:p>
           <a:p>
             <a:endParaRPr lang="it-IT" dirty="0"/>
           </a:p>
@@ -2002,6 +2183,7 @@
           <a:p>
             <a:fld id="{BA521C96-A9D3-4B92-95F8-5669AF865DB6}" type="slidenum">
               <a:rPr lang="it-IT" smtClean="0"/>
+              <a:pPr/>
               <a:t>10</a:t>
             </a:fld>
             <a:endParaRPr lang="it-IT"/>
@@ -2011,7 +2193,7 @@
     </p:spTree>
     <p:extLst>
       <p:ext uri="{BB962C8B-B14F-4D97-AF65-F5344CB8AC3E}">
-        <p14:creationId xmlns:p14="http://schemas.microsoft.com/office/powerpoint/2010/main" val="3407056482"/>
+        <p14:creationId xmlns:p14="http://schemas.microsoft.com/office/powerpoint/2010/main" val="446564736"/>
       </p:ext>
     </p:extLst>
   </p:cSld>
@@ -2048,165 +2230,28 @@
             <p:ph type="sldImg"/>
           </p:nvPr>
         </p:nvSpPr>
+        <p:spPr>
+          <a:xfrm>
+            <a:off x="1371600" y="1143000"/>
+            <a:ext cx="4114800" cy="3086100"/>
+          </a:xfrm>
+        </p:spPr>
+      </p:sp>
+      <p:sp>
+        <p:nvSpPr>
+          <p:cNvPr id="3" name="Segnaposto note 2"/>
+          <p:cNvSpPr>
+            <a:spLocks noGrp="1"/>
+          </p:cNvSpPr>
+          <p:nvPr>
+            <p:ph type="body" idx="1"/>
+          </p:nvPr>
+        </p:nvSpPr>
         <p:spPr/>
-      </p:sp>
-      <p:sp>
-        <p:nvSpPr>
-          <p:cNvPr id="3" name="Segnaposto note 2"/>
-          <p:cNvSpPr>
-            <a:spLocks noGrp="1"/>
-          </p:cNvSpPr>
-          <p:nvPr>
-            <p:ph type="body" idx="1"/>
-          </p:nvPr>
-        </p:nvSpPr>
-        <p:spPr/>
         <p:txBody>
           <a:bodyPr/>
           <a:lstStyle/>
           <a:p>
-            <a:r>
-              <a:rPr lang="it-IT" dirty="0"/>
-              <a:t>Questa è</a:t>
-            </a:r>
-            <a:r>
-              <a:rPr lang="it-IT" baseline="0" dirty="0"/>
-              <a:t> la curva di </a:t>
-            </a:r>
-            <a:r>
-              <a:rPr lang="it-IT" baseline="0" dirty="0" err="1"/>
-              <a:t>sopravvienza</a:t>
-            </a:r>
-            <a:r>
-              <a:rPr lang="it-IT" baseline="0" dirty="0"/>
-              <a:t> per LNR come </a:t>
-            </a:r>
-            <a:r>
-              <a:rPr lang="it-IT" baseline="0" dirty="0" err="1"/>
-              <a:t>covariata</a:t>
-            </a:r>
-            <a:r>
-              <a:rPr lang="it-IT" baseline="0" dirty="0"/>
-              <a:t>. </a:t>
-            </a:r>
-            <a:br>
-              <a:rPr lang="it-IT" baseline="0" dirty="0"/>
-            </a:br>
-            <a:r>
-              <a:rPr lang="it-IT" baseline="0" dirty="0"/>
-              <a:t>Da questo è possibile notare che:</a:t>
-            </a:r>
-          </a:p>
-          <a:p>
-            <a:pPr marL="171450" indent="-171450">
-              <a:buFont typeface="Arial" panose="020B0604020202020204" pitchFamily="34" charset="0"/>
-              <a:buChar char="•"/>
-            </a:pPr>
-            <a:r>
-              <a:rPr lang="it-IT" baseline="0" dirty="0"/>
-              <a:t>I soggetti allo stadio 2 rendono a morire più rapidamente rispetto a quelli dei restanti due gruppi</a:t>
-            </a:r>
-          </a:p>
-          <a:p>
-            <a:pPr marL="171450" indent="-171450">
-              <a:buFont typeface="Arial" panose="020B0604020202020204" pitchFamily="34" charset="0"/>
-              <a:buChar char="•"/>
-            </a:pPr>
-            <a:r>
-              <a:rPr lang="it-IT" baseline="0" dirty="0"/>
-              <a:t>I soggetti allo stadio 0 e 1 non sono significativamente differenti. Lo si vede chiaramente dagli intervalli di confidenza. Lo si nota anche dal modello di </a:t>
-            </a:r>
-            <a:r>
-              <a:rPr lang="it-IT" baseline="0" dirty="0" err="1"/>
-              <a:t>Cox</a:t>
-            </a:r>
-            <a:r>
-              <a:rPr lang="it-IT" baseline="0" dirty="0"/>
-              <a:t> </a:t>
-            </a:r>
-            <a:r>
-              <a:rPr lang="it-IT" baseline="0" dirty="0" err="1"/>
-              <a:t>univariato</a:t>
-            </a:r>
-            <a:r>
-              <a:rPr lang="it-IT" baseline="0" dirty="0"/>
-              <a:t>, che analizzeremo successivamente. </a:t>
-            </a:r>
-          </a:p>
-          <a:p>
-            <a:pPr marL="0" indent="0">
-              <a:buFont typeface="Arial" panose="020B0604020202020204" pitchFamily="34" charset="0"/>
-              <a:buNone/>
-            </a:pPr>
-            <a:endParaRPr lang="it-IT" baseline="0" dirty="0"/>
-          </a:p>
-          <a:p>
-            <a:pPr marL="0" marR="0" lvl="0" indent="0" algn="l" defTabSz="914400" rtl="0" eaLnBrk="1" fontAlgn="auto" latinLnBrk="0" hangingPunct="1">
-              <a:lnSpc>
-                <a:spcPct val="100000"/>
-              </a:lnSpc>
-              <a:spcBef>
-                <a:spcPts val="0"/>
-              </a:spcBef>
-              <a:spcAft>
-                <a:spcPts val="0"/>
-              </a:spcAft>
-              <a:buClrTx/>
-              <a:buSzTx/>
-              <a:buFont typeface="Arial" panose="020B0604020202020204" pitchFamily="34" charset="0"/>
-              <a:buNone/>
-              <a:tabLst/>
-              <a:defRPr/>
-            </a:pPr>
-            <a:r>
-              <a:rPr lang="it-IT" baseline="0" dirty="0"/>
-              <a:t>Rifiutiamo l’ipotesi di uguaglianza tra le curve di sopravvivenza.</a:t>
-            </a:r>
-          </a:p>
-          <a:p>
-            <a:pPr marL="0" indent="0">
-              <a:buFont typeface="Arial" panose="020B0604020202020204" pitchFamily="34" charset="0"/>
-              <a:buNone/>
-            </a:pPr>
-            <a:r>
-              <a:rPr lang="it-IT" dirty="0"/>
-              <a:t>Log </a:t>
-            </a:r>
-            <a:r>
-              <a:rPr lang="it-IT" dirty="0" err="1"/>
-              <a:t>Rank</a:t>
-            </a:r>
-            <a:r>
-              <a:rPr lang="it-IT" dirty="0"/>
-              <a:t> </a:t>
-            </a:r>
-            <a:r>
-              <a:rPr lang="it-IT" dirty="0" err="1"/>
-              <a:t>Tests</a:t>
-            </a:r>
-            <a:r>
-              <a:rPr lang="it-IT" dirty="0"/>
-              <a:t>: </a:t>
-            </a:r>
-            <a:r>
-              <a:rPr lang="it-IT" dirty="0" err="1"/>
-              <a:t>p.value</a:t>
-            </a:r>
-            <a:r>
-              <a:rPr lang="it-IT" baseline="0" dirty="0"/>
-              <a:t> = </a:t>
-            </a:r>
-            <a:r>
-              <a:rPr lang="it-IT" dirty="0"/>
-              <a:t>6.48e-06</a:t>
-            </a:r>
-            <a:endParaRPr lang="it-IT" baseline="0" dirty="0"/>
-          </a:p>
-          <a:p>
-            <a:pPr marL="0" indent="0">
-              <a:buFont typeface="Arial" panose="020B0604020202020204" pitchFamily="34" charset="0"/>
-              <a:buNone/>
-            </a:pPr>
             <a:endParaRPr lang="it-IT" dirty="0"/>
           </a:p>
         </p:txBody>
@@ -2228,6 +2273,7 @@
           <a:p>
             <a:fld id="{BA521C96-A9D3-4B92-95F8-5669AF865DB6}" type="slidenum">
               <a:rPr lang="it-IT" smtClean="0"/>
+              <a:pPr/>
               <a:t>11</a:t>
             </a:fld>
             <a:endParaRPr lang="it-IT"/>
@@ -2237,7 +2283,7 @@
     </p:spTree>
     <p:extLst>
       <p:ext uri="{BB962C8B-B14F-4D97-AF65-F5344CB8AC3E}">
-        <p14:creationId xmlns:p14="http://schemas.microsoft.com/office/powerpoint/2010/main" val="2304519608"/>
+        <p14:creationId xmlns:p14="http://schemas.microsoft.com/office/powerpoint/2010/main" val="3407056482"/>
       </p:ext>
     </p:extLst>
   </p:cSld>
@@ -2274,30 +2320,58 @@
             <p:ph type="sldImg"/>
           </p:nvPr>
         </p:nvSpPr>
+        <p:spPr>
+          <a:xfrm>
+            <a:off x="1371600" y="1143000"/>
+            <a:ext cx="4114800" cy="3086100"/>
+          </a:xfrm>
+        </p:spPr>
+      </p:sp>
+      <p:sp>
+        <p:nvSpPr>
+          <p:cNvPr id="3" name="Segnaposto note 2"/>
+          <p:cNvSpPr>
+            <a:spLocks noGrp="1"/>
+          </p:cNvSpPr>
+          <p:nvPr>
+            <p:ph type="body" idx="1"/>
+          </p:nvPr>
+        </p:nvSpPr>
         <p:spPr/>
-      </p:sp>
-      <p:sp>
-        <p:nvSpPr>
-          <p:cNvPr id="3" name="Segnaposto note 2"/>
-          <p:cNvSpPr>
-            <a:spLocks noGrp="1"/>
-          </p:cNvSpPr>
-          <p:nvPr>
-            <p:ph type="body" idx="1"/>
-          </p:nvPr>
-        </p:nvSpPr>
-        <p:spPr/>
         <p:txBody>
           <a:bodyPr/>
           <a:lstStyle/>
           <a:p>
             <a:r>
               <a:rPr lang="it-IT" dirty="0"/>
-              <a:t>Analogamente</a:t>
+              <a:t>Questa è</a:t>
             </a:r>
             <a:r>
               <a:rPr lang="it-IT" baseline="0" dirty="0"/>
-              <a:t> a quella per LNR anche in quella di LODDS troviamo che:</a:t>
+              <a:t> la curva di </a:t>
+            </a:r>
+            <a:r>
+              <a:rPr lang="it-IT" baseline="0" dirty="0" err="1"/>
+              <a:t>sopravvienza</a:t>
+            </a:r>
+            <a:r>
+              <a:rPr lang="it-IT" baseline="0" dirty="0"/>
+              <a:t> per LNR come </a:t>
+            </a:r>
+            <a:r>
+              <a:rPr lang="it-IT" baseline="0" dirty="0" err="1"/>
+              <a:t>covariata</a:t>
+            </a:r>
+            <a:r>
+              <a:rPr lang="it-IT" baseline="0" dirty="0"/>
+              <a:t>. </a:t>
+            </a:r>
+            <a:br>
+              <a:rPr lang="it-IT" baseline="0" dirty="0"/>
+            </a:br>
+            <a:r>
+              <a:rPr lang="it-IT" baseline="0" dirty="0"/>
+              <a:t>Da questo è possibile notare che:</a:t>
             </a:r>
           </a:p>
           <a:p>
@@ -2317,7 +2391,7 @@
             </a:pPr>
             <a:r>
               <a:rPr lang="it-IT" baseline="0" dirty="0"/>
-              <a:t>I soggetti allo stadio 0 e 1 non sono significativamente differenti. Questo non lo si nota bene negli intervalli di confidenza. Nel modello di </a:t>
+              <a:t>I soggetti allo stadio 0 e 1 non sono significativamente differenti. Lo si vede chiaramente dagli intervalli di confidenza. Lo si nota anche dal modello di </a:t>
             </a:r>
             <a:r>
               <a:rPr lang="it-IT" baseline="0" dirty="0" err="1"/>
@@ -2333,21 +2407,34 @@
             </a:r>
             <a:r>
               <a:rPr lang="it-IT" baseline="0" dirty="0"/>
-              <a:t>, però, il coefficiente relativo alla classe 1 risulta non significativo.</a:t>
-            </a:r>
-          </a:p>
-          <a:p>
-            <a:pPr marL="171450" indent="-171450">
-              <a:buFont typeface="Arial" panose="020B0604020202020204" pitchFamily="34" charset="0"/>
-              <a:buChar char="•"/>
-            </a:pPr>
-            <a:endParaRPr lang="it-IT" baseline="0" dirty="0"/>
+              <a:t>, che analizzeremo successivamente. </a:t>
+            </a:r>
           </a:p>
           <a:p>
             <a:pPr marL="0" indent="0">
               <a:buFont typeface="Arial" panose="020B0604020202020204" pitchFamily="34" charset="0"/>
               <a:buNone/>
             </a:pPr>
+            <a:endParaRPr lang="it-IT" baseline="0" dirty="0"/>
+          </a:p>
+          <a:p>
+            <a:pPr marL="0" marR="0" lvl="0" indent="0" algn="l" defTabSz="914400" rtl="0" eaLnBrk="1" fontAlgn="auto" latinLnBrk="0" hangingPunct="1">
+              <a:lnSpc>
+                <a:spcPct val="100000"/>
+              </a:lnSpc>
+              <a:spcBef>
+                <a:spcPts val="0"/>
+              </a:spcBef>
+              <a:spcAft>
+                <a:spcPts val="0"/>
+              </a:spcAft>
+              <a:buClrTx/>
+              <a:buSzTx/>
+              <a:buFont typeface="Arial" panose="020B0604020202020204" pitchFamily="34" charset="0"/>
+              <a:buNone/>
+              <a:tabLst/>
+              <a:defRPr/>
+            </a:pPr>
             <a:r>
               <a:rPr lang="it-IT" baseline="0" dirty="0"/>
               <a:t>Rifiutiamo l’ipotesi di uguaglianza tra le curve di sopravvivenza.</a:t>
@@ -2359,19 +2446,27 @@
               <a:buNone/>
             </a:pPr>
             <a:r>
-              <a:rPr lang="it-IT" baseline="0" dirty="0"/>
+              <a:rPr lang="it-IT" dirty="0"/>
               <a:t>Log </a:t>
             </a:r>
             <a:r>
-              <a:rPr lang="it-IT" baseline="0" dirty="0" err="1"/>
+              <a:rPr lang="it-IT" dirty="0" err="1"/>
               <a:t>Rank</a:t>
             </a:r>
             <a:r>
-              <a:rPr lang="it-IT" baseline="0" dirty="0"/>
-              <a:t> Test: </a:t>
-            </a:r>
-            <a:r>
-              <a:rPr lang="it-IT" baseline="0" dirty="0" err="1"/>
+              <a:rPr lang="it-IT" dirty="0"/>
+              <a:t> </a:t>
+            </a:r>
+            <a:r>
+              <a:rPr lang="it-IT" dirty="0" err="1"/>
+              <a:t>Tests</a:t>
+            </a:r>
+            <a:r>
+              <a:rPr lang="it-IT" dirty="0"/>
+              <a:t>: </a:t>
+            </a:r>
+            <a:r>
+              <a:rPr lang="it-IT" dirty="0" err="1"/>
               <a:t>p.value</a:t>
             </a:r>
             <a:r>
@@ -2380,9 +2475,16 @@
             </a:r>
             <a:r>
               <a:rPr lang="it-IT" dirty="0"/>
-              <a:t>8.75e-07 </a:t>
+              <a:t>6.48e-06</a:t>
             </a:r>
             <a:endParaRPr lang="it-IT" baseline="0" dirty="0"/>
+          </a:p>
+          <a:p>
+            <a:pPr marL="0" indent="0">
+              <a:buFont typeface="Arial" panose="020B0604020202020204" pitchFamily="34" charset="0"/>
+              <a:buNone/>
+            </a:pPr>
+            <a:endParaRPr lang="it-IT" dirty="0"/>
           </a:p>
         </p:txBody>
       </p:sp>
@@ -2403,6 +2505,7 @@
           <a:p>
             <a:fld id="{BA521C96-A9D3-4B92-95F8-5669AF865DB6}" type="slidenum">
               <a:rPr lang="it-IT" smtClean="0"/>
+              <a:pPr/>
               <a:t>12</a:t>
             </a:fld>
             <a:endParaRPr lang="it-IT"/>
@@ -2412,7 +2515,7 @@
     </p:spTree>
     <p:extLst>
       <p:ext uri="{BB962C8B-B14F-4D97-AF65-F5344CB8AC3E}">
-        <p14:creationId xmlns:p14="http://schemas.microsoft.com/office/powerpoint/2010/main" val="3075789732"/>
+        <p14:creationId xmlns:p14="http://schemas.microsoft.com/office/powerpoint/2010/main" val="2304519608"/>
       </p:ext>
     </p:extLst>
   </p:cSld>
@@ -2449,35 +2552,120 @@
             <p:ph type="sldImg"/>
           </p:nvPr>
         </p:nvSpPr>
+        <p:spPr>
+          <a:xfrm>
+            <a:off x="1371600" y="1143000"/>
+            <a:ext cx="4114800" cy="3086100"/>
+          </a:xfrm>
+        </p:spPr>
+      </p:sp>
+      <p:sp>
+        <p:nvSpPr>
+          <p:cNvPr id="3" name="Segnaposto note 2"/>
+          <p:cNvSpPr>
+            <a:spLocks noGrp="1"/>
+          </p:cNvSpPr>
+          <p:nvPr>
+            <p:ph type="body" idx="1"/>
+          </p:nvPr>
+        </p:nvSpPr>
         <p:spPr/>
-      </p:sp>
-      <p:sp>
-        <p:nvSpPr>
-          <p:cNvPr id="3" name="Segnaposto note 2"/>
-          <p:cNvSpPr>
-            <a:spLocks noGrp="1"/>
-          </p:cNvSpPr>
-          <p:nvPr>
-            <p:ph type="body" idx="1"/>
-          </p:nvPr>
-        </p:nvSpPr>
-        <p:spPr/>
         <p:txBody>
           <a:bodyPr/>
           <a:lstStyle/>
           <a:p>
             <a:r>
-              <a:rPr lang="nn-NO" sz="1200" b="0" i="0" u="none" strike="noStrike" kern="1200" baseline="0" dirty="0">
-                <a:solidFill>
-                  <a:schemeClr val="tx1"/>
-                </a:solidFill>
-                <a:latin typeface="+mn-lt"/>
-                <a:ea typeface="+mn-ea"/>
-                <a:cs typeface="+mn-cs"/>
-              </a:rPr>
-              <a:t>Dallo studio condotto da N. C. Arslan, S. Sokmen vediamo che le curve di sopravvienza per LODDS sono compatibili (le nostre a destra).</a:t>
-            </a:r>
-            <a:endParaRPr lang="it-IT" dirty="0"/>
+              <a:rPr lang="it-IT" dirty="0"/>
+              <a:t>Analogamente</a:t>
+            </a:r>
+            <a:r>
+              <a:rPr lang="it-IT" baseline="0" dirty="0"/>
+              <a:t> a quella per LNR anche in quella di LODDS troviamo che:</a:t>
+            </a:r>
+          </a:p>
+          <a:p>
+            <a:pPr marL="171450" indent="-171450">
+              <a:buFont typeface="Arial" panose="020B0604020202020204" pitchFamily="34" charset="0"/>
+              <a:buChar char="•"/>
+            </a:pPr>
+            <a:r>
+              <a:rPr lang="it-IT" baseline="0" dirty="0"/>
+              <a:t>I soggetti allo stadio 2 rendono a morire più rapidamente rispetto a quelli dei restanti due gruppi</a:t>
+            </a:r>
+          </a:p>
+          <a:p>
+            <a:pPr marL="171450" indent="-171450">
+              <a:buFont typeface="Arial" panose="020B0604020202020204" pitchFamily="34" charset="0"/>
+              <a:buChar char="•"/>
+            </a:pPr>
+            <a:r>
+              <a:rPr lang="it-IT" baseline="0" dirty="0"/>
+              <a:t>I soggetti allo stadio 0 e 1 non sono significativamente differenti. Questo non lo si nota bene negli intervalli di confidenza. Nel modello di </a:t>
+            </a:r>
+            <a:r>
+              <a:rPr lang="it-IT" baseline="0" dirty="0" err="1"/>
+              <a:t>Cox</a:t>
+            </a:r>
+            <a:r>
+              <a:rPr lang="it-IT" baseline="0" dirty="0"/>
+              <a:t> </a:t>
+            </a:r>
+            <a:r>
+              <a:rPr lang="it-IT" baseline="0" dirty="0" err="1"/>
+              <a:t>univariato</a:t>
+            </a:r>
+            <a:r>
+              <a:rPr lang="it-IT" baseline="0" dirty="0"/>
+              <a:t>, però, il coefficiente relativo alla classe 1 risulta non significativo.</a:t>
+            </a:r>
+          </a:p>
+          <a:p>
+            <a:pPr marL="171450" indent="-171450">
+              <a:buFont typeface="Arial" panose="020B0604020202020204" pitchFamily="34" charset="0"/>
+              <a:buChar char="•"/>
+            </a:pPr>
+            <a:endParaRPr lang="it-IT" baseline="0" dirty="0"/>
+          </a:p>
+          <a:p>
+            <a:pPr marL="0" indent="0">
+              <a:buFont typeface="Arial" panose="020B0604020202020204" pitchFamily="34" charset="0"/>
+              <a:buNone/>
+            </a:pPr>
+            <a:r>
+              <a:rPr lang="it-IT" baseline="0" dirty="0"/>
+              <a:t>Rifiutiamo l’ipotesi di uguaglianza tra le curve di sopravvivenza.</a:t>
+            </a:r>
+          </a:p>
+          <a:p>
+            <a:pPr marL="0" indent="0">
+              <a:buFont typeface="Arial" panose="020B0604020202020204" pitchFamily="34" charset="0"/>
+              <a:buNone/>
+            </a:pPr>
+            <a:r>
+              <a:rPr lang="it-IT" baseline="0" dirty="0"/>
+              <a:t>Log </a:t>
+            </a:r>
+            <a:r>
+              <a:rPr lang="it-IT" baseline="0" dirty="0" err="1"/>
+              <a:t>Rank</a:t>
+            </a:r>
+            <a:r>
+              <a:rPr lang="it-IT" baseline="0" dirty="0"/>
+              <a:t> Test: </a:t>
+            </a:r>
+            <a:r>
+              <a:rPr lang="it-IT" baseline="0" dirty="0" err="1"/>
+              <a:t>p.value</a:t>
+            </a:r>
+            <a:r>
+              <a:rPr lang="it-IT" baseline="0" dirty="0"/>
+              <a:t> = </a:t>
+            </a:r>
+            <a:r>
+              <a:rPr lang="it-IT" dirty="0"/>
+              <a:t>8.75e-07 </a:t>
+            </a:r>
+            <a:endParaRPr lang="it-IT" baseline="0" dirty="0"/>
           </a:p>
         </p:txBody>
       </p:sp>
@@ -2498,6 +2686,7 @@
           <a:p>
             <a:fld id="{BA521C96-A9D3-4B92-95F8-5669AF865DB6}" type="slidenum">
               <a:rPr lang="it-IT" smtClean="0"/>
+              <a:pPr/>
               <a:t>13</a:t>
             </a:fld>
             <a:endParaRPr lang="it-IT"/>
@@ -2507,7 +2696,7 @@
     </p:spTree>
     <p:extLst>
       <p:ext uri="{BB962C8B-B14F-4D97-AF65-F5344CB8AC3E}">
-        <p14:creationId xmlns:p14="http://schemas.microsoft.com/office/powerpoint/2010/main" val="95015995"/>
+        <p14:creationId xmlns:p14="http://schemas.microsoft.com/office/powerpoint/2010/main" val="3075789732"/>
       </p:ext>
     </p:extLst>
   </p:cSld>
@@ -2542,8 +2731,8 @@
         </p:nvSpPr>
         <p:spPr>
           <a:xfrm>
-            <a:off x="3175" y="6400800"/>
-            <a:ext cx="12188825" cy="457200"/>
+            <a:off x="2382" y="6400800"/>
+            <a:ext cx="9141619" cy="457200"/>
           </a:xfrm>
           <a:prstGeom prst="rect">
             <a:avLst/>
@@ -2580,8 +2769,8 @@
         </p:nvSpPr>
         <p:spPr>
           <a:xfrm>
-            <a:off x="15" y="6334316"/>
-            <a:ext cx="12188825" cy="64008"/>
+            <a:off x="12" y="6334316"/>
+            <a:ext cx="9141619" cy="64008"/>
           </a:xfrm>
           <a:prstGeom prst="rect">
             <a:avLst/>
@@ -2622,8 +2811,8 @@
         </p:nvSpPr>
         <p:spPr>
           <a:xfrm>
-            <a:off x="1097280" y="758952"/>
-            <a:ext cx="10058400" cy="3566160"/>
+            <a:off x="822960" y="758952"/>
+            <a:ext cx="7543800" cy="3566160"/>
           </a:xfrm>
         </p:spPr>
         <p:txBody>
@@ -2666,8 +2855,8 @@
         </p:nvSpPr>
         <p:spPr>
           <a:xfrm>
-            <a:off x="1100051" y="4455620"/>
-            <a:ext cx="10058400" cy="1143000"/>
+            <a:off x="825038" y="4455621"/>
+            <a:ext cx="7543800" cy="1143000"/>
           </a:xfrm>
         </p:spPr>
         <p:txBody>
@@ -2743,7 +2932,8 @@
           <a:p>
             <a:fld id="{A2A5EAEC-CBB0-449A-A9CE-5377B44B413C}" type="datetimeFigureOut">
               <a:rPr lang="it-IT" smtClean="0"/>
-              <a:t>09/05/2017</a:t>
+              <a:pPr/>
+              <a:t>18/05/2017</a:t>
             </a:fld>
             <a:endParaRPr lang="it-IT"/>
           </a:p>
@@ -2785,6 +2975,7 @@
           <a:p>
             <a:fld id="{FF879D2D-011F-4B02-BDBC-C569BD16F7CC}" type="slidenum">
               <a:rPr lang="it-IT" smtClean="0"/>
+              <a:pPr/>
               <a:t>‹N›</a:t>
             </a:fld>
             <a:endParaRPr lang="it-IT"/>
@@ -2799,8 +2990,8 @@
         </p:nvCxnSpPr>
         <p:spPr>
           <a:xfrm>
-            <a:off x="1207658" y="4343400"/>
-            <a:ext cx="9875520" cy="0"/>
+            <a:off x="905744" y="4343400"/>
+            <a:ext cx="7406640" cy="0"/>
           </a:xfrm>
           <a:prstGeom prst="line">
             <a:avLst/>
@@ -2832,7 +3023,7 @@
     </p:spTree>
     <p:extLst>
       <p:ext uri="{BB962C8B-B14F-4D97-AF65-F5344CB8AC3E}">
-        <p14:creationId xmlns:p14="http://schemas.microsoft.com/office/powerpoint/2010/main" val="2106712323"/>
+        <p14:creationId xmlns:p14="http://schemas.microsoft.com/office/powerpoint/2010/main" val="2135147766"/>
       </p:ext>
     </p:extLst>
   </p:cSld>
@@ -2900,7 +3091,7 @@
             <a:pPr lvl="0"/>
             <a:r>
               <a:rPr lang="it-IT"/>
-              <a:t>Modifica gli stili del testo dello schema</a:t>
+              <a:t>Fare clic per modificare stili del testo dello schema</a:t>
             </a:r>
           </a:p>
           <a:p>
@@ -2951,7 +3142,8 @@
           <a:p>
             <a:fld id="{A2A5EAEC-CBB0-449A-A9CE-5377B44B413C}" type="datetimeFigureOut">
               <a:rPr lang="it-IT" smtClean="0"/>
-              <a:t>09/05/2017</a:t>
+              <a:pPr/>
+              <a:t>18/05/2017</a:t>
             </a:fld>
             <a:endParaRPr lang="it-IT"/>
           </a:p>
@@ -2993,6 +3185,7 @@
           <a:p>
             <a:fld id="{FF879D2D-011F-4B02-BDBC-C569BD16F7CC}" type="slidenum">
               <a:rPr lang="it-IT" smtClean="0"/>
+              <a:pPr/>
               <a:t>‹N›</a:t>
             </a:fld>
             <a:endParaRPr lang="it-IT"/>
@@ -3002,7 +3195,7 @@
     </p:spTree>
     <p:extLst>
       <p:ext uri="{BB962C8B-B14F-4D97-AF65-F5344CB8AC3E}">
-        <p14:creationId xmlns:p14="http://schemas.microsoft.com/office/powerpoint/2010/main" val="540612758"/>
+        <p14:creationId xmlns:p14="http://schemas.microsoft.com/office/powerpoint/2010/main" val="2316407847"/>
       </p:ext>
     </p:extLst>
   </p:cSld>
@@ -3037,8 +3230,8 @@
         </p:nvSpPr>
         <p:spPr>
           <a:xfrm>
-            <a:off x="3175" y="6400800"/>
-            <a:ext cx="12188825" cy="457200"/>
+            <a:off x="2382" y="6400800"/>
+            <a:ext cx="9141619" cy="457200"/>
           </a:xfrm>
           <a:prstGeom prst="rect">
             <a:avLst/>
@@ -3075,8 +3268,8 @@
         </p:nvSpPr>
         <p:spPr>
           <a:xfrm>
-            <a:off x="15" y="6334316"/>
-            <a:ext cx="12188825" cy="64008"/>
+            <a:off x="12" y="6334316"/>
+            <a:ext cx="9141619" cy="64008"/>
           </a:xfrm>
           <a:prstGeom prst="rect">
             <a:avLst/>
@@ -3117,8 +3310,8 @@
         </p:nvSpPr>
         <p:spPr>
           <a:xfrm>
-            <a:off x="8724900" y="414778"/>
-            <a:ext cx="2628900" cy="5757421"/>
+            <a:off x="6543675" y="414779"/>
+            <a:ext cx="1971675" cy="5757421"/>
           </a:xfrm>
         </p:spPr>
         <p:txBody>
@@ -3145,8 +3338,8 @@
         </p:nvSpPr>
         <p:spPr>
           <a:xfrm>
-            <a:off x="838200" y="414778"/>
-            <a:ext cx="7734300" cy="5757422"/>
+            <a:off x="628650" y="414779"/>
+            <a:ext cx="5800725" cy="5757420"/>
           </a:xfrm>
         </p:spPr>
         <p:txBody>
@@ -3156,7 +3349,7 @@
             <a:pPr lvl="0"/>
             <a:r>
               <a:rPr lang="it-IT"/>
-              <a:t>Modifica gli stili del testo dello schema</a:t>
+              <a:t>Fare clic per modificare stili del testo dello schema</a:t>
             </a:r>
           </a:p>
           <a:p>
@@ -3207,7 +3400,8 @@
           <a:p>
             <a:fld id="{A2A5EAEC-CBB0-449A-A9CE-5377B44B413C}" type="datetimeFigureOut">
               <a:rPr lang="it-IT" smtClean="0"/>
-              <a:t>09/05/2017</a:t>
+              <a:pPr/>
+              <a:t>18/05/2017</a:t>
             </a:fld>
             <a:endParaRPr lang="it-IT"/>
           </a:p>
@@ -3249,6 +3443,7 @@
           <a:p>
             <a:fld id="{FF879D2D-011F-4B02-BDBC-C569BD16F7CC}" type="slidenum">
               <a:rPr lang="it-IT" smtClean="0"/>
+              <a:pPr/>
               <a:t>‹N›</a:t>
             </a:fld>
             <a:endParaRPr lang="it-IT"/>
@@ -3258,7 +3453,7 @@
     </p:spTree>
     <p:extLst>
       <p:ext uri="{BB962C8B-B14F-4D97-AF65-F5344CB8AC3E}">
-        <p14:creationId xmlns:p14="http://schemas.microsoft.com/office/powerpoint/2010/main" val="3315579244"/>
+        <p14:creationId xmlns:p14="http://schemas.microsoft.com/office/powerpoint/2010/main" val="2614561066"/>
       </p:ext>
     </p:extLst>
   </p:cSld>
@@ -3298,11 +3493,7 @@
         <p:spPr/>
         <p:txBody>
           <a:bodyPr/>
-          <a:lstStyle>
-            <a:lvl1pPr marL="0">
-              <a:defRPr/>
-            </a:lvl1pPr>
-          </a:lstStyle>
+          <a:lstStyle/>
           <a:p>
             <a:r>
               <a:rPr lang="it-IT"/>
@@ -3330,7 +3521,7 @@
             <a:pPr lvl="0"/>
             <a:r>
               <a:rPr lang="it-IT"/>
-              <a:t>Modifica gli stili del testo dello schema</a:t>
+              <a:t>Fare clic per modificare stili del testo dello schema</a:t>
             </a:r>
           </a:p>
           <a:p>
@@ -3381,7 +3572,8 @@
           <a:p>
             <a:fld id="{A2A5EAEC-CBB0-449A-A9CE-5377B44B413C}" type="datetimeFigureOut">
               <a:rPr lang="it-IT" smtClean="0"/>
-              <a:t>09/05/2017</a:t>
+              <a:pPr/>
+              <a:t>18/05/2017</a:t>
             </a:fld>
             <a:endParaRPr lang="it-IT"/>
           </a:p>
@@ -3423,6 +3615,7 @@
           <a:p>
             <a:fld id="{FF879D2D-011F-4B02-BDBC-C569BD16F7CC}" type="slidenum">
               <a:rPr lang="it-IT" smtClean="0"/>
+              <a:pPr/>
               <a:t>‹N›</a:t>
             </a:fld>
             <a:endParaRPr lang="it-IT"/>
@@ -3432,7 +3625,7 @@
     </p:spTree>
     <p:extLst>
       <p:ext uri="{BB962C8B-B14F-4D97-AF65-F5344CB8AC3E}">
-        <p14:creationId xmlns:p14="http://schemas.microsoft.com/office/powerpoint/2010/main" val="2392831626"/>
+        <p14:creationId xmlns:p14="http://schemas.microsoft.com/office/powerpoint/2010/main" val="3496035822"/>
       </p:ext>
     </p:extLst>
   </p:cSld>
@@ -3475,8 +3668,8 @@
         </p:nvSpPr>
         <p:spPr>
           <a:xfrm>
-            <a:off x="3175" y="6400800"/>
-            <a:ext cx="12188825" cy="457200"/>
+            <a:off x="2382" y="6400800"/>
+            <a:ext cx="9141619" cy="457200"/>
           </a:xfrm>
           <a:prstGeom prst="rect">
             <a:avLst/>
@@ -3513,8 +3706,8 @@
         </p:nvSpPr>
         <p:spPr>
           <a:xfrm>
-            <a:off x="15" y="6334316"/>
-            <a:ext cx="12188825" cy="64008"/>
+            <a:off x="12" y="6334316"/>
+            <a:ext cx="9141619" cy="64008"/>
           </a:xfrm>
           <a:prstGeom prst="rect">
             <a:avLst/>
@@ -3555,8 +3748,8 @@
         </p:nvSpPr>
         <p:spPr>
           <a:xfrm>
-            <a:off x="1097280" y="758952"/>
-            <a:ext cx="10058400" cy="3566160"/>
+            <a:off x="822960" y="758952"/>
+            <a:ext cx="7543800" cy="3566160"/>
           </a:xfrm>
         </p:spPr>
         <p:txBody>
@@ -3599,8 +3792,8 @@
         </p:nvSpPr>
         <p:spPr>
           <a:xfrm>
-            <a:off x="1097280" y="4453128"/>
-            <a:ext cx="10058400" cy="1143000"/>
+            <a:off x="822960" y="4453128"/>
+            <a:ext cx="7543800" cy="1143000"/>
           </a:xfrm>
         </p:spPr>
         <p:txBody>
@@ -3702,7 +3895,7 @@
             <a:pPr lvl="0"/>
             <a:r>
               <a:rPr lang="it-IT"/>
-              <a:t>Modifica gli stili del testo dello schema</a:t>
+              <a:t>Fare clic per modificare stili del testo dello schema</a:t>
             </a:r>
           </a:p>
         </p:txBody>
@@ -3724,7 +3917,8 @@
           <a:p>
             <a:fld id="{A2A5EAEC-CBB0-449A-A9CE-5377B44B413C}" type="datetimeFigureOut">
               <a:rPr lang="it-IT" smtClean="0"/>
-              <a:t>09/05/2017</a:t>
+              <a:pPr/>
+              <a:t>18/05/2017</a:t>
             </a:fld>
             <a:endParaRPr lang="it-IT"/>
           </a:p>
@@ -3766,6 +3960,7 @@
           <a:p>
             <a:fld id="{FF879D2D-011F-4B02-BDBC-C569BD16F7CC}" type="slidenum">
               <a:rPr lang="it-IT" smtClean="0"/>
+              <a:pPr/>
               <a:t>‹N›</a:t>
             </a:fld>
             <a:endParaRPr lang="it-IT"/>
@@ -3780,8 +3975,8 @@
         </p:nvCxnSpPr>
         <p:spPr>
           <a:xfrm>
-            <a:off x="1207658" y="4343400"/>
-            <a:ext cx="9875520" cy="0"/>
+            <a:off x="905744" y="4343400"/>
+            <a:ext cx="7406640" cy="0"/>
           </a:xfrm>
           <a:prstGeom prst="line">
             <a:avLst/>
@@ -3813,7 +4008,7 @@
     </p:spTree>
     <p:extLst>
       <p:ext uri="{BB962C8B-B14F-4D97-AF65-F5344CB8AC3E}">
-        <p14:creationId xmlns:p14="http://schemas.microsoft.com/office/powerpoint/2010/main" val="2915597211"/>
+        <p14:creationId xmlns:p14="http://schemas.microsoft.com/office/powerpoint/2010/main" val="1820735458"/>
       </p:ext>
     </p:extLst>
   </p:cSld>
@@ -3852,8 +4047,8 @@
         </p:nvSpPr>
         <p:spPr>
           <a:xfrm>
-            <a:off x="1097280" y="286603"/>
-            <a:ext cx="10058400" cy="1450757"/>
+            <a:off x="822960" y="286604"/>
+            <a:ext cx="7543800" cy="1450757"/>
           </a:xfrm>
         </p:spPr>
         <p:txBody>
@@ -3880,8 +4075,8 @@
         </p:nvSpPr>
         <p:spPr>
           <a:xfrm>
-            <a:off x="1097279" y="1845734"/>
-            <a:ext cx="4937760" cy="4023360"/>
+            <a:off x="822960" y="1845734"/>
+            <a:ext cx="3703320" cy="4023360"/>
           </a:xfrm>
         </p:spPr>
         <p:txBody>
@@ -3891,7 +4086,7 @@
             <a:pPr lvl="0"/>
             <a:r>
               <a:rPr lang="it-IT"/>
-              <a:t>Modifica gli stili del testo dello schema</a:t>
+              <a:t>Fare clic per modificare stili del testo dello schema</a:t>
             </a:r>
           </a:p>
           <a:p>
@@ -3937,8 +4132,8 @@
         </p:nvSpPr>
         <p:spPr>
           <a:xfrm>
-            <a:off x="6217920" y="1845735"/>
-            <a:ext cx="4937760" cy="4023360"/>
+            <a:off x="4663440" y="1845736"/>
+            <a:ext cx="3703320" cy="4023359"/>
           </a:xfrm>
         </p:spPr>
         <p:txBody>
@@ -3948,7 +4143,7 @@
             <a:pPr lvl="0"/>
             <a:r>
               <a:rPr lang="it-IT"/>
-              <a:t>Modifica gli stili del testo dello schema</a:t>
+              <a:t>Fare clic per modificare stili del testo dello schema</a:t>
             </a:r>
           </a:p>
           <a:p>
@@ -3999,7 +4194,8 @@
           <a:p>
             <a:fld id="{A2A5EAEC-CBB0-449A-A9CE-5377B44B413C}" type="datetimeFigureOut">
               <a:rPr lang="it-IT" smtClean="0"/>
-              <a:t>09/05/2017</a:t>
+              <a:pPr/>
+              <a:t>18/05/2017</a:t>
             </a:fld>
             <a:endParaRPr lang="it-IT"/>
           </a:p>
@@ -4041,6 +4237,7 @@
           <a:p>
             <a:fld id="{FF879D2D-011F-4B02-BDBC-C569BD16F7CC}" type="slidenum">
               <a:rPr lang="it-IT" smtClean="0"/>
+              <a:pPr/>
               <a:t>‹N›</a:t>
             </a:fld>
             <a:endParaRPr lang="it-IT"/>
@@ -4050,7 +4247,7 @@
     </p:spTree>
     <p:extLst>
       <p:ext uri="{BB962C8B-B14F-4D97-AF65-F5344CB8AC3E}">
-        <p14:creationId xmlns:p14="http://schemas.microsoft.com/office/powerpoint/2010/main" val="215321538"/>
+        <p14:creationId xmlns:p14="http://schemas.microsoft.com/office/powerpoint/2010/main" val="1214258520"/>
       </p:ext>
     </p:extLst>
   </p:cSld>
@@ -4089,8 +4286,8 @@
         </p:nvSpPr>
         <p:spPr>
           <a:xfrm>
-            <a:off x="1097280" y="286603"/>
-            <a:ext cx="10058400" cy="1450757"/>
+            <a:off x="822960" y="286604"/>
+            <a:ext cx="7543800" cy="1450757"/>
           </a:xfrm>
         </p:spPr>
         <p:txBody>
@@ -4117,8 +4314,8 @@
         </p:nvSpPr>
         <p:spPr>
           <a:xfrm>
-            <a:off x="1097280" y="1846052"/>
-            <a:ext cx="4937760" cy="736282"/>
+            <a:off x="822960" y="1846052"/>
+            <a:ext cx="3703320" cy="736282"/>
           </a:xfrm>
         </p:spPr>
         <p:txBody>
@@ -4171,7 +4368,7 @@
             <a:pPr lvl="0"/>
             <a:r>
               <a:rPr lang="it-IT"/>
-              <a:t>Modifica gli stili del testo dello schema</a:t>
+              <a:t>Fare clic per modificare stili del testo dello schema</a:t>
             </a:r>
           </a:p>
         </p:txBody>
@@ -4188,8 +4385,8 @@
         </p:nvSpPr>
         <p:spPr>
           <a:xfrm>
-            <a:off x="1097280" y="2582334"/>
-            <a:ext cx="4937760" cy="3378200"/>
+            <a:off x="822960" y="2582334"/>
+            <a:ext cx="3703320" cy="3286760"/>
           </a:xfrm>
         </p:spPr>
         <p:txBody>
@@ -4199,7 +4396,7 @@
             <a:pPr lvl="0"/>
             <a:r>
               <a:rPr lang="it-IT"/>
-              <a:t>Modifica gli stili del testo dello schema</a:t>
+              <a:t>Fare clic per modificare stili del testo dello schema</a:t>
             </a:r>
           </a:p>
           <a:p>
@@ -4245,8 +4442,8 @@
         </p:nvSpPr>
         <p:spPr>
           <a:xfrm>
-            <a:off x="6217920" y="1846052"/>
-            <a:ext cx="4937760" cy="736282"/>
+            <a:off x="4663440" y="1846052"/>
+            <a:ext cx="3703320" cy="736282"/>
           </a:xfrm>
         </p:spPr>
         <p:txBody>
@@ -4299,7 +4496,7 @@
             <a:pPr lvl="0"/>
             <a:r>
               <a:rPr lang="it-IT"/>
-              <a:t>Modifica gli stili del testo dello schema</a:t>
+              <a:t>Fare clic per modificare stili del testo dello schema</a:t>
             </a:r>
           </a:p>
         </p:txBody>
@@ -4316,8 +4513,8 @@
         </p:nvSpPr>
         <p:spPr>
           <a:xfrm>
-            <a:off x="6217920" y="2582334"/>
-            <a:ext cx="4937760" cy="3378200"/>
+            <a:off x="4663440" y="2582334"/>
+            <a:ext cx="3703320" cy="3286760"/>
           </a:xfrm>
         </p:spPr>
         <p:txBody>
@@ -4327,7 +4524,7 @@
             <a:pPr lvl="0"/>
             <a:r>
               <a:rPr lang="it-IT"/>
-              <a:t>Modifica gli stili del testo dello schema</a:t>
+              <a:t>Fare clic per modificare stili del testo dello schema</a:t>
             </a:r>
           </a:p>
           <a:p>
@@ -4378,7 +4575,8 @@
           <a:p>
             <a:fld id="{A2A5EAEC-CBB0-449A-A9CE-5377B44B413C}" type="datetimeFigureOut">
               <a:rPr lang="it-IT" smtClean="0"/>
-              <a:t>09/05/2017</a:t>
+              <a:pPr/>
+              <a:t>18/05/2017</a:t>
             </a:fld>
             <a:endParaRPr lang="it-IT"/>
           </a:p>
@@ -4420,6 +4618,7 @@
           <a:p>
             <a:fld id="{FF879D2D-011F-4B02-BDBC-C569BD16F7CC}" type="slidenum">
               <a:rPr lang="it-IT" smtClean="0"/>
+              <a:pPr/>
               <a:t>‹N›</a:t>
             </a:fld>
             <a:endParaRPr lang="it-IT"/>
@@ -4429,7 +4628,7 @@
     </p:spTree>
     <p:extLst>
       <p:ext uri="{BB962C8B-B14F-4D97-AF65-F5344CB8AC3E}">
-        <p14:creationId xmlns:p14="http://schemas.microsoft.com/office/powerpoint/2010/main" val="593959708"/>
+        <p14:creationId xmlns:p14="http://schemas.microsoft.com/office/powerpoint/2010/main" val="4067193584"/>
       </p:ext>
     </p:extLst>
   </p:cSld>
@@ -4496,7 +4695,8 @@
           <a:p>
             <a:fld id="{A2A5EAEC-CBB0-449A-A9CE-5377B44B413C}" type="datetimeFigureOut">
               <a:rPr lang="it-IT" smtClean="0"/>
-              <a:t>09/05/2017</a:t>
+              <a:pPr/>
+              <a:t>18/05/2017</a:t>
             </a:fld>
             <a:endParaRPr lang="it-IT"/>
           </a:p>
@@ -4538,6 +4738,7 @@
           <a:p>
             <a:fld id="{FF879D2D-011F-4B02-BDBC-C569BD16F7CC}" type="slidenum">
               <a:rPr lang="it-IT" smtClean="0"/>
+              <a:pPr/>
               <a:t>‹N›</a:t>
             </a:fld>
             <a:endParaRPr lang="it-IT"/>
@@ -4547,7 +4748,7 @@
     </p:spTree>
     <p:extLst>
       <p:ext uri="{BB962C8B-B14F-4D97-AF65-F5344CB8AC3E}">
-        <p14:creationId xmlns:p14="http://schemas.microsoft.com/office/powerpoint/2010/main" val="1921762644"/>
+        <p14:creationId xmlns:p14="http://schemas.microsoft.com/office/powerpoint/2010/main" val="4140707210"/>
       </p:ext>
     </p:extLst>
   </p:cSld>
@@ -4582,8 +4783,8 @@
         </p:nvSpPr>
         <p:spPr>
           <a:xfrm>
-            <a:off x="3175" y="6400800"/>
-            <a:ext cx="12188825" cy="457200"/>
+            <a:off x="2382" y="6400800"/>
+            <a:ext cx="9141619" cy="457200"/>
           </a:xfrm>
           <a:prstGeom prst="rect">
             <a:avLst/>
@@ -4620,8 +4821,8 @@
         </p:nvSpPr>
         <p:spPr>
           <a:xfrm>
-            <a:off x="15" y="6334316"/>
-            <a:ext cx="12188825" cy="64008"/>
+            <a:off x="12" y="6334316"/>
+            <a:ext cx="9141619" cy="64008"/>
           </a:xfrm>
           <a:prstGeom prst="rect">
             <a:avLst/>
@@ -4667,7 +4868,8 @@
           <a:p>
             <a:fld id="{A2A5EAEC-CBB0-449A-A9CE-5377B44B413C}" type="datetimeFigureOut">
               <a:rPr lang="it-IT" smtClean="0"/>
-              <a:t>09/05/2017</a:t>
+              <a:pPr/>
+              <a:t>18/05/2017</a:t>
             </a:fld>
             <a:endParaRPr lang="it-IT"/>
           </a:p>
@@ -4717,6 +4919,7 @@
           <a:p>
             <a:fld id="{FF879D2D-011F-4B02-BDBC-C569BD16F7CC}" type="slidenum">
               <a:rPr lang="it-IT" smtClean="0"/>
+              <a:pPr/>
               <a:t>‹N›</a:t>
             </a:fld>
             <a:endParaRPr lang="it-IT"/>
@@ -4726,7 +4929,7 @@
     </p:spTree>
     <p:extLst>
       <p:ext uri="{BB962C8B-B14F-4D97-AF65-F5344CB8AC3E}">
-        <p14:creationId xmlns:p14="http://schemas.microsoft.com/office/powerpoint/2010/main" val="1086767098"/>
+        <p14:creationId xmlns:p14="http://schemas.microsoft.com/office/powerpoint/2010/main" val="2320916157"/>
       </p:ext>
     </p:extLst>
   </p:cSld>
@@ -4761,8 +4964,8 @@
         </p:nvSpPr>
         <p:spPr>
           <a:xfrm>
-            <a:off x="16" y="0"/>
-            <a:ext cx="4050791" cy="6858000"/>
+            <a:off x="13" y="0"/>
+            <a:ext cx="3038093" cy="6858000"/>
           </a:xfrm>
           <a:prstGeom prst="rect">
             <a:avLst/>
@@ -4799,8 +5002,8 @@
         </p:nvSpPr>
         <p:spPr>
           <a:xfrm>
-            <a:off x="4040071" y="0"/>
-            <a:ext cx="64008" cy="6858000"/>
+            <a:off x="3030053" y="0"/>
+            <a:ext cx="48006" cy="6858000"/>
           </a:xfrm>
           <a:prstGeom prst="rect">
             <a:avLst/>
@@ -4841,8 +5044,8 @@
         </p:nvSpPr>
         <p:spPr>
           <a:xfrm>
-            <a:off x="457200" y="594359"/>
-            <a:ext cx="3200400" cy="2286000"/>
+            <a:off x="342900" y="594359"/>
+            <a:ext cx="2400300" cy="2286000"/>
           </a:xfrm>
         </p:spPr>
         <p:txBody>
@@ -4879,8 +5082,8 @@
         </p:nvSpPr>
         <p:spPr>
           <a:xfrm>
-            <a:off x="4800600" y="731520"/>
-            <a:ext cx="6492240" cy="5257800"/>
+            <a:off x="3460237" y="731520"/>
+            <a:ext cx="5009393" cy="5257800"/>
           </a:xfrm>
         </p:spPr>
         <p:txBody>
@@ -4890,7 +5093,7 @@
             <a:pPr lvl="0"/>
             <a:r>
               <a:rPr lang="it-IT"/>
-              <a:t>Modifica gli stili del testo dello schema</a:t>
+              <a:t>Fare clic per modificare stili del testo dello schema</a:t>
             </a:r>
           </a:p>
           <a:p>
@@ -4936,8 +5139,8 @@
         </p:nvSpPr>
         <p:spPr>
           <a:xfrm>
-            <a:off x="457200" y="2926080"/>
-            <a:ext cx="3200400" cy="3379124"/>
+            <a:off x="342900" y="2926080"/>
+            <a:ext cx="2400300" cy="3379124"/>
           </a:xfrm>
         </p:spPr>
         <p:txBody>
@@ -4990,7 +5193,7 @@
             <a:pPr lvl="0"/>
             <a:r>
               <a:rPr lang="it-IT"/>
-              <a:t>Modifica gli stili del testo dello schema</a:t>
+              <a:t>Fare clic per modificare stili del testo dello schema</a:t>
             </a:r>
           </a:p>
         </p:txBody>
@@ -5007,8 +5210,8 @@
         </p:nvSpPr>
         <p:spPr>
           <a:xfrm>
-            <a:off x="465512" y="6459785"/>
-            <a:ext cx="2618510" cy="365125"/>
+            <a:off x="349134" y="6459786"/>
+            <a:ext cx="1963883" cy="365125"/>
           </a:xfrm>
         </p:spPr>
         <p:txBody>
@@ -5021,7 +5224,8 @@
           <a:p>
             <a:fld id="{A2A5EAEC-CBB0-449A-A9CE-5377B44B413C}" type="datetimeFigureOut">
               <a:rPr lang="it-IT" smtClean="0"/>
-              <a:t>09/05/2017</a:t>
+              <a:pPr/>
+              <a:t>18/05/2017</a:t>
             </a:fld>
             <a:endParaRPr lang="it-IT"/>
           </a:p>
@@ -5039,8 +5243,8 @@
         </p:nvSpPr>
         <p:spPr>
           <a:xfrm>
-            <a:off x="4800600" y="6459785"/>
-            <a:ext cx="4648200" cy="365125"/>
+            <a:off x="3600450" y="6459786"/>
+            <a:ext cx="3486150" cy="365125"/>
           </a:xfrm>
         </p:spPr>
         <p:txBody>
@@ -5084,6 +5288,7 @@
           <a:p>
             <a:fld id="{FF879D2D-011F-4B02-BDBC-C569BD16F7CC}" type="slidenum">
               <a:rPr lang="it-IT" smtClean="0"/>
+              <a:pPr/>
               <a:t>‹N›</a:t>
             </a:fld>
             <a:endParaRPr lang="it-IT"/>
@@ -5093,7 +5298,7 @@
     </p:spTree>
     <p:extLst>
       <p:ext uri="{BB962C8B-B14F-4D97-AF65-F5344CB8AC3E}">
-        <p14:creationId xmlns:p14="http://schemas.microsoft.com/office/powerpoint/2010/main" val="1674212787"/>
+        <p14:creationId xmlns:p14="http://schemas.microsoft.com/office/powerpoint/2010/main" val="2997462945"/>
       </p:ext>
     </p:extLst>
   </p:cSld>
@@ -5129,7 +5334,7 @@
         <p:spPr>
           <a:xfrm>
             <a:off x="0" y="4953000"/>
-            <a:ext cx="12188825" cy="1905000"/>
+            <a:ext cx="9141619" cy="1905000"/>
           </a:xfrm>
           <a:prstGeom prst="rect">
             <a:avLst/>
@@ -5166,8 +5371,8 @@
         </p:nvSpPr>
         <p:spPr>
           <a:xfrm>
-            <a:off x="15" y="4915076"/>
-            <a:ext cx="12188825" cy="64008"/>
+            <a:off x="12" y="4915076"/>
+            <a:ext cx="9141619" cy="64008"/>
           </a:xfrm>
           <a:prstGeom prst="rect">
             <a:avLst/>
@@ -5208,12 +5413,12 @@
         </p:nvSpPr>
         <p:spPr>
           <a:xfrm>
-            <a:off x="1097280" y="5074920"/>
-            <a:ext cx="10113264" cy="822960"/>
-          </a:xfrm>
-        </p:spPr>
-        <p:txBody>
-          <a:bodyPr lIns="91440" tIns="0" rIns="91440" bIns="0" anchor="b">
+            <a:off x="822960" y="5074920"/>
+            <a:ext cx="7589520" cy="822960"/>
+          </a:xfrm>
+        </p:spPr>
+        <p:txBody>
+          <a:bodyPr tIns="0" bIns="0" anchor="b">
             <a:noAutofit/>
           </a:bodyPr>
           <a:lstStyle>
@@ -5246,11 +5451,11 @@
         </p:nvSpPr>
         <p:spPr>
           <a:xfrm>
-            <a:off x="15" y="0"/>
-            <a:ext cx="12191985" cy="4915076"/>
+            <a:off x="12" y="0"/>
+            <a:ext cx="9143989" cy="4915076"/>
           </a:xfrm>
           <a:blipFill>
-            <a:blip r:embed="rId2"/>
+            <a:blip r:embed="rId2" cstate="print"/>
             <a:stretch>
               <a:fillRect/>
             </a:stretch>
@@ -5321,8 +5526,8 @@
         </p:nvSpPr>
         <p:spPr>
           <a:xfrm>
-            <a:off x="1097280" y="5907023"/>
-            <a:ext cx="10113264" cy="594360"/>
+            <a:off x="822959" y="5907024"/>
+            <a:ext cx="7589520" cy="594360"/>
           </a:xfrm>
         </p:spPr>
         <p:txBody>
@@ -5381,7 +5586,7 @@
             <a:pPr lvl="0"/>
             <a:r>
               <a:rPr lang="it-IT"/>
-              <a:t>Modifica gli stili del testo dello schema</a:t>
+              <a:t>Fare clic per modificare stili del testo dello schema</a:t>
             </a:r>
           </a:p>
         </p:txBody>
@@ -5403,7 +5608,8 @@
           <a:p>
             <a:fld id="{A2A5EAEC-CBB0-449A-A9CE-5377B44B413C}" type="datetimeFigureOut">
               <a:rPr lang="it-IT" smtClean="0"/>
-              <a:t>09/05/2017</a:t>
+              <a:pPr/>
+              <a:t>18/05/2017</a:t>
             </a:fld>
             <a:endParaRPr lang="it-IT"/>
           </a:p>
@@ -5445,6 +5651,7 @@
           <a:p>
             <a:fld id="{FF879D2D-011F-4B02-BDBC-C569BD16F7CC}" type="slidenum">
               <a:rPr lang="it-IT" smtClean="0"/>
+              <a:pPr/>
               <a:t>‹N›</a:t>
             </a:fld>
             <a:endParaRPr lang="it-IT"/>
@@ -5454,7 +5661,7 @@
     </p:spTree>
     <p:extLst>
       <p:ext uri="{BB962C8B-B14F-4D97-AF65-F5344CB8AC3E}">
-        <p14:creationId xmlns:p14="http://schemas.microsoft.com/office/powerpoint/2010/main" val="3882887067"/>
+        <p14:creationId xmlns:p14="http://schemas.microsoft.com/office/powerpoint/2010/main" val="1153235501"/>
       </p:ext>
     </p:extLst>
   </p:cSld>
@@ -5494,8 +5701,8 @@
         </p:nvSpPr>
         <p:spPr>
           <a:xfrm>
-            <a:off x="1" y="6400800"/>
-            <a:ext cx="12192000" cy="457200"/>
+            <a:off x="0" y="6400800"/>
+            <a:ext cx="9144001" cy="457200"/>
           </a:xfrm>
           <a:prstGeom prst="rect">
             <a:avLst/>
@@ -5532,8 +5739,8 @@
         </p:nvSpPr>
         <p:spPr>
           <a:xfrm>
-            <a:off x="0" y="6334316"/>
-            <a:ext cx="12192001" cy="65998"/>
+            <a:off x="0" y="6334315"/>
+            <a:ext cx="9144001" cy="65999"/>
           </a:xfrm>
           <a:prstGeom prst="rect">
             <a:avLst/>
@@ -5574,8 +5781,8 @@
         </p:nvSpPr>
         <p:spPr>
           <a:xfrm>
-            <a:off x="1097280" y="286603"/>
-            <a:ext cx="10058400" cy="1450757"/>
+            <a:off x="822960" y="286604"/>
+            <a:ext cx="7543800" cy="1450757"/>
           </a:xfrm>
           <a:prstGeom prst="rect">
             <a:avLst/>
@@ -5607,8 +5814,8 @@
         </p:nvSpPr>
         <p:spPr>
           <a:xfrm>
-            <a:off x="1097280" y="1845734"/>
-            <a:ext cx="10058400" cy="4023360"/>
+            <a:off x="822959" y="1845734"/>
+            <a:ext cx="7543801" cy="4023360"/>
           </a:xfrm>
           <a:prstGeom prst="rect">
             <a:avLst/>
@@ -5623,7 +5830,7 @@
             <a:pPr lvl="0"/>
             <a:r>
               <a:rPr lang="it-IT"/>
-              <a:t>Modifica gli stili del testo dello schema</a:t>
+              <a:t>Fare clic per modificare stili del testo dello schema</a:t>
             </a:r>
           </a:p>
           <a:p>
@@ -5669,8 +5876,8 @@
         </p:nvSpPr>
         <p:spPr>
           <a:xfrm>
-            <a:off x="1097280" y="6459785"/>
-            <a:ext cx="2472271" cy="365125"/>
+            <a:off x="822961" y="6459786"/>
+            <a:ext cx="1854203" cy="365125"/>
           </a:xfrm>
           <a:prstGeom prst="rect">
             <a:avLst/>
@@ -5690,7 +5897,8 @@
           <a:p>
             <a:fld id="{A2A5EAEC-CBB0-449A-A9CE-5377B44B413C}" type="datetimeFigureOut">
               <a:rPr lang="it-IT" smtClean="0"/>
-              <a:t>09/05/2017</a:t>
+              <a:pPr/>
+              <a:t>18/05/2017</a:t>
             </a:fld>
             <a:endParaRPr lang="it-IT"/>
           </a:p>
@@ -5708,8 +5916,8 @@
         </p:nvSpPr>
         <p:spPr>
           <a:xfrm>
-            <a:off x="3686185" y="6459785"/>
-            <a:ext cx="4822804" cy="365125"/>
+            <a:off x="2764639" y="6459786"/>
+            <a:ext cx="3617103" cy="365125"/>
           </a:xfrm>
           <a:prstGeom prst="rect">
             <a:avLst/>
@@ -5743,8 +5951,8 @@
         </p:nvSpPr>
         <p:spPr>
           <a:xfrm>
-            <a:off x="9900458" y="6459785"/>
-            <a:ext cx="1312025" cy="365125"/>
+            <a:off x="7425344" y="6459786"/>
+            <a:ext cx="984019" cy="365125"/>
           </a:xfrm>
           <a:prstGeom prst="rect">
             <a:avLst/>
@@ -5764,6 +5972,7 @@
           <a:p>
             <a:fld id="{FF879D2D-011F-4B02-BDBC-C569BD16F7CC}" type="slidenum">
               <a:rPr lang="it-IT" smtClean="0"/>
+              <a:pPr/>
               <a:t>‹N›</a:t>
             </a:fld>
             <a:endParaRPr lang="it-IT"/>
@@ -5778,8 +5987,8 @@
         </p:nvCxnSpPr>
         <p:spPr>
           <a:xfrm>
-            <a:off x="1193532" y="1737845"/>
-            <a:ext cx="9966960" cy="0"/>
+            <a:off x="895149" y="1737845"/>
+            <a:ext cx="7475220" cy="0"/>
           </a:xfrm>
           <a:prstGeom prst="line">
             <a:avLst/>
@@ -5811,23 +6020,23 @@
     </p:spTree>
     <p:extLst>
       <p:ext uri="{BB962C8B-B14F-4D97-AF65-F5344CB8AC3E}">
-        <p14:creationId xmlns:p14="http://schemas.microsoft.com/office/powerpoint/2010/main" val="3319642992"/>
+        <p14:creationId xmlns:p14="http://schemas.microsoft.com/office/powerpoint/2010/main" val="3296625275"/>
       </p:ext>
     </p:extLst>
   </p:cSld>
   <p:clrMap bg1="lt1" tx1="dk1" bg2="lt2" tx2="dk2" accent1="accent1" accent2="accent2" accent3="accent3" accent4="accent4" accent5="accent5" accent6="accent6" hlink="hlink" folHlink="folHlink"/>
   <p:sldLayoutIdLst>
-    <p:sldLayoutId id="2147483733" r:id="rId1"/>
-    <p:sldLayoutId id="2147483734" r:id="rId2"/>
-    <p:sldLayoutId id="2147483735" r:id="rId3"/>
-    <p:sldLayoutId id="2147483736" r:id="rId4"/>
-    <p:sldLayoutId id="2147483737" r:id="rId5"/>
-    <p:sldLayoutId id="2147483738" r:id="rId6"/>
-    <p:sldLayoutId id="2147483739" r:id="rId7"/>
-    <p:sldLayoutId id="2147483740" r:id="rId8"/>
-    <p:sldLayoutId id="2147483741" r:id="rId9"/>
-    <p:sldLayoutId id="2147483742" r:id="rId10"/>
-    <p:sldLayoutId id="2147483743" r:id="rId11"/>
+    <p:sldLayoutId id="2147483745" r:id="rId1"/>
+    <p:sldLayoutId id="2147483746" r:id="rId2"/>
+    <p:sldLayoutId id="2147483747" r:id="rId3"/>
+    <p:sldLayoutId id="2147483748" r:id="rId4"/>
+    <p:sldLayoutId id="2147483749" r:id="rId5"/>
+    <p:sldLayoutId id="2147483750" r:id="rId6"/>
+    <p:sldLayoutId id="2147483751" r:id="rId7"/>
+    <p:sldLayoutId id="2147483752" r:id="rId8"/>
+    <p:sldLayoutId id="2147483753" r:id="rId9"/>
+    <p:sldLayoutId id="2147483754" r:id="rId10"/>
+    <p:sldLayoutId id="2147483755" r:id="rId11"/>
   </p:sldLayoutIdLst>
   <p:txStyles>
     <p:titleStyle>
@@ -6226,18 +6435,18 @@
         </p:nvSpPr>
         <p:spPr>
           <a:xfrm>
-            <a:off x="975360" y="1865742"/>
-            <a:ext cx="10180320" cy="2459370"/>
+            <a:off x="578734" y="1865742"/>
+            <a:ext cx="8275899" cy="2459371"/>
           </a:xfrm>
         </p:spPr>
         <p:txBody>
           <a:bodyPr>
-            <a:normAutofit fontScale="90000"/>
+            <a:normAutofit/>
           </a:bodyPr>
           <a:lstStyle/>
           <a:p>
             <a:r>
-              <a:rPr lang="it-IT" dirty="0"/>
+              <a:rPr lang="it-IT" sz="5400" dirty="0"/>
               <a:t>Analisi della sopravvivenza per il cancro al colon</a:t>
             </a:r>
           </a:p>
@@ -6274,7 +6483,7 @@
           <p:nvPr/>
         </p:nvPicPr>
         <p:blipFill>
-          <a:blip r:embed="rId2">
+          <a:blip r:embed="rId2" cstate="print">
             <a:extLst>
               <a:ext uri="{28A0092B-C50C-407E-A947-70E740481C1C}">
                 <a14:useLocalDpi xmlns:a14="http://schemas.microsoft.com/office/drawing/2010/main" val="0"/>
@@ -6287,7 +6496,7 @@
         </p:blipFill>
         <p:spPr>
           <a:xfrm>
-            <a:off x="3423993" y="169931"/>
+            <a:off x="1992592" y="433108"/>
             <a:ext cx="1707389" cy="1698852"/>
           </a:xfrm>
           <a:prstGeom prst="rect">
@@ -6303,7 +6512,7 @@
         </p:nvSpPr>
         <p:spPr>
           <a:xfrm>
-            <a:off x="5389114" y="172971"/>
+            <a:off x="3957712" y="436149"/>
             <a:ext cx="4114172" cy="1692771"/>
           </a:xfrm>
           <a:prstGeom prst="rect">
@@ -6390,74 +6599,24 @@
           <a:chExt cx="0" cy="0"/>
         </a:xfrm>
       </p:grpSpPr>
-      <p:sp>
-        <p:nvSpPr>
-          <p:cNvPr id="2" name="Titolo 1"/>
-          <p:cNvSpPr>
-            <a:spLocks noGrp="1"/>
-          </p:cNvSpPr>
-          <p:nvPr>
-            <p:ph type="title"/>
-          </p:nvPr>
-        </p:nvSpPr>
-        <p:spPr/>
-        <p:txBody>
-          <a:bodyPr/>
-          <a:lstStyle/>
-          <a:p>
-            <a:r>
-              <a:rPr lang="it-IT" dirty="0"/>
-              <a:t>Confronto funzioni cumulative di rischio</a:t>
-            </a:r>
-          </a:p>
-        </p:txBody>
-      </p:sp>
       <p:pic>
         <p:nvPicPr>
-          <p:cNvPr id="5" name="Segnaposto contenuto 4"/>
+          <p:cNvPr id="2" name="Immagine 1"/>
           <p:cNvPicPr>
-            <a:picLocks noGrp="1" noChangeAspect="1"/>
+            <a:picLocks noChangeAspect="1"/>
           </p:cNvPicPr>
-          <p:nvPr>
-            <p:ph sz="half" idx="1"/>
-          </p:nvPr>
+          <p:nvPr/>
         </p:nvPicPr>
         <p:blipFill>
-          <a:blip r:embed="rId3"/>
+          <a:blip r:embed="rId3" cstate="print"/>
           <a:stretch>
             <a:fillRect/>
           </a:stretch>
         </p:blipFill>
         <p:spPr>
           <a:xfrm>
-            <a:off x="1097280" y="1846262"/>
-            <a:ext cx="4900671" cy="4450365"/>
-          </a:xfrm>
-          <a:prstGeom prst="rect">
-            <a:avLst/>
-          </a:prstGeom>
-        </p:spPr>
-      </p:pic>
-      <p:pic>
-        <p:nvPicPr>
-          <p:cNvPr id="6" name="Segnaposto contenuto 5"/>
-          <p:cNvPicPr>
-            <a:picLocks noGrp="1" noChangeAspect="1"/>
-          </p:cNvPicPr>
-          <p:nvPr>
-            <p:ph sz="half" idx="2"/>
-          </p:nvPr>
-        </p:nvPicPr>
-        <p:blipFill>
-          <a:blip r:embed="rId4"/>
-          <a:stretch>
-            <a:fillRect/>
-          </a:stretch>
-        </p:blipFill>
-        <p:spPr>
-          <a:xfrm>
-            <a:off x="6255009" y="1846263"/>
-            <a:ext cx="4900671" cy="4450365"/>
+            <a:off x="0" y="658471"/>
+            <a:ext cx="9062977" cy="4961037"/>
           </a:xfrm>
           <a:prstGeom prst="rect">
             <a:avLst/>
@@ -6467,7 +6626,7 @@
     </p:spTree>
     <p:extLst>
       <p:ext uri="{BB962C8B-B14F-4D97-AF65-F5344CB8AC3E}">
-        <p14:creationId xmlns:p14="http://schemas.microsoft.com/office/powerpoint/2010/main" val="239332255"/>
+        <p14:creationId xmlns:p14="http://schemas.microsoft.com/office/powerpoint/2010/main" val="4050836725"/>
       </p:ext>
     </p:extLst>
   </p:cSld>
@@ -6494,24 +6653,74 @@
           <a:chExt cx="0" cy="0"/>
         </a:xfrm>
       </p:grpSpPr>
+      <p:sp>
+        <p:nvSpPr>
+          <p:cNvPr id="2" name="Titolo 1"/>
+          <p:cNvSpPr>
+            <a:spLocks noGrp="1"/>
+          </p:cNvSpPr>
+          <p:nvPr>
+            <p:ph type="title"/>
+          </p:nvPr>
+        </p:nvSpPr>
+        <p:spPr/>
+        <p:txBody>
+          <a:bodyPr/>
+          <a:lstStyle/>
+          <a:p>
+            <a:r>
+              <a:rPr lang="it-IT" dirty="0"/>
+              <a:t>Confronto funzioni cumulative di rischio</a:t>
+            </a:r>
+          </a:p>
+        </p:txBody>
+      </p:sp>
       <p:pic>
         <p:nvPicPr>
-          <p:cNvPr id="4" name="Immagine 3"/>
+          <p:cNvPr id="5" name="Segnaposto contenuto 4"/>
           <p:cNvPicPr>
-            <a:picLocks noChangeAspect="1"/>
+            <a:picLocks noGrp="1" noChangeAspect="1"/>
           </p:cNvPicPr>
-          <p:nvPr/>
+          <p:nvPr>
+            <p:ph sz="half" idx="1"/>
+          </p:nvPr>
         </p:nvPicPr>
         <p:blipFill>
-          <a:blip r:embed="rId3"/>
+          <a:blip r:embed="rId3" cstate="print"/>
           <a:stretch>
             <a:fillRect/>
           </a:stretch>
         </p:blipFill>
         <p:spPr>
           <a:xfrm>
-            <a:off x="498216" y="0"/>
-            <a:ext cx="11354260" cy="6215275"/>
+            <a:off x="344027" y="2176685"/>
+            <a:ext cx="3944731" cy="3582263"/>
+          </a:xfrm>
+          <a:prstGeom prst="rect">
+            <a:avLst/>
+          </a:prstGeom>
+        </p:spPr>
+      </p:pic>
+      <p:pic>
+        <p:nvPicPr>
+          <p:cNvPr id="6" name="Segnaposto contenuto 5"/>
+          <p:cNvPicPr>
+            <a:picLocks noGrp="1" noChangeAspect="1"/>
+          </p:cNvPicPr>
+          <p:nvPr>
+            <p:ph sz="half" idx="2"/>
+          </p:nvPr>
+        </p:nvPicPr>
+        <p:blipFill>
+          <a:blip r:embed="rId4" cstate="print"/>
+          <a:stretch>
+            <a:fillRect/>
+          </a:stretch>
+        </p:blipFill>
+        <p:spPr>
+          <a:xfrm>
+            <a:off x="4664075" y="2176684"/>
+            <a:ext cx="3944732" cy="3582263"/>
           </a:xfrm>
           <a:prstGeom prst="rect">
             <a:avLst/>
@@ -6521,7 +6730,7 @@
     </p:spTree>
     <p:extLst>
       <p:ext uri="{BB962C8B-B14F-4D97-AF65-F5344CB8AC3E}">
-        <p14:creationId xmlns:p14="http://schemas.microsoft.com/office/powerpoint/2010/main" val="81786864"/>
+        <p14:creationId xmlns:p14="http://schemas.microsoft.com/office/powerpoint/2010/main" val="239332255"/>
       </p:ext>
     </p:extLst>
   </p:cSld>
@@ -6550,22 +6759,22 @@
       </p:grpSpPr>
       <p:pic>
         <p:nvPicPr>
-          <p:cNvPr id="3" name="Immagine 2"/>
+          <p:cNvPr id="4" name="Immagine 3"/>
           <p:cNvPicPr>
             <a:picLocks noChangeAspect="1"/>
           </p:cNvPicPr>
           <p:nvPr/>
         </p:nvPicPr>
         <p:blipFill>
-          <a:blip r:embed="rId3"/>
+          <a:blip r:embed="rId3" cstate="print"/>
           <a:stretch>
             <a:fillRect/>
           </a:stretch>
         </p:blipFill>
         <p:spPr>
           <a:xfrm>
-            <a:off x="346388" y="0"/>
-            <a:ext cx="11526138" cy="6309360"/>
+            <a:off x="0" y="561511"/>
+            <a:ext cx="9062978" cy="4961037"/>
           </a:xfrm>
           <a:prstGeom prst="rect">
             <a:avLst/>
@@ -6575,7 +6784,7 @@
     </p:spTree>
     <p:extLst>
       <p:ext uri="{BB962C8B-B14F-4D97-AF65-F5344CB8AC3E}">
-        <p14:creationId xmlns:p14="http://schemas.microsoft.com/office/powerpoint/2010/main" val="3598981869"/>
+        <p14:creationId xmlns:p14="http://schemas.microsoft.com/office/powerpoint/2010/main" val="81786864"/>
       </p:ext>
     </p:extLst>
   </p:cSld>
@@ -6604,46 +6813,22 @@
       </p:grpSpPr>
       <p:pic>
         <p:nvPicPr>
-          <p:cNvPr id="9" name="Immagine 8"/>
+          <p:cNvPr id="3" name="Immagine 2"/>
           <p:cNvPicPr>
             <a:picLocks noChangeAspect="1"/>
           </p:cNvPicPr>
           <p:nvPr/>
         </p:nvPicPr>
         <p:blipFill>
-          <a:blip r:embed="rId3"/>
+          <a:blip r:embed="rId3" cstate="print"/>
           <a:stretch>
             <a:fillRect/>
           </a:stretch>
         </p:blipFill>
         <p:spPr>
           <a:xfrm>
-            <a:off x="307411" y="349324"/>
-            <a:ext cx="6056776" cy="5727385"/>
-          </a:xfrm>
-          <a:prstGeom prst="rect">
-            <a:avLst/>
-          </a:prstGeom>
-        </p:spPr>
-      </p:pic>
-      <p:pic>
-        <p:nvPicPr>
-          <p:cNvPr id="16" name="Immagine 15"/>
-          <p:cNvPicPr>
-            <a:picLocks noChangeAspect="1"/>
-          </p:cNvPicPr>
-          <p:nvPr/>
-        </p:nvPicPr>
-        <p:blipFill>
-          <a:blip r:embed="rId4"/>
-          <a:stretch>
-            <a:fillRect/>
-          </a:stretch>
-        </p:blipFill>
-        <p:spPr>
-          <a:xfrm>
-            <a:off x="6410943" y="452382"/>
-            <a:ext cx="5465499" cy="5389019"/>
+            <a:off x="0" y="644620"/>
+            <a:ext cx="9120003" cy="4992251"/>
           </a:xfrm>
           <a:prstGeom prst="rect">
             <a:avLst/>
@@ -6653,7 +6838,7 @@
     </p:spTree>
     <p:extLst>
       <p:ext uri="{BB962C8B-B14F-4D97-AF65-F5344CB8AC3E}">
-        <p14:creationId xmlns:p14="http://schemas.microsoft.com/office/powerpoint/2010/main" val="4203211960"/>
+        <p14:creationId xmlns:p14="http://schemas.microsoft.com/office/powerpoint/2010/main" val="3598981869"/>
       </p:ext>
     </p:extLst>
   </p:cSld>
@@ -6682,22 +6867,22 @@
       </p:grpSpPr>
       <p:pic>
         <p:nvPicPr>
-          <p:cNvPr id="2" name="Immagine 1"/>
+          <p:cNvPr id="9" name="Immagine 8"/>
           <p:cNvPicPr>
             <a:picLocks noChangeAspect="1"/>
           </p:cNvPicPr>
           <p:nvPr/>
         </p:nvPicPr>
         <p:blipFill>
-          <a:blip r:embed="rId3"/>
+          <a:blip r:embed="rId3" cstate="print"/>
           <a:stretch>
             <a:fillRect/>
           </a:stretch>
         </p:blipFill>
         <p:spPr>
           <a:xfrm>
-            <a:off x="279924" y="501340"/>
-            <a:ext cx="5701329" cy="5512185"/>
+            <a:off x="32137" y="851501"/>
+            <a:ext cx="4854808" cy="4590784"/>
           </a:xfrm>
           <a:prstGeom prst="rect">
             <a:avLst/>
@@ -6706,22 +6891,22 @@
       </p:pic>
       <p:pic>
         <p:nvPicPr>
-          <p:cNvPr id="3" name="Immagine 2"/>
+          <p:cNvPr id="16" name="Immagine 15"/>
           <p:cNvPicPr>
             <a:picLocks noChangeAspect="1"/>
           </p:cNvPicPr>
           <p:nvPr/>
         </p:nvPicPr>
         <p:blipFill>
-          <a:blip r:embed="rId4"/>
+          <a:blip r:embed="rId4" cstate="print"/>
           <a:stretch>
             <a:fillRect/>
           </a:stretch>
         </p:blipFill>
         <p:spPr>
           <a:xfrm>
-            <a:off x="6435730" y="501340"/>
-            <a:ext cx="5481310" cy="5404608"/>
+            <a:off x="4886945" y="1048150"/>
+            <a:ext cx="4257055" cy="4197485"/>
           </a:xfrm>
           <a:prstGeom prst="rect">
             <a:avLst/>
@@ -6731,7 +6916,7 @@
     </p:spTree>
     <p:extLst>
       <p:ext uri="{BB962C8B-B14F-4D97-AF65-F5344CB8AC3E}">
-        <p14:creationId xmlns:p14="http://schemas.microsoft.com/office/powerpoint/2010/main" val="2042401429"/>
+        <p14:creationId xmlns:p14="http://schemas.microsoft.com/office/powerpoint/2010/main" val="4203211960"/>
       </p:ext>
     </p:extLst>
   </p:cSld>
@@ -6767,15 +6952,15 @@
           <p:nvPr/>
         </p:nvPicPr>
         <p:blipFill>
-          <a:blip r:embed="rId3"/>
+          <a:blip r:embed="rId3" cstate="print"/>
           <a:stretch>
             <a:fillRect/>
           </a:stretch>
         </p:blipFill>
         <p:spPr>
           <a:xfrm>
-            <a:off x="0" y="124233"/>
-            <a:ext cx="6156103" cy="6069958"/>
+            <a:off x="104172" y="1069717"/>
+            <a:ext cx="4414300" cy="4267854"/>
           </a:xfrm>
           <a:prstGeom prst="rect">
             <a:avLst/>
@@ -6791,15 +6976,15 @@
           <p:nvPr/>
         </p:nvPicPr>
         <p:blipFill>
-          <a:blip r:embed="rId4"/>
+          <a:blip r:embed="rId4" cstate="print"/>
           <a:stretch>
             <a:fillRect/>
           </a:stretch>
         </p:blipFill>
         <p:spPr>
           <a:xfrm>
-            <a:off x="6070862" y="180397"/>
-            <a:ext cx="6121138" cy="6035482"/>
+            <a:off x="4861524" y="1069717"/>
+            <a:ext cx="4172893" cy="4114500"/>
           </a:xfrm>
           <a:prstGeom prst="rect">
             <a:avLst/>
@@ -6809,7 +6994,7 @@
     </p:spTree>
     <p:extLst>
       <p:ext uri="{BB962C8B-B14F-4D97-AF65-F5344CB8AC3E}">
-        <p14:creationId xmlns:p14="http://schemas.microsoft.com/office/powerpoint/2010/main" val="3185911874"/>
+        <p14:creationId xmlns:p14="http://schemas.microsoft.com/office/powerpoint/2010/main" val="2042401429"/>
       </p:ext>
     </p:extLst>
   </p:cSld>
@@ -6836,48 +7021,48 @@
           <a:chExt cx="0" cy="0"/>
         </a:xfrm>
       </p:grpSpPr>
-      <p:sp>
-        <p:nvSpPr>
-          <p:cNvPr id="2" name="Titolo 1"/>
-          <p:cNvSpPr>
-            <a:spLocks noGrp="1"/>
-          </p:cNvSpPr>
-          <p:nvPr>
-            <p:ph type="title"/>
-          </p:nvPr>
-        </p:nvSpPr>
-        <p:spPr/>
-        <p:txBody>
-          <a:bodyPr/>
-          <a:lstStyle/>
-          <a:p>
-            <a:r>
-              <a:rPr lang="it-IT" dirty="0"/>
-              <a:t>Ipotesi di rischi proporzionali</a:t>
-            </a:r>
-          </a:p>
-        </p:txBody>
-      </p:sp>
       <p:pic>
         <p:nvPicPr>
-          <p:cNvPr id="4" name="Segnaposto contenuto 3"/>
+          <p:cNvPr id="2" name="Immagine 1"/>
           <p:cNvPicPr>
-            <a:picLocks noGrp="1" noChangeAspect="1"/>
+            <a:picLocks noChangeAspect="1"/>
           </p:cNvPicPr>
-          <p:nvPr>
-            <p:ph idx="1"/>
-          </p:nvPr>
+          <p:nvPr/>
         </p:nvPicPr>
         <p:blipFill>
-          <a:blip r:embed="rId3"/>
+          <a:blip r:embed="rId3" cstate="print"/>
           <a:stretch>
             <a:fillRect/>
           </a:stretch>
         </p:blipFill>
         <p:spPr>
           <a:xfrm>
-            <a:off x="2074601" y="1865117"/>
-            <a:ext cx="8103758" cy="4435963"/>
+            <a:off x="0" y="914501"/>
+            <a:ext cx="4632093" cy="4567275"/>
+          </a:xfrm>
+          <a:prstGeom prst="rect">
+            <a:avLst/>
+          </a:prstGeom>
+        </p:spPr>
+      </p:pic>
+      <p:pic>
+        <p:nvPicPr>
+          <p:cNvPr id="3" name="Immagine 2"/>
+          <p:cNvPicPr>
+            <a:picLocks noChangeAspect="1"/>
+          </p:cNvPicPr>
+          <p:nvPr/>
+        </p:nvPicPr>
+        <p:blipFill>
+          <a:blip r:embed="rId4" cstate="print"/>
+          <a:stretch>
+            <a:fillRect/>
+          </a:stretch>
+        </p:blipFill>
+        <p:spPr>
+          <a:xfrm>
+            <a:off x="4632093" y="973753"/>
+            <a:ext cx="4511907" cy="4448770"/>
           </a:xfrm>
           <a:prstGeom prst="rect">
             <a:avLst/>
@@ -6887,7 +7072,7 @@
     </p:spTree>
     <p:extLst>
       <p:ext uri="{BB962C8B-B14F-4D97-AF65-F5344CB8AC3E}">
-        <p14:creationId xmlns:p14="http://schemas.microsoft.com/office/powerpoint/2010/main" val="220282012"/>
+        <p14:creationId xmlns:p14="http://schemas.microsoft.com/office/powerpoint/2010/main" val="3185911874"/>
       </p:ext>
     </p:extLst>
   </p:cSld>
@@ -6931,200 +7116,41 @@
           <a:p>
             <a:r>
               <a:rPr lang="it-IT" dirty="0"/>
-              <a:t>Modelli di </a:t>
-            </a:r>
-            <a:r>
-              <a:rPr lang="it-IT" dirty="0" err="1"/>
-              <a:t>Cox</a:t>
-            </a:r>
-            <a:r>
-              <a:rPr lang="it-IT" dirty="0"/>
-              <a:t> </a:t>
-            </a:r>
-            <a:r>
-              <a:rPr lang="it-IT" dirty="0" err="1"/>
-              <a:t>univariati</a:t>
-            </a:r>
-            <a:endParaRPr lang="it-IT" dirty="0"/>
-          </a:p>
-        </p:txBody>
-      </p:sp>
-      <p:cxnSp>
-        <p:nvCxnSpPr>
-          <p:cNvPr id="11" name="Connettore diritto 10"/>
-          <p:cNvCxnSpPr/>
-          <p:nvPr/>
-        </p:nvCxnSpPr>
-        <p:spPr>
-          <a:xfrm>
-            <a:off x="6038540" y="2185295"/>
-            <a:ext cx="0" cy="3242820"/>
-          </a:xfrm>
-          <a:prstGeom prst="line">
-            <a:avLst/>
-          </a:prstGeom>
-        </p:spPr>
-        <p:style>
-          <a:lnRef idx="1">
-            <a:schemeClr val="accent1"/>
-          </a:lnRef>
-          <a:fillRef idx="0">
-            <a:schemeClr val="accent1"/>
-          </a:fillRef>
-          <a:effectRef idx="0">
-            <a:schemeClr val="accent1"/>
-          </a:effectRef>
-          <a:fontRef idx="minor">
-            <a:schemeClr val="tx1"/>
-          </a:fontRef>
-        </p:style>
-      </p:cxnSp>
+              <a:t>Ipotesi di rischi proporzionali</a:t>
+            </a:r>
+          </a:p>
+        </p:txBody>
+      </p:sp>
       <p:pic>
         <p:nvPicPr>
-          <p:cNvPr id="14" name="Segnaposto contenuto 13"/>
+          <p:cNvPr id="4" name="Segnaposto contenuto 3"/>
           <p:cNvPicPr>
             <a:picLocks noGrp="1" noChangeAspect="1"/>
           </p:cNvPicPr>
           <p:nvPr>
-            <p:ph sz="half" idx="1"/>
+            <p:ph idx="1"/>
           </p:nvPr>
         </p:nvPicPr>
         <p:blipFill>
-          <a:blip r:embed="rId3"/>
+          <a:blip r:embed="rId3" cstate="print"/>
           <a:stretch>
             <a:fillRect/>
           </a:stretch>
         </p:blipFill>
         <p:spPr>
           <a:xfrm>
-            <a:off x="1096963" y="2397178"/>
-            <a:ext cx="4938712" cy="2920895"/>
+            <a:off x="919804" y="1846263"/>
+            <a:ext cx="7348841" cy="4022725"/>
           </a:xfrm>
           <a:prstGeom prst="rect">
             <a:avLst/>
           </a:prstGeom>
         </p:spPr>
       </p:pic>
-      <p:pic>
-        <p:nvPicPr>
-          <p:cNvPr id="15" name="Segnaposto contenuto 14"/>
-          <p:cNvPicPr>
-            <a:picLocks noGrp="1" noChangeAspect="1"/>
-          </p:cNvPicPr>
-          <p:nvPr>
-            <p:ph sz="half" idx="2"/>
-          </p:nvPr>
-        </p:nvPicPr>
-        <p:blipFill>
-          <a:blip r:embed="rId4"/>
-          <a:stretch>
-            <a:fillRect/>
-          </a:stretch>
-        </p:blipFill>
-        <p:spPr>
-          <a:xfrm>
-            <a:off x="6218238" y="2423811"/>
-            <a:ext cx="4937125" cy="2867629"/>
-          </a:xfrm>
-          <a:prstGeom prst="rect">
-            <a:avLst/>
-          </a:prstGeom>
-        </p:spPr>
-      </p:pic>
-      <p:sp>
-        <p:nvSpPr>
-          <p:cNvPr id="3" name="Rettangolo 2"/>
-          <p:cNvSpPr/>
-          <p:nvPr/>
-        </p:nvSpPr>
-        <p:spPr>
-          <a:xfrm>
-            <a:off x="3962400" y="3261360"/>
-            <a:ext cx="1021080" cy="205740"/>
-          </a:xfrm>
-          <a:prstGeom prst="rect">
-            <a:avLst/>
-          </a:prstGeom>
-          <a:solidFill>
-            <a:srgbClr val="FFFF00">
-              <a:alpha val="33000"/>
-            </a:srgbClr>
-          </a:solidFill>
-        </p:spPr>
-        <p:style>
-          <a:lnRef idx="2">
-            <a:schemeClr val="accent1">
-              <a:shade val="50000"/>
-            </a:schemeClr>
-          </a:lnRef>
-          <a:fillRef idx="1">
-            <a:schemeClr val="accent1"/>
-          </a:fillRef>
-          <a:effectRef idx="0">
-            <a:schemeClr val="accent1"/>
-          </a:effectRef>
-          <a:fontRef idx="minor">
-            <a:schemeClr val="lt1"/>
-          </a:fontRef>
-        </p:style>
-        <p:txBody>
-          <a:bodyPr rtlCol="0" anchor="ctr"/>
-          <a:lstStyle/>
-          <a:p>
-            <a:pPr algn="ctr"/>
-            <a:endParaRPr lang="it-IT"/>
-          </a:p>
-        </p:txBody>
-      </p:sp>
-      <p:sp>
-        <p:nvSpPr>
-          <p:cNvPr id="7" name="Rettangolo 6"/>
-          <p:cNvSpPr/>
-          <p:nvPr/>
-        </p:nvSpPr>
-        <p:spPr>
-          <a:xfrm>
-            <a:off x="9235440" y="3261360"/>
-            <a:ext cx="1021080" cy="205740"/>
-          </a:xfrm>
-          <a:prstGeom prst="rect">
-            <a:avLst/>
-          </a:prstGeom>
-          <a:solidFill>
-            <a:srgbClr val="FFFF00">
-              <a:alpha val="33000"/>
-            </a:srgbClr>
-          </a:solidFill>
-        </p:spPr>
-        <p:style>
-          <a:lnRef idx="2">
-            <a:schemeClr val="accent1">
-              <a:shade val="50000"/>
-            </a:schemeClr>
-          </a:lnRef>
-          <a:fillRef idx="1">
-            <a:schemeClr val="accent1"/>
-          </a:fillRef>
-          <a:effectRef idx="0">
-            <a:schemeClr val="accent1"/>
-          </a:effectRef>
-          <a:fontRef idx="minor">
-            <a:schemeClr val="lt1"/>
-          </a:fontRef>
-        </p:style>
-        <p:txBody>
-          <a:bodyPr rtlCol="0" anchor="ctr"/>
-          <a:lstStyle/>
-          <a:p>
-            <a:pPr algn="ctr"/>
-            <a:endParaRPr lang="it-IT"/>
-          </a:p>
-        </p:txBody>
-      </p:sp>
     </p:spTree>
     <p:extLst>
       <p:ext uri="{BB962C8B-B14F-4D97-AF65-F5344CB8AC3E}">
-        <p14:creationId xmlns:p14="http://schemas.microsoft.com/office/powerpoint/2010/main" val="2859867437"/>
+        <p14:creationId xmlns:p14="http://schemas.microsoft.com/office/powerpoint/2010/main" val="220282012"/>
       </p:ext>
     </p:extLst>
   </p:cSld>
@@ -7161,57 +7187,123 @@
             <p:ph type="title"/>
           </p:nvPr>
         </p:nvSpPr>
-        <p:spPr>
-          <a:xfrm>
-            <a:off x="1097280" y="286603"/>
-            <a:ext cx="10058400" cy="1450757"/>
-          </a:xfrm>
-        </p:spPr>
+        <p:spPr/>
         <p:txBody>
           <a:bodyPr/>
           <a:lstStyle/>
           <a:p>
             <a:r>
               <a:rPr lang="it-IT" dirty="0"/>
-              <a:t>Modello Multivariato</a:t>
-            </a:r>
+              <a:t>Modelli di </a:t>
+            </a:r>
+            <a:r>
+              <a:rPr lang="it-IT" dirty="0" err="1"/>
+              <a:t>Cox</a:t>
+            </a:r>
+            <a:r>
+              <a:rPr lang="it-IT" dirty="0"/>
+              <a:t> </a:t>
+            </a:r>
+            <a:r>
+              <a:rPr lang="it-IT" dirty="0" err="1"/>
+              <a:t>univariati</a:t>
+            </a:r>
+            <a:endParaRPr lang="it-IT" dirty="0"/>
           </a:p>
         </p:txBody>
       </p:sp>
       <p:pic>
         <p:nvPicPr>
-          <p:cNvPr id="3" name="Immagine 2"/>
+          <p:cNvPr id="14" name="Segnaposto contenuto 13"/>
           <p:cNvPicPr>
-            <a:picLocks noChangeAspect="1"/>
+            <a:picLocks noGrp="1" noChangeAspect="1"/>
           </p:cNvPicPr>
-          <p:nvPr/>
+          <p:nvPr>
+            <p:ph sz="half" idx="1"/>
+          </p:nvPr>
         </p:nvPicPr>
         <p:blipFill>
-          <a:blip r:embed="rId3"/>
+          <a:blip r:embed="rId3" cstate="print"/>
           <a:stretch>
             <a:fillRect/>
           </a:stretch>
         </p:blipFill>
         <p:spPr>
           <a:xfrm>
-            <a:off x="3614901" y="1979298"/>
-            <a:ext cx="4592398" cy="4201147"/>
+            <a:off x="399962" y="2650603"/>
+            <a:ext cx="4100195" cy="2424972"/>
           </a:xfrm>
           <a:prstGeom prst="rect">
             <a:avLst/>
           </a:prstGeom>
         </p:spPr>
       </p:pic>
-      <p:sp>
-        <p:nvSpPr>
-          <p:cNvPr id="4" name="Rettangolo 3"/>
+      <p:pic>
+        <p:nvPicPr>
+          <p:cNvPr id="15" name="Segnaposto contenuto 14"/>
+          <p:cNvPicPr>
+            <a:picLocks noGrp="1" noChangeAspect="1"/>
+          </p:cNvPicPr>
+          <p:nvPr>
+            <p:ph sz="half" idx="2"/>
+          </p:nvPr>
+        </p:nvPicPr>
+        <p:blipFill>
+          <a:blip r:embed="rId4" cstate="print"/>
+          <a:stretch>
+            <a:fillRect/>
+          </a:stretch>
+        </p:blipFill>
+        <p:spPr>
+          <a:xfrm>
+            <a:off x="4659027" y="2650603"/>
+            <a:ext cx="4118578" cy="2392192"/>
+          </a:xfrm>
+          <a:prstGeom prst="rect">
+            <a:avLst/>
+          </a:prstGeom>
+        </p:spPr>
+      </p:pic>
+      <p:cxnSp>
+        <p:nvCxnSpPr>
+          <p:cNvPr id="11" name="Connettore diritto 10"/>
+          <p:cNvCxnSpPr/>
+          <p:nvPr/>
+        </p:nvCxnSpPr>
+        <p:spPr>
+          <a:xfrm>
+            <a:off x="4514540" y="2185295"/>
+            <a:ext cx="0" cy="3242820"/>
+          </a:xfrm>
+          <a:prstGeom prst="line">
+            <a:avLst/>
+          </a:prstGeom>
+        </p:spPr>
+        <p:style>
+          <a:lnRef idx="1">
+            <a:schemeClr val="accent1"/>
+          </a:lnRef>
+          <a:fillRef idx="0">
+            <a:schemeClr val="accent1"/>
+          </a:fillRef>
+          <a:effectRef idx="0">
+            <a:schemeClr val="accent1"/>
+          </a:effectRef>
+          <a:fontRef idx="minor">
+            <a:schemeClr val="tx1"/>
+          </a:fontRef>
+        </p:style>
+      </p:cxnSp>
+      <p:sp>
+        <p:nvSpPr>
+          <p:cNvPr id="3" name="Rettangolo 2"/>
           <p:cNvSpPr/>
           <p:nvPr/>
         </p:nvSpPr>
         <p:spPr>
           <a:xfrm>
-            <a:off x="6812280" y="2575560"/>
-            <a:ext cx="541020" cy="1097280"/>
+            <a:off x="2749620" y="3377562"/>
+            <a:ext cx="1021080" cy="205740"/>
           </a:xfrm>
           <a:prstGeom prst="rect">
             <a:avLst/>
@@ -7247,10 +7339,55 @@
           </a:p>
         </p:txBody>
       </p:sp>
+      <p:sp>
+        <p:nvSpPr>
+          <p:cNvPr id="7" name="Rettangolo 6"/>
+          <p:cNvSpPr/>
+          <p:nvPr/>
+        </p:nvSpPr>
+        <p:spPr>
+          <a:xfrm>
+            <a:off x="7141528" y="3363558"/>
+            <a:ext cx="1021080" cy="205740"/>
+          </a:xfrm>
+          <a:prstGeom prst="rect">
+            <a:avLst/>
+          </a:prstGeom>
+          <a:solidFill>
+            <a:srgbClr val="FFFF00">
+              <a:alpha val="33000"/>
+            </a:srgbClr>
+          </a:solidFill>
+        </p:spPr>
+        <p:style>
+          <a:lnRef idx="2">
+            <a:schemeClr val="accent1">
+              <a:shade val="50000"/>
+            </a:schemeClr>
+          </a:lnRef>
+          <a:fillRef idx="1">
+            <a:schemeClr val="accent1"/>
+          </a:fillRef>
+          <a:effectRef idx="0">
+            <a:schemeClr val="accent1"/>
+          </a:effectRef>
+          <a:fontRef idx="minor">
+            <a:schemeClr val="lt1"/>
+          </a:fontRef>
+        </p:style>
+        <p:txBody>
+          <a:bodyPr rtlCol="0" anchor="ctr"/>
+          <a:lstStyle/>
+          <a:p>
+            <a:pPr algn="ctr"/>
+            <a:endParaRPr lang="it-IT"/>
+          </a:p>
+        </p:txBody>
+      </p:sp>
     </p:spTree>
     <p:extLst>
       <p:ext uri="{BB962C8B-B14F-4D97-AF65-F5344CB8AC3E}">
-        <p14:creationId xmlns:p14="http://schemas.microsoft.com/office/powerpoint/2010/main" val="3747607319"/>
+        <p14:creationId xmlns:p14="http://schemas.microsoft.com/office/powerpoint/2010/main" val="2859867437"/>
       </p:ext>
     </p:extLst>
   </p:cSld>
@@ -7277,24 +7414,51 @@
           <a:chExt cx="0" cy="0"/>
         </a:xfrm>
       </p:grpSpPr>
+      <p:sp>
+        <p:nvSpPr>
+          <p:cNvPr id="2" name="Titolo 1"/>
+          <p:cNvSpPr>
+            <a:spLocks noGrp="1"/>
+          </p:cNvSpPr>
+          <p:nvPr>
+            <p:ph type="title"/>
+          </p:nvPr>
+        </p:nvSpPr>
+        <p:spPr>
+          <a:xfrm>
+            <a:off x="775504" y="286605"/>
+            <a:ext cx="8171726" cy="1450757"/>
+          </a:xfrm>
+        </p:spPr>
+        <p:txBody>
+          <a:bodyPr/>
+          <a:lstStyle/>
+          <a:p>
+            <a:r>
+              <a:rPr lang="it-IT" dirty="0"/>
+              <a:t>Modello Multivariato</a:t>
+            </a:r>
+          </a:p>
+        </p:txBody>
+      </p:sp>
       <p:pic>
         <p:nvPicPr>
-          <p:cNvPr id="7" name="Immagine 6"/>
+          <p:cNvPr id="3" name="Immagine 2"/>
           <p:cNvPicPr>
             <a:picLocks noChangeAspect="1"/>
           </p:cNvPicPr>
           <p:nvPr/>
         </p:nvPicPr>
         <p:blipFill>
-          <a:blip r:embed="rId3"/>
+          <a:blip r:embed="rId3" cstate="print"/>
           <a:stretch>
             <a:fillRect/>
           </a:stretch>
         </p:blipFill>
         <p:spPr>
           <a:xfrm>
-            <a:off x="3760198" y="2145516"/>
-            <a:ext cx="4732564" cy="4049135"/>
+            <a:off x="2090903" y="1979300"/>
+            <a:ext cx="4592399" cy="4201147"/>
           </a:xfrm>
           <a:prstGeom prst="rect">
             <a:avLst/>
@@ -7303,38 +7467,14 @@
       </p:pic>
       <p:sp>
         <p:nvSpPr>
-          <p:cNvPr id="2" name="Titolo 1"/>
-          <p:cNvSpPr>
-            <a:spLocks noGrp="1"/>
-          </p:cNvSpPr>
-          <p:nvPr>
-            <p:ph type="title"/>
-          </p:nvPr>
-        </p:nvSpPr>
-        <p:spPr/>
-        <p:txBody>
-          <a:bodyPr>
-            <a:normAutofit/>
-          </a:bodyPr>
-          <a:lstStyle/>
-          <a:p>
-            <a:r>
-              <a:rPr lang="it-IT" dirty="0"/>
-              <a:t>Modello migliorato</a:t>
-            </a:r>
-          </a:p>
-        </p:txBody>
-      </p:sp>
-      <p:sp>
-        <p:nvSpPr>
           <p:cNvPr id="4" name="Rettangolo 3"/>
           <p:cNvSpPr/>
           <p:nvPr/>
         </p:nvSpPr>
         <p:spPr>
           <a:xfrm>
-            <a:off x="6668588" y="2971859"/>
-            <a:ext cx="981892" cy="163772"/>
+            <a:off x="5288281" y="2575560"/>
+            <a:ext cx="541020" cy="1097280"/>
           </a:xfrm>
           <a:prstGeom prst="rect">
             <a:avLst/>
@@ -7370,210 +7510,10 @@
           </a:p>
         </p:txBody>
       </p:sp>
-      <p:sp>
-        <p:nvSpPr>
-          <p:cNvPr id="5" name="Rettangolo 4"/>
-          <p:cNvSpPr/>
-          <p:nvPr/>
-        </p:nvSpPr>
-        <p:spPr>
-          <a:xfrm>
-            <a:off x="6668588" y="3135632"/>
-            <a:ext cx="981892" cy="269186"/>
-          </a:xfrm>
-          <a:prstGeom prst="rect">
-            <a:avLst/>
-          </a:prstGeom>
-          <a:solidFill>
-            <a:srgbClr val="FF0000">
-              <a:alpha val="33000"/>
-            </a:srgbClr>
-          </a:solidFill>
-        </p:spPr>
-        <p:style>
-          <a:lnRef idx="2">
-            <a:schemeClr val="accent1">
-              <a:shade val="50000"/>
-            </a:schemeClr>
-          </a:lnRef>
-          <a:fillRef idx="1">
-            <a:schemeClr val="accent1"/>
-          </a:fillRef>
-          <a:effectRef idx="0">
-            <a:schemeClr val="accent1"/>
-          </a:effectRef>
-          <a:fontRef idx="minor">
-            <a:schemeClr val="lt1"/>
-          </a:fontRef>
-        </p:style>
-        <p:txBody>
-          <a:bodyPr rtlCol="0" anchor="ctr"/>
-          <a:lstStyle/>
-          <a:p>
-            <a:pPr algn="ctr"/>
-            <a:endParaRPr lang="it-IT"/>
-          </a:p>
-        </p:txBody>
-      </p:sp>
-      <p:sp>
-        <p:nvSpPr>
-          <p:cNvPr id="6" name="Rettangolo 5"/>
-          <p:cNvSpPr/>
-          <p:nvPr/>
-        </p:nvSpPr>
-        <p:spPr>
-          <a:xfrm>
-            <a:off x="6668588" y="3404817"/>
-            <a:ext cx="981892" cy="138970"/>
-          </a:xfrm>
-          <a:prstGeom prst="rect">
-            <a:avLst/>
-          </a:prstGeom>
-          <a:solidFill>
-            <a:srgbClr val="00B050">
-              <a:alpha val="33000"/>
-            </a:srgbClr>
-          </a:solidFill>
-        </p:spPr>
-        <p:style>
-          <a:lnRef idx="2">
-            <a:schemeClr val="accent1">
-              <a:shade val="50000"/>
-            </a:schemeClr>
-          </a:lnRef>
-          <a:fillRef idx="1">
-            <a:schemeClr val="accent1"/>
-          </a:fillRef>
-          <a:effectRef idx="0">
-            <a:schemeClr val="accent1"/>
-          </a:effectRef>
-          <a:fontRef idx="minor">
-            <a:schemeClr val="lt1"/>
-          </a:fontRef>
-        </p:style>
-        <p:txBody>
-          <a:bodyPr rtlCol="0" anchor="ctr"/>
-          <a:lstStyle/>
-          <a:p>
-            <a:pPr algn="ctr"/>
-            <a:endParaRPr lang="it-IT"/>
-          </a:p>
-        </p:txBody>
-      </p:sp>
-      <p:sp>
-        <p:nvSpPr>
-          <p:cNvPr id="8" name="Rettangolo 7"/>
-          <p:cNvSpPr/>
-          <p:nvPr/>
-        </p:nvSpPr>
-        <p:spPr>
-          <a:xfrm>
-            <a:off x="4161608" y="4517572"/>
-            <a:ext cx="760912" cy="428296"/>
-          </a:xfrm>
-          <a:prstGeom prst="rect">
-            <a:avLst/>
-          </a:prstGeom>
-          <a:solidFill>
-            <a:srgbClr val="FFFF00">
-              <a:alpha val="33000"/>
-            </a:srgbClr>
-          </a:solidFill>
-        </p:spPr>
-        <p:style>
-          <a:lnRef idx="2">
-            <a:schemeClr val="accent1">
-              <a:shade val="50000"/>
-            </a:schemeClr>
-          </a:lnRef>
-          <a:fillRef idx="1">
-            <a:schemeClr val="accent1"/>
-          </a:fillRef>
-          <a:effectRef idx="0">
-            <a:schemeClr val="accent1"/>
-          </a:effectRef>
-          <a:fontRef idx="minor">
-            <a:schemeClr val="lt1"/>
-          </a:fontRef>
-        </p:style>
-        <p:txBody>
-          <a:bodyPr rtlCol="0" anchor="ctr"/>
-          <a:lstStyle/>
-          <a:p>
-            <a:pPr algn="ctr"/>
-            <a:endParaRPr lang="it-IT"/>
-          </a:p>
-        </p:txBody>
-      </p:sp>
-      <p:cxnSp>
-        <p:nvCxnSpPr>
-          <p:cNvPr id="11" name="Connettore 2 10"/>
-          <p:cNvCxnSpPr/>
-          <p:nvPr/>
-        </p:nvCxnSpPr>
-        <p:spPr>
-          <a:xfrm flipH="1">
-            <a:off x="3116580" y="4869180"/>
-            <a:ext cx="518160" cy="0"/>
-          </a:xfrm>
-          <a:prstGeom prst="straightConnector1">
-            <a:avLst/>
-          </a:prstGeom>
-          <a:ln>
-            <a:tailEnd type="triangle"/>
-          </a:ln>
-        </p:spPr>
-        <p:style>
-          <a:lnRef idx="1">
-            <a:schemeClr val="accent1"/>
-          </a:lnRef>
-          <a:fillRef idx="0">
-            <a:schemeClr val="accent1"/>
-          </a:fillRef>
-          <a:effectRef idx="0">
-            <a:schemeClr val="accent1"/>
-          </a:effectRef>
-          <a:fontRef idx="minor">
-            <a:schemeClr val="tx1"/>
-          </a:fontRef>
-        </p:style>
-      </p:cxnSp>
-      <p:sp>
-        <p:nvSpPr>
-          <p:cNvPr id="12" name="CasellaDiTesto 11">
-            <a:hlinkClick r:id="rId4"/>
-          </p:cNvPr>
-          <p:cNvSpPr txBox="1"/>
-          <p:nvPr/>
-        </p:nvSpPr>
-        <p:spPr>
-          <a:xfrm>
-            <a:off x="1714500" y="4655820"/>
-            <a:ext cx="1196340" cy="369332"/>
-          </a:xfrm>
-          <a:prstGeom prst="rect">
-            <a:avLst/>
-          </a:prstGeom>
-          <a:noFill/>
-        </p:spPr>
-        <p:txBody>
-          <a:bodyPr wrap="square" rtlCol="0">
-            <a:spAutoFit/>
-          </a:bodyPr>
-          <a:lstStyle/>
-          <a:p>
-            <a:r>
-              <a:rPr lang="it-IT" dirty="0" err="1"/>
-              <a:t>Dldjournal</a:t>
-            </a:r>
-            <a:endParaRPr lang="it-IT" dirty="0"/>
-          </a:p>
-        </p:txBody>
-      </p:sp>
     </p:spTree>
     <p:extLst>
       <p:ext uri="{BB962C8B-B14F-4D97-AF65-F5344CB8AC3E}">
-        <p14:creationId xmlns:p14="http://schemas.microsoft.com/office/powerpoint/2010/main" val="2805806638"/>
+        <p14:creationId xmlns:p14="http://schemas.microsoft.com/office/powerpoint/2010/main" val="3747607319"/>
       </p:ext>
     </p:extLst>
   </p:cSld>
@@ -7616,9 +7556,10 @@
           <a:lstStyle/>
           <a:p>
             <a:r>
-              <a:rPr lang="it-IT" dirty="0"/>
-              <a:t>Descrizione del caso di studio</a:t>
-            </a:r>
+              <a:rPr lang="it-IT" dirty="0" err="1"/>
+              <a:t>Dataset</a:t>
+            </a:r>
+            <a:endParaRPr lang="it-IT" dirty="0"/>
           </a:p>
         </p:txBody>
       </p:sp>
@@ -7632,12 +7573,7 @@
             <p:ph idx="1"/>
           </p:nvPr>
         </p:nvSpPr>
-        <p:spPr>
-          <a:xfrm>
-            <a:off x="1097280" y="1845734"/>
-            <a:ext cx="10058400" cy="3351106"/>
-          </a:xfrm>
-        </p:spPr>
+        <p:spPr/>
         <p:txBody>
           <a:bodyPr/>
           <a:lstStyle/>
@@ -7648,27 +7584,7 @@
             </a:pPr>
             <a:r>
               <a:rPr lang="it-IT" dirty="0"/>
-              <a:t>Analisi descrittive del campione</a:t>
-            </a:r>
-          </a:p>
-          <a:p>
-            <a:pPr marL="749808" lvl="1" indent="-457200">
-              <a:buFont typeface="+mj-lt"/>
-              <a:buAutoNum type="arabicPeriod"/>
-            </a:pPr>
-            <a:r>
-              <a:rPr lang="it-IT" dirty="0"/>
-              <a:t>Sesso ed età</a:t>
-            </a:r>
-          </a:p>
-          <a:p>
-            <a:pPr marL="749808" lvl="1" indent="-457200">
-              <a:buFont typeface="+mj-lt"/>
-              <a:buAutoNum type="arabicPeriod"/>
-            </a:pPr>
-            <a:r>
-              <a:rPr lang="it-IT" dirty="0"/>
-              <a:t>Variabili oggetto di studio</a:t>
+              <a:t>203 casi analizzati;</a:t>
             </a:r>
           </a:p>
           <a:p>
@@ -7677,36 +7593,12 @@
               <a:buAutoNum type="arabicPeriod"/>
             </a:pPr>
             <a:r>
+              <a:rPr lang="it-IT" dirty="0" err="1"/>
+              <a:t>Dataset</a:t>
+            </a:r>
+            <a:r>
               <a:rPr lang="it-IT" dirty="0"/>
-              <a:t>Analisi non parametrica basata su metodi di stima di </a:t>
-            </a:r>
-            <a:r>
-              <a:rPr lang="it-IT" dirty="0" err="1"/>
-              <a:t>Kaplan</a:t>
-            </a:r>
-            <a:r>
-              <a:rPr lang="it-IT" dirty="0"/>
-              <a:t>-Meier </a:t>
-            </a:r>
-          </a:p>
-          <a:p>
-            <a:pPr marL="749808" lvl="1" indent="-457200">
-              <a:buFont typeface="+mj-lt"/>
-              <a:buAutoNum type="arabicPeriod"/>
-            </a:pPr>
-            <a:r>
-              <a:rPr lang="it-IT" dirty="0"/>
-              <a:t>Curva della sopravvivenza totale</a:t>
-            </a:r>
-          </a:p>
-          <a:p>
-            <a:pPr marL="749808" lvl="1" indent="-457200">
-              <a:buFont typeface="+mj-lt"/>
-              <a:buAutoNum type="arabicPeriod"/>
-            </a:pPr>
-            <a:r>
-              <a:rPr lang="it-IT" dirty="0"/>
-              <a:t>Curva della sopravvivenza alla prima ricaduta</a:t>
+              <a:t> già privo di errori;</a:t>
             </a:r>
           </a:p>
           <a:p>
@@ -7716,78 +7608,607 @@
             </a:pPr>
             <a:r>
               <a:rPr lang="it-IT" dirty="0"/>
-              <a:t>Analisi tramite modelli di </a:t>
-            </a:r>
-            <a:r>
-              <a:rPr lang="it-IT" dirty="0" err="1"/>
-              <a:t>Cox</a:t>
-            </a:r>
-            <a:endParaRPr lang="it-IT" dirty="0"/>
-          </a:p>
-          <a:p>
-            <a:pPr marL="749808" lvl="1" indent="-457200">
+              <a:t>Variabili quantitative divise in classi, fatta eccezione per l’età;</a:t>
+            </a:r>
+          </a:p>
+          <a:p>
+            <a:pPr marL="457200" indent="-457200">
               <a:buFont typeface="+mj-lt"/>
               <a:buAutoNum type="arabicPeriod"/>
             </a:pPr>
             <a:r>
               <a:rPr lang="it-IT" dirty="0"/>
-              <a:t>Ipotesi di rischi proporzionali</a:t>
-            </a:r>
-          </a:p>
-          <a:p>
-            <a:pPr marL="749808" lvl="1" indent="-457200">
+              <a:t>Considerati pazienti sottoposti ad un intervento effettuato dal 2004 al 2013;</a:t>
+            </a:r>
+          </a:p>
+          <a:p>
+            <a:pPr marL="457200" indent="-457200">
               <a:buFont typeface="+mj-lt"/>
               <a:buAutoNum type="arabicPeriod"/>
             </a:pPr>
             <a:r>
               <a:rPr lang="it-IT" dirty="0"/>
-              <a:t>Modelli </a:t>
-            </a:r>
-            <a:r>
-              <a:rPr lang="it-IT" dirty="0" err="1"/>
-              <a:t>univariati</a:t>
-            </a:r>
-            <a:endParaRPr lang="it-IT" dirty="0"/>
-          </a:p>
-        </p:txBody>
-      </p:sp>
-      <p:sp>
-        <p:nvSpPr>
-          <p:cNvPr id="4" name="CasellaDiTesto 3"/>
-          <p:cNvSpPr txBox="1"/>
+              <a:t>Dati disponibili sino a Marzo 2017.</a:t>
+            </a:r>
+          </a:p>
+        </p:txBody>
+      </p:sp>
+    </p:spTree>
+    <p:extLst>
+      <p:ext uri="{BB962C8B-B14F-4D97-AF65-F5344CB8AC3E}">
+        <p14:creationId xmlns:p14="http://schemas.microsoft.com/office/powerpoint/2010/main" val="518614022"/>
+      </p:ext>
+    </p:extLst>
+  </p:cSld>
+  <p:clrMapOvr>
+    <a:masterClrMapping/>
+  </p:clrMapOvr>
+</p:sld>
+</file>
+
+<file path=ppt/slides/slide20.xml><?xml version="1.0" encoding="utf-8"?>
+<p:sld xmlns:a="http://schemas.openxmlformats.org/drawingml/2006/main" xmlns:r="http://schemas.openxmlformats.org/officeDocument/2006/relationships" xmlns:p="http://schemas.openxmlformats.org/presentationml/2006/main">
+  <p:cSld>
+    <p:spTree>
+      <p:nvGrpSpPr>
+        <p:cNvPr id="1" name=""/>
+        <p:cNvGrpSpPr/>
+        <p:nvPr/>
+      </p:nvGrpSpPr>
+      <p:grpSpPr>
+        <a:xfrm>
+          <a:off x="0" y="0"/>
+          <a:ext cx="0" cy="0"/>
+          <a:chOff x="0" y="0"/>
+          <a:chExt cx="0" cy="0"/>
+        </a:xfrm>
+      </p:grpSpPr>
+      <p:pic>
+        <p:nvPicPr>
+          <p:cNvPr id="3" name="Immagine 2"/>
+          <p:cNvPicPr>
+            <a:picLocks noChangeAspect="1"/>
+          </p:cNvPicPr>
           <p:nvPr/>
-        </p:nvSpPr>
-        <p:spPr>
-          <a:xfrm>
-            <a:off x="731072" y="5674211"/>
-            <a:ext cx="5669280" cy="276999"/>
+        </p:nvPicPr>
+        <p:blipFill>
+          <a:blip r:embed="rId3"/>
+          <a:stretch>
+            <a:fillRect/>
+          </a:stretch>
+        </p:blipFill>
+        <p:spPr>
+          <a:xfrm>
+            <a:off x="1817913" y="1964115"/>
+            <a:ext cx="5381353" cy="4247546"/>
           </a:xfrm>
           <a:prstGeom prst="rect">
             <a:avLst/>
           </a:prstGeom>
-          <a:noFill/>
-        </p:spPr>
-        <p:txBody>
-          <a:bodyPr wrap="square" rtlCol="0">
-            <a:spAutoFit/>
+        </p:spPr>
+      </p:pic>
+      <p:sp>
+        <p:nvSpPr>
+          <p:cNvPr id="2" name="Titolo 1"/>
+          <p:cNvSpPr>
+            <a:spLocks noGrp="1"/>
+          </p:cNvSpPr>
+          <p:nvPr>
+            <p:ph type="title"/>
+          </p:nvPr>
+        </p:nvSpPr>
+        <p:spPr/>
+        <p:txBody>
+          <a:bodyPr>
+            <a:normAutofit/>
           </a:bodyPr>
           <a:lstStyle/>
           <a:p>
             <a:r>
-              <a:rPr lang="it-IT" sz="1200" dirty="0" err="1"/>
-              <a:t>N.b.</a:t>
-            </a:r>
-            <a:r>
-              <a:rPr lang="it-IT" sz="1200" dirty="0"/>
-              <a:t>: I tratti salienti dell’analisi sono riportati nelle note per il relatore.</a:t>
-            </a:r>
+              <a:rPr lang="it-IT" dirty="0"/>
+              <a:t>Modello migliorato</a:t>
+            </a:r>
+          </a:p>
+        </p:txBody>
+      </p:sp>
+      <p:sp>
+        <p:nvSpPr>
+          <p:cNvPr id="4" name="Rettangolo 3"/>
+          <p:cNvSpPr/>
+          <p:nvPr/>
+        </p:nvSpPr>
+        <p:spPr>
+          <a:xfrm>
+            <a:off x="5318761" y="2886075"/>
+            <a:ext cx="981892" cy="196852"/>
+          </a:xfrm>
+          <a:prstGeom prst="rect">
+            <a:avLst/>
+          </a:prstGeom>
+          <a:solidFill>
+            <a:srgbClr val="FFFF00">
+              <a:alpha val="33000"/>
+            </a:srgbClr>
+          </a:solidFill>
+        </p:spPr>
+        <p:style>
+          <a:lnRef idx="2">
+            <a:schemeClr val="accent1">
+              <a:shade val="50000"/>
+            </a:schemeClr>
+          </a:lnRef>
+          <a:fillRef idx="1">
+            <a:schemeClr val="accent1"/>
+          </a:fillRef>
+          <a:effectRef idx="0">
+            <a:schemeClr val="accent1"/>
+          </a:effectRef>
+          <a:fontRef idx="minor">
+            <a:schemeClr val="lt1"/>
+          </a:fontRef>
+        </p:style>
+        <p:txBody>
+          <a:bodyPr rtlCol="0" anchor="ctr"/>
+          <a:lstStyle/>
+          <a:p>
+            <a:pPr algn="ctr"/>
+            <a:endParaRPr lang="it-IT"/>
+          </a:p>
+        </p:txBody>
+      </p:sp>
+      <p:sp>
+        <p:nvSpPr>
+          <p:cNvPr id="5" name="Rettangolo 4"/>
+          <p:cNvSpPr/>
+          <p:nvPr/>
+        </p:nvSpPr>
+        <p:spPr>
+          <a:xfrm>
+            <a:off x="5318761" y="3082927"/>
+            <a:ext cx="981892" cy="336548"/>
+          </a:xfrm>
+          <a:prstGeom prst="rect">
+            <a:avLst/>
+          </a:prstGeom>
+          <a:solidFill>
+            <a:srgbClr val="FF0000">
+              <a:alpha val="33000"/>
+            </a:srgbClr>
+          </a:solidFill>
+        </p:spPr>
+        <p:style>
+          <a:lnRef idx="2">
+            <a:schemeClr val="accent1">
+              <a:shade val="50000"/>
+            </a:schemeClr>
+          </a:lnRef>
+          <a:fillRef idx="1">
+            <a:schemeClr val="accent1"/>
+          </a:fillRef>
+          <a:effectRef idx="0">
+            <a:schemeClr val="accent1"/>
+          </a:effectRef>
+          <a:fontRef idx="minor">
+            <a:schemeClr val="lt1"/>
+          </a:fontRef>
+        </p:style>
+        <p:txBody>
+          <a:bodyPr rtlCol="0" anchor="ctr"/>
+          <a:lstStyle/>
+          <a:p>
+            <a:pPr algn="ctr"/>
+            <a:endParaRPr lang="it-IT"/>
+          </a:p>
+        </p:txBody>
+      </p:sp>
+      <p:sp>
+        <p:nvSpPr>
+          <p:cNvPr id="6" name="Rettangolo 5"/>
+          <p:cNvSpPr/>
+          <p:nvPr/>
+        </p:nvSpPr>
+        <p:spPr>
+          <a:xfrm>
+            <a:off x="5318761" y="3515886"/>
+            <a:ext cx="981892" cy="201953"/>
+          </a:xfrm>
+          <a:prstGeom prst="rect">
+            <a:avLst/>
+          </a:prstGeom>
+          <a:solidFill>
+            <a:srgbClr val="FF0000">
+              <a:alpha val="33000"/>
+            </a:srgbClr>
+          </a:solidFill>
+        </p:spPr>
+        <p:style>
+          <a:lnRef idx="2">
+            <a:schemeClr val="accent1">
+              <a:shade val="50000"/>
+            </a:schemeClr>
+          </a:lnRef>
+          <a:fillRef idx="1">
+            <a:schemeClr val="accent1"/>
+          </a:fillRef>
+          <a:effectRef idx="0">
+            <a:schemeClr val="accent1"/>
+          </a:effectRef>
+          <a:fontRef idx="minor">
+            <a:schemeClr val="lt1"/>
+          </a:fontRef>
+        </p:style>
+        <p:txBody>
+          <a:bodyPr rtlCol="0" anchor="ctr"/>
+          <a:lstStyle/>
+          <a:p>
+            <a:pPr algn="ctr"/>
+            <a:endParaRPr lang="it-IT"/>
+          </a:p>
+        </p:txBody>
+      </p:sp>
+      <p:sp>
+        <p:nvSpPr>
+          <p:cNvPr id="8" name="Rettangolo 7"/>
+          <p:cNvSpPr/>
+          <p:nvPr/>
+        </p:nvSpPr>
+        <p:spPr>
+          <a:xfrm>
+            <a:off x="2733675" y="4524374"/>
+            <a:ext cx="638175" cy="295275"/>
+          </a:xfrm>
+          <a:prstGeom prst="rect">
+            <a:avLst/>
+          </a:prstGeom>
+          <a:solidFill>
+            <a:srgbClr val="FFFF00">
+              <a:alpha val="33000"/>
+            </a:srgbClr>
+          </a:solidFill>
+        </p:spPr>
+        <p:style>
+          <a:lnRef idx="2">
+            <a:schemeClr val="accent1">
+              <a:shade val="50000"/>
+            </a:schemeClr>
+          </a:lnRef>
+          <a:fillRef idx="1">
+            <a:schemeClr val="accent1"/>
+          </a:fillRef>
+          <a:effectRef idx="0">
+            <a:schemeClr val="accent1"/>
+          </a:effectRef>
+          <a:fontRef idx="minor">
+            <a:schemeClr val="lt1"/>
+          </a:fontRef>
+        </p:style>
+        <p:txBody>
+          <a:bodyPr rtlCol="0" anchor="ctr"/>
+          <a:lstStyle/>
+          <a:p>
+            <a:pPr algn="ctr"/>
+            <a:endParaRPr lang="it-IT"/>
+          </a:p>
+        </p:txBody>
+      </p:sp>
+      <p:sp>
+        <p:nvSpPr>
+          <p:cNvPr id="9" name="Rettangolo 8"/>
+          <p:cNvSpPr/>
+          <p:nvPr/>
+        </p:nvSpPr>
+        <p:spPr>
+          <a:xfrm>
+            <a:off x="2733675" y="4972050"/>
+            <a:ext cx="638175" cy="209551"/>
+          </a:xfrm>
+          <a:prstGeom prst="rect">
+            <a:avLst/>
+          </a:prstGeom>
+          <a:solidFill>
+            <a:srgbClr val="FFFF00">
+              <a:alpha val="33000"/>
+            </a:srgbClr>
+          </a:solidFill>
+        </p:spPr>
+        <p:style>
+          <a:lnRef idx="2">
+            <a:schemeClr val="accent1">
+              <a:shade val="50000"/>
+            </a:schemeClr>
+          </a:lnRef>
+          <a:fillRef idx="1">
+            <a:schemeClr val="accent1"/>
+          </a:fillRef>
+          <a:effectRef idx="0">
+            <a:schemeClr val="accent1"/>
+          </a:effectRef>
+          <a:fontRef idx="minor">
+            <a:schemeClr val="lt1"/>
+          </a:fontRef>
+        </p:style>
+        <p:txBody>
+          <a:bodyPr rtlCol="0" anchor="ctr"/>
+          <a:lstStyle/>
+          <a:p>
+            <a:pPr algn="ctr"/>
+            <a:endParaRPr lang="it-IT"/>
           </a:p>
         </p:txBody>
       </p:sp>
     </p:spTree>
     <p:extLst>
       <p:ext uri="{BB962C8B-B14F-4D97-AF65-F5344CB8AC3E}">
-        <p14:creationId xmlns:p14="http://schemas.microsoft.com/office/powerpoint/2010/main" val="939230154"/>
+        <p14:creationId xmlns:p14="http://schemas.microsoft.com/office/powerpoint/2010/main" val="2805806638"/>
+      </p:ext>
+    </p:extLst>
+  </p:cSld>
+  <p:clrMapOvr>
+    <a:masterClrMapping/>
+  </p:clrMapOvr>
+</p:sld>
+</file>
+
+<file path=ppt/slides/slide21.xml><?xml version="1.0" encoding="utf-8"?>
+<p:sld xmlns:a="http://schemas.openxmlformats.org/drawingml/2006/main" xmlns:r="http://schemas.openxmlformats.org/officeDocument/2006/relationships" xmlns:p="http://schemas.openxmlformats.org/presentationml/2006/main">
+  <p:cSld>
+    <p:spTree>
+      <p:nvGrpSpPr>
+        <p:cNvPr id="1" name=""/>
+        <p:cNvGrpSpPr/>
+        <p:nvPr/>
+      </p:nvGrpSpPr>
+      <p:grpSpPr>
+        <a:xfrm>
+          <a:off x="0" y="0"/>
+          <a:ext cx="0" cy="0"/>
+          <a:chOff x="0" y="0"/>
+          <a:chExt cx="0" cy="0"/>
+        </a:xfrm>
+      </p:grpSpPr>
+      <p:sp>
+        <p:nvSpPr>
+          <p:cNvPr id="2" name="Titolo 1"/>
+          <p:cNvSpPr>
+            <a:spLocks noGrp="1"/>
+          </p:cNvSpPr>
+          <p:nvPr>
+            <p:ph type="title"/>
+          </p:nvPr>
+        </p:nvSpPr>
+        <p:spPr>
+          <a:xfrm>
+            <a:off x="822960" y="286604"/>
+            <a:ext cx="7543800" cy="1450757"/>
+          </a:xfrm>
+        </p:spPr>
+        <p:txBody>
+          <a:bodyPr/>
+          <a:lstStyle/>
+          <a:p>
+            <a:r>
+              <a:rPr lang="it-IT" dirty="0"/>
+              <a:t>Modello analogo per la </a:t>
+            </a:r>
+            <a:r>
+              <a:rPr lang="it-IT" dirty="0" err="1"/>
+              <a:t>disease</a:t>
+            </a:r>
+            <a:r>
+              <a:rPr lang="it-IT" dirty="0"/>
+              <a:t>-free</a:t>
+            </a:r>
+          </a:p>
+        </p:txBody>
+      </p:sp>
+      <p:pic>
+        <p:nvPicPr>
+          <p:cNvPr id="3" name="Immagine 2"/>
+          <p:cNvPicPr>
+            <a:picLocks noChangeAspect="1"/>
+          </p:cNvPicPr>
+          <p:nvPr/>
+        </p:nvPicPr>
+        <p:blipFill>
+          <a:blip r:embed="rId2"/>
+          <a:stretch>
+            <a:fillRect/>
+          </a:stretch>
+        </p:blipFill>
+        <p:spPr>
+          <a:xfrm>
+            <a:off x="2286000" y="2013586"/>
+            <a:ext cx="5124450" cy="4040123"/>
+          </a:xfrm>
+          <a:prstGeom prst="rect">
+            <a:avLst/>
+          </a:prstGeom>
+        </p:spPr>
+      </p:pic>
+      <p:sp>
+        <p:nvSpPr>
+          <p:cNvPr id="4" name="Rettangolo 3"/>
+          <p:cNvSpPr/>
+          <p:nvPr/>
+        </p:nvSpPr>
+        <p:spPr>
+          <a:xfrm>
+            <a:off x="5614036" y="2914650"/>
+            <a:ext cx="1028064" cy="152400"/>
+          </a:xfrm>
+          <a:prstGeom prst="rect">
+            <a:avLst/>
+          </a:prstGeom>
+          <a:solidFill>
+            <a:srgbClr val="FFFF00">
+              <a:alpha val="33000"/>
+            </a:srgbClr>
+          </a:solidFill>
+        </p:spPr>
+        <p:style>
+          <a:lnRef idx="2">
+            <a:schemeClr val="accent1">
+              <a:shade val="50000"/>
+            </a:schemeClr>
+          </a:lnRef>
+          <a:fillRef idx="1">
+            <a:schemeClr val="accent1"/>
+          </a:fillRef>
+          <a:effectRef idx="0">
+            <a:schemeClr val="accent1"/>
+          </a:effectRef>
+          <a:fontRef idx="minor">
+            <a:schemeClr val="lt1"/>
+          </a:fontRef>
+        </p:style>
+        <p:txBody>
+          <a:bodyPr rtlCol="0" anchor="ctr"/>
+          <a:lstStyle/>
+          <a:p>
+            <a:pPr algn="ctr"/>
+            <a:endParaRPr lang="it-IT" baseline="-25000" dirty="0"/>
+          </a:p>
+        </p:txBody>
+      </p:sp>
+      <p:sp>
+        <p:nvSpPr>
+          <p:cNvPr id="5" name="Rettangolo 4"/>
+          <p:cNvSpPr/>
+          <p:nvPr/>
+        </p:nvSpPr>
+        <p:spPr>
+          <a:xfrm>
+            <a:off x="5614036" y="3067050"/>
+            <a:ext cx="1028064" cy="276225"/>
+          </a:xfrm>
+          <a:prstGeom prst="rect">
+            <a:avLst/>
+          </a:prstGeom>
+          <a:solidFill>
+            <a:srgbClr val="FF0000">
+              <a:alpha val="33000"/>
+            </a:srgbClr>
+          </a:solidFill>
+        </p:spPr>
+        <p:style>
+          <a:lnRef idx="2">
+            <a:schemeClr val="accent1">
+              <a:shade val="50000"/>
+            </a:schemeClr>
+          </a:lnRef>
+          <a:fillRef idx="1">
+            <a:schemeClr val="accent1"/>
+          </a:fillRef>
+          <a:effectRef idx="0">
+            <a:schemeClr val="accent1"/>
+          </a:effectRef>
+          <a:fontRef idx="minor">
+            <a:schemeClr val="lt1"/>
+          </a:fontRef>
+        </p:style>
+        <p:txBody>
+          <a:bodyPr rtlCol="0" anchor="ctr"/>
+          <a:lstStyle/>
+          <a:p>
+            <a:pPr algn="ctr"/>
+            <a:endParaRPr lang="it-IT"/>
+          </a:p>
+        </p:txBody>
+      </p:sp>
+      <p:sp>
+        <p:nvSpPr>
+          <p:cNvPr id="6" name="Rettangolo 5"/>
+          <p:cNvSpPr/>
+          <p:nvPr/>
+        </p:nvSpPr>
+        <p:spPr>
+          <a:xfrm>
+            <a:off x="5614036" y="3343275"/>
+            <a:ext cx="1028064" cy="320675"/>
+          </a:xfrm>
+          <a:prstGeom prst="rect">
+            <a:avLst/>
+          </a:prstGeom>
+          <a:solidFill>
+            <a:srgbClr val="FF0000">
+              <a:alpha val="33000"/>
+            </a:srgbClr>
+          </a:solidFill>
+        </p:spPr>
+        <p:style>
+          <a:lnRef idx="2">
+            <a:schemeClr val="accent1">
+              <a:shade val="50000"/>
+            </a:schemeClr>
+          </a:lnRef>
+          <a:fillRef idx="1">
+            <a:schemeClr val="accent1"/>
+          </a:fillRef>
+          <a:effectRef idx="0">
+            <a:schemeClr val="accent1"/>
+          </a:effectRef>
+          <a:fontRef idx="minor">
+            <a:schemeClr val="lt1"/>
+          </a:fontRef>
+        </p:style>
+        <p:txBody>
+          <a:bodyPr rtlCol="0" anchor="ctr"/>
+          <a:lstStyle/>
+          <a:p>
+            <a:pPr algn="ctr"/>
+            <a:endParaRPr lang="it-IT"/>
+          </a:p>
+        </p:txBody>
+      </p:sp>
+      <p:sp>
+        <p:nvSpPr>
+          <p:cNvPr id="7" name="Rettangolo 6"/>
+          <p:cNvSpPr/>
+          <p:nvPr/>
+        </p:nvSpPr>
+        <p:spPr>
+          <a:xfrm>
+            <a:off x="3194050" y="4432300"/>
+            <a:ext cx="539750" cy="641350"/>
+          </a:xfrm>
+          <a:prstGeom prst="rect">
+            <a:avLst/>
+          </a:prstGeom>
+          <a:solidFill>
+            <a:srgbClr val="FFFF00">
+              <a:alpha val="33000"/>
+            </a:srgbClr>
+          </a:solidFill>
+        </p:spPr>
+        <p:style>
+          <a:lnRef idx="2">
+            <a:schemeClr val="accent1">
+              <a:shade val="50000"/>
+            </a:schemeClr>
+          </a:lnRef>
+          <a:fillRef idx="1">
+            <a:schemeClr val="accent1"/>
+          </a:fillRef>
+          <a:effectRef idx="0">
+            <a:schemeClr val="accent1"/>
+          </a:effectRef>
+          <a:fontRef idx="minor">
+            <a:schemeClr val="lt1"/>
+          </a:fontRef>
+        </p:style>
+        <p:txBody>
+          <a:bodyPr rtlCol="0" anchor="ctr"/>
+          <a:lstStyle/>
+          <a:p>
+            <a:pPr algn="ctr"/>
+            <a:endParaRPr lang="it-IT" baseline="-25000" dirty="0"/>
+          </a:p>
+        </p:txBody>
+      </p:sp>
+    </p:spTree>
+    <p:extLst>
+      <p:ext uri="{BB962C8B-B14F-4D97-AF65-F5344CB8AC3E}">
+        <p14:creationId xmlns:p14="http://schemas.microsoft.com/office/powerpoint/2010/main" val="2400450106"/>
       </p:ext>
     </p:extLst>
   </p:cSld>
@@ -7831,67 +8252,197 @@
           <a:p>
             <a:r>
               <a:rPr lang="it-IT" dirty="0"/>
-              <a:t>Sesso ed Età</a:t>
-            </a:r>
-          </a:p>
-        </p:txBody>
-      </p:sp>
-      <p:pic>
-        <p:nvPicPr>
-          <p:cNvPr id="16" name="Segnaposto contenuto 15"/>
-          <p:cNvPicPr>
-            <a:picLocks noGrp="1" noChangeAspect="1"/>
-          </p:cNvPicPr>
-          <p:nvPr>
-            <p:ph sz="half" idx="1"/>
-          </p:nvPr>
-        </p:nvPicPr>
-        <p:blipFill>
-          <a:blip r:embed="rId3"/>
-          <a:stretch>
-            <a:fillRect/>
-          </a:stretch>
-        </p:blipFill>
-        <p:spPr>
-          <a:xfrm>
-            <a:off x="1379585" y="1846263"/>
-            <a:ext cx="4373468" cy="4022725"/>
+              <a:t>Descrizione del caso di studio</a:t>
+            </a:r>
+          </a:p>
+        </p:txBody>
+      </p:sp>
+      <p:sp>
+        <p:nvSpPr>
+          <p:cNvPr id="3" name="Segnaposto contenuto 2"/>
+          <p:cNvSpPr>
+            <a:spLocks noGrp="1"/>
+          </p:cNvSpPr>
+          <p:nvPr>
+            <p:ph idx="1"/>
+          </p:nvPr>
+        </p:nvSpPr>
+        <p:spPr>
+          <a:xfrm>
+            <a:off x="568702" y="2106259"/>
+            <a:ext cx="7798058" cy="3382759"/>
+          </a:xfrm>
+        </p:spPr>
+        <p:txBody>
+          <a:bodyPr>
+            <a:normAutofit lnSpcReduction="10000"/>
+          </a:bodyPr>
+          <a:lstStyle/>
+          <a:p>
+            <a:pPr marL="457189" indent="-457189">
+              <a:buFont typeface="+mj-lt"/>
+              <a:buAutoNum type="arabicPeriod"/>
+            </a:pPr>
+            <a:r>
+              <a:rPr lang="it-IT" dirty="0"/>
+              <a:t>Analisi descrittive del campione</a:t>
+            </a:r>
+          </a:p>
+          <a:p>
+            <a:pPr marL="749789" lvl="1" indent="-457189">
+              <a:buFont typeface="+mj-lt"/>
+              <a:buAutoNum type="arabicPeriod"/>
+            </a:pPr>
+            <a:r>
+              <a:rPr lang="it-IT" dirty="0"/>
+              <a:t>Sesso ed età</a:t>
+            </a:r>
+          </a:p>
+          <a:p>
+            <a:pPr marL="749789" lvl="1" indent="-457189">
+              <a:buFont typeface="+mj-lt"/>
+              <a:buAutoNum type="arabicPeriod"/>
+            </a:pPr>
+            <a:r>
+              <a:rPr lang="it-IT" dirty="0"/>
+              <a:t>Variabili oggetto di studio</a:t>
+            </a:r>
+          </a:p>
+          <a:p>
+            <a:pPr marL="457189" indent="-457189">
+              <a:buFont typeface="+mj-lt"/>
+              <a:buAutoNum type="arabicPeriod"/>
+            </a:pPr>
+            <a:r>
+              <a:rPr lang="it-IT" dirty="0"/>
+              <a:t>Analisi non parametrica basata su metodi di stima di </a:t>
+            </a:r>
+            <a:r>
+              <a:rPr lang="it-IT" dirty="0" err="1"/>
+              <a:t>Kaplan</a:t>
+            </a:r>
+            <a:r>
+              <a:rPr lang="it-IT" dirty="0"/>
+              <a:t>-Meier </a:t>
+            </a:r>
+          </a:p>
+          <a:p>
+            <a:pPr marL="749789" lvl="1" indent="-457189">
+              <a:buFont typeface="+mj-lt"/>
+              <a:buAutoNum type="arabicPeriod"/>
+            </a:pPr>
+            <a:r>
+              <a:rPr lang="it-IT" dirty="0"/>
+              <a:t>Curva della sopravvivenza totale</a:t>
+            </a:r>
+          </a:p>
+          <a:p>
+            <a:pPr marL="749789" lvl="1" indent="-457189">
+              <a:buFont typeface="+mj-lt"/>
+              <a:buAutoNum type="arabicPeriod"/>
+            </a:pPr>
+            <a:r>
+              <a:rPr lang="it-IT" dirty="0"/>
+              <a:t>Curva della sopravvivenza alla prima ricaduta</a:t>
+            </a:r>
+          </a:p>
+          <a:p>
+            <a:pPr marL="457189" indent="-457189">
+              <a:buFont typeface="+mj-lt"/>
+              <a:buAutoNum type="arabicPeriod"/>
+            </a:pPr>
+            <a:r>
+              <a:rPr lang="it-IT" dirty="0"/>
+              <a:t>Analisi tramite modelli </a:t>
+            </a:r>
+            <a:r>
+              <a:rPr lang="it-IT" dirty="0" err="1"/>
+              <a:t>semiparametrici</a:t>
+            </a:r>
+            <a:r>
+              <a:rPr lang="it-IT" dirty="0"/>
+              <a:t> di </a:t>
+            </a:r>
+            <a:r>
+              <a:rPr lang="it-IT" dirty="0" err="1"/>
+              <a:t>Cox</a:t>
+            </a:r>
+            <a:endParaRPr lang="it-IT" dirty="0"/>
+          </a:p>
+          <a:p>
+            <a:pPr marL="749789" lvl="1" indent="-457189">
+              <a:buFont typeface="+mj-lt"/>
+              <a:buAutoNum type="arabicPeriod"/>
+            </a:pPr>
+            <a:r>
+              <a:rPr lang="it-IT" dirty="0"/>
+              <a:t>Ipotesi di rischi proporzionali</a:t>
+            </a:r>
+          </a:p>
+          <a:p>
+            <a:pPr marL="749789" lvl="1" indent="-457189">
+              <a:buFont typeface="+mj-lt"/>
+              <a:buAutoNum type="arabicPeriod"/>
+            </a:pPr>
+            <a:r>
+              <a:rPr lang="it-IT" dirty="0"/>
+              <a:t>Modelli </a:t>
+            </a:r>
+            <a:r>
+              <a:rPr lang="it-IT" dirty="0" err="1"/>
+              <a:t>univariati</a:t>
+            </a:r>
+            <a:endParaRPr lang="it-IT" dirty="0"/>
+          </a:p>
+          <a:p>
+            <a:pPr marL="749789" lvl="1" indent="-457189">
+              <a:buFont typeface="+mj-lt"/>
+              <a:buAutoNum type="arabicPeriod"/>
+            </a:pPr>
+            <a:r>
+              <a:rPr lang="it-IT" dirty="0"/>
+              <a:t>Modello multivariato</a:t>
+            </a:r>
+          </a:p>
+        </p:txBody>
+      </p:sp>
+      <p:sp>
+        <p:nvSpPr>
+          <p:cNvPr id="4" name="CasellaDiTesto 3"/>
+          <p:cNvSpPr txBox="1"/>
+          <p:nvPr/>
+        </p:nvSpPr>
+        <p:spPr>
+          <a:xfrm>
+            <a:off x="568702" y="5857916"/>
+            <a:ext cx="5669280" cy="276999"/>
           </a:xfrm>
           <a:prstGeom prst="rect">
             <a:avLst/>
           </a:prstGeom>
-        </p:spPr>
-      </p:pic>
-      <p:pic>
-        <p:nvPicPr>
-          <p:cNvPr id="14" name="Segnaposto contenuto 13"/>
-          <p:cNvPicPr>
-            <a:picLocks noGrp="1" noChangeAspect="1"/>
-          </p:cNvPicPr>
-          <p:nvPr>
-            <p:ph sz="half" idx="2"/>
-          </p:nvPr>
-        </p:nvPicPr>
-        <p:blipFill>
-          <a:blip r:embed="rId4"/>
-          <a:stretch>
-            <a:fillRect/>
-          </a:stretch>
-        </p:blipFill>
-        <p:spPr>
-          <a:xfrm>
-            <a:off x="6500066" y="1846263"/>
-            <a:ext cx="4373468" cy="4022725"/>
-          </a:xfrm>
-          <a:prstGeom prst="rect">
-            <a:avLst/>
-          </a:prstGeom>
-        </p:spPr>
-      </p:pic>
+          <a:noFill/>
+        </p:spPr>
+        <p:txBody>
+          <a:bodyPr wrap="square" rtlCol="0">
+            <a:spAutoFit/>
+          </a:bodyPr>
+          <a:lstStyle/>
+          <a:p>
+            <a:r>
+              <a:rPr lang="it-IT" sz="1200" dirty="0" err="1"/>
+              <a:t>N.b.</a:t>
+            </a:r>
+            <a:r>
+              <a:rPr lang="it-IT" sz="1200" dirty="0"/>
+              <a:t>: I tratti salienti dell’analisi sono riportati nelle note per il relatore.</a:t>
+            </a:r>
+          </a:p>
+        </p:txBody>
+      </p:sp>
     </p:spTree>
     <p:extLst>
       <p:ext uri="{BB962C8B-B14F-4D97-AF65-F5344CB8AC3E}">
-        <p14:creationId xmlns:p14="http://schemas.microsoft.com/office/powerpoint/2010/main" val="1440334246"/>
+        <p14:creationId xmlns:p14="http://schemas.microsoft.com/office/powerpoint/2010/main" val="939230154"/>
       </p:ext>
     </p:extLst>
   </p:cSld>
@@ -7935,30 +8486,30 @@
           <a:p>
             <a:r>
               <a:rPr lang="it-IT" dirty="0"/>
-              <a:t>Variabile oggetto di studio: morte</a:t>
+              <a:t>Sesso ed Età</a:t>
             </a:r>
           </a:p>
         </p:txBody>
       </p:sp>
       <p:pic>
         <p:nvPicPr>
-          <p:cNvPr id="11" name="Segnaposto contenuto 10"/>
+          <p:cNvPr id="16" name="Segnaposto contenuto 15"/>
           <p:cNvPicPr>
             <a:picLocks noGrp="1" noChangeAspect="1"/>
           </p:cNvPicPr>
           <p:nvPr>
-            <p:ph idx="1"/>
+            <p:ph sz="half" idx="1"/>
           </p:nvPr>
         </p:nvPicPr>
         <p:blipFill>
-          <a:blip r:embed="rId3"/>
+          <a:blip r:embed="rId3" cstate="print"/>
           <a:stretch>
             <a:fillRect/>
           </a:stretch>
         </p:blipFill>
         <p:spPr>
           <a:xfrm>
-            <a:off x="3939429" y="1846263"/>
+            <a:off x="162046" y="1846262"/>
             <a:ext cx="4373468" cy="4022725"/>
           </a:xfrm>
           <a:prstGeom prst="rect">
@@ -7966,91 +8517,41 @@
           </a:prstGeom>
         </p:spPr>
       </p:pic>
-      <p:cxnSp>
-        <p:nvCxnSpPr>
-          <p:cNvPr id="4" name="Connettore 2 3"/>
-          <p:cNvCxnSpPr>
-            <a:cxnSpLocks/>
-          </p:cNvCxnSpPr>
-          <p:nvPr/>
-        </p:nvCxnSpPr>
-        <p:spPr>
-          <a:xfrm flipH="1" flipV="1">
-            <a:off x="3352800" y="2910840"/>
-            <a:ext cx="1168400" cy="340360"/>
-          </a:xfrm>
-          <a:prstGeom prst="straightConnector1">
+      <p:pic>
+        <p:nvPicPr>
+          <p:cNvPr id="14" name="Segnaposto contenuto 13"/>
+          <p:cNvPicPr>
+            <a:picLocks noGrp="1" noChangeAspect="1"/>
+          </p:cNvPicPr>
+          <p:nvPr>
+            <p:ph sz="half" idx="2"/>
+          </p:nvPr>
+        </p:nvPicPr>
+        <p:blipFill>
+          <a:blip r:embed="rId4" cstate="print"/>
+          <a:stretch>
+            <a:fillRect/>
+          </a:stretch>
+        </p:blipFill>
+        <p:spPr>
+          <a:xfrm>
+            <a:off x="4826120" y="2155049"/>
+            <a:ext cx="4037759" cy="3713938"/>
+          </a:xfrm>
+          <a:prstGeom prst="rect">
             <a:avLst/>
           </a:prstGeom>
-          <a:ln>
-            <a:solidFill>
-              <a:srgbClr val="F8766D"/>
-            </a:solidFill>
-            <a:tailEnd type="triangle"/>
-          </a:ln>
-        </p:spPr>
-        <p:style>
-          <a:lnRef idx="1">
-            <a:schemeClr val="accent1"/>
-          </a:lnRef>
-          <a:fillRef idx="0">
-            <a:schemeClr val="accent1"/>
-          </a:fillRef>
-          <a:effectRef idx="0">
-            <a:schemeClr val="accent1"/>
-          </a:effectRef>
-          <a:fontRef idx="minor">
-            <a:schemeClr val="tx1"/>
-          </a:fontRef>
-        </p:style>
-      </p:cxnSp>
-      <p:cxnSp>
-        <p:nvCxnSpPr>
-          <p:cNvPr id="6" name="Connettore 2 5"/>
-          <p:cNvCxnSpPr>
-            <a:cxnSpLocks/>
-          </p:cNvCxnSpPr>
-          <p:nvPr/>
-        </p:nvCxnSpPr>
-        <p:spPr>
-          <a:xfrm flipV="1">
-            <a:off x="7569200" y="2910840"/>
-            <a:ext cx="1198880" cy="284480"/>
-          </a:xfrm>
-          <a:prstGeom prst="straightConnector1">
-            <a:avLst/>
-          </a:prstGeom>
-          <a:ln>
-            <a:solidFill>
-              <a:srgbClr val="00BFC4"/>
-            </a:solidFill>
-            <a:tailEnd type="triangle"/>
-          </a:ln>
-        </p:spPr>
-        <p:style>
-          <a:lnRef idx="1">
-            <a:schemeClr val="accent1"/>
-          </a:lnRef>
-          <a:fillRef idx="0">
-            <a:schemeClr val="accent1"/>
-          </a:fillRef>
-          <a:effectRef idx="0">
-            <a:schemeClr val="accent1"/>
-          </a:effectRef>
-          <a:fontRef idx="minor">
-            <a:schemeClr val="tx1"/>
-          </a:fontRef>
-        </p:style>
-      </p:cxnSp>
-      <p:sp>
-        <p:nvSpPr>
-          <p:cNvPr id="8" name="CasellaDiTesto 7"/>
+        </p:spPr>
+      </p:pic>
+      <p:sp>
+        <p:nvSpPr>
+          <p:cNvPr id="6" name="CasellaDiTesto 5"/>
           <p:cNvSpPr txBox="1"/>
           <p:nvPr/>
         </p:nvSpPr>
         <p:spPr>
           <a:xfrm>
-            <a:off x="2465022" y="2650728"/>
+            <a:off x="917155" y="3296920"/>
             <a:ext cx="841897" cy="369332"/>
           </a:xfrm>
           <a:prstGeom prst="rect">
@@ -8065,7 +8566,11 @@
           <a:lstStyle/>
           <a:p>
             <a:r>
-              <a:rPr lang="it-IT" dirty="0"/>
+              <a:rPr lang="it-IT" dirty="0">
+                <a:solidFill>
+                  <a:schemeClr val="bg1"/>
+                </a:solidFill>
+              </a:rPr>
               <a:t>maschi</a:t>
             </a:r>
           </a:p>
@@ -8073,13 +8578,13 @@
       </p:sp>
       <p:sp>
         <p:nvSpPr>
-          <p:cNvPr id="9" name="Rettangolo 8"/>
+          <p:cNvPr id="7" name="Rettangolo 6"/>
           <p:cNvSpPr/>
           <p:nvPr/>
         </p:nvSpPr>
         <p:spPr>
           <a:xfrm>
-            <a:off x="8899526" y="2650728"/>
+            <a:off x="2514160" y="2927588"/>
             <a:ext cx="1023678" cy="369332"/>
           </a:xfrm>
           <a:prstGeom prst="rect">
@@ -8093,7 +8598,11 @@
           <a:lstStyle/>
           <a:p>
             <a:r>
-              <a:rPr lang="it-IT" dirty="0"/>
+              <a:rPr lang="it-IT" dirty="0">
+                <a:solidFill>
+                  <a:schemeClr val="bg1"/>
+                </a:solidFill>
+              </a:rPr>
               <a:t>femmine</a:t>
             </a:r>
           </a:p>
@@ -8102,7 +8611,7 @@
     </p:spTree>
     <p:extLst>
       <p:ext uri="{BB962C8B-B14F-4D97-AF65-F5344CB8AC3E}">
-        <p14:creationId xmlns:p14="http://schemas.microsoft.com/office/powerpoint/2010/main" val="2647894380"/>
+        <p14:creationId xmlns:p14="http://schemas.microsoft.com/office/powerpoint/2010/main" val="1440334246"/>
       </p:ext>
     </p:extLst>
   </p:cSld>
@@ -8146,94 +8655,30 @@
           <a:p>
             <a:r>
               <a:rPr lang="it-IT" dirty="0"/>
-              <a:t>Variabile oggetto di studio: ricaduta</a:t>
-            </a:r>
-          </a:p>
-        </p:txBody>
-      </p:sp>
-      <p:sp>
-        <p:nvSpPr>
-          <p:cNvPr id="3" name="Segnaposto contenuto 2"/>
-          <p:cNvSpPr>
-            <a:spLocks noGrp="1"/>
-          </p:cNvSpPr>
-          <p:nvPr>
-            <p:ph sz="half" idx="1"/>
-          </p:nvPr>
-        </p:nvSpPr>
-        <p:spPr>
-          <a:xfrm>
-            <a:off x="1097279" y="2097740"/>
-            <a:ext cx="4937760" cy="3771353"/>
-          </a:xfrm>
-        </p:spPr>
-        <p:txBody>
-          <a:bodyPr/>
-          <a:lstStyle/>
-          <a:p>
-            <a:pPr marL="285750" indent="-285750">
-              <a:buFont typeface="Arial" panose="020B0604020202020204" pitchFamily="34" charset="0"/>
-              <a:buChar char="•"/>
-            </a:pPr>
-            <a:r>
-              <a:rPr lang="it-IT" sz="1600" dirty="0"/>
-              <a:t>Abbiamo considerato tra coloro che hanno avuto una ricaduta quelli che: </a:t>
-            </a:r>
-          </a:p>
-          <a:p>
-            <a:pPr marL="742950" lvl="1" indent="-285750">
-              <a:buFont typeface="Arial" panose="020B0604020202020204" pitchFamily="34" charset="0"/>
-              <a:buChar char="•"/>
-            </a:pPr>
-            <a:r>
-              <a:rPr lang="it-IT" sz="1600" dirty="0"/>
-              <a:t>Sono morti subito dopo la data della prima ricaduta;</a:t>
-            </a:r>
-          </a:p>
-          <a:p>
-            <a:pPr marL="742950" lvl="1" indent="-285750">
-              <a:buFont typeface="Arial" panose="020B0604020202020204" pitchFamily="34" charset="0"/>
-              <a:buChar char="•"/>
-            </a:pPr>
-            <a:r>
-              <a:rPr lang="it-IT" sz="1600" dirty="0"/>
-              <a:t>Sono morti tempo dopo la data della prima ricaduta (almeno un mese di differenza);</a:t>
-            </a:r>
-          </a:p>
-          <a:p>
-            <a:pPr marL="742950" lvl="1" indent="-285750">
-              <a:buFont typeface="Arial" panose="020B0604020202020204" pitchFamily="34" charset="0"/>
-              <a:buChar char="•"/>
-            </a:pPr>
-            <a:r>
-              <a:rPr lang="it-IT" sz="1600" dirty="0"/>
-              <a:t>Sono ancora vivi, ma hanno avuto una ricaduta.</a:t>
-            </a:r>
-          </a:p>
-          <a:p>
-            <a:endParaRPr lang="it-IT" dirty="0"/>
+              <a:t>Variabile oggetto di studio: morte</a:t>
+            </a:r>
           </a:p>
         </p:txBody>
       </p:sp>
       <p:pic>
         <p:nvPicPr>
-          <p:cNvPr id="5" name="Segnaposto contenuto 4"/>
+          <p:cNvPr id="11" name="Segnaposto contenuto 10"/>
           <p:cNvPicPr>
             <a:picLocks noGrp="1" noChangeAspect="1"/>
           </p:cNvPicPr>
           <p:nvPr>
-            <p:ph sz="half" idx="2"/>
+            <p:ph idx="1"/>
           </p:nvPr>
         </p:nvPicPr>
         <p:blipFill>
-          <a:blip r:embed="rId2"/>
+          <a:blip r:embed="rId3" cstate="print"/>
           <a:stretch>
             <a:fillRect/>
           </a:stretch>
         </p:blipFill>
         <p:spPr>
           <a:xfrm>
-            <a:off x="6500066" y="1846263"/>
+            <a:off x="2511663" y="2100906"/>
             <a:ext cx="4373468" cy="4022725"/>
           </a:xfrm>
           <a:prstGeom prst="rect">
@@ -8244,7 +8689,7 @@
     </p:spTree>
     <p:extLst>
       <p:ext uri="{BB962C8B-B14F-4D97-AF65-F5344CB8AC3E}">
-        <p14:creationId xmlns:p14="http://schemas.microsoft.com/office/powerpoint/2010/main" val="4220167346"/>
+        <p14:creationId xmlns:p14="http://schemas.microsoft.com/office/powerpoint/2010/main" val="2647894380"/>
       </p:ext>
     </p:extLst>
   </p:cSld>
@@ -8287,13 +8732,73 @@
           <a:lstStyle/>
           <a:p>
             <a:r>
-              <a:rPr lang="it-IT" dirty="0" err="1"/>
-              <a:t>Covariate</a:t>
-            </a:r>
-            <a:r>
               <a:rPr lang="it-IT" dirty="0"/>
-              <a:t>: LNR e LODDS</a:t>
-            </a:r>
+              <a:t>Variabile oggetto di studio: ricaduta</a:t>
+            </a:r>
+          </a:p>
+        </p:txBody>
+      </p:sp>
+      <p:sp>
+        <p:nvSpPr>
+          <p:cNvPr id="3" name="Segnaposto contenuto 2"/>
+          <p:cNvSpPr>
+            <a:spLocks noGrp="1"/>
+          </p:cNvSpPr>
+          <p:nvPr>
+            <p:ph sz="half" idx="1"/>
+          </p:nvPr>
+        </p:nvSpPr>
+        <p:spPr>
+          <a:xfrm>
+            <a:off x="209886" y="2363393"/>
+            <a:ext cx="4937760" cy="3771353"/>
+          </a:xfrm>
+        </p:spPr>
+        <p:txBody>
+          <a:bodyPr/>
+          <a:lstStyle/>
+          <a:p>
+            <a:pPr marL="285744" indent="-285744">
+              <a:buFont typeface="Arial" panose="020B0604020202020204" pitchFamily="34" charset="0"/>
+              <a:buChar char="•"/>
+            </a:pPr>
+            <a:r>
+              <a:rPr lang="it-IT" sz="1600" dirty="0"/>
+              <a:t>Abbiamo considerato tra coloro che hanno avuto una ricaduta quelli che: </a:t>
+            </a:r>
+          </a:p>
+          <a:p>
+            <a:pPr marL="742932" lvl="1" indent="-285744">
+              <a:buFont typeface="Arial" panose="020B0604020202020204" pitchFamily="34" charset="0"/>
+              <a:buChar char="•"/>
+            </a:pPr>
+            <a:r>
+              <a:rPr lang="it-IT" sz="1600" dirty="0"/>
+              <a:t>Sono morti subito dopo la data della prima ricaduta;</a:t>
+            </a:r>
+          </a:p>
+          <a:p>
+            <a:pPr marL="742932" lvl="1" indent="-285744">
+              <a:buFont typeface="Arial" panose="020B0604020202020204" pitchFamily="34" charset="0"/>
+              <a:buChar char="•"/>
+            </a:pPr>
+            <a:r>
+              <a:rPr lang="it-IT" sz="1600" dirty="0"/>
+              <a:t>Sono morti tempo dopo la data della prima ricaduta (almeno un mese di differenza);</a:t>
+            </a:r>
+          </a:p>
+          <a:p>
+            <a:pPr marL="742932" lvl="1" indent="-285744">
+              <a:buFont typeface="Arial" panose="020B0604020202020204" pitchFamily="34" charset="0"/>
+              <a:buChar char="•"/>
+            </a:pPr>
+            <a:r>
+              <a:rPr lang="it-IT" sz="1600" dirty="0"/>
+              <a:t>Sono ancora vivi, ma hanno avuto una ricaduta.</a:t>
+            </a:r>
+          </a:p>
+          <a:p>
+            <a:endParaRPr lang="it-IT" dirty="0"/>
           </a:p>
         </p:txBody>
       </p:sp>
@@ -8304,45 +8809,19 @@
             <a:picLocks noGrp="1" noChangeAspect="1"/>
           </p:cNvPicPr>
           <p:nvPr>
-            <p:ph sz="half" idx="1"/>
+            <p:ph sz="half" idx="2"/>
           </p:nvPr>
         </p:nvPicPr>
         <p:blipFill>
-          <a:blip r:embed="rId3"/>
+          <a:blip r:embed="rId2" cstate="print"/>
           <a:stretch>
             <a:fillRect/>
           </a:stretch>
         </p:blipFill>
         <p:spPr>
           <a:xfrm>
-            <a:off x="1379585" y="1846263"/>
-            <a:ext cx="4373468" cy="4022725"/>
-          </a:xfrm>
-          <a:prstGeom prst="rect">
-            <a:avLst/>
-          </a:prstGeom>
-        </p:spPr>
-      </p:pic>
-      <p:pic>
-        <p:nvPicPr>
-          <p:cNvPr id="6" name="Segnaposto contenuto 5"/>
-          <p:cNvPicPr>
-            <a:picLocks noGrp="1" noChangeAspect="1"/>
-          </p:cNvPicPr>
-          <p:nvPr>
-            <p:ph sz="half" idx="2"/>
-          </p:nvPr>
-        </p:nvPicPr>
-        <p:blipFill>
-          <a:blip r:embed="rId4"/>
-          <a:stretch>
-            <a:fillRect/>
-          </a:stretch>
-        </p:blipFill>
-        <p:spPr>
-          <a:xfrm>
-            <a:off x="6500066" y="1846263"/>
-            <a:ext cx="4373468" cy="4022725"/>
+            <a:off x="5265958" y="2363393"/>
+            <a:ext cx="3702050" cy="3405152"/>
           </a:xfrm>
           <a:prstGeom prst="rect">
             <a:avLst/>
@@ -8352,7 +8831,7 @@
     </p:spTree>
     <p:extLst>
       <p:ext uri="{BB962C8B-B14F-4D97-AF65-F5344CB8AC3E}">
-        <p14:creationId xmlns:p14="http://schemas.microsoft.com/office/powerpoint/2010/main" val="1739474644"/>
+        <p14:creationId xmlns:p14="http://schemas.microsoft.com/office/powerpoint/2010/main" val="4220167346"/>
       </p:ext>
     </p:extLst>
   </p:cSld>
@@ -8395,6 +8874,114 @@
           <a:lstStyle/>
           <a:p>
             <a:r>
+              <a:rPr lang="it-IT" dirty="0" err="1"/>
+              <a:t>Covariate</a:t>
+            </a:r>
+            <a:r>
+              <a:rPr lang="it-IT" dirty="0"/>
+              <a:t>: LNR e LODDS</a:t>
+            </a:r>
+          </a:p>
+        </p:txBody>
+      </p:sp>
+      <p:pic>
+        <p:nvPicPr>
+          <p:cNvPr id="5" name="Segnaposto contenuto 4"/>
+          <p:cNvPicPr>
+            <a:picLocks noGrp="1" noChangeAspect="1"/>
+          </p:cNvPicPr>
+          <p:nvPr>
+            <p:ph sz="half" idx="1"/>
+          </p:nvPr>
+        </p:nvPicPr>
+        <p:blipFill>
+          <a:blip r:embed="rId3" cstate="print"/>
+          <a:stretch>
+            <a:fillRect/>
+          </a:stretch>
+        </p:blipFill>
+        <p:spPr>
+          <a:xfrm>
+            <a:off x="474561" y="2155049"/>
+            <a:ext cx="3916538" cy="3602440"/>
+          </a:xfrm>
+          <a:prstGeom prst="rect">
+            <a:avLst/>
+          </a:prstGeom>
+        </p:spPr>
+      </p:pic>
+      <p:pic>
+        <p:nvPicPr>
+          <p:cNvPr id="6" name="Segnaposto contenuto 5"/>
+          <p:cNvPicPr>
+            <a:picLocks noGrp="1" noChangeAspect="1"/>
+          </p:cNvPicPr>
+          <p:nvPr>
+            <p:ph sz="half" idx="2"/>
+          </p:nvPr>
+        </p:nvPicPr>
+        <p:blipFill>
+          <a:blip r:embed="rId4" cstate="print"/>
+          <a:stretch>
+            <a:fillRect/>
+          </a:stretch>
+        </p:blipFill>
+        <p:spPr>
+          <a:xfrm>
+            <a:off x="4664075" y="2155049"/>
+            <a:ext cx="3916540" cy="3602440"/>
+          </a:xfrm>
+          <a:prstGeom prst="rect">
+            <a:avLst/>
+          </a:prstGeom>
+        </p:spPr>
+      </p:pic>
+    </p:spTree>
+    <p:extLst>
+      <p:ext uri="{BB962C8B-B14F-4D97-AF65-F5344CB8AC3E}">
+        <p14:creationId xmlns:p14="http://schemas.microsoft.com/office/powerpoint/2010/main" val="1739474644"/>
+      </p:ext>
+    </p:extLst>
+  </p:cSld>
+  <p:clrMapOvr>
+    <a:masterClrMapping/>
+  </p:clrMapOvr>
+</p:sld>
+</file>
+
+<file path=ppt/slides/slide8.xml><?xml version="1.0" encoding="utf-8"?>
+<p:sld xmlns:a="http://schemas.openxmlformats.org/drawingml/2006/main" xmlns:r="http://schemas.openxmlformats.org/officeDocument/2006/relationships" xmlns:p="http://schemas.openxmlformats.org/presentationml/2006/main">
+  <p:cSld>
+    <p:spTree>
+      <p:nvGrpSpPr>
+        <p:cNvPr id="1" name=""/>
+        <p:cNvGrpSpPr/>
+        <p:nvPr/>
+      </p:nvGrpSpPr>
+      <p:grpSpPr>
+        <a:xfrm>
+          <a:off x="0" y="0"/>
+          <a:ext cx="0" cy="0"/>
+          <a:chOff x="0" y="0"/>
+          <a:chExt cx="0" cy="0"/>
+        </a:xfrm>
+      </p:grpSpPr>
+      <p:sp>
+        <p:nvSpPr>
+          <p:cNvPr id="2" name="Titolo 1"/>
+          <p:cNvSpPr>
+            <a:spLocks noGrp="1"/>
+          </p:cNvSpPr>
+          <p:nvPr>
+            <p:ph type="title"/>
+          </p:nvPr>
+        </p:nvSpPr>
+        <p:spPr/>
+        <p:txBody>
+          <a:bodyPr/>
+          <a:lstStyle/>
+          <a:p>
+            <a:r>
               <a:rPr lang="it-IT" dirty="0"/>
               <a:t>Stima della curva di sopravvivenza</a:t>
             </a:r>
@@ -8413,8 +9000,8 @@
         </p:nvSpPr>
         <p:spPr>
           <a:xfrm>
-            <a:off x="1097280" y="1845734"/>
-            <a:ext cx="10058400" cy="886708"/>
+            <a:off x="196770" y="1845735"/>
+            <a:ext cx="8831483" cy="886708"/>
           </a:xfrm>
         </p:spPr>
         <p:txBody>
@@ -8458,8 +9045,8 @@
             </p:nvSpPr>
             <p:spPr>
               <a:xfrm>
-                <a:off x="4690334" y="2732442"/>
-                <a:ext cx="2614613" cy="731520"/>
+                <a:off x="3194612" y="2712388"/>
+                <a:ext cx="2614613" cy="731837"/>
               </a:xfrm>
             </p:spPr>
             <p:txBody>
@@ -8666,11 +9253,11 @@
             </p:nvSpPr>
             <p:spPr>
               <a:xfrm>
-                <a:off x="4690334" y="2732442"/>
-                <a:ext cx="2614613" cy="731520"/>
+                <a:off x="3194612" y="2712388"/>
+                <a:ext cx="2614613" cy="731837"/>
               </a:xfrm>
-              <a:blipFill>
-                <a:blip r:embed="rId2"/>
+              <a:blipFill rotWithShape="0">
+                <a:blip r:embed="rId2" cstate="print"/>
                 <a:stretch>
                   <a:fillRect/>
                 </a:stretch>
@@ -8701,8 +9288,8 @@
         </p:nvSpPr>
         <p:spPr>
           <a:xfrm>
-            <a:off x="1097280" y="3773146"/>
-            <a:ext cx="10058400" cy="2509320"/>
+            <a:off x="462987" y="3784921"/>
+            <a:ext cx="8137004" cy="2497545"/>
           </a:xfrm>
           <a:prstGeom prst="rect">
             <a:avLst/>
@@ -8967,15 +9554,7 @@
           <a:p>
             <a:r>
               <a:rPr lang="it-IT" dirty="0"/>
-              <a:t>Per l’analisi della sopravvivenza sono stati adoperati i </a:t>
-            </a:r>
-            <a:r>
-              <a:rPr lang="it-IT" dirty="0" err="1"/>
-              <a:t>pachetti</a:t>
-            </a:r>
-            <a:r>
-              <a:rPr lang="it-IT" dirty="0"/>
-              <a:t> ‘</a:t>
+              <a:t>Per l’analisi della sopravvivenza sono stati adoperati i pacchetti ‘</a:t>
             </a:r>
             <a:r>
               <a:rPr lang="it-IT" dirty="0" err="1"/>
@@ -9006,60 +9585,6 @@
     <p:extLst>
       <p:ext uri="{BB962C8B-B14F-4D97-AF65-F5344CB8AC3E}">
         <p14:creationId xmlns:p14="http://schemas.microsoft.com/office/powerpoint/2010/main" val="322613582"/>
-      </p:ext>
-    </p:extLst>
-  </p:cSld>
-  <p:clrMapOvr>
-    <a:masterClrMapping/>
-  </p:clrMapOvr>
-</p:sld>
-</file>
-
-<file path=ppt/slides/slide8.xml><?xml version="1.0" encoding="utf-8"?>
-<p:sld xmlns:a="http://schemas.openxmlformats.org/drawingml/2006/main" xmlns:r="http://schemas.openxmlformats.org/officeDocument/2006/relationships" xmlns:p="http://schemas.openxmlformats.org/presentationml/2006/main">
-  <p:cSld>
-    <p:spTree>
-      <p:nvGrpSpPr>
-        <p:cNvPr id="1" name=""/>
-        <p:cNvGrpSpPr/>
-        <p:nvPr/>
-      </p:nvGrpSpPr>
-      <p:grpSpPr>
-        <a:xfrm>
-          <a:off x="0" y="0"/>
-          <a:ext cx="0" cy="0"/>
-          <a:chOff x="0" y="0"/>
-          <a:chExt cx="0" cy="0"/>
-        </a:xfrm>
-      </p:grpSpPr>
-      <p:pic>
-        <p:nvPicPr>
-          <p:cNvPr id="3" name="Immagine 2"/>
-          <p:cNvPicPr>
-            <a:picLocks noChangeAspect="1"/>
-          </p:cNvPicPr>
-          <p:nvPr/>
-        </p:nvPicPr>
-        <p:blipFill>
-          <a:blip r:embed="rId3"/>
-          <a:stretch>
-            <a:fillRect/>
-          </a:stretch>
-        </p:blipFill>
-        <p:spPr>
-          <a:xfrm>
-            <a:off x="347240" y="112930"/>
-            <a:ext cx="11320041" cy="6196544"/>
-          </a:xfrm>
-          <a:prstGeom prst="rect">
-            <a:avLst/>
-          </a:prstGeom>
-        </p:spPr>
-      </p:pic>
-    </p:spTree>
-    <p:extLst>
-      <p:ext uri="{BB962C8B-B14F-4D97-AF65-F5344CB8AC3E}">
-        <p14:creationId xmlns:p14="http://schemas.microsoft.com/office/powerpoint/2010/main" val="3898262473"/>
       </p:ext>
     </p:extLst>
   </p:cSld>
@@ -9088,22 +9613,22 @@
       </p:grpSpPr>
       <p:pic>
         <p:nvPicPr>
-          <p:cNvPr id="2" name="Immagine 1"/>
+          <p:cNvPr id="3" name="Immagine 2"/>
           <p:cNvPicPr>
             <a:picLocks noChangeAspect="1"/>
           </p:cNvPicPr>
           <p:nvPr/>
         </p:nvPicPr>
         <p:blipFill>
-          <a:blip r:embed="rId3"/>
+          <a:blip r:embed="rId3" cstate="print"/>
           <a:stretch>
             <a:fillRect/>
           </a:stretch>
         </p:blipFill>
         <p:spPr>
           <a:xfrm>
-            <a:off x="423255" y="196771"/>
-            <a:ext cx="11058831" cy="6053558"/>
+            <a:off x="0" y="439836"/>
+            <a:ext cx="9092349" cy="4977115"/>
           </a:xfrm>
           <a:prstGeom prst="rect">
             <a:avLst/>
@@ -9113,7 +9638,7 @@
     </p:spTree>
     <p:extLst>
       <p:ext uri="{BB962C8B-B14F-4D97-AF65-F5344CB8AC3E}">
-        <p14:creationId xmlns:p14="http://schemas.microsoft.com/office/powerpoint/2010/main" val="4050836725"/>
+        <p14:creationId xmlns:p14="http://schemas.microsoft.com/office/powerpoint/2010/main" val="3898262473"/>
       </p:ext>
     </p:extLst>
   </p:cSld>
@@ -9126,47 +9651,47 @@
 <file path=ppt/theme/theme1.xml><?xml version="1.0" encoding="utf-8"?>
 <a:theme xmlns:a="http://schemas.openxmlformats.org/drawingml/2006/main" name="Retrospettivo">
   <a:themeElements>
-    <a:clrScheme name="Arancione rosso">
+    <a:clrScheme name="Retrospettivo">
       <a:dk1>
-        <a:sysClr val="windowText" lastClr="000000"/>
+        <a:srgbClr val="000000"/>
       </a:dk1>
       <a:lt1>
         <a:sysClr val="window" lastClr="FFFFFF"/>
       </a:lt1>
       <a:dk2>
-        <a:srgbClr val="696464"/>
+        <a:srgbClr val="637052"/>
       </a:dk2>
       <a:lt2>
-        <a:srgbClr val="E9E5DC"/>
+        <a:srgbClr val="CCDDEA"/>
       </a:lt2>
       <a:accent1>
-        <a:srgbClr val="D34817"/>
+        <a:srgbClr val="E48312"/>
       </a:accent1>
       <a:accent2>
-        <a:srgbClr val="9B2D1F"/>
+        <a:srgbClr val="BD582C"/>
       </a:accent2>
       <a:accent3>
-        <a:srgbClr val="A28E6A"/>
+        <a:srgbClr val="865640"/>
       </a:accent3>
       <a:accent4>
-        <a:srgbClr val="956251"/>
+        <a:srgbClr val="9B8357"/>
       </a:accent4>
       <a:accent5>
-        <a:srgbClr val="918485"/>
+        <a:srgbClr val="C2BC80"/>
       </a:accent5>
       <a:accent6>
-        <a:srgbClr val="855D5D"/>
+        <a:srgbClr val="94A088"/>
       </a:accent6>
       <a:hlink>
-        <a:srgbClr val="CC9900"/>
+        <a:srgbClr val="2998E3"/>
       </a:hlink>
       <a:folHlink>
-        <a:srgbClr val="96A9A9"/>
+        <a:srgbClr val="8C8C8C"/>
       </a:folHlink>
     </a:clrScheme>
     <a:fontScheme name="Retrospettivo">
       <a:majorFont>
-        <a:latin typeface="Calibri Light" panose="020F0302020204030204"/>
+        <a:latin typeface="Calibri Light"/>
         <a:ea typeface=""/>
         <a:cs typeface=""/>
         <a:font script="Jpan" typeface="ＭＳ Ｐゴシック"/>
@@ -9201,7 +9726,7 @@
         <a:font script="Geor" typeface="Sylfaen"/>
       </a:majorFont>
       <a:minorFont>
-        <a:latin typeface="Calibri" panose="020F0502020204030204"/>
+        <a:latin typeface="Calibri"/>
         <a:ea typeface=""/>
         <a:cs typeface=""/>
         <a:font script="Jpan" typeface="ＭＳ Ｐゴシック"/>
@@ -9449,7 +9974,7 @@
     </a:clrScheme>
     <a:fontScheme name="Office">
       <a:majorFont>
-        <a:latin typeface="Calibri Light" panose="020F0302020204030204"/>
+        <a:latin typeface="Calibri Light"/>
         <a:ea typeface=""/>
         <a:cs typeface=""/>
         <a:font script="Jpan" typeface="游ゴシック Light"/>
@@ -9484,7 +10009,7 @@
         <a:font script="Geor" typeface="Sylfaen"/>
       </a:majorFont>
       <a:minorFont>
-        <a:latin typeface="Calibri" panose="020F0502020204030204"/>
+        <a:latin typeface="Calibri"/>
         <a:ea typeface=""/>
         <a:cs typeface=""/>
         <a:font script="Jpan" typeface="游ゴシック"/>
